--- a/c# 스터디 1주 차.pptx
+++ b/c# 스터디 1주 차.pptx
@@ -3328,7 +3328,7 @@
           <a:p>
             <a:fld id="{7C90EEF3-85AA-4A0F-A388-8693DEDCA294}" type="datetimeFigureOut">
               <a:rPr lang="ko-KR" altLang="en-US" smtClean="0"/>
-              <a:t>2020-02-12</a:t>
+              <a:t>2020-02-26</a:t>
             </a:fld>
             <a:endParaRPr lang="ko-KR" altLang="en-US"/>
           </a:p>
@@ -4374,7 +4374,7 @@
           <a:p>
             <a:fld id="{4E94162F-4773-4077-AA99-7762C3C9E76E}" type="datetimeFigureOut">
               <a:rPr lang="ko-KR" altLang="en-US" smtClean="0"/>
-              <a:t>2020-02-12</a:t>
+              <a:t>2020-02-26</a:t>
             </a:fld>
             <a:endParaRPr lang="ko-KR" altLang="en-US"/>
           </a:p>
@@ -4572,7 +4572,7 @@
           <a:p>
             <a:fld id="{4E94162F-4773-4077-AA99-7762C3C9E76E}" type="datetimeFigureOut">
               <a:rPr lang="ko-KR" altLang="en-US" smtClean="0"/>
-              <a:t>2020-02-12</a:t>
+              <a:t>2020-02-26</a:t>
             </a:fld>
             <a:endParaRPr lang="ko-KR" altLang="en-US"/>
           </a:p>
@@ -4780,7 +4780,7 @@
           <a:p>
             <a:fld id="{4E94162F-4773-4077-AA99-7762C3C9E76E}" type="datetimeFigureOut">
               <a:rPr lang="ko-KR" altLang="en-US" smtClean="0"/>
-              <a:t>2020-02-12</a:t>
+              <a:t>2020-02-26</a:t>
             </a:fld>
             <a:endParaRPr lang="ko-KR" altLang="en-US"/>
           </a:p>
@@ -4978,7 +4978,7 @@
           <a:p>
             <a:fld id="{4E94162F-4773-4077-AA99-7762C3C9E76E}" type="datetimeFigureOut">
               <a:rPr lang="ko-KR" altLang="en-US" smtClean="0"/>
-              <a:t>2020-02-12</a:t>
+              <a:t>2020-02-26</a:t>
             </a:fld>
             <a:endParaRPr lang="ko-KR" altLang="en-US"/>
           </a:p>
@@ -5253,7 +5253,7 @@
           <a:p>
             <a:fld id="{4E94162F-4773-4077-AA99-7762C3C9E76E}" type="datetimeFigureOut">
               <a:rPr lang="ko-KR" altLang="en-US" smtClean="0"/>
-              <a:t>2020-02-12</a:t>
+              <a:t>2020-02-26</a:t>
             </a:fld>
             <a:endParaRPr lang="ko-KR" altLang="en-US"/>
           </a:p>
@@ -5518,7 +5518,7 @@
           <a:p>
             <a:fld id="{4E94162F-4773-4077-AA99-7762C3C9E76E}" type="datetimeFigureOut">
               <a:rPr lang="ko-KR" altLang="en-US" smtClean="0"/>
-              <a:t>2020-02-12</a:t>
+              <a:t>2020-02-26</a:t>
             </a:fld>
             <a:endParaRPr lang="ko-KR" altLang="en-US"/>
           </a:p>
@@ -5930,7 +5930,7 @@
           <a:p>
             <a:fld id="{4E94162F-4773-4077-AA99-7762C3C9E76E}" type="datetimeFigureOut">
               <a:rPr lang="ko-KR" altLang="en-US" smtClean="0"/>
-              <a:t>2020-02-12</a:t>
+              <a:t>2020-02-26</a:t>
             </a:fld>
             <a:endParaRPr lang="ko-KR" altLang="en-US"/>
           </a:p>
@@ -6071,7 +6071,7 @@
           <a:p>
             <a:fld id="{4E94162F-4773-4077-AA99-7762C3C9E76E}" type="datetimeFigureOut">
               <a:rPr lang="ko-KR" altLang="en-US" smtClean="0"/>
-              <a:t>2020-02-12</a:t>
+              <a:t>2020-02-26</a:t>
             </a:fld>
             <a:endParaRPr lang="ko-KR" altLang="en-US"/>
           </a:p>
@@ -6184,7 +6184,7 @@
           <a:p>
             <a:fld id="{4E94162F-4773-4077-AA99-7762C3C9E76E}" type="datetimeFigureOut">
               <a:rPr lang="ko-KR" altLang="en-US" smtClean="0"/>
-              <a:t>2020-02-12</a:t>
+              <a:t>2020-02-26</a:t>
             </a:fld>
             <a:endParaRPr lang="ko-KR" altLang="en-US"/>
           </a:p>
@@ -6495,7 +6495,7 @@
           <a:p>
             <a:fld id="{4E94162F-4773-4077-AA99-7762C3C9E76E}" type="datetimeFigureOut">
               <a:rPr lang="ko-KR" altLang="en-US" smtClean="0"/>
-              <a:t>2020-02-12</a:t>
+              <a:t>2020-02-26</a:t>
             </a:fld>
             <a:endParaRPr lang="ko-KR" altLang="en-US"/>
           </a:p>
@@ -6783,7 +6783,7 @@
           <a:p>
             <a:fld id="{4E94162F-4773-4077-AA99-7762C3C9E76E}" type="datetimeFigureOut">
               <a:rPr lang="ko-KR" altLang="en-US" smtClean="0"/>
-              <a:t>2020-02-12</a:t>
+              <a:t>2020-02-26</a:t>
             </a:fld>
             <a:endParaRPr lang="ko-KR" altLang="en-US"/>
           </a:p>
@@ -7024,7 +7024,7 @@
           <a:p>
             <a:fld id="{4E94162F-4773-4077-AA99-7762C3C9E76E}" type="datetimeFigureOut">
               <a:rPr lang="ko-KR" altLang="en-US" smtClean="0"/>
-              <a:t>2020-02-12</a:t>
+              <a:t>2020-02-26</a:t>
             </a:fld>
             <a:endParaRPr lang="ko-KR" altLang="en-US"/>
           </a:p>
@@ -7430,7 +7430,10 @@
     <p:bg>
       <p:bgPr>
         <a:solidFill>
-          <a:schemeClr val="bg1"/>
+          <a:schemeClr val="bg1">
+            <a:tint val="95000"/>
+            <a:satMod val="170000"/>
+          </a:schemeClr>
         </a:solidFill>
         <a:effectLst/>
       </p:bgPr>
@@ -7449,12 +7452,167 @@
           <a:chExt cx="0" cy="0"/>
         </a:xfrm>
       </p:grpSpPr>
-      <p:sp useBgFill="1">
-        <p:nvSpPr>
-          <p:cNvPr id="54" name="Rectangle 53">
+      <p:grpSp>
+        <p:nvGrpSpPr>
+          <p:cNvPr id="69" name="Group 68">
             <a:extLst>
               <a:ext uri="{FF2B5EF4-FFF2-40B4-BE49-F238E27FC236}">
-                <a16:creationId xmlns:a16="http://schemas.microsoft.com/office/drawing/2014/main" id="{559AE206-7EBA-4D33-8BC9-9D8158553F0E}"/>
+                <a16:creationId xmlns:a16="http://schemas.microsoft.com/office/drawing/2014/main" id="{D2C4BFA1-2075-4901-9E24-E41D1FDD51FD}"/>
+              </a:ext>
+              <a:ext uri="{C183D7F6-B498-43B3-948B-1728B52AA6E4}">
+                <adec:decorative xmlns:adec="http://schemas.microsoft.com/office/drawing/2017/decorative" val="1"/>
+              </a:ext>
+            </a:extLst>
+          </p:cNvPr>
+          <p:cNvGrpSpPr>
+            <a:grpSpLocks noGrp="1" noUngrp="1" noRot="1" noChangeAspect="1" noMove="1" noResize="1"/>
+          </p:cNvGrpSpPr>
+          <p:nvPr>
+            <p:extLst>
+              <p:ext uri="{386F3935-93C4-4BCD-93E2-E3B085C9AB24}">
+                <p16:designElem xmlns:p16="http://schemas.microsoft.com/office/powerpoint/2015/main" val="1"/>
+              </p:ext>
+            </p:extLst>
+          </p:nvPr>
+        </p:nvGrpSpPr>
+        <p:grpSpPr>
+          <a:xfrm>
+            <a:off x="1155481" y="498348"/>
+            <a:ext cx="9902663" cy="5861304"/>
+            <a:chOff x="1155481" y="498348"/>
+            <a:chExt cx="9902663" cy="5861304"/>
+          </a:xfrm>
+        </p:grpSpPr>
+        <p:sp>
+          <p:nvSpPr>
+            <p:cNvPr id="70" name="Oval 5">
+              <a:extLst>
+                <a:ext uri="{FF2B5EF4-FFF2-40B4-BE49-F238E27FC236}">
+                  <a16:creationId xmlns:a16="http://schemas.microsoft.com/office/drawing/2014/main" id="{985A7375-E3AF-4F5C-85AE-17E8832952CA}"/>
+                </a:ext>
+                <a:ext uri="{C183D7F6-B498-43B3-948B-1728B52AA6E4}">
+                  <adec:decorative xmlns:adec="http://schemas.microsoft.com/office/drawing/2017/decorative" val="1"/>
+                </a:ext>
+              </a:extLst>
+            </p:cNvPr>
+            <p:cNvSpPr>
+              <a:spLocks noChangeArrowheads="1"/>
+            </p:cNvSpPr>
+            <p:nvPr>
+              <p:extLst>
+                <p:ext uri="{386F3935-93C4-4BCD-93E2-E3B085C9AB24}">
+                  <p16:designElem xmlns:p16="http://schemas.microsoft.com/office/powerpoint/2015/main" val="1"/>
+                </p:ext>
+              </p:extLst>
+            </p:nvPr>
+          </p:nvSpPr>
+          <p:spPr bwMode="auto">
+            <a:xfrm>
+              <a:off x="1155481" y="498348"/>
+              <a:ext cx="5861304" cy="5861304"/>
+            </a:xfrm>
+            <a:prstGeom prst="ellipse">
+              <a:avLst/>
+            </a:prstGeom>
+            <a:solidFill>
+              <a:schemeClr val="accent1">
+                <a:alpha val="55000"/>
+              </a:schemeClr>
+            </a:solidFill>
+            <a:ln>
+              <a:noFill/>
+            </a:ln>
+          </p:spPr>
+        </p:sp>
+        <p:sp>
+          <p:nvSpPr>
+            <p:cNvPr id="71" name="Oval 70">
+              <a:extLst>
+                <a:ext uri="{FF2B5EF4-FFF2-40B4-BE49-F238E27FC236}">
+                  <a16:creationId xmlns:a16="http://schemas.microsoft.com/office/drawing/2014/main" id="{F0307F65-8304-4FA8-A841-D4D7625411BE}"/>
+                </a:ext>
+                <a:ext uri="{C183D7F6-B498-43B3-948B-1728B52AA6E4}">
+                  <adec:decorative xmlns:adec="http://schemas.microsoft.com/office/drawing/2017/decorative" val="1"/>
+                </a:ext>
+              </a:extLst>
+            </p:cNvPr>
+            <p:cNvSpPr>
+              <a:spLocks noChangeArrowheads="1"/>
+            </p:cNvSpPr>
+            <p:nvPr>
+              <p:extLst>
+                <p:ext uri="{386F3935-93C4-4BCD-93E2-E3B085C9AB24}">
+                  <p16:designElem xmlns:p16="http://schemas.microsoft.com/office/powerpoint/2015/main" val="1"/>
+                </p:ext>
+              </p:extLst>
+            </p:nvPr>
+          </p:nvSpPr>
+          <p:spPr bwMode="auto">
+            <a:xfrm>
+              <a:off x="5196840" y="498348"/>
+              <a:ext cx="5861304" cy="5861304"/>
+            </a:xfrm>
+            <a:prstGeom prst="ellipse">
+              <a:avLst/>
+            </a:prstGeom>
+            <a:solidFill>
+              <a:schemeClr val="accent1">
+                <a:alpha val="55000"/>
+              </a:schemeClr>
+            </a:solidFill>
+            <a:ln>
+              <a:noFill/>
+            </a:ln>
+          </p:spPr>
+        </p:sp>
+        <p:sp>
+          <p:nvSpPr>
+            <p:cNvPr id="72" name="Oval 5">
+              <a:extLst>
+                <a:ext uri="{FF2B5EF4-FFF2-40B4-BE49-F238E27FC236}">
+                  <a16:creationId xmlns:a16="http://schemas.microsoft.com/office/drawing/2014/main" id="{C8B8394C-136F-4E05-A002-D93A5E79CD50}"/>
+                </a:ext>
+                <a:ext uri="{C183D7F6-B498-43B3-948B-1728B52AA6E4}">
+                  <adec:decorative xmlns:adec="http://schemas.microsoft.com/office/drawing/2017/decorative" val="1"/>
+                </a:ext>
+              </a:extLst>
+            </p:cNvPr>
+            <p:cNvSpPr>
+              <a:spLocks noChangeArrowheads="1"/>
+            </p:cNvSpPr>
+            <p:nvPr>
+              <p:extLst>
+                <p:ext uri="{386F3935-93C4-4BCD-93E2-E3B085C9AB24}">
+                  <p16:designElem xmlns:p16="http://schemas.microsoft.com/office/powerpoint/2015/main" val="1"/>
+                </p:ext>
+              </p:extLst>
+            </p:nvPr>
+          </p:nvSpPr>
+          <p:spPr bwMode="auto">
+            <a:xfrm>
+              <a:off x="3165348" y="498348"/>
+              <a:ext cx="5861304" cy="5861304"/>
+            </a:xfrm>
+            <a:prstGeom prst="ellipse">
+              <a:avLst/>
+            </a:prstGeom>
+            <a:solidFill>
+              <a:schemeClr val="accent1">
+                <a:alpha val="70000"/>
+              </a:schemeClr>
+            </a:solidFill>
+            <a:ln>
+              <a:noFill/>
+            </a:ln>
+          </p:spPr>
+        </p:sp>
+      </p:grpSp>
+      <p:sp>
+        <p:nvSpPr>
+          <p:cNvPr id="74" name="Rectangle 73">
+            <a:extLst>
+              <a:ext uri="{FF2B5EF4-FFF2-40B4-BE49-F238E27FC236}">
+                <a16:creationId xmlns:a16="http://schemas.microsoft.com/office/drawing/2014/main" id="{053FB2EE-284F-4C87-AB3D-BBF87A9FAB97}"/>
               </a:ext>
               <a:ext uri="{C183D7F6-B498-43B3-948B-1728B52AA6E4}">
                 <adec:decorative xmlns:adec="http://schemas.microsoft.com/office/drawing/2017/decorative" val="1"/>
@@ -7474,192 +7632,14 @@
         </p:nvSpPr>
         <p:spPr>
           <a:xfrm>
-            <a:off x="0" y="0"/>
-            <a:ext cx="12192000" cy="6858000"/>
+            <a:off x="0" y="2514600"/>
+            <a:ext cx="12192000" cy="1828800"/>
           </a:xfrm>
           <a:prstGeom prst="rect">
             <a:avLst/>
           </a:prstGeom>
-          <a:ln>
-            <a:noFill/>
-          </a:ln>
-        </p:spPr>
-        <p:style>
-          <a:lnRef idx="2">
-            <a:schemeClr val="accent1">
-              <a:shade val="50000"/>
-            </a:schemeClr>
-          </a:lnRef>
-          <a:fillRef idx="1">
-            <a:schemeClr val="accent1"/>
-          </a:fillRef>
-          <a:effectRef idx="0">
-            <a:schemeClr val="accent1"/>
-          </a:effectRef>
-          <a:fontRef idx="minor">
-            <a:schemeClr val="lt1"/>
-          </a:fontRef>
-        </p:style>
-        <p:txBody>
-          <a:bodyPr rtlCol="0" anchor="ctr"/>
-          <a:lstStyle/>
-          <a:p>
-            <a:pPr marL="0" marR="0" lvl="0" indent="0" algn="ctr" defTabSz="914400" rtl="0" eaLnBrk="1" fontAlgn="auto" latinLnBrk="0" hangingPunct="1">
-              <a:lnSpc>
-                <a:spcPct val="100000"/>
-              </a:lnSpc>
-              <a:spcBef>
-                <a:spcPts val="0"/>
-              </a:spcBef>
-              <a:spcAft>
-                <a:spcPts val="0"/>
-              </a:spcAft>
-              <a:buClrTx/>
-              <a:buSzTx/>
-              <a:buFontTx/>
-              <a:buNone/>
-              <a:tabLst/>
-              <a:defRPr/>
-            </a:pPr>
-            <a:endParaRPr kumimoji="0" lang="en-US" sz="1800" b="0" i="0" u="none" strike="noStrike" kern="1200" cap="none" spc="0" normalizeH="0" baseline="0" noProof="0">
-              <a:ln>
-                <a:noFill/>
-              </a:ln>
-              <a:solidFill>
-                <a:prstClr val="white"/>
-              </a:solidFill>
-              <a:effectLst/>
-              <a:uLnTx/>
-              <a:uFillTx/>
-              <a:latin typeface="Calibri" panose="020F0502020204030204"/>
-              <a:ea typeface="+mn-ea"/>
-              <a:cs typeface="+mn-cs"/>
-            </a:endParaRPr>
-          </a:p>
-        </p:txBody>
-      </p:sp>
-      <p:sp>
-        <p:nvSpPr>
-          <p:cNvPr id="2" name="제목 1">
-            <a:extLst>
-              <a:ext uri="{FF2B5EF4-FFF2-40B4-BE49-F238E27FC236}">
-                <a16:creationId xmlns:a16="http://schemas.microsoft.com/office/drawing/2014/main" id="{7D4EF7A6-9CE2-4B60-A24E-6E0327696410}"/>
-              </a:ext>
-            </a:extLst>
-          </p:cNvPr>
-          <p:cNvSpPr>
-            <a:spLocks noGrp="1"/>
-          </p:cNvSpPr>
-          <p:nvPr>
-            <p:ph type="ctrTitle"/>
-          </p:nvPr>
-        </p:nvSpPr>
-        <p:spPr>
-          <a:xfrm>
-            <a:off x="838199" y="4525347"/>
-            <a:ext cx="6801321" cy="1737360"/>
-          </a:xfrm>
-        </p:spPr>
-        <p:txBody>
-          <a:bodyPr anchor="ctr">
-            <a:normAutofit/>
-          </a:bodyPr>
-          <a:lstStyle/>
-          <a:p>
-            <a:pPr algn="r"/>
-            <a:r>
-              <a:rPr lang="en-US" altLang="ko-KR"/>
-              <a:t>C# </a:t>
-            </a:r>
-            <a:r>
-              <a:rPr lang="ko-KR" altLang="en-US"/>
-              <a:t>스터디 </a:t>
-            </a:r>
-            <a:r>
-              <a:rPr lang="en-US" altLang="ko-KR"/>
-              <a:t>1</a:t>
-            </a:r>
-            <a:r>
-              <a:rPr lang="ko-KR" altLang="en-US"/>
-              <a:t>주 차</a:t>
-            </a:r>
-          </a:p>
-        </p:txBody>
-      </p:sp>
-      <p:sp>
-        <p:nvSpPr>
-          <p:cNvPr id="3" name="부제목 2">
-            <a:extLst>
-              <a:ext uri="{FF2B5EF4-FFF2-40B4-BE49-F238E27FC236}">
-                <a16:creationId xmlns:a16="http://schemas.microsoft.com/office/drawing/2014/main" id="{245EAE5E-182B-4346-A594-355C361102FC}"/>
-              </a:ext>
-            </a:extLst>
-          </p:cNvPr>
-          <p:cNvSpPr>
-            <a:spLocks noGrp="1"/>
-          </p:cNvSpPr>
-          <p:nvPr>
-            <p:ph type="subTitle" idx="1"/>
-          </p:nvPr>
-        </p:nvSpPr>
-        <p:spPr>
-          <a:xfrm>
-            <a:off x="7961258" y="4525347"/>
-            <a:ext cx="3468738" cy="1737360"/>
-          </a:xfrm>
-        </p:spPr>
-        <p:txBody>
-          <a:bodyPr anchor="ctr">
-            <a:normAutofit/>
-          </a:bodyPr>
-          <a:lstStyle/>
-          <a:p>
-            <a:pPr algn="l"/>
-            <a:r>
-              <a:rPr lang="ko-KR" altLang="en-US" dirty="0"/>
-              <a:t>자료형과 연산자 그리고 </a:t>
-            </a:r>
-            <a:r>
-              <a:rPr lang="en-US" altLang="ko-KR" dirty="0"/>
-              <a:t>Git</a:t>
-            </a:r>
-            <a:endParaRPr lang="ko-KR" altLang="en-US" dirty="0"/>
-          </a:p>
-        </p:txBody>
-      </p:sp>
-      <p:sp>
-        <p:nvSpPr>
-          <p:cNvPr id="56" name="Oval 55">
-            <a:extLst>
-              <a:ext uri="{FF2B5EF4-FFF2-40B4-BE49-F238E27FC236}">
-                <a16:creationId xmlns:a16="http://schemas.microsoft.com/office/drawing/2014/main" id="{6437D937-A7F1-4011-92B4-328E5BE1B166}"/>
-              </a:ext>
-              <a:ext uri="{C183D7F6-B498-43B3-948B-1728B52AA6E4}">
-                <adec:decorative xmlns:adec="http://schemas.microsoft.com/office/drawing/2017/decorative" val="1"/>
-              </a:ext>
-            </a:extLst>
-          </p:cNvPr>
-          <p:cNvSpPr>
-            <a:spLocks noGrp="1" noRot="1" noChangeAspect="1" noMove="1" noResize="1" noEditPoints="1" noAdjustHandles="1" noChangeArrowheads="1" noChangeShapeType="1" noTextEdit="1"/>
-          </p:cNvSpPr>
-          <p:nvPr>
-            <p:extLst>
-              <p:ext uri="{386F3935-93C4-4BCD-93E2-E3B085C9AB24}">
-                <p16:designElem xmlns:p16="http://schemas.microsoft.com/office/powerpoint/2015/main" val="1"/>
-              </p:ext>
-            </p:extLst>
-          </p:nvPr>
-        </p:nvSpPr>
-        <p:spPr>
-          <a:xfrm>
-            <a:off x="588567" y="620480"/>
-            <a:ext cx="2243800" cy="2243796"/>
-          </a:xfrm>
-          <a:prstGeom prst="ellipse">
-            <a:avLst/>
-          </a:prstGeom>
           <a:solidFill>
-            <a:schemeClr val="accent5"/>
+            <a:schemeClr val="tx2"/>
           </a:solidFill>
           <a:ln>
             <a:noFill/>
@@ -7681,435 +7661,110 @@
             <a:schemeClr val="lt1"/>
           </a:fontRef>
         </p:style>
+      </p:sp>
+      <p:sp>
+        <p:nvSpPr>
+          <p:cNvPr id="2" name="제목 1">
+            <a:extLst>
+              <a:ext uri="{FF2B5EF4-FFF2-40B4-BE49-F238E27FC236}">
+                <a16:creationId xmlns:a16="http://schemas.microsoft.com/office/drawing/2014/main" id="{7D4EF7A6-9CE2-4B60-A24E-6E0327696410}"/>
+              </a:ext>
+            </a:extLst>
+          </p:cNvPr>
+          <p:cNvSpPr>
+            <a:spLocks noGrp="1"/>
+          </p:cNvSpPr>
+          <p:nvPr>
+            <p:ph type="ctrTitle"/>
+          </p:nvPr>
+        </p:nvSpPr>
+        <p:spPr>
+          <a:xfrm>
+            <a:off x="1524000" y="2776538"/>
+            <a:ext cx="9144000" cy="1381188"/>
+          </a:xfrm>
+        </p:spPr>
         <p:txBody>
-          <a:bodyPr rtlCol="0" anchor="ctr"/>
+          <a:bodyPr anchor="ctr">
+            <a:normAutofit/>
+          </a:bodyPr>
           <a:lstStyle/>
           <a:p>
-            <a:pPr marL="0" marR="0" lvl="0" indent="0" algn="ctr" defTabSz="914400" rtl="0" eaLnBrk="1" fontAlgn="auto" latinLnBrk="0" hangingPunct="1">
-              <a:lnSpc>
-                <a:spcPct val="100000"/>
-              </a:lnSpc>
-              <a:spcBef>
-                <a:spcPts val="0"/>
-              </a:spcBef>
-              <a:spcAft>
-                <a:spcPts val="0"/>
-              </a:spcAft>
-              <a:buClrTx/>
-              <a:buSzTx/>
-              <a:buFontTx/>
-              <a:buNone/>
-              <a:tabLst/>
-              <a:defRPr/>
-            </a:pPr>
-            <a:endParaRPr kumimoji="0" lang="en-US" sz="1800" b="0" i="0" u="none" strike="noStrike" kern="1200" cap="none" spc="0" normalizeH="0" baseline="0" noProof="0">
-              <a:ln>
-                <a:noFill/>
-              </a:ln>
-              <a:solidFill>
-                <a:prstClr val="white"/>
-              </a:solidFill>
-              <a:effectLst/>
-              <a:uLnTx/>
-              <a:uFillTx/>
-              <a:latin typeface="Calibri" panose="020F0502020204030204"/>
-              <a:ea typeface="+mn-ea"/>
-              <a:cs typeface="+mn-cs"/>
-            </a:endParaRPr>
+            <a:r>
+              <a:rPr lang="en-US" altLang="ko-KR" sz="4000">
+                <a:solidFill>
+                  <a:schemeClr val="bg2"/>
+                </a:solidFill>
+              </a:rPr>
+              <a:t>C# </a:t>
+            </a:r>
+            <a:r>
+              <a:rPr lang="ko-KR" altLang="en-US" sz="4000">
+                <a:solidFill>
+                  <a:schemeClr val="bg2"/>
+                </a:solidFill>
+              </a:rPr>
+              <a:t>스터디 </a:t>
+            </a:r>
+            <a:r>
+              <a:rPr lang="en-US" altLang="ko-KR" sz="4000">
+                <a:solidFill>
+                  <a:schemeClr val="bg2"/>
+                </a:solidFill>
+              </a:rPr>
+              <a:t>1</a:t>
+            </a:r>
+            <a:r>
+              <a:rPr lang="ko-KR" altLang="en-US" sz="4000">
+                <a:solidFill>
+                  <a:schemeClr val="bg2"/>
+                </a:solidFill>
+              </a:rPr>
+              <a:t>주 차</a:t>
+            </a:r>
           </a:p>
         </p:txBody>
       </p:sp>
       <p:sp>
         <p:nvSpPr>
-          <p:cNvPr id="58" name="Oval 57">
+          <p:cNvPr id="3" name="부제목 2">
             <a:extLst>
               <a:ext uri="{FF2B5EF4-FFF2-40B4-BE49-F238E27FC236}">
-                <a16:creationId xmlns:a16="http://schemas.microsoft.com/office/drawing/2014/main" id="{B672F332-AF08-46C6-94F0-77684310D7B7}"/>
-              </a:ext>
-              <a:ext uri="{C183D7F6-B498-43B3-948B-1728B52AA6E4}">
-                <adec:decorative xmlns:adec="http://schemas.microsoft.com/office/drawing/2017/decorative" val="1"/>
+                <a16:creationId xmlns:a16="http://schemas.microsoft.com/office/drawing/2014/main" id="{245EAE5E-182B-4346-A594-355C361102FC}"/>
               </a:ext>
             </a:extLst>
           </p:cNvPr>
           <p:cNvSpPr>
-            <a:spLocks noGrp="1" noRot="1" noChangeAspect="1" noMove="1" noResize="1" noEditPoints="1" noAdjustHandles="1" noChangeArrowheads="1" noChangeShapeType="1" noTextEdit="1"/>
+            <a:spLocks noGrp="1"/>
           </p:cNvSpPr>
           <p:nvPr>
-            <p:extLst>
-              <p:ext uri="{386F3935-93C4-4BCD-93E2-E3B085C9AB24}">
-                <p16:designElem xmlns:p16="http://schemas.microsoft.com/office/powerpoint/2015/main" val="1"/>
-              </p:ext>
-            </p:extLst>
+            <p:ph type="subTitle" idx="1"/>
           </p:nvPr>
         </p:nvSpPr>
         <p:spPr>
           <a:xfrm>
-            <a:off x="3395001" y="2466604"/>
-            <a:ext cx="962395" cy="962395"/>
+            <a:off x="1524000" y="4495800"/>
+            <a:ext cx="9144000" cy="762000"/>
           </a:xfrm>
-          <a:prstGeom prst="ellipse">
-            <a:avLst/>
-          </a:prstGeom>
-          <a:solidFill>
-            <a:schemeClr val="accent4"/>
-          </a:solidFill>
-          <a:ln>
-            <a:noFill/>
-          </a:ln>
         </p:spPr>
-        <p:style>
-          <a:lnRef idx="2">
-            <a:schemeClr val="accent1">
-              <a:shade val="50000"/>
-            </a:schemeClr>
-          </a:lnRef>
-          <a:fillRef idx="1">
-            <a:schemeClr val="accent1"/>
-          </a:fillRef>
-          <a:effectRef idx="0">
-            <a:schemeClr val="accent1"/>
-          </a:effectRef>
-          <a:fontRef idx="minor">
-            <a:schemeClr val="lt1"/>
-          </a:fontRef>
-        </p:style>
         <p:txBody>
-          <a:bodyPr rtlCol="0" anchor="ctr"/>
+          <a:bodyPr>
+            <a:normAutofit/>
+          </a:bodyPr>
           <a:lstStyle/>
           <a:p>
-            <a:pPr marL="0" marR="0" lvl="0" indent="0" algn="ctr" defTabSz="914400" rtl="0" eaLnBrk="1" fontAlgn="auto" latinLnBrk="0" hangingPunct="1">
-              <a:lnSpc>
-                <a:spcPct val="100000"/>
-              </a:lnSpc>
-              <a:spcBef>
-                <a:spcPts val="0"/>
-              </a:spcBef>
-              <a:spcAft>
-                <a:spcPts val="0"/>
-              </a:spcAft>
-              <a:buClrTx/>
-              <a:buSzTx/>
-              <a:buFontTx/>
-              <a:buNone/>
-              <a:tabLst/>
-              <a:defRPr/>
-            </a:pPr>
-            <a:endParaRPr kumimoji="0" lang="en-US" sz="1800" b="0" i="0" u="none" strike="noStrike" kern="1200" cap="none" spc="0" normalizeH="0" baseline="0" noProof="0">
-              <a:ln>
-                <a:noFill/>
-              </a:ln>
-              <a:solidFill>
-                <a:prstClr val="white"/>
-              </a:solidFill>
-              <a:effectLst/>
-              <a:uLnTx/>
-              <a:uFillTx/>
-              <a:latin typeface="Calibri" panose="020F0502020204030204"/>
-              <a:ea typeface="+mn-ea"/>
-              <a:cs typeface="+mn-cs"/>
-            </a:endParaRPr>
+            <a:r>
+              <a:rPr lang="ko-KR" altLang="en-US" sz="1800"/>
+              <a:t>자료형과 연산자 그리고 </a:t>
+            </a:r>
+            <a:r>
+              <a:rPr lang="en-US" altLang="ko-KR" sz="1800"/>
+              <a:t>Git</a:t>
+            </a:r>
+            <a:endParaRPr lang="ko-KR" altLang="en-US" sz="1800"/>
           </a:p>
         </p:txBody>
       </p:sp>
-      <p:sp>
-        <p:nvSpPr>
-          <p:cNvPr id="60" name="Oval 59">
-            <a:extLst>
-              <a:ext uri="{FF2B5EF4-FFF2-40B4-BE49-F238E27FC236}">
-                <a16:creationId xmlns:a16="http://schemas.microsoft.com/office/drawing/2014/main" id="{34244EF8-D73A-40E1-BE73-D46E6B4B04ED}"/>
-              </a:ext>
-              <a:ext uri="{C183D7F6-B498-43B3-948B-1728B52AA6E4}">
-                <adec:decorative xmlns:adec="http://schemas.microsoft.com/office/drawing/2017/decorative" val="1"/>
-              </a:ext>
-            </a:extLst>
-          </p:cNvPr>
-          <p:cNvSpPr>
-            <a:spLocks noGrp="1" noRot="1" noChangeAspect="1" noMove="1" noResize="1" noEditPoints="1" noAdjustHandles="1" noChangeArrowheads="1" noChangeShapeType="1" noTextEdit="1"/>
-          </p:cNvSpPr>
-          <p:nvPr>
-            <p:extLst>
-              <p:ext uri="{386F3935-93C4-4BCD-93E2-E3B085C9AB24}">
-                <p16:designElem xmlns:p16="http://schemas.microsoft.com/office/powerpoint/2015/main" val="1"/>
-              </p:ext>
-            </p:extLst>
-          </p:nvPr>
-        </p:nvSpPr>
-        <p:spPr>
-          <a:xfrm>
-            <a:off x="5125829" y="2327988"/>
-            <a:ext cx="293695" cy="293695"/>
-          </a:xfrm>
-          <a:prstGeom prst="ellipse">
-            <a:avLst/>
-          </a:prstGeom>
-          <a:solidFill>
-            <a:schemeClr val="accent3"/>
-          </a:solidFill>
-          <a:ln>
-            <a:noFill/>
-          </a:ln>
-        </p:spPr>
-        <p:style>
-          <a:lnRef idx="2">
-            <a:schemeClr val="accent1">
-              <a:shade val="50000"/>
-            </a:schemeClr>
-          </a:lnRef>
-          <a:fillRef idx="1">
-            <a:schemeClr val="accent1"/>
-          </a:fillRef>
-          <a:effectRef idx="0">
-            <a:schemeClr val="accent1"/>
-          </a:effectRef>
-          <a:fontRef idx="minor">
-            <a:schemeClr val="lt1"/>
-          </a:fontRef>
-        </p:style>
-        <p:txBody>
-          <a:bodyPr rtlCol="0" anchor="ctr"/>
-          <a:lstStyle/>
-          <a:p>
-            <a:pPr marL="0" marR="0" lvl="0" indent="0" algn="ctr" defTabSz="914400" rtl="0" eaLnBrk="1" fontAlgn="auto" latinLnBrk="0" hangingPunct="1">
-              <a:lnSpc>
-                <a:spcPct val="100000"/>
-              </a:lnSpc>
-              <a:spcBef>
-                <a:spcPts val="0"/>
-              </a:spcBef>
-              <a:spcAft>
-                <a:spcPts val="0"/>
-              </a:spcAft>
-              <a:buClrTx/>
-              <a:buSzTx/>
-              <a:buFontTx/>
-              <a:buNone/>
-              <a:tabLst/>
-              <a:defRPr/>
-            </a:pPr>
-            <a:endParaRPr kumimoji="0" lang="en-US" sz="1800" b="0" i="0" u="none" strike="noStrike" kern="1200" cap="none" spc="0" normalizeH="0" baseline="0" noProof="0">
-              <a:ln>
-                <a:noFill/>
-              </a:ln>
-              <a:solidFill>
-                <a:prstClr val="white"/>
-              </a:solidFill>
-              <a:effectLst/>
-              <a:uLnTx/>
-              <a:uFillTx/>
-              <a:latin typeface="Calibri" panose="020F0502020204030204"/>
-              <a:ea typeface="+mn-ea"/>
-              <a:cs typeface="+mn-cs"/>
-            </a:endParaRPr>
-          </a:p>
-        </p:txBody>
-      </p:sp>
-      <p:sp>
-        <p:nvSpPr>
-          <p:cNvPr id="62" name="Freeform: Shape 61">
-            <a:extLst>
-              <a:ext uri="{FF2B5EF4-FFF2-40B4-BE49-F238E27FC236}">
-                <a16:creationId xmlns:a16="http://schemas.microsoft.com/office/drawing/2014/main" id="{AB84D7E8-4ECB-42D7-ADBF-01689B0F24AE}"/>
-              </a:ext>
-              <a:ext uri="{C183D7F6-B498-43B3-948B-1728B52AA6E4}">
-                <adec:decorative xmlns:adec="http://schemas.microsoft.com/office/drawing/2017/decorative" val="1"/>
-              </a:ext>
-            </a:extLst>
-          </p:cNvPr>
-          <p:cNvSpPr>
-            <a:spLocks noGrp="1" noRot="1" noChangeAspect="1" noMove="1" noResize="1" noEditPoints="1" noAdjustHandles="1" noChangeArrowheads="1" noChangeShapeType="1" noTextEdit="1"/>
-          </p:cNvSpPr>
-          <p:nvPr>
-            <p:extLst>
-              <p:ext uri="{386F3935-93C4-4BCD-93E2-E3B085C9AB24}">
-                <p16:designElem xmlns:p16="http://schemas.microsoft.com/office/powerpoint/2015/main" val="1"/>
-              </p:ext>
-            </p:extLst>
-          </p:nvPr>
-        </p:nvSpPr>
-        <p:spPr>
-          <a:xfrm>
-            <a:off x="6492113" y="0"/>
-            <a:ext cx="5699887" cy="4059244"/>
-          </a:xfrm>
-          <a:custGeom>
-            <a:avLst/>
-            <a:gdLst>
-              <a:gd name="connsiteX0" fmla="*/ 0 w 5699887"/>
-              <a:gd name="connsiteY0" fmla="*/ 0 h 4059244"/>
-              <a:gd name="connsiteX1" fmla="*/ 5699887 w 5699887"/>
-              <a:gd name="connsiteY1" fmla="*/ 0 h 4059244"/>
-              <a:gd name="connsiteX2" fmla="*/ 5699887 w 5699887"/>
-              <a:gd name="connsiteY2" fmla="*/ 3944096 h 4059244"/>
-              <a:gd name="connsiteX3" fmla="*/ 5525775 w 5699887"/>
-              <a:gd name="connsiteY3" fmla="*/ 3980429 h 4059244"/>
-              <a:gd name="connsiteX4" fmla="*/ 4663256 w 5699887"/>
-              <a:gd name="connsiteY4" fmla="*/ 4059244 h 4059244"/>
-              <a:gd name="connsiteX5" fmla="*/ 8566 w 5699887"/>
-              <a:gd name="connsiteY5" fmla="*/ 67422 h 4059244"/>
-            </a:gdLst>
-            <a:ahLst/>
-            <a:cxnLst>
-              <a:cxn ang="0">
-                <a:pos x="connsiteX0" y="connsiteY0"/>
-              </a:cxn>
-              <a:cxn ang="0">
-                <a:pos x="connsiteX1" y="connsiteY1"/>
-              </a:cxn>
-              <a:cxn ang="0">
-                <a:pos x="connsiteX2" y="connsiteY2"/>
-              </a:cxn>
-              <a:cxn ang="0">
-                <a:pos x="connsiteX3" y="connsiteY3"/>
-              </a:cxn>
-              <a:cxn ang="0">
-                <a:pos x="connsiteX4" y="connsiteY4"/>
-              </a:cxn>
-              <a:cxn ang="0">
-                <a:pos x="connsiteX5" y="connsiteY5"/>
-              </a:cxn>
-            </a:cxnLst>
-            <a:rect l="l" t="t" r="r" b="b"/>
-            <a:pathLst>
-              <a:path w="5699887" h="4059244">
-                <a:moveTo>
-                  <a:pt x="0" y="0"/>
-                </a:moveTo>
-                <a:lnTo>
-                  <a:pt x="5699887" y="0"/>
-                </a:lnTo>
-                <a:lnTo>
-                  <a:pt x="5699887" y="3944096"/>
-                </a:lnTo>
-                <a:lnTo>
-                  <a:pt x="5525775" y="3980429"/>
-                </a:lnTo>
-                <a:cubicBezTo>
-                  <a:pt x="5246154" y="4032190"/>
-                  <a:pt x="4957865" y="4059244"/>
-                  <a:pt x="4663256" y="4059244"/>
-                </a:cubicBezTo>
-                <a:cubicBezTo>
-                  <a:pt x="2306390" y="4059244"/>
-                  <a:pt x="353936" y="2327747"/>
-                  <a:pt x="8566" y="67422"/>
-                </a:cubicBezTo>
-                <a:close/>
-              </a:path>
-            </a:pathLst>
-          </a:custGeom>
-          <a:solidFill>
-            <a:srgbClr val="595959"/>
-          </a:solidFill>
-          <a:ln>
-            <a:noFill/>
-          </a:ln>
-        </p:spPr>
-        <p:style>
-          <a:lnRef idx="2">
-            <a:schemeClr val="accent1">
-              <a:shade val="50000"/>
-            </a:schemeClr>
-          </a:lnRef>
-          <a:fillRef idx="1">
-            <a:schemeClr val="accent1"/>
-          </a:fillRef>
-          <a:effectRef idx="0">
-            <a:schemeClr val="accent1"/>
-          </a:effectRef>
-          <a:fontRef idx="minor">
-            <a:schemeClr val="lt1"/>
-          </a:fontRef>
-        </p:style>
-        <p:txBody>
-          <a:bodyPr rtlCol="0" anchor="ctr"/>
-          <a:lstStyle/>
-          <a:p>
-            <a:pPr marL="0" marR="0" lvl="0" indent="0" algn="ctr" defTabSz="914400" rtl="0" eaLnBrk="1" fontAlgn="auto" latinLnBrk="0" hangingPunct="1">
-              <a:lnSpc>
-                <a:spcPct val="100000"/>
-              </a:lnSpc>
-              <a:spcBef>
-                <a:spcPts val="0"/>
-              </a:spcBef>
-              <a:spcAft>
-                <a:spcPts val="0"/>
-              </a:spcAft>
-              <a:buClrTx/>
-              <a:buSzTx/>
-              <a:buFontTx/>
-              <a:buNone/>
-              <a:tabLst/>
-              <a:defRPr/>
-            </a:pPr>
-            <a:endParaRPr kumimoji="0" lang="en-US" sz="1800" b="0" i="0" u="none" strike="noStrike" kern="1200" cap="none" spc="0" normalizeH="0" baseline="0" noProof="0">
-              <a:ln>
-                <a:noFill/>
-              </a:ln>
-              <a:solidFill>
-                <a:prstClr val="white"/>
-              </a:solidFill>
-              <a:effectLst/>
-              <a:uLnTx/>
-              <a:uFillTx/>
-              <a:latin typeface="Calibri" panose="020F0502020204030204"/>
-              <a:ea typeface="+mn-ea"/>
-              <a:cs typeface="+mn-cs"/>
-            </a:endParaRPr>
-          </a:p>
-        </p:txBody>
-      </p:sp>
-      <p:cxnSp>
-        <p:nvCxnSpPr>
-          <p:cNvPr id="64" name="Straight Connector 63">
-            <a:extLst>
-              <a:ext uri="{FF2B5EF4-FFF2-40B4-BE49-F238E27FC236}">
-                <a16:creationId xmlns:a16="http://schemas.microsoft.com/office/drawing/2014/main" id="{9E8E38ED-369A-44C2-B635-0BED0E48A6E8}"/>
-              </a:ext>
-              <a:ext uri="{C183D7F6-B498-43B3-948B-1728B52AA6E4}">
-                <adec:decorative xmlns:adec="http://schemas.microsoft.com/office/drawing/2017/decorative" val="1"/>
-              </a:ext>
-            </a:extLst>
-          </p:cNvPr>
-          <p:cNvCxnSpPr>
-            <a:cxnSpLocks noGrp="1" noRot="1" noChangeAspect="1" noMove="1" noResize="1" noEditPoints="1" noAdjustHandles="1" noChangeArrowheads="1" noChangeShapeType="1"/>
-          </p:cNvCxnSpPr>
-          <p:nvPr>
-            <p:extLst>
-              <p:ext uri="{386F3935-93C4-4BCD-93E2-E3B085C9AB24}">
-                <p16:designElem xmlns:p16="http://schemas.microsoft.com/office/powerpoint/2015/main" val="1"/>
-              </p:ext>
-            </p:extLst>
-          </p:nvPr>
-        </p:nvCxnSpPr>
-        <p:spPr>
-          <a:xfrm>
-            <a:off x="7800392" y="4525347"/>
-            <a:ext cx="0" cy="1737360"/>
-          </a:xfrm>
-          <a:prstGeom prst="line">
-            <a:avLst/>
-          </a:prstGeom>
-          <a:ln w="19050" cap="sq">
-            <a:solidFill>
-              <a:schemeClr val="tx1"/>
-            </a:solidFill>
-          </a:ln>
-        </p:spPr>
-        <p:style>
-          <a:lnRef idx="1">
-            <a:schemeClr val="accent1"/>
-          </a:lnRef>
-          <a:fillRef idx="0">
-            <a:schemeClr val="accent1"/>
-          </a:fillRef>
-          <a:effectRef idx="0">
-            <a:schemeClr val="accent1"/>
-          </a:effectRef>
-          <a:fontRef idx="minor">
-            <a:schemeClr val="tx1"/>
-          </a:fontRef>
-        </p:style>
-      </p:cxnSp>
     </p:spTree>
     <p:extLst>
       <p:ext uri="{BB962C8B-B14F-4D97-AF65-F5344CB8AC3E}">
@@ -8118,7 +7773,7 @@
     </p:extLst>
   </p:cSld>
   <p:clrMapOvr>
-    <a:masterClrMapping/>
+    <a:overrideClrMapping bg1="dk1" tx1="lt1" bg2="dk2" tx2="lt2" accent1="accent1" accent2="accent2" accent3="accent3" accent4="accent4" accent5="accent5" accent6="accent6" hlink="hlink" folHlink="folHlink"/>
   </p:clrMapOvr>
 </p:sld>
 </file>
@@ -15867,12 +15522,12 @@
           <a:chExt cx="0" cy="0"/>
         </a:xfrm>
       </p:grpSpPr>
-      <p:sp useBgFill="1">
+      <p:sp>
         <p:nvSpPr>
-          <p:cNvPr id="8" name="Rectangle 7">
+          <p:cNvPr id="21" name="Rectangle 20">
             <a:extLst>
               <a:ext uri="{FF2B5EF4-FFF2-40B4-BE49-F238E27FC236}">
-                <a16:creationId xmlns:a16="http://schemas.microsoft.com/office/drawing/2014/main" id="{E4F9F79B-A093-478E-96B5-EE02BC93A858}"/>
+                <a16:creationId xmlns:a16="http://schemas.microsoft.com/office/drawing/2014/main" id="{8D70B121-56F4-4848-B38B-182089D909FA}"/>
               </a:ext>
               <a:ext uri="{C183D7F6-B498-43B3-948B-1728B52AA6E4}">
                 <adec:decorative xmlns:adec="http://schemas.microsoft.com/office/drawing/2017/decorative" val="1"/>
@@ -15890,15 +15545,20 @@
             </p:extLst>
           </p:nvPr>
         </p:nvSpPr>
-        <p:spPr>
+        <p:spPr bwMode="ltGray">
           <a:xfrm>
-            <a:off x="0" y="0"/>
-            <a:ext cx="12192000" cy="6858000"/>
+            <a:off x="321564" y="320040"/>
+            <a:ext cx="11548872" cy="6217920"/>
           </a:xfrm>
           <a:prstGeom prst="rect">
             <a:avLst/>
           </a:prstGeom>
-          <a:ln>
+          <a:solidFill>
+            <a:schemeClr val="tx1">
+              <a:alpha val="8000"/>
+            </a:schemeClr>
+          </a:solidFill>
+          <a:ln w="127000" cap="sq" cmpd="thinThick">
             <a:noFill/>
           </a:ln>
         </p:spPr>
@@ -15922,37 +15582,8 @@
           <a:bodyPr rtlCol="0" anchor="ctr"/>
           <a:lstStyle/>
           <a:p>
-            <a:pPr marL="0" marR="0" lvl="0" indent="0" algn="ctr" defTabSz="914400" rtl="0" eaLnBrk="1" fontAlgn="auto" latinLnBrk="0" hangingPunct="1">
-              <a:lnSpc>
-                <a:spcPct val="100000"/>
-              </a:lnSpc>
-              <a:spcBef>
-                <a:spcPts val="0"/>
-              </a:spcBef>
-              <a:spcAft>
-                <a:spcPts val="0"/>
-              </a:spcAft>
-              <a:buClrTx/>
-              <a:buSzTx/>
-              <a:buFontTx/>
-              <a:buNone/>
-              <a:tabLst/>
-              <a:defRPr/>
-            </a:pPr>
-            <a:endParaRPr kumimoji="0" lang="en-US" sz="1800" b="0" i="0" u="none" strike="noStrike" kern="1200" cap="none" spc="0" normalizeH="0" baseline="0" noProof="0">
-              <a:ln>
-                <a:noFill/>
-              </a:ln>
-              <a:solidFill>
-                <a:prstClr val="white"/>
-              </a:solidFill>
-              <a:effectLst/>
-              <a:uLnTx/>
-              <a:uFillTx/>
-              <a:latin typeface="Calibri" panose="020F0502020204030204"/>
-              <a:ea typeface="+mn-ea"/>
-              <a:cs typeface="+mn-cs"/>
-            </a:endParaRPr>
+            <a:pPr algn="ctr"/>
+            <a:endParaRPr lang="en-US"/>
           </a:p>
         </p:txBody>
       </p:sp>
@@ -15974,8 +15605,8 @@
         </p:nvSpPr>
         <p:spPr>
           <a:xfrm>
-            <a:off x="640079" y="4526280"/>
-            <a:ext cx="7784074" cy="1737360"/>
+            <a:off x="321564" y="963877"/>
+            <a:ext cx="4010998" cy="4930246"/>
           </a:xfrm>
         </p:spPr>
         <p:txBody>
@@ -15984,244 +15615,24 @@
           </a:bodyPr>
           <a:lstStyle/>
           <a:p>
-            <a:r>
-              <a:rPr lang="ko-KR" altLang="en-US" dirty="0"/>
+            <a:pPr algn="r"/>
+            <a:r>
+              <a:rPr lang="ko-KR" altLang="en-US" dirty="0">
+                <a:solidFill>
+                  <a:schemeClr val="accent1"/>
+                </a:solidFill>
+              </a:rPr>
               <a:t>전체 학습 목표</a:t>
             </a:r>
-          </a:p>
-        </p:txBody>
-      </p:sp>
-      <p:sp>
-        <p:nvSpPr>
-          <p:cNvPr id="3" name="내용 개체 틀 2">
-            <a:extLst>
-              <a:ext uri="{FF2B5EF4-FFF2-40B4-BE49-F238E27FC236}">
-                <a16:creationId xmlns:a16="http://schemas.microsoft.com/office/drawing/2014/main" id="{9F448D57-1730-4CF0-A622-1FA21055EEAD}"/>
-              </a:ext>
-            </a:extLst>
-          </p:cNvPr>
-          <p:cNvSpPr>
-            <a:spLocks noGrp="1"/>
-          </p:cNvSpPr>
-          <p:nvPr>
-            <p:ph idx="1"/>
-          </p:nvPr>
-        </p:nvSpPr>
-        <p:spPr>
-          <a:xfrm>
-            <a:off x="640080" y="595293"/>
-            <a:ext cx="6898856" cy="3463951"/>
-          </a:xfrm>
-        </p:spPr>
-        <p:txBody>
-          <a:bodyPr anchor="ctr">
-            <a:normAutofit/>
-          </a:bodyPr>
-          <a:lstStyle/>
-          <a:p>
-            <a:pPr marL="514350" indent="-514350">
-              <a:buAutoNum type="arabicPeriod"/>
-            </a:pPr>
-            <a:r>
-              <a:rPr lang="ko-KR" altLang="en-US" sz="2000" dirty="0"/>
-              <a:t>프로그램의 동작 과정을 대략적으로 이해한다</a:t>
-            </a:r>
-            <a:endParaRPr lang="en-US" altLang="ko-KR" sz="2000" dirty="0"/>
-          </a:p>
-          <a:p>
-            <a:pPr marL="514350" indent="-514350">
-              <a:buAutoNum type="arabicPeriod"/>
-            </a:pPr>
-            <a:endParaRPr lang="en-US" altLang="ko-KR" sz="2000" dirty="0"/>
-          </a:p>
-          <a:p>
-            <a:pPr marL="514350" indent="-514350">
-              <a:buAutoNum type="arabicPeriod"/>
-            </a:pPr>
-            <a:r>
-              <a:rPr lang="ko-KR" altLang="en-US" sz="2000" dirty="0"/>
-              <a:t>기본적인 코드 작성과 이해를 할 수 있다</a:t>
-            </a:r>
-            <a:endParaRPr lang="en-US" altLang="ko-KR" sz="2000" dirty="0"/>
-          </a:p>
-          <a:p>
-            <a:pPr marL="514350" indent="-514350">
-              <a:buAutoNum type="arabicPeriod"/>
-            </a:pPr>
-            <a:endParaRPr lang="en-US" altLang="ko-KR" sz="2000" dirty="0"/>
-          </a:p>
-          <a:p>
-            <a:pPr marL="514350" indent="-514350">
-              <a:buAutoNum type="arabicPeriod"/>
-            </a:pPr>
-            <a:r>
-              <a:rPr lang="ko-KR" altLang="en-US" sz="2000" dirty="0"/>
-              <a:t>유니티 엔진을 이용하여 간단한 게임을 만들 수 있다</a:t>
-            </a:r>
-          </a:p>
-        </p:txBody>
-      </p:sp>
-      <p:sp>
-        <p:nvSpPr>
-          <p:cNvPr id="10" name="Freeform: Shape 9">
-            <a:extLst>
-              <a:ext uri="{FF2B5EF4-FFF2-40B4-BE49-F238E27FC236}">
-                <a16:creationId xmlns:a16="http://schemas.microsoft.com/office/drawing/2014/main" id="{11394CD8-BD30-4B74-86F4-51FDF3383419}"/>
-              </a:ext>
-              <a:ext uri="{C183D7F6-B498-43B3-948B-1728B52AA6E4}">
-                <adec:decorative xmlns:adec="http://schemas.microsoft.com/office/drawing/2017/decorative" val="1"/>
-              </a:ext>
-            </a:extLst>
-          </p:cNvPr>
-          <p:cNvSpPr>
-            <a:spLocks noGrp="1" noRot="1" noChangeAspect="1" noMove="1" noResize="1" noEditPoints="1" noAdjustHandles="1" noChangeArrowheads="1" noChangeShapeType="1" noTextEdit="1"/>
-          </p:cNvSpPr>
-          <p:nvPr>
-            <p:extLst>
-              <p:ext uri="{386F3935-93C4-4BCD-93E2-E3B085C9AB24}">
-                <p16:designElem xmlns:p16="http://schemas.microsoft.com/office/powerpoint/2015/main" val="1"/>
-              </p:ext>
-            </p:extLst>
-          </p:nvPr>
-        </p:nvSpPr>
-        <p:spPr>
-          <a:xfrm>
-            <a:off x="6492113" y="0"/>
-            <a:ext cx="5699887" cy="4059244"/>
-          </a:xfrm>
-          <a:custGeom>
-            <a:avLst/>
-            <a:gdLst>
-              <a:gd name="connsiteX0" fmla="*/ 0 w 5699887"/>
-              <a:gd name="connsiteY0" fmla="*/ 0 h 4059244"/>
-              <a:gd name="connsiteX1" fmla="*/ 5699887 w 5699887"/>
-              <a:gd name="connsiteY1" fmla="*/ 0 h 4059244"/>
-              <a:gd name="connsiteX2" fmla="*/ 5699887 w 5699887"/>
-              <a:gd name="connsiteY2" fmla="*/ 3944096 h 4059244"/>
-              <a:gd name="connsiteX3" fmla="*/ 5525775 w 5699887"/>
-              <a:gd name="connsiteY3" fmla="*/ 3980429 h 4059244"/>
-              <a:gd name="connsiteX4" fmla="*/ 4663256 w 5699887"/>
-              <a:gd name="connsiteY4" fmla="*/ 4059244 h 4059244"/>
-              <a:gd name="connsiteX5" fmla="*/ 8566 w 5699887"/>
-              <a:gd name="connsiteY5" fmla="*/ 67422 h 4059244"/>
-            </a:gdLst>
-            <a:ahLst/>
-            <a:cxnLst>
-              <a:cxn ang="0">
-                <a:pos x="connsiteX0" y="connsiteY0"/>
-              </a:cxn>
-              <a:cxn ang="0">
-                <a:pos x="connsiteX1" y="connsiteY1"/>
-              </a:cxn>
-              <a:cxn ang="0">
-                <a:pos x="connsiteX2" y="connsiteY2"/>
-              </a:cxn>
-              <a:cxn ang="0">
-                <a:pos x="connsiteX3" y="connsiteY3"/>
-              </a:cxn>
-              <a:cxn ang="0">
-                <a:pos x="connsiteX4" y="connsiteY4"/>
-              </a:cxn>
-              <a:cxn ang="0">
-                <a:pos x="connsiteX5" y="connsiteY5"/>
-              </a:cxn>
-            </a:cxnLst>
-            <a:rect l="l" t="t" r="r" b="b"/>
-            <a:pathLst>
-              <a:path w="5699887" h="4059244">
-                <a:moveTo>
-                  <a:pt x="0" y="0"/>
-                </a:moveTo>
-                <a:lnTo>
-                  <a:pt x="5699887" y="0"/>
-                </a:lnTo>
-                <a:lnTo>
-                  <a:pt x="5699887" y="3944096"/>
-                </a:lnTo>
-                <a:lnTo>
-                  <a:pt x="5525775" y="3980429"/>
-                </a:lnTo>
-                <a:cubicBezTo>
-                  <a:pt x="5246154" y="4032190"/>
-                  <a:pt x="4957865" y="4059244"/>
-                  <a:pt x="4663256" y="4059244"/>
-                </a:cubicBezTo>
-                <a:cubicBezTo>
-                  <a:pt x="2306390" y="4059244"/>
-                  <a:pt x="353936" y="2327747"/>
-                  <a:pt x="8566" y="67422"/>
-                </a:cubicBezTo>
-                <a:close/>
-              </a:path>
-            </a:pathLst>
-          </a:custGeom>
-          <a:solidFill>
-            <a:srgbClr val="595959"/>
-          </a:solidFill>
-          <a:ln>
-            <a:noFill/>
-          </a:ln>
-        </p:spPr>
-        <p:style>
-          <a:lnRef idx="2">
-            <a:schemeClr val="accent1">
-              <a:shade val="50000"/>
-            </a:schemeClr>
-          </a:lnRef>
-          <a:fillRef idx="1">
-            <a:schemeClr val="accent1"/>
-          </a:fillRef>
-          <a:effectRef idx="0">
-            <a:schemeClr val="accent1"/>
-          </a:effectRef>
-          <a:fontRef idx="minor">
-            <a:schemeClr val="lt1"/>
-          </a:fontRef>
-        </p:style>
-        <p:txBody>
-          <a:bodyPr rtlCol="0" anchor="ctr"/>
-          <a:lstStyle/>
-          <a:p>
-            <a:pPr marL="0" marR="0" lvl="0" indent="0" algn="ctr" defTabSz="914400" rtl="0" eaLnBrk="1" fontAlgn="auto" latinLnBrk="0" hangingPunct="1">
-              <a:lnSpc>
-                <a:spcPct val="100000"/>
-              </a:lnSpc>
-              <a:spcBef>
-                <a:spcPts val="0"/>
-              </a:spcBef>
-              <a:spcAft>
-                <a:spcPts val="0"/>
-              </a:spcAft>
-              <a:buClrTx/>
-              <a:buSzTx/>
-              <a:buFontTx/>
-              <a:buNone/>
-              <a:tabLst/>
-              <a:defRPr/>
-            </a:pPr>
-            <a:endParaRPr kumimoji="0" lang="en-US" sz="1800" b="0" i="0" u="none" strike="noStrike" kern="1200" cap="none" spc="0" normalizeH="0" baseline="0" noProof="0">
-              <a:ln>
-                <a:noFill/>
-              </a:ln>
-              <a:solidFill>
-                <a:prstClr val="white"/>
-              </a:solidFill>
-              <a:effectLst/>
-              <a:uLnTx/>
-              <a:uFillTx/>
-              <a:latin typeface="Calibri" panose="020F0502020204030204"/>
-              <a:ea typeface="+mn-ea"/>
-              <a:cs typeface="+mn-cs"/>
-            </a:endParaRPr>
           </a:p>
         </p:txBody>
       </p:sp>
       <p:cxnSp>
         <p:nvCxnSpPr>
-          <p:cNvPr id="12" name="Straight Connector 11">
+          <p:cNvPr id="23" name="Straight Connector 22">
             <a:extLst>
               <a:ext uri="{FF2B5EF4-FFF2-40B4-BE49-F238E27FC236}">
-                <a16:creationId xmlns:a16="http://schemas.microsoft.com/office/drawing/2014/main" id="{D4C22394-EBC2-4FAF-A555-6C02D589EED7}"/>
+                <a16:creationId xmlns:a16="http://schemas.microsoft.com/office/drawing/2014/main" id="{2D72A2C9-F3CA-4216-8BAD-FA4C970C3C4E}"/>
               </a:ext>
               <a:ext uri="{C183D7F6-B498-43B3-948B-1728B52AA6E4}">
                 <adec:decorative xmlns:adec="http://schemas.microsoft.com/office/drawing/2017/decorative" val="1"/>
@@ -16240,16 +15651,19 @@
           </p:nvPr>
         </p:nvCxnSpPr>
         <p:spPr>
-          <a:xfrm rot="16200000">
-            <a:off x="1508760" y="3431556"/>
-            <a:ext cx="0" cy="1737360"/>
+          <a:xfrm>
+            <a:off x="4654296" y="2057400"/>
+            <a:ext cx="0" cy="2743200"/>
           </a:xfrm>
           <a:prstGeom prst="line">
             <a:avLst/>
           </a:prstGeom>
-          <a:ln w="19050" cap="sq">
+          <a:ln w="19050">
             <a:solidFill>
-              <a:schemeClr val="tx1"/>
+              <a:schemeClr val="tx1">
+                <a:lumMod val="85000"/>
+                <a:lumOff val="15000"/>
+              </a:schemeClr>
             </a:solidFill>
           </a:ln>
         </p:spPr>
@@ -16270,185 +15684,71 @@
       </p:cxnSp>
       <p:sp>
         <p:nvSpPr>
-          <p:cNvPr id="14" name="Oval 13">
+          <p:cNvPr id="3" name="내용 개체 틀 2">
             <a:extLst>
               <a:ext uri="{FF2B5EF4-FFF2-40B4-BE49-F238E27FC236}">
-                <a16:creationId xmlns:a16="http://schemas.microsoft.com/office/drawing/2014/main" id="{F7194F93-1F71-4A70-9DF1-28F183771111}"/>
-              </a:ext>
-              <a:ext uri="{C183D7F6-B498-43B3-948B-1728B52AA6E4}">
-                <adec:decorative xmlns:adec="http://schemas.microsoft.com/office/drawing/2017/decorative" val="1"/>
+                <a16:creationId xmlns:a16="http://schemas.microsoft.com/office/drawing/2014/main" id="{9F448D57-1730-4CF0-A622-1FA21055EEAD}"/>
               </a:ext>
             </a:extLst>
           </p:cNvPr>
           <p:cNvSpPr>
-            <a:spLocks noGrp="1" noRot="1" noChangeAspect="1" noMove="1" noResize="1" noEditPoints="1" noAdjustHandles="1" noChangeArrowheads="1" noChangeShapeType="1" noTextEdit="1"/>
+            <a:spLocks noGrp="1"/>
           </p:cNvSpPr>
           <p:nvPr>
-            <p:extLst>
-              <p:ext uri="{386F3935-93C4-4BCD-93E2-E3B085C9AB24}">
-                <p16:designElem xmlns:p16="http://schemas.microsoft.com/office/powerpoint/2015/main" val="1"/>
-              </p:ext>
-            </p:extLst>
+            <p:ph idx="1"/>
           </p:nvPr>
         </p:nvSpPr>
         <p:spPr>
           <a:xfrm>
-            <a:off x="8732897" y="5004581"/>
-            <a:ext cx="962395" cy="962395"/>
+            <a:off x="4976031" y="963877"/>
+            <a:ext cx="6377769" cy="4930246"/>
           </a:xfrm>
-          <a:prstGeom prst="ellipse">
-            <a:avLst/>
-          </a:prstGeom>
-          <a:solidFill>
-            <a:schemeClr val="accent1"/>
-          </a:solidFill>
-          <a:ln>
-            <a:noFill/>
-          </a:ln>
         </p:spPr>
-        <p:style>
-          <a:lnRef idx="2">
-            <a:schemeClr val="accent1">
-              <a:shade val="50000"/>
-            </a:schemeClr>
-          </a:lnRef>
-          <a:fillRef idx="1">
-            <a:schemeClr val="accent1"/>
-          </a:fillRef>
-          <a:effectRef idx="0">
-            <a:schemeClr val="accent1"/>
-          </a:effectRef>
-          <a:fontRef idx="minor">
-            <a:schemeClr val="lt1"/>
-          </a:fontRef>
-        </p:style>
         <p:txBody>
-          <a:bodyPr rtlCol="0" anchor="ctr"/>
+          <a:bodyPr anchor="ctr">
+            <a:normAutofit/>
+          </a:bodyPr>
           <a:lstStyle/>
           <a:p>
-            <a:pPr marL="0" marR="0" lvl="0" indent="0" algn="ctr" defTabSz="914400" rtl="0" eaLnBrk="1" fontAlgn="auto" latinLnBrk="0" hangingPunct="1">
-              <a:lnSpc>
-                <a:spcPct val="100000"/>
-              </a:lnSpc>
-              <a:spcBef>
-                <a:spcPts val="0"/>
-              </a:spcBef>
-              <a:spcAft>
-                <a:spcPts val="0"/>
-              </a:spcAft>
-              <a:buClrTx/>
-              <a:buSzTx/>
-              <a:buFontTx/>
-              <a:buNone/>
-              <a:tabLst/>
-              <a:defRPr/>
+            <a:pPr marL="514350" indent="-514350">
+              <a:buAutoNum type="arabicPeriod"/>
             </a:pPr>
-            <a:endParaRPr kumimoji="0" lang="en-US" sz="1800" b="0" i="0" u="none" strike="noStrike" kern="1200" cap="none" spc="0" normalizeH="0" baseline="0" noProof="0">
-              <a:ln>
-                <a:noFill/>
-              </a:ln>
-              <a:solidFill>
-                <a:prstClr val="white"/>
-              </a:solidFill>
-              <a:effectLst/>
-              <a:uLnTx/>
-              <a:uFillTx/>
-              <a:latin typeface="Calibri" panose="020F0502020204030204"/>
-              <a:ea typeface="+mn-ea"/>
-              <a:cs typeface="+mn-cs"/>
-            </a:endParaRPr>
-          </a:p>
-        </p:txBody>
-      </p:sp>
-      <p:sp>
-        <p:nvSpPr>
-          <p:cNvPr id="16" name="Oval 15">
-            <a:extLst>
-              <a:ext uri="{FF2B5EF4-FFF2-40B4-BE49-F238E27FC236}">
-                <a16:creationId xmlns:a16="http://schemas.microsoft.com/office/drawing/2014/main" id="{9BBC0C84-DC2A-43AE-9576-0A44295E8B9C}"/>
-              </a:ext>
-              <a:ext uri="{C183D7F6-B498-43B3-948B-1728B52AA6E4}">
-                <adec:decorative xmlns:adec="http://schemas.microsoft.com/office/drawing/2017/decorative" val="1"/>
-              </a:ext>
-            </a:extLst>
-          </p:cNvPr>
-          <p:cNvSpPr>
-            <a:spLocks noGrp="1" noRot="1" noChangeAspect="1" noMove="1" noResize="1" noEditPoints="1" noAdjustHandles="1" noChangeArrowheads="1" noChangeShapeType="1" noTextEdit="1"/>
-          </p:cNvSpPr>
-          <p:nvPr>
-            <p:extLst>
-              <p:ext uri="{386F3935-93C4-4BCD-93E2-E3B085C9AB24}">
-                <p16:designElem xmlns:p16="http://schemas.microsoft.com/office/powerpoint/2015/main" val="1"/>
-              </p:ext>
-            </p:extLst>
-          </p:nvPr>
-        </p:nvSpPr>
-        <p:spPr>
-          <a:xfrm>
-            <a:off x="10463725" y="4865965"/>
-            <a:ext cx="293695" cy="293695"/>
-          </a:xfrm>
-          <a:prstGeom prst="ellipse">
-            <a:avLst/>
-          </a:prstGeom>
-          <a:solidFill>
-            <a:schemeClr val="accent4"/>
-          </a:solidFill>
-          <a:ln>
-            <a:noFill/>
-          </a:ln>
-        </p:spPr>
-        <p:style>
-          <a:lnRef idx="2">
-            <a:schemeClr val="accent1">
-              <a:shade val="50000"/>
-            </a:schemeClr>
-          </a:lnRef>
-          <a:fillRef idx="1">
-            <a:schemeClr val="accent1"/>
-          </a:fillRef>
-          <a:effectRef idx="0">
-            <a:schemeClr val="accent1"/>
-          </a:effectRef>
-          <a:fontRef idx="minor">
-            <a:schemeClr val="lt1"/>
-          </a:fontRef>
-        </p:style>
-        <p:txBody>
-          <a:bodyPr rtlCol="0" anchor="ctr"/>
-          <a:lstStyle/>
-          <a:p>
-            <a:pPr marL="0" marR="0" lvl="0" indent="0" algn="ctr" defTabSz="914400" rtl="0" eaLnBrk="1" fontAlgn="auto" latinLnBrk="0" hangingPunct="1">
-              <a:lnSpc>
-                <a:spcPct val="100000"/>
-              </a:lnSpc>
-              <a:spcBef>
-                <a:spcPts val="0"/>
-              </a:spcBef>
-              <a:spcAft>
-                <a:spcPts val="0"/>
-              </a:spcAft>
-              <a:buClrTx/>
-              <a:buSzTx/>
-              <a:buFontTx/>
-              <a:buNone/>
-              <a:tabLst/>
-              <a:defRPr/>
+            <a:r>
+              <a:rPr lang="ko-KR" altLang="en-US" sz="2400"/>
+              <a:t>프로그램의 동작 과정을 대략적으로 이해한다</a:t>
+            </a:r>
+            <a:endParaRPr lang="en-US" altLang="ko-KR" sz="2400"/>
+          </a:p>
+          <a:p>
+            <a:pPr marL="514350" indent="-514350">
+              <a:buAutoNum type="arabicPeriod"/>
             </a:pPr>
-            <a:endParaRPr kumimoji="0" lang="en-US" sz="1800" b="0" i="0" u="none" strike="noStrike" kern="1200" cap="none" spc="0" normalizeH="0" baseline="0" noProof="0">
-              <a:ln>
-                <a:noFill/>
-              </a:ln>
-              <a:solidFill>
-                <a:prstClr val="white"/>
-              </a:solidFill>
-              <a:effectLst/>
-              <a:uLnTx/>
-              <a:uFillTx/>
-              <a:latin typeface="Calibri" panose="020F0502020204030204"/>
-              <a:ea typeface="+mn-ea"/>
-              <a:cs typeface="+mn-cs"/>
-            </a:endParaRPr>
+            <a:endParaRPr lang="en-US" altLang="ko-KR" sz="2400"/>
+          </a:p>
+          <a:p>
+            <a:pPr marL="514350" indent="-514350">
+              <a:buAutoNum type="arabicPeriod"/>
+            </a:pPr>
+            <a:r>
+              <a:rPr lang="ko-KR" altLang="en-US" sz="2400"/>
+              <a:t>기본적인 코드 작성과 이해를 할 수 있다</a:t>
+            </a:r>
+            <a:endParaRPr lang="en-US" altLang="ko-KR" sz="2400"/>
+          </a:p>
+          <a:p>
+            <a:pPr marL="514350" indent="-514350">
+              <a:buAutoNum type="arabicPeriod"/>
+            </a:pPr>
+            <a:endParaRPr lang="en-US" altLang="ko-KR" sz="2400"/>
+          </a:p>
+          <a:p>
+            <a:pPr marL="514350" indent="-514350">
+              <a:buAutoNum type="arabicPeriod"/>
+            </a:pPr>
+            <a:r>
+              <a:rPr lang="ko-KR" altLang="en-US" sz="2400"/>
+              <a:t>유니티 엔진을 이용하여 간단한 게임을 만들 수 있다</a:t>
+            </a:r>
           </a:p>
         </p:txBody>
       </p:sp>
@@ -22737,12 +22037,12 @@
           <a:chExt cx="0" cy="0"/>
         </a:xfrm>
       </p:grpSpPr>
-      <p:sp useBgFill="1">
+      <p:sp>
         <p:nvSpPr>
-          <p:cNvPr id="8" name="Rectangle 7">
+          <p:cNvPr id="23" name="Rectangle 22">
             <a:extLst>
               <a:ext uri="{FF2B5EF4-FFF2-40B4-BE49-F238E27FC236}">
-                <a16:creationId xmlns:a16="http://schemas.microsoft.com/office/drawing/2014/main" id="{559AE206-7EBA-4D33-8BC9-9D8158553F0E}"/>
+                <a16:creationId xmlns:a16="http://schemas.microsoft.com/office/drawing/2014/main" id="{6F9EB9F2-07E2-4D64-BBD8-BB5B217F1218}"/>
               </a:ext>
               <a:ext uri="{C183D7F6-B498-43B3-948B-1728B52AA6E4}">
                 <adec:decorative xmlns:adec="http://schemas.microsoft.com/office/drawing/2017/decorative" val="1"/>
@@ -22760,15 +22060,20 @@
             </p:extLst>
           </p:nvPr>
         </p:nvSpPr>
-        <p:spPr>
+        <p:spPr bwMode="ltGray">
           <a:xfrm>
-            <a:off x="0" y="0"/>
-            <a:ext cx="12192000" cy="6858000"/>
+            <a:off x="321564" y="320040"/>
+            <a:ext cx="11548872" cy="6217920"/>
           </a:xfrm>
           <a:prstGeom prst="rect">
             <a:avLst/>
           </a:prstGeom>
-          <a:ln>
+          <a:solidFill>
+            <a:schemeClr val="tx1">
+              <a:alpha val="12000"/>
+            </a:schemeClr>
+          </a:solidFill>
+          <a:ln w="127000" cap="sq" cmpd="thinThick">
             <a:noFill/>
           </a:ln>
         </p:spPr>
@@ -22792,37 +22097,8 @@
           <a:bodyPr rtlCol="0" anchor="ctr"/>
           <a:lstStyle/>
           <a:p>
-            <a:pPr marL="0" marR="0" lvl="0" indent="0" algn="ctr" defTabSz="914400" rtl="0" eaLnBrk="1" fontAlgn="auto" latinLnBrk="0" hangingPunct="1">
-              <a:lnSpc>
-                <a:spcPct val="100000"/>
-              </a:lnSpc>
-              <a:spcBef>
-                <a:spcPts val="0"/>
-              </a:spcBef>
-              <a:spcAft>
-                <a:spcPts val="0"/>
-              </a:spcAft>
-              <a:buClrTx/>
-              <a:buSzTx/>
-              <a:buFontTx/>
-              <a:buNone/>
-              <a:tabLst/>
-              <a:defRPr/>
-            </a:pPr>
-            <a:endParaRPr kumimoji="0" lang="en-US" sz="1800" b="0" i="0" u="none" strike="noStrike" kern="1200" cap="none" spc="0" normalizeH="0" baseline="0" noProof="0">
-              <a:ln>
-                <a:noFill/>
-              </a:ln>
-              <a:solidFill>
-                <a:prstClr val="white"/>
-              </a:solidFill>
-              <a:effectLst/>
-              <a:uLnTx/>
-              <a:uFillTx/>
-              <a:latin typeface="Calibri" panose="020F0502020204030204"/>
-              <a:ea typeface="+mn-ea"/>
-              <a:cs typeface="+mn-cs"/>
-            </a:endParaRPr>
+            <a:pPr algn="ctr"/>
+            <a:endParaRPr lang="en-US"/>
           </a:p>
         </p:txBody>
       </p:sp>
@@ -22844,8 +22120,8 @@
         </p:nvSpPr>
         <p:spPr>
           <a:xfrm>
-            <a:off x="838199" y="4525347"/>
-            <a:ext cx="6801321" cy="1737360"/>
+            <a:off x="4380588" y="965199"/>
+            <a:ext cx="6766078" cy="4927601"/>
           </a:xfrm>
         </p:spPr>
         <p:txBody>
@@ -22854,11 +22130,14 @@
           </a:bodyPr>
           <a:lstStyle/>
           <a:p>
-            <a:pPr algn="r" latinLnBrk="0"/>
-            <a:r>
-              <a:rPr lang="ko-KR" altLang="en-US" sz="6000" kern="1200" dirty="0">
+            <a:pPr latinLnBrk="0"/>
+            <a:r>
+              <a:rPr lang="ko-KR" altLang="en-US" sz="5400" kern="1200">
                 <a:solidFill>
-                  <a:schemeClr val="tx1"/>
+                  <a:schemeClr val="tx1">
+                    <a:lumMod val="85000"/>
+                    <a:lumOff val="15000"/>
+                  </a:schemeClr>
                 </a:solidFill>
                 <a:latin typeface="+mj-lt"/>
                 <a:ea typeface="+mj-ea"/>
@@ -22867,9 +22146,12 @@
               <a:t>프로그래밍은 무엇일까</a:t>
             </a:r>
             <a:r>
-              <a:rPr lang="en-US" altLang="ko-KR" sz="6000" kern="1200" dirty="0">
+              <a:rPr lang="en-US" altLang="ko-KR" sz="5400" kern="1200">
                 <a:solidFill>
-                  <a:schemeClr val="tx1"/>
+                  <a:schemeClr val="tx1">
+                    <a:lumMod val="85000"/>
+                    <a:lumOff val="15000"/>
+                  </a:schemeClr>
                 </a:solidFill>
                 <a:latin typeface="+mj-lt"/>
                 <a:ea typeface="+mj-ea"/>
@@ -22880,443 +22162,12 @@
           </a:p>
         </p:txBody>
       </p:sp>
-      <p:sp>
-        <p:nvSpPr>
-          <p:cNvPr id="10" name="Oval 9">
+      <p:cxnSp>
+        <p:nvCxnSpPr>
+          <p:cNvPr id="25" name="Straight Connector 24">
             <a:extLst>
               <a:ext uri="{FF2B5EF4-FFF2-40B4-BE49-F238E27FC236}">
-                <a16:creationId xmlns:a16="http://schemas.microsoft.com/office/drawing/2014/main" id="{6437D937-A7F1-4011-92B4-328E5BE1B166}"/>
-              </a:ext>
-              <a:ext uri="{C183D7F6-B498-43B3-948B-1728B52AA6E4}">
-                <adec:decorative xmlns:adec="http://schemas.microsoft.com/office/drawing/2017/decorative" val="1"/>
-              </a:ext>
-            </a:extLst>
-          </p:cNvPr>
-          <p:cNvSpPr>
-            <a:spLocks noGrp="1" noRot="1" noChangeAspect="1" noMove="1" noResize="1" noEditPoints="1" noAdjustHandles="1" noChangeArrowheads="1" noChangeShapeType="1" noTextEdit="1"/>
-          </p:cNvSpPr>
-          <p:nvPr>
-            <p:extLst>
-              <p:ext uri="{386F3935-93C4-4BCD-93E2-E3B085C9AB24}">
-                <p16:designElem xmlns:p16="http://schemas.microsoft.com/office/powerpoint/2015/main" val="1"/>
-              </p:ext>
-            </p:extLst>
-          </p:nvPr>
-        </p:nvSpPr>
-        <p:spPr>
-          <a:xfrm>
-            <a:off x="588567" y="620480"/>
-            <a:ext cx="2243800" cy="2243796"/>
-          </a:xfrm>
-          <a:prstGeom prst="ellipse">
-            <a:avLst/>
-          </a:prstGeom>
-          <a:solidFill>
-            <a:schemeClr val="accent5"/>
-          </a:solidFill>
-          <a:ln>
-            <a:noFill/>
-          </a:ln>
-        </p:spPr>
-        <p:style>
-          <a:lnRef idx="2">
-            <a:schemeClr val="accent1">
-              <a:shade val="50000"/>
-            </a:schemeClr>
-          </a:lnRef>
-          <a:fillRef idx="1">
-            <a:schemeClr val="accent1"/>
-          </a:fillRef>
-          <a:effectRef idx="0">
-            <a:schemeClr val="accent1"/>
-          </a:effectRef>
-          <a:fontRef idx="minor">
-            <a:schemeClr val="lt1"/>
-          </a:fontRef>
-        </p:style>
-        <p:txBody>
-          <a:bodyPr rtlCol="0" anchor="ctr"/>
-          <a:lstStyle/>
-          <a:p>
-            <a:pPr marL="0" marR="0" lvl="0" indent="0" algn="ctr" defTabSz="914400" rtl="0" eaLnBrk="1" fontAlgn="auto" latinLnBrk="0" hangingPunct="1">
-              <a:lnSpc>
-                <a:spcPct val="100000"/>
-              </a:lnSpc>
-              <a:spcBef>
-                <a:spcPts val="0"/>
-              </a:spcBef>
-              <a:spcAft>
-                <a:spcPts val="0"/>
-              </a:spcAft>
-              <a:buClrTx/>
-              <a:buSzTx/>
-              <a:buFontTx/>
-              <a:buNone/>
-              <a:tabLst/>
-              <a:defRPr/>
-            </a:pPr>
-            <a:endParaRPr kumimoji="0" lang="en-US" sz="1800" b="0" i="0" u="none" strike="noStrike" kern="1200" cap="none" spc="0" normalizeH="0" baseline="0" noProof="0">
-              <a:ln>
-                <a:noFill/>
-              </a:ln>
-              <a:solidFill>
-                <a:prstClr val="white"/>
-              </a:solidFill>
-              <a:effectLst/>
-              <a:uLnTx/>
-              <a:uFillTx/>
-              <a:latin typeface="Calibri" panose="020F0502020204030204"/>
-              <a:ea typeface="+mn-ea"/>
-              <a:cs typeface="+mn-cs"/>
-            </a:endParaRPr>
-          </a:p>
-        </p:txBody>
-      </p:sp>
-      <p:sp>
-        <p:nvSpPr>
-          <p:cNvPr id="12" name="Oval 11">
-            <a:extLst>
-              <a:ext uri="{FF2B5EF4-FFF2-40B4-BE49-F238E27FC236}">
-                <a16:creationId xmlns:a16="http://schemas.microsoft.com/office/drawing/2014/main" id="{B672F332-AF08-46C6-94F0-77684310D7B7}"/>
-              </a:ext>
-              <a:ext uri="{C183D7F6-B498-43B3-948B-1728B52AA6E4}">
-                <adec:decorative xmlns:adec="http://schemas.microsoft.com/office/drawing/2017/decorative" val="1"/>
-              </a:ext>
-            </a:extLst>
-          </p:cNvPr>
-          <p:cNvSpPr>
-            <a:spLocks noGrp="1" noRot="1" noChangeAspect="1" noMove="1" noResize="1" noEditPoints="1" noAdjustHandles="1" noChangeArrowheads="1" noChangeShapeType="1" noTextEdit="1"/>
-          </p:cNvSpPr>
-          <p:nvPr>
-            <p:extLst>
-              <p:ext uri="{386F3935-93C4-4BCD-93E2-E3B085C9AB24}">
-                <p16:designElem xmlns:p16="http://schemas.microsoft.com/office/powerpoint/2015/main" val="1"/>
-              </p:ext>
-            </p:extLst>
-          </p:nvPr>
-        </p:nvSpPr>
-        <p:spPr>
-          <a:xfrm>
-            <a:off x="3395001" y="2466604"/>
-            <a:ext cx="962395" cy="962395"/>
-          </a:xfrm>
-          <a:prstGeom prst="ellipse">
-            <a:avLst/>
-          </a:prstGeom>
-          <a:solidFill>
-            <a:schemeClr val="accent4"/>
-          </a:solidFill>
-          <a:ln>
-            <a:noFill/>
-          </a:ln>
-        </p:spPr>
-        <p:style>
-          <a:lnRef idx="2">
-            <a:schemeClr val="accent1">
-              <a:shade val="50000"/>
-            </a:schemeClr>
-          </a:lnRef>
-          <a:fillRef idx="1">
-            <a:schemeClr val="accent1"/>
-          </a:fillRef>
-          <a:effectRef idx="0">
-            <a:schemeClr val="accent1"/>
-          </a:effectRef>
-          <a:fontRef idx="minor">
-            <a:schemeClr val="lt1"/>
-          </a:fontRef>
-        </p:style>
-        <p:txBody>
-          <a:bodyPr rtlCol="0" anchor="ctr"/>
-          <a:lstStyle/>
-          <a:p>
-            <a:pPr marL="0" marR="0" lvl="0" indent="0" algn="ctr" defTabSz="914400" rtl="0" eaLnBrk="1" fontAlgn="auto" latinLnBrk="0" hangingPunct="1">
-              <a:lnSpc>
-                <a:spcPct val="100000"/>
-              </a:lnSpc>
-              <a:spcBef>
-                <a:spcPts val="0"/>
-              </a:spcBef>
-              <a:spcAft>
-                <a:spcPts val="0"/>
-              </a:spcAft>
-              <a:buClrTx/>
-              <a:buSzTx/>
-              <a:buFontTx/>
-              <a:buNone/>
-              <a:tabLst/>
-              <a:defRPr/>
-            </a:pPr>
-            <a:endParaRPr kumimoji="0" lang="en-US" sz="1800" b="0" i="0" u="none" strike="noStrike" kern="1200" cap="none" spc="0" normalizeH="0" baseline="0" noProof="0">
-              <a:ln>
-                <a:noFill/>
-              </a:ln>
-              <a:solidFill>
-                <a:prstClr val="white"/>
-              </a:solidFill>
-              <a:effectLst/>
-              <a:uLnTx/>
-              <a:uFillTx/>
-              <a:latin typeface="Calibri" panose="020F0502020204030204"/>
-              <a:ea typeface="+mn-ea"/>
-              <a:cs typeface="+mn-cs"/>
-            </a:endParaRPr>
-          </a:p>
-        </p:txBody>
-      </p:sp>
-      <p:sp>
-        <p:nvSpPr>
-          <p:cNvPr id="14" name="Oval 13">
-            <a:extLst>
-              <a:ext uri="{FF2B5EF4-FFF2-40B4-BE49-F238E27FC236}">
-                <a16:creationId xmlns:a16="http://schemas.microsoft.com/office/drawing/2014/main" id="{34244EF8-D73A-40E1-BE73-D46E6B4B04ED}"/>
-              </a:ext>
-              <a:ext uri="{C183D7F6-B498-43B3-948B-1728B52AA6E4}">
-                <adec:decorative xmlns:adec="http://schemas.microsoft.com/office/drawing/2017/decorative" val="1"/>
-              </a:ext>
-            </a:extLst>
-          </p:cNvPr>
-          <p:cNvSpPr>
-            <a:spLocks noGrp="1" noRot="1" noChangeAspect="1" noMove="1" noResize="1" noEditPoints="1" noAdjustHandles="1" noChangeArrowheads="1" noChangeShapeType="1" noTextEdit="1"/>
-          </p:cNvSpPr>
-          <p:nvPr>
-            <p:extLst>
-              <p:ext uri="{386F3935-93C4-4BCD-93E2-E3B085C9AB24}">
-                <p16:designElem xmlns:p16="http://schemas.microsoft.com/office/powerpoint/2015/main" val="1"/>
-              </p:ext>
-            </p:extLst>
-          </p:nvPr>
-        </p:nvSpPr>
-        <p:spPr>
-          <a:xfrm>
-            <a:off x="5125829" y="2327988"/>
-            <a:ext cx="293695" cy="293695"/>
-          </a:xfrm>
-          <a:prstGeom prst="ellipse">
-            <a:avLst/>
-          </a:prstGeom>
-          <a:solidFill>
-            <a:schemeClr val="accent3"/>
-          </a:solidFill>
-          <a:ln>
-            <a:noFill/>
-          </a:ln>
-        </p:spPr>
-        <p:style>
-          <a:lnRef idx="2">
-            <a:schemeClr val="accent1">
-              <a:shade val="50000"/>
-            </a:schemeClr>
-          </a:lnRef>
-          <a:fillRef idx="1">
-            <a:schemeClr val="accent1"/>
-          </a:fillRef>
-          <a:effectRef idx="0">
-            <a:schemeClr val="accent1"/>
-          </a:effectRef>
-          <a:fontRef idx="minor">
-            <a:schemeClr val="lt1"/>
-          </a:fontRef>
-        </p:style>
-        <p:txBody>
-          <a:bodyPr rtlCol="0" anchor="ctr"/>
-          <a:lstStyle/>
-          <a:p>
-            <a:pPr marL="0" marR="0" lvl="0" indent="0" algn="ctr" defTabSz="914400" rtl="0" eaLnBrk="1" fontAlgn="auto" latinLnBrk="0" hangingPunct="1">
-              <a:lnSpc>
-                <a:spcPct val="100000"/>
-              </a:lnSpc>
-              <a:spcBef>
-                <a:spcPts val="0"/>
-              </a:spcBef>
-              <a:spcAft>
-                <a:spcPts val="0"/>
-              </a:spcAft>
-              <a:buClrTx/>
-              <a:buSzTx/>
-              <a:buFontTx/>
-              <a:buNone/>
-              <a:tabLst/>
-              <a:defRPr/>
-            </a:pPr>
-            <a:endParaRPr kumimoji="0" lang="en-US" sz="1800" b="0" i="0" u="none" strike="noStrike" kern="1200" cap="none" spc="0" normalizeH="0" baseline="0" noProof="0">
-              <a:ln>
-                <a:noFill/>
-              </a:ln>
-              <a:solidFill>
-                <a:prstClr val="white"/>
-              </a:solidFill>
-              <a:effectLst/>
-              <a:uLnTx/>
-              <a:uFillTx/>
-              <a:latin typeface="Calibri" panose="020F0502020204030204"/>
-              <a:ea typeface="+mn-ea"/>
-              <a:cs typeface="+mn-cs"/>
-            </a:endParaRPr>
-          </a:p>
-        </p:txBody>
-      </p:sp>
-      <p:sp>
-        <p:nvSpPr>
-          <p:cNvPr id="16" name="Freeform: Shape 15">
-            <a:extLst>
-              <a:ext uri="{FF2B5EF4-FFF2-40B4-BE49-F238E27FC236}">
-                <a16:creationId xmlns:a16="http://schemas.microsoft.com/office/drawing/2014/main" id="{AB84D7E8-4ECB-42D7-ADBF-01689B0F24AE}"/>
-              </a:ext>
-              <a:ext uri="{C183D7F6-B498-43B3-948B-1728B52AA6E4}">
-                <adec:decorative xmlns:adec="http://schemas.microsoft.com/office/drawing/2017/decorative" val="1"/>
-              </a:ext>
-            </a:extLst>
-          </p:cNvPr>
-          <p:cNvSpPr>
-            <a:spLocks noGrp="1" noRot="1" noChangeAspect="1" noMove="1" noResize="1" noEditPoints="1" noAdjustHandles="1" noChangeArrowheads="1" noChangeShapeType="1" noTextEdit="1"/>
-          </p:cNvSpPr>
-          <p:nvPr>
-            <p:extLst>
-              <p:ext uri="{386F3935-93C4-4BCD-93E2-E3B085C9AB24}">
-                <p16:designElem xmlns:p16="http://schemas.microsoft.com/office/powerpoint/2015/main" val="1"/>
-              </p:ext>
-            </p:extLst>
-          </p:nvPr>
-        </p:nvSpPr>
-        <p:spPr>
-          <a:xfrm>
-            <a:off x="6492113" y="0"/>
-            <a:ext cx="5699887" cy="4059244"/>
-          </a:xfrm>
-          <a:custGeom>
-            <a:avLst/>
-            <a:gdLst>
-              <a:gd name="connsiteX0" fmla="*/ 0 w 5699887"/>
-              <a:gd name="connsiteY0" fmla="*/ 0 h 4059244"/>
-              <a:gd name="connsiteX1" fmla="*/ 5699887 w 5699887"/>
-              <a:gd name="connsiteY1" fmla="*/ 0 h 4059244"/>
-              <a:gd name="connsiteX2" fmla="*/ 5699887 w 5699887"/>
-              <a:gd name="connsiteY2" fmla="*/ 3944096 h 4059244"/>
-              <a:gd name="connsiteX3" fmla="*/ 5525775 w 5699887"/>
-              <a:gd name="connsiteY3" fmla="*/ 3980429 h 4059244"/>
-              <a:gd name="connsiteX4" fmla="*/ 4663256 w 5699887"/>
-              <a:gd name="connsiteY4" fmla="*/ 4059244 h 4059244"/>
-              <a:gd name="connsiteX5" fmla="*/ 8566 w 5699887"/>
-              <a:gd name="connsiteY5" fmla="*/ 67422 h 4059244"/>
-            </a:gdLst>
-            <a:ahLst/>
-            <a:cxnLst>
-              <a:cxn ang="0">
-                <a:pos x="connsiteX0" y="connsiteY0"/>
-              </a:cxn>
-              <a:cxn ang="0">
-                <a:pos x="connsiteX1" y="connsiteY1"/>
-              </a:cxn>
-              <a:cxn ang="0">
-                <a:pos x="connsiteX2" y="connsiteY2"/>
-              </a:cxn>
-              <a:cxn ang="0">
-                <a:pos x="connsiteX3" y="connsiteY3"/>
-              </a:cxn>
-              <a:cxn ang="0">
-                <a:pos x="connsiteX4" y="connsiteY4"/>
-              </a:cxn>
-              <a:cxn ang="0">
-                <a:pos x="connsiteX5" y="connsiteY5"/>
-              </a:cxn>
-            </a:cxnLst>
-            <a:rect l="l" t="t" r="r" b="b"/>
-            <a:pathLst>
-              <a:path w="5699887" h="4059244">
-                <a:moveTo>
-                  <a:pt x="0" y="0"/>
-                </a:moveTo>
-                <a:lnTo>
-                  <a:pt x="5699887" y="0"/>
-                </a:lnTo>
-                <a:lnTo>
-                  <a:pt x="5699887" y="3944096"/>
-                </a:lnTo>
-                <a:lnTo>
-                  <a:pt x="5525775" y="3980429"/>
-                </a:lnTo>
-                <a:cubicBezTo>
-                  <a:pt x="5246154" y="4032190"/>
-                  <a:pt x="4957865" y="4059244"/>
-                  <a:pt x="4663256" y="4059244"/>
-                </a:cubicBezTo>
-                <a:cubicBezTo>
-                  <a:pt x="2306390" y="4059244"/>
-                  <a:pt x="353936" y="2327747"/>
-                  <a:pt x="8566" y="67422"/>
-                </a:cubicBezTo>
-                <a:close/>
-              </a:path>
-            </a:pathLst>
-          </a:custGeom>
-          <a:solidFill>
-            <a:srgbClr val="595959"/>
-          </a:solidFill>
-          <a:ln>
-            <a:noFill/>
-          </a:ln>
-        </p:spPr>
-        <p:style>
-          <a:lnRef idx="2">
-            <a:schemeClr val="accent1">
-              <a:shade val="50000"/>
-            </a:schemeClr>
-          </a:lnRef>
-          <a:fillRef idx="1">
-            <a:schemeClr val="accent1"/>
-          </a:fillRef>
-          <a:effectRef idx="0">
-            <a:schemeClr val="accent1"/>
-          </a:effectRef>
-          <a:fontRef idx="minor">
-            <a:schemeClr val="lt1"/>
-          </a:fontRef>
-        </p:style>
-        <p:txBody>
-          <a:bodyPr rtlCol="0" anchor="ctr"/>
-          <a:lstStyle/>
-          <a:p>
-            <a:pPr marL="0" marR="0" lvl="0" indent="0" algn="ctr" defTabSz="914400" rtl="0" eaLnBrk="1" fontAlgn="auto" latinLnBrk="0" hangingPunct="1">
-              <a:lnSpc>
-                <a:spcPct val="100000"/>
-              </a:lnSpc>
-              <a:spcBef>
-                <a:spcPts val="0"/>
-              </a:spcBef>
-              <a:spcAft>
-                <a:spcPts val="0"/>
-              </a:spcAft>
-              <a:buClrTx/>
-              <a:buSzTx/>
-              <a:buFontTx/>
-              <a:buNone/>
-              <a:tabLst/>
-              <a:defRPr/>
-            </a:pPr>
-            <a:endParaRPr kumimoji="0" lang="en-US" sz="1800" b="0" i="0" u="none" strike="noStrike" kern="1200" cap="none" spc="0" normalizeH="0" baseline="0" noProof="0">
-              <a:ln>
-                <a:noFill/>
-              </a:ln>
-              <a:solidFill>
-                <a:prstClr val="white"/>
-              </a:solidFill>
-              <a:effectLst/>
-              <a:uLnTx/>
-              <a:uFillTx/>
-              <a:latin typeface="Calibri" panose="020F0502020204030204"/>
-              <a:ea typeface="+mn-ea"/>
-              <a:cs typeface="+mn-cs"/>
-            </a:endParaRPr>
-          </a:p>
-        </p:txBody>
-      </p:sp>
-      <p:cxnSp>
-        <p:nvCxnSpPr>
-          <p:cNvPr id="18" name="Straight Connector 17">
-            <a:extLst>
-              <a:ext uri="{FF2B5EF4-FFF2-40B4-BE49-F238E27FC236}">
-                <a16:creationId xmlns:a16="http://schemas.microsoft.com/office/drawing/2014/main" id="{9E8E38ED-369A-44C2-B635-0BED0E48A6E8}"/>
+                <a16:creationId xmlns:a16="http://schemas.microsoft.com/office/drawing/2014/main" id="{F0C57C7C-DFE9-4A1E-B7A9-DF40E63366BB}"/>
               </a:ext>
               <a:ext uri="{C183D7F6-B498-43B3-948B-1728B52AA6E4}">
                 <adec:decorative xmlns:adec="http://schemas.microsoft.com/office/drawing/2017/decorative" val="1"/>
@@ -23336,15 +22187,18 @@
         </p:nvCxnSpPr>
         <p:spPr>
           <a:xfrm>
-            <a:off x="7800392" y="4525347"/>
-            <a:ext cx="0" cy="1737360"/>
+            <a:off x="4055891" y="2057399"/>
+            <a:ext cx="0" cy="2743200"/>
           </a:xfrm>
           <a:prstGeom prst="line">
             <a:avLst/>
           </a:prstGeom>
-          <a:ln w="19050" cap="sq">
+          <a:ln w="19050">
             <a:solidFill>
-              <a:schemeClr val="tx1"/>
+              <a:schemeClr val="tx1">
+                <a:lumMod val="85000"/>
+                <a:lumOff val="15000"/>
+              </a:schemeClr>
             </a:solidFill>
           </a:ln>
         </p:spPr>
@@ -23401,12 +22255,12 @@
           <a:chExt cx="0" cy="0"/>
         </a:xfrm>
       </p:grpSpPr>
-      <p:sp useBgFill="1">
+      <p:sp>
         <p:nvSpPr>
-          <p:cNvPr id="8" name="Rectangle 7">
+          <p:cNvPr id="21" name="Rectangle 20">
             <a:extLst>
               <a:ext uri="{FF2B5EF4-FFF2-40B4-BE49-F238E27FC236}">
-                <a16:creationId xmlns:a16="http://schemas.microsoft.com/office/drawing/2014/main" id="{E4F9F79B-A093-478E-96B5-EE02BC93A858}"/>
+                <a16:creationId xmlns:a16="http://schemas.microsoft.com/office/drawing/2014/main" id="{8D70B121-56F4-4848-B38B-182089D909FA}"/>
               </a:ext>
               <a:ext uri="{C183D7F6-B498-43B3-948B-1728B52AA6E4}">
                 <adec:decorative xmlns:adec="http://schemas.microsoft.com/office/drawing/2017/decorative" val="1"/>
@@ -23424,15 +22278,20 @@
             </p:extLst>
           </p:nvPr>
         </p:nvSpPr>
-        <p:spPr>
+        <p:spPr bwMode="ltGray">
           <a:xfrm>
-            <a:off x="0" y="0"/>
-            <a:ext cx="12192000" cy="6858000"/>
+            <a:off x="321564" y="320040"/>
+            <a:ext cx="11548872" cy="6217920"/>
           </a:xfrm>
           <a:prstGeom prst="rect">
             <a:avLst/>
           </a:prstGeom>
-          <a:ln>
+          <a:solidFill>
+            <a:schemeClr val="tx1">
+              <a:alpha val="8000"/>
+            </a:schemeClr>
+          </a:solidFill>
+          <a:ln w="127000" cap="sq" cmpd="thinThick">
             <a:noFill/>
           </a:ln>
         </p:spPr>
@@ -23456,37 +22315,8 @@
           <a:bodyPr rtlCol="0" anchor="ctr"/>
           <a:lstStyle/>
           <a:p>
-            <a:pPr marL="0" marR="0" lvl="0" indent="0" algn="ctr" defTabSz="914400" rtl="0" eaLnBrk="1" fontAlgn="auto" latinLnBrk="0" hangingPunct="1">
-              <a:lnSpc>
-                <a:spcPct val="100000"/>
-              </a:lnSpc>
-              <a:spcBef>
-                <a:spcPts val="0"/>
-              </a:spcBef>
-              <a:spcAft>
-                <a:spcPts val="0"/>
-              </a:spcAft>
-              <a:buClrTx/>
-              <a:buSzTx/>
-              <a:buFontTx/>
-              <a:buNone/>
-              <a:tabLst/>
-              <a:defRPr/>
-            </a:pPr>
-            <a:endParaRPr kumimoji="0" lang="en-US" sz="1800" b="0" i="0" u="none" strike="noStrike" kern="1200" cap="none" spc="0" normalizeH="0" baseline="0" noProof="0">
-              <a:ln>
-                <a:noFill/>
-              </a:ln>
-              <a:solidFill>
-                <a:prstClr val="white"/>
-              </a:solidFill>
-              <a:effectLst/>
-              <a:uLnTx/>
-              <a:uFillTx/>
-              <a:latin typeface="Calibri" panose="020F0502020204030204"/>
-              <a:ea typeface="+mn-ea"/>
-              <a:cs typeface="+mn-cs"/>
-            </a:endParaRPr>
+            <a:pPr algn="ctr"/>
+            <a:endParaRPr lang="en-US"/>
           </a:p>
         </p:txBody>
       </p:sp>
@@ -23508,8 +22338,8 @@
         </p:nvSpPr>
         <p:spPr>
           <a:xfrm>
-            <a:off x="640079" y="4526280"/>
-            <a:ext cx="7410681" cy="1737360"/>
+            <a:off x="139963" y="963877"/>
+            <a:ext cx="4514324" cy="4930246"/>
           </a:xfrm>
         </p:spPr>
         <p:txBody>
@@ -23518,224 +22348,24 @@
           </a:bodyPr>
           <a:lstStyle/>
           <a:p>
-            <a:r>
-              <a:rPr lang="ko-KR" altLang="en-US" sz="4800" dirty="0"/>
+            <a:pPr algn="r"/>
+            <a:r>
+              <a:rPr lang="ko-KR" altLang="en-US" dirty="0">
+                <a:solidFill>
+                  <a:schemeClr val="accent1"/>
+                </a:solidFill>
+              </a:rPr>
               <a:t>자료형의 필요성</a:t>
             </a:r>
-          </a:p>
-        </p:txBody>
-      </p:sp>
-      <p:sp>
-        <p:nvSpPr>
-          <p:cNvPr id="3" name="내용 개체 틀 2">
-            <a:extLst>
-              <a:ext uri="{FF2B5EF4-FFF2-40B4-BE49-F238E27FC236}">
-                <a16:creationId xmlns:a16="http://schemas.microsoft.com/office/drawing/2014/main" id="{B61EE094-DD07-4FCA-861B-5DC4D4268D6C}"/>
-              </a:ext>
-            </a:extLst>
-          </p:cNvPr>
-          <p:cNvSpPr>
-            <a:spLocks noGrp="1"/>
-          </p:cNvSpPr>
-          <p:nvPr>
-            <p:ph idx="1"/>
-          </p:nvPr>
-        </p:nvSpPr>
-        <p:spPr>
-          <a:xfrm>
-            <a:off x="640080" y="595293"/>
-            <a:ext cx="5676637" cy="3463951"/>
-          </a:xfrm>
-        </p:spPr>
-        <p:txBody>
-          <a:bodyPr anchor="ctr">
-            <a:normAutofit/>
-          </a:bodyPr>
-          <a:lstStyle/>
-          <a:p>
-            <a:r>
-              <a:rPr lang="en-US" altLang="ko-KR" sz="1800" dirty="0">
-                <a:hlinkClick r:id="rId3"/>
-              </a:rPr>
-              <a:t>https://docs.microsoft.com/ko-kr/dotnet/csharp/language-reference/builtin-types/built-in-types</a:t>
-            </a:r>
-            <a:endParaRPr lang="en-US" altLang="ko-KR" sz="1800" dirty="0"/>
-          </a:p>
-          <a:p>
-            <a:endParaRPr lang="en-US" altLang="ko-KR" sz="1800" dirty="0"/>
-          </a:p>
-          <a:p>
-            <a:r>
-              <a:rPr lang="en-US" altLang="ko-KR" sz="1800" dirty="0">
-                <a:hlinkClick r:id="rId4"/>
-              </a:rPr>
-              <a:t>https://hackersstudy.tistory.com/8</a:t>
-            </a:r>
-            <a:endParaRPr lang="ko-KR" altLang="en-US" sz="1800" dirty="0"/>
-          </a:p>
-        </p:txBody>
-      </p:sp>
-      <p:sp>
-        <p:nvSpPr>
-          <p:cNvPr id="10" name="Freeform: Shape 9">
-            <a:extLst>
-              <a:ext uri="{FF2B5EF4-FFF2-40B4-BE49-F238E27FC236}">
-                <a16:creationId xmlns:a16="http://schemas.microsoft.com/office/drawing/2014/main" id="{11394CD8-BD30-4B74-86F4-51FDF3383419}"/>
-              </a:ext>
-              <a:ext uri="{C183D7F6-B498-43B3-948B-1728B52AA6E4}">
-                <adec:decorative xmlns:adec="http://schemas.microsoft.com/office/drawing/2017/decorative" val="1"/>
-              </a:ext>
-            </a:extLst>
-          </p:cNvPr>
-          <p:cNvSpPr>
-            <a:spLocks noGrp="1" noRot="1" noChangeAspect="1" noMove="1" noResize="1" noEditPoints="1" noAdjustHandles="1" noChangeArrowheads="1" noChangeShapeType="1" noTextEdit="1"/>
-          </p:cNvSpPr>
-          <p:nvPr>
-            <p:extLst>
-              <p:ext uri="{386F3935-93C4-4BCD-93E2-E3B085C9AB24}">
-                <p16:designElem xmlns:p16="http://schemas.microsoft.com/office/powerpoint/2015/main" val="1"/>
-              </p:ext>
-            </p:extLst>
-          </p:nvPr>
-        </p:nvSpPr>
-        <p:spPr>
-          <a:xfrm>
-            <a:off x="6492113" y="0"/>
-            <a:ext cx="5699887" cy="4059244"/>
-          </a:xfrm>
-          <a:custGeom>
-            <a:avLst/>
-            <a:gdLst>
-              <a:gd name="connsiteX0" fmla="*/ 0 w 5699887"/>
-              <a:gd name="connsiteY0" fmla="*/ 0 h 4059244"/>
-              <a:gd name="connsiteX1" fmla="*/ 5699887 w 5699887"/>
-              <a:gd name="connsiteY1" fmla="*/ 0 h 4059244"/>
-              <a:gd name="connsiteX2" fmla="*/ 5699887 w 5699887"/>
-              <a:gd name="connsiteY2" fmla="*/ 3944096 h 4059244"/>
-              <a:gd name="connsiteX3" fmla="*/ 5525775 w 5699887"/>
-              <a:gd name="connsiteY3" fmla="*/ 3980429 h 4059244"/>
-              <a:gd name="connsiteX4" fmla="*/ 4663256 w 5699887"/>
-              <a:gd name="connsiteY4" fmla="*/ 4059244 h 4059244"/>
-              <a:gd name="connsiteX5" fmla="*/ 8566 w 5699887"/>
-              <a:gd name="connsiteY5" fmla="*/ 67422 h 4059244"/>
-            </a:gdLst>
-            <a:ahLst/>
-            <a:cxnLst>
-              <a:cxn ang="0">
-                <a:pos x="connsiteX0" y="connsiteY0"/>
-              </a:cxn>
-              <a:cxn ang="0">
-                <a:pos x="connsiteX1" y="connsiteY1"/>
-              </a:cxn>
-              <a:cxn ang="0">
-                <a:pos x="connsiteX2" y="connsiteY2"/>
-              </a:cxn>
-              <a:cxn ang="0">
-                <a:pos x="connsiteX3" y="connsiteY3"/>
-              </a:cxn>
-              <a:cxn ang="0">
-                <a:pos x="connsiteX4" y="connsiteY4"/>
-              </a:cxn>
-              <a:cxn ang="0">
-                <a:pos x="connsiteX5" y="connsiteY5"/>
-              </a:cxn>
-            </a:cxnLst>
-            <a:rect l="l" t="t" r="r" b="b"/>
-            <a:pathLst>
-              <a:path w="5699887" h="4059244">
-                <a:moveTo>
-                  <a:pt x="0" y="0"/>
-                </a:moveTo>
-                <a:lnTo>
-                  <a:pt x="5699887" y="0"/>
-                </a:lnTo>
-                <a:lnTo>
-                  <a:pt x="5699887" y="3944096"/>
-                </a:lnTo>
-                <a:lnTo>
-                  <a:pt x="5525775" y="3980429"/>
-                </a:lnTo>
-                <a:cubicBezTo>
-                  <a:pt x="5246154" y="4032190"/>
-                  <a:pt x="4957865" y="4059244"/>
-                  <a:pt x="4663256" y="4059244"/>
-                </a:cubicBezTo>
-                <a:cubicBezTo>
-                  <a:pt x="2306390" y="4059244"/>
-                  <a:pt x="353936" y="2327747"/>
-                  <a:pt x="8566" y="67422"/>
-                </a:cubicBezTo>
-                <a:close/>
-              </a:path>
-            </a:pathLst>
-          </a:custGeom>
-          <a:solidFill>
-            <a:srgbClr val="595959"/>
-          </a:solidFill>
-          <a:ln>
-            <a:noFill/>
-          </a:ln>
-        </p:spPr>
-        <p:style>
-          <a:lnRef idx="2">
-            <a:schemeClr val="accent1">
-              <a:shade val="50000"/>
-            </a:schemeClr>
-          </a:lnRef>
-          <a:fillRef idx="1">
-            <a:schemeClr val="accent1"/>
-          </a:fillRef>
-          <a:effectRef idx="0">
-            <a:schemeClr val="accent1"/>
-          </a:effectRef>
-          <a:fontRef idx="minor">
-            <a:schemeClr val="lt1"/>
-          </a:fontRef>
-        </p:style>
-        <p:txBody>
-          <a:bodyPr rtlCol="0" anchor="ctr"/>
-          <a:lstStyle/>
-          <a:p>
-            <a:pPr marL="0" marR="0" lvl="0" indent="0" algn="ctr" defTabSz="914400" rtl="0" eaLnBrk="1" fontAlgn="auto" latinLnBrk="0" hangingPunct="1">
-              <a:lnSpc>
-                <a:spcPct val="100000"/>
-              </a:lnSpc>
-              <a:spcBef>
-                <a:spcPts val="0"/>
-              </a:spcBef>
-              <a:spcAft>
-                <a:spcPts val="0"/>
-              </a:spcAft>
-              <a:buClrTx/>
-              <a:buSzTx/>
-              <a:buFontTx/>
-              <a:buNone/>
-              <a:tabLst/>
-              <a:defRPr/>
-            </a:pPr>
-            <a:endParaRPr kumimoji="0" lang="en-US" sz="1800" b="0" i="0" u="none" strike="noStrike" kern="1200" cap="none" spc="0" normalizeH="0" baseline="0" noProof="0">
-              <a:ln>
-                <a:noFill/>
-              </a:ln>
-              <a:solidFill>
-                <a:prstClr val="white"/>
-              </a:solidFill>
-              <a:effectLst/>
-              <a:uLnTx/>
-              <a:uFillTx/>
-              <a:latin typeface="Calibri" panose="020F0502020204030204"/>
-              <a:ea typeface="+mn-ea"/>
-              <a:cs typeface="+mn-cs"/>
-            </a:endParaRPr>
           </a:p>
         </p:txBody>
       </p:sp>
       <p:cxnSp>
         <p:nvCxnSpPr>
-          <p:cNvPr id="12" name="Straight Connector 11">
+          <p:cNvPr id="23" name="Straight Connector 22">
             <a:extLst>
               <a:ext uri="{FF2B5EF4-FFF2-40B4-BE49-F238E27FC236}">
-                <a16:creationId xmlns:a16="http://schemas.microsoft.com/office/drawing/2014/main" id="{D4C22394-EBC2-4FAF-A555-6C02D589EED7}"/>
+                <a16:creationId xmlns:a16="http://schemas.microsoft.com/office/drawing/2014/main" id="{2D72A2C9-F3CA-4216-8BAD-FA4C970C3C4E}"/>
               </a:ext>
               <a:ext uri="{C183D7F6-B498-43B3-948B-1728B52AA6E4}">
                 <adec:decorative xmlns:adec="http://schemas.microsoft.com/office/drawing/2017/decorative" val="1"/>
@@ -23754,16 +22384,19 @@
           </p:nvPr>
         </p:nvCxnSpPr>
         <p:spPr>
-          <a:xfrm rot="16200000">
-            <a:off x="1508760" y="3431556"/>
-            <a:ext cx="0" cy="1737360"/>
+          <a:xfrm>
+            <a:off x="4654296" y="2057400"/>
+            <a:ext cx="0" cy="2743200"/>
           </a:xfrm>
           <a:prstGeom prst="line">
             <a:avLst/>
           </a:prstGeom>
-          <a:ln w="19050" cap="sq">
+          <a:ln w="19050">
             <a:solidFill>
-              <a:schemeClr val="tx1"/>
+              <a:schemeClr val="tx1">
+                <a:lumMod val="85000"/>
+                <a:lumOff val="15000"/>
+              </a:schemeClr>
             </a:solidFill>
           </a:ln>
         </p:spPr>
@@ -23784,185 +22417,51 @@
       </p:cxnSp>
       <p:sp>
         <p:nvSpPr>
-          <p:cNvPr id="14" name="Oval 13">
+          <p:cNvPr id="3" name="내용 개체 틀 2">
             <a:extLst>
               <a:ext uri="{FF2B5EF4-FFF2-40B4-BE49-F238E27FC236}">
-                <a16:creationId xmlns:a16="http://schemas.microsoft.com/office/drawing/2014/main" id="{F7194F93-1F71-4A70-9DF1-28F183771111}"/>
-              </a:ext>
-              <a:ext uri="{C183D7F6-B498-43B3-948B-1728B52AA6E4}">
-                <adec:decorative xmlns:adec="http://schemas.microsoft.com/office/drawing/2017/decorative" val="1"/>
+                <a16:creationId xmlns:a16="http://schemas.microsoft.com/office/drawing/2014/main" id="{B61EE094-DD07-4FCA-861B-5DC4D4268D6C}"/>
               </a:ext>
             </a:extLst>
           </p:cNvPr>
           <p:cNvSpPr>
-            <a:spLocks noGrp="1" noRot="1" noChangeAspect="1" noMove="1" noResize="1" noEditPoints="1" noAdjustHandles="1" noChangeArrowheads="1" noChangeShapeType="1" noTextEdit="1"/>
+            <a:spLocks noGrp="1"/>
           </p:cNvSpPr>
           <p:nvPr>
-            <p:extLst>
-              <p:ext uri="{386F3935-93C4-4BCD-93E2-E3B085C9AB24}">
-                <p16:designElem xmlns:p16="http://schemas.microsoft.com/office/powerpoint/2015/main" val="1"/>
-              </p:ext>
-            </p:extLst>
+            <p:ph idx="1"/>
           </p:nvPr>
         </p:nvSpPr>
         <p:spPr>
           <a:xfrm>
-            <a:off x="8732897" y="5004581"/>
-            <a:ext cx="962395" cy="962395"/>
+            <a:off x="4976031" y="963877"/>
+            <a:ext cx="6377769" cy="4930246"/>
           </a:xfrm>
-          <a:prstGeom prst="ellipse">
-            <a:avLst/>
-          </a:prstGeom>
-          <a:solidFill>
-            <a:schemeClr val="accent1"/>
-          </a:solidFill>
-          <a:ln>
-            <a:noFill/>
-          </a:ln>
         </p:spPr>
-        <p:style>
-          <a:lnRef idx="2">
-            <a:schemeClr val="accent1">
-              <a:shade val="50000"/>
-            </a:schemeClr>
-          </a:lnRef>
-          <a:fillRef idx="1">
-            <a:schemeClr val="accent1"/>
-          </a:fillRef>
-          <a:effectRef idx="0">
-            <a:schemeClr val="accent1"/>
-          </a:effectRef>
-          <a:fontRef idx="minor">
-            <a:schemeClr val="lt1"/>
-          </a:fontRef>
-        </p:style>
         <p:txBody>
-          <a:bodyPr rtlCol="0" anchor="ctr"/>
+          <a:bodyPr anchor="ctr">
+            <a:normAutofit/>
+          </a:bodyPr>
           <a:lstStyle/>
           <a:p>
-            <a:pPr marL="0" marR="0" lvl="0" indent="0" algn="ctr" defTabSz="914400" rtl="0" eaLnBrk="1" fontAlgn="auto" latinLnBrk="0" hangingPunct="1">
-              <a:lnSpc>
-                <a:spcPct val="100000"/>
-              </a:lnSpc>
-              <a:spcBef>
-                <a:spcPts val="0"/>
-              </a:spcBef>
-              <a:spcAft>
-                <a:spcPts val="0"/>
-              </a:spcAft>
-              <a:buClrTx/>
-              <a:buSzTx/>
-              <a:buFontTx/>
-              <a:buNone/>
-              <a:tabLst/>
-              <a:defRPr/>
-            </a:pPr>
-            <a:endParaRPr kumimoji="0" lang="en-US" sz="1800" b="0" i="0" u="none" strike="noStrike" kern="1200" cap="none" spc="0" normalizeH="0" baseline="0" noProof="0">
-              <a:ln>
-                <a:noFill/>
-              </a:ln>
-              <a:solidFill>
-                <a:prstClr val="white"/>
-              </a:solidFill>
-              <a:effectLst/>
-              <a:uLnTx/>
-              <a:uFillTx/>
-              <a:latin typeface="Calibri" panose="020F0502020204030204"/>
-              <a:ea typeface="+mn-ea"/>
-              <a:cs typeface="+mn-cs"/>
-            </a:endParaRPr>
-          </a:p>
-        </p:txBody>
-      </p:sp>
-      <p:sp>
-        <p:nvSpPr>
-          <p:cNvPr id="16" name="Oval 15">
-            <a:extLst>
-              <a:ext uri="{FF2B5EF4-FFF2-40B4-BE49-F238E27FC236}">
-                <a16:creationId xmlns:a16="http://schemas.microsoft.com/office/drawing/2014/main" id="{9BBC0C84-DC2A-43AE-9576-0A44295E8B9C}"/>
-              </a:ext>
-              <a:ext uri="{C183D7F6-B498-43B3-948B-1728B52AA6E4}">
-                <adec:decorative xmlns:adec="http://schemas.microsoft.com/office/drawing/2017/decorative" val="1"/>
-              </a:ext>
-            </a:extLst>
-          </p:cNvPr>
-          <p:cNvSpPr>
-            <a:spLocks noGrp="1" noRot="1" noChangeAspect="1" noMove="1" noResize="1" noEditPoints="1" noAdjustHandles="1" noChangeArrowheads="1" noChangeShapeType="1" noTextEdit="1"/>
-          </p:cNvSpPr>
-          <p:nvPr>
-            <p:extLst>
-              <p:ext uri="{386F3935-93C4-4BCD-93E2-E3B085C9AB24}">
-                <p16:designElem xmlns:p16="http://schemas.microsoft.com/office/powerpoint/2015/main" val="1"/>
-              </p:ext>
-            </p:extLst>
-          </p:nvPr>
-        </p:nvSpPr>
-        <p:spPr>
-          <a:xfrm>
-            <a:off x="10463725" y="4865965"/>
-            <a:ext cx="293695" cy="293695"/>
-          </a:xfrm>
-          <a:prstGeom prst="ellipse">
-            <a:avLst/>
-          </a:prstGeom>
-          <a:solidFill>
-            <a:schemeClr val="accent4"/>
-          </a:solidFill>
-          <a:ln>
-            <a:noFill/>
-          </a:ln>
-        </p:spPr>
-        <p:style>
-          <a:lnRef idx="2">
-            <a:schemeClr val="accent1">
-              <a:shade val="50000"/>
-            </a:schemeClr>
-          </a:lnRef>
-          <a:fillRef idx="1">
-            <a:schemeClr val="accent1"/>
-          </a:fillRef>
-          <a:effectRef idx="0">
-            <a:schemeClr val="accent1"/>
-          </a:effectRef>
-          <a:fontRef idx="minor">
-            <a:schemeClr val="lt1"/>
-          </a:fontRef>
-        </p:style>
-        <p:txBody>
-          <a:bodyPr rtlCol="0" anchor="ctr"/>
-          <a:lstStyle/>
-          <a:p>
-            <a:pPr marL="0" marR="0" lvl="0" indent="0" algn="ctr" defTabSz="914400" rtl="0" eaLnBrk="1" fontAlgn="auto" latinLnBrk="0" hangingPunct="1">
-              <a:lnSpc>
-                <a:spcPct val="100000"/>
-              </a:lnSpc>
-              <a:spcBef>
-                <a:spcPts val="0"/>
-              </a:spcBef>
-              <a:spcAft>
-                <a:spcPts val="0"/>
-              </a:spcAft>
-              <a:buClrTx/>
-              <a:buSzTx/>
-              <a:buFontTx/>
-              <a:buNone/>
-              <a:tabLst/>
-              <a:defRPr/>
-            </a:pPr>
-            <a:endParaRPr kumimoji="0" lang="en-US" sz="1800" b="0" i="0" u="none" strike="noStrike" kern="1200" cap="none" spc="0" normalizeH="0" baseline="0" noProof="0">
-              <a:ln>
-                <a:noFill/>
-              </a:ln>
-              <a:solidFill>
-                <a:prstClr val="white"/>
-              </a:solidFill>
-              <a:effectLst/>
-              <a:uLnTx/>
-              <a:uFillTx/>
-              <a:latin typeface="Calibri" panose="020F0502020204030204"/>
-              <a:ea typeface="+mn-ea"/>
-              <a:cs typeface="+mn-cs"/>
-            </a:endParaRPr>
+            <a:r>
+              <a:rPr lang="en-US" altLang="ko-KR" sz="2400">
+                <a:hlinkClick r:id="rId3"/>
+              </a:rPr>
+              <a:t>https://docs.microsoft.com/ko-kr/dotnet/csharp/language-reference/builtin-types/built-in-types</a:t>
+            </a:r>
+            <a:endParaRPr lang="en-US" altLang="ko-KR" sz="2400"/>
+          </a:p>
+          <a:p>
+            <a:endParaRPr lang="en-US" altLang="ko-KR" sz="2400"/>
+          </a:p>
+          <a:p>
+            <a:r>
+              <a:rPr lang="en-US" altLang="ko-KR" sz="2400">
+                <a:hlinkClick r:id="rId4"/>
+              </a:rPr>
+              <a:t>https://hackersstudy.tistory.com/8</a:t>
+            </a:r>
+            <a:endParaRPr lang="ko-KR" altLang="en-US" sz="2400"/>
           </a:p>
         </p:txBody>
       </p:sp>

--- a/c# 스터디 1주 차.pptx
+++ b/c# 스터디 1주 차.pptx
@@ -3328,7 +3328,7 @@
           <a:p>
             <a:fld id="{7C90EEF3-85AA-4A0F-A388-8693DEDCA294}" type="datetimeFigureOut">
               <a:rPr lang="ko-KR" altLang="en-US" smtClean="0"/>
-              <a:t>2020-02-26</a:t>
+              <a:t>2020-03-23</a:t>
             </a:fld>
             <a:endParaRPr lang="ko-KR" altLang="en-US"/>
           </a:p>
@@ -3746,50 +3746,7 @@
           <a:bodyPr/>
           <a:lstStyle/>
           <a:p>
-            <a:r>
-              <a:rPr lang="ko-KR" altLang="en-US" dirty="0"/>
-              <a:t>간단하게 말하면 컴퓨터에게 일을 시키는 것이다</a:t>
-            </a:r>
-            <a:r>
-              <a:rPr lang="en-US" altLang="ko-KR" dirty="0"/>
-              <a:t>. </a:t>
-            </a:r>
-            <a:r>
-              <a:rPr lang="ko-KR" altLang="en-US" dirty="0"/>
-              <a:t>계속해서 컴퓨터는 무엇인가</a:t>
-            </a:r>
-            <a:r>
-              <a:rPr lang="en-US" altLang="ko-KR" dirty="0"/>
-              <a:t>?</a:t>
-            </a:r>
-          </a:p>
-          <a:p>
-            <a:r>
-              <a:rPr lang="ko-KR" altLang="en-US" dirty="0"/>
-              <a:t>우리는 현재 컴퓨터로 많은 일을 하고 있기 때문에 잊고 있지만 원초적으로 컴퓨터는 계산기이다</a:t>
-            </a:r>
-            <a:r>
-              <a:rPr lang="en-US" altLang="ko-KR" dirty="0"/>
-              <a:t>.</a:t>
-            </a:r>
-          </a:p>
-          <a:p>
-            <a:r>
-              <a:rPr lang="ko-KR" altLang="en-US" dirty="0"/>
-              <a:t>그러므로 우리는 컴퓨터에게 계산할 수와 할 행동을 주면 된다</a:t>
-            </a:r>
-            <a:r>
-              <a:rPr lang="en-US" altLang="ko-KR" dirty="0"/>
-              <a:t> </a:t>
-            </a:r>
-            <a:r>
-              <a:rPr lang="ko-KR" altLang="en-US" dirty="0"/>
-              <a:t>그리고 지금은 이해를 위한 가정이므로 그게 프로그래밍이라고 생각해도 무방하다고 생각한다</a:t>
-            </a:r>
-            <a:r>
-              <a:rPr lang="en-US" altLang="ko-KR" dirty="0"/>
-              <a:t>.</a:t>
-            </a:r>
+            <a:endParaRPr lang="en-US" altLang="ko-KR" dirty="0"/>
           </a:p>
         </p:txBody>
       </p:sp>
@@ -4374,7 +4331,7 @@
           <a:p>
             <a:fld id="{4E94162F-4773-4077-AA99-7762C3C9E76E}" type="datetimeFigureOut">
               <a:rPr lang="ko-KR" altLang="en-US" smtClean="0"/>
-              <a:t>2020-02-26</a:t>
+              <a:t>2020-03-23</a:t>
             </a:fld>
             <a:endParaRPr lang="ko-KR" altLang="en-US"/>
           </a:p>
@@ -4572,7 +4529,7 @@
           <a:p>
             <a:fld id="{4E94162F-4773-4077-AA99-7762C3C9E76E}" type="datetimeFigureOut">
               <a:rPr lang="ko-KR" altLang="en-US" smtClean="0"/>
-              <a:t>2020-02-26</a:t>
+              <a:t>2020-03-23</a:t>
             </a:fld>
             <a:endParaRPr lang="ko-KR" altLang="en-US"/>
           </a:p>
@@ -4780,7 +4737,7 @@
           <a:p>
             <a:fld id="{4E94162F-4773-4077-AA99-7762C3C9E76E}" type="datetimeFigureOut">
               <a:rPr lang="ko-KR" altLang="en-US" smtClean="0"/>
-              <a:t>2020-02-26</a:t>
+              <a:t>2020-03-23</a:t>
             </a:fld>
             <a:endParaRPr lang="ko-KR" altLang="en-US"/>
           </a:p>
@@ -4978,7 +4935,7 @@
           <a:p>
             <a:fld id="{4E94162F-4773-4077-AA99-7762C3C9E76E}" type="datetimeFigureOut">
               <a:rPr lang="ko-KR" altLang="en-US" smtClean="0"/>
-              <a:t>2020-02-26</a:t>
+              <a:t>2020-03-23</a:t>
             </a:fld>
             <a:endParaRPr lang="ko-KR" altLang="en-US"/>
           </a:p>
@@ -5253,7 +5210,7 @@
           <a:p>
             <a:fld id="{4E94162F-4773-4077-AA99-7762C3C9E76E}" type="datetimeFigureOut">
               <a:rPr lang="ko-KR" altLang="en-US" smtClean="0"/>
-              <a:t>2020-02-26</a:t>
+              <a:t>2020-03-23</a:t>
             </a:fld>
             <a:endParaRPr lang="ko-KR" altLang="en-US"/>
           </a:p>
@@ -5518,7 +5475,7 @@
           <a:p>
             <a:fld id="{4E94162F-4773-4077-AA99-7762C3C9E76E}" type="datetimeFigureOut">
               <a:rPr lang="ko-KR" altLang="en-US" smtClean="0"/>
-              <a:t>2020-02-26</a:t>
+              <a:t>2020-03-23</a:t>
             </a:fld>
             <a:endParaRPr lang="ko-KR" altLang="en-US"/>
           </a:p>
@@ -5930,7 +5887,7 @@
           <a:p>
             <a:fld id="{4E94162F-4773-4077-AA99-7762C3C9E76E}" type="datetimeFigureOut">
               <a:rPr lang="ko-KR" altLang="en-US" smtClean="0"/>
-              <a:t>2020-02-26</a:t>
+              <a:t>2020-03-23</a:t>
             </a:fld>
             <a:endParaRPr lang="ko-KR" altLang="en-US"/>
           </a:p>
@@ -6071,7 +6028,7 @@
           <a:p>
             <a:fld id="{4E94162F-4773-4077-AA99-7762C3C9E76E}" type="datetimeFigureOut">
               <a:rPr lang="ko-KR" altLang="en-US" smtClean="0"/>
-              <a:t>2020-02-26</a:t>
+              <a:t>2020-03-23</a:t>
             </a:fld>
             <a:endParaRPr lang="ko-KR" altLang="en-US"/>
           </a:p>
@@ -6184,7 +6141,7 @@
           <a:p>
             <a:fld id="{4E94162F-4773-4077-AA99-7762C3C9E76E}" type="datetimeFigureOut">
               <a:rPr lang="ko-KR" altLang="en-US" smtClean="0"/>
-              <a:t>2020-02-26</a:t>
+              <a:t>2020-03-23</a:t>
             </a:fld>
             <a:endParaRPr lang="ko-KR" altLang="en-US"/>
           </a:p>
@@ -6495,7 +6452,7 @@
           <a:p>
             <a:fld id="{4E94162F-4773-4077-AA99-7762C3C9E76E}" type="datetimeFigureOut">
               <a:rPr lang="ko-KR" altLang="en-US" smtClean="0"/>
-              <a:t>2020-02-26</a:t>
+              <a:t>2020-03-23</a:t>
             </a:fld>
             <a:endParaRPr lang="ko-KR" altLang="en-US"/>
           </a:p>
@@ -6783,7 +6740,7 @@
           <a:p>
             <a:fld id="{4E94162F-4773-4077-AA99-7762C3C9E76E}" type="datetimeFigureOut">
               <a:rPr lang="ko-KR" altLang="en-US" smtClean="0"/>
-              <a:t>2020-02-26</a:t>
+              <a:t>2020-03-23</a:t>
             </a:fld>
             <a:endParaRPr lang="ko-KR" altLang="en-US"/>
           </a:p>
@@ -7024,7 +6981,7 @@
           <a:p>
             <a:fld id="{4E94162F-4773-4077-AA99-7762C3C9E76E}" type="datetimeFigureOut">
               <a:rPr lang="ko-KR" altLang="en-US" smtClean="0"/>
-              <a:t>2020-02-26</a:t>
+              <a:t>2020-03-23</a:t>
             </a:fld>
             <a:endParaRPr lang="ko-KR" altLang="en-US"/>
           </a:p>
@@ -21760,29 +21717,29 @@
               <a:buNone/>
             </a:pPr>
             <a:r>
-              <a:rPr lang="ko-KR" altLang="en-US" sz="2400"/>
+              <a:rPr lang="ko-KR" altLang="en-US" sz="2400" dirty="0"/>
               <a:t>이름</a:t>
             </a:r>
             <a:r>
-              <a:rPr lang="en-US" altLang="ko-KR" sz="2400"/>
+              <a:rPr lang="en-US" altLang="ko-KR" sz="2400" dirty="0"/>
               <a:t>: </a:t>
             </a:r>
             <a:r>
-              <a:rPr lang="ko-KR" altLang="en-US" sz="2400"/>
+              <a:rPr lang="ko-KR" altLang="en-US" sz="2400" dirty="0"/>
               <a:t>김정현</a:t>
             </a:r>
-            <a:endParaRPr lang="en-US" altLang="ko-KR" sz="2400"/>
+            <a:endParaRPr lang="en-US" altLang="ko-KR" sz="2400" dirty="0"/>
           </a:p>
           <a:p>
             <a:pPr marL="0" indent="0">
               <a:buNone/>
             </a:pPr>
             <a:r>
-              <a:rPr lang="ko-KR" altLang="en-US" sz="2400"/>
+              <a:rPr lang="ko-KR" altLang="en-US" sz="2400" dirty="0"/>
               <a:t>번호</a:t>
             </a:r>
             <a:r>
-              <a:rPr lang="en-US" altLang="ko-KR" sz="2400"/>
+              <a:rPr lang="en-US" altLang="ko-KR" sz="2400" dirty="0"/>
               <a:t>: 010 – 2498 – 6028</a:t>
             </a:r>
           </a:p>
@@ -21791,11 +21748,11 @@
               <a:buNone/>
             </a:pPr>
             <a:r>
-              <a:rPr lang="ko-KR" altLang="en-US" sz="2400"/>
+              <a:rPr lang="ko-KR" altLang="en-US" sz="2400" dirty="0"/>
               <a:t>카카오톡</a:t>
             </a:r>
             <a:r>
-              <a:rPr lang="en-US" altLang="ko-KR" sz="2400"/>
+              <a:rPr lang="en-US" altLang="ko-KR" sz="2400" dirty="0"/>
               <a:t>: kjh99660</a:t>
             </a:r>
           </a:p>
@@ -22132,7 +22089,7 @@
           <a:p>
             <a:pPr latinLnBrk="0"/>
             <a:r>
-              <a:rPr lang="ko-KR" altLang="en-US" sz="5400" kern="1200">
+              <a:rPr lang="ko-KR" altLang="en-US" sz="5400" kern="1200" dirty="0">
                 <a:solidFill>
                   <a:schemeClr val="tx1">
                     <a:lumMod val="85000"/>
@@ -22143,22 +22100,19 @@
                 <a:ea typeface="+mj-ea"/>
                 <a:cs typeface="+mj-cs"/>
               </a:rPr>
-              <a:t>프로그래밍은 무엇일까</a:t>
-            </a:r>
-            <a:r>
-              <a:rPr lang="en-US" altLang="ko-KR" sz="5400" kern="1200">
-                <a:solidFill>
-                  <a:schemeClr val="tx1">
-                    <a:lumMod val="85000"/>
-                    <a:lumOff val="15000"/>
-                  </a:schemeClr>
-                </a:solidFill>
-                <a:latin typeface="+mj-lt"/>
-                <a:ea typeface="+mj-ea"/>
-                <a:cs typeface="+mj-cs"/>
-              </a:rPr>
-              <a:t>?</a:t>
-            </a:r>
+              <a:t>프로그래밍은 언어다</a:t>
+            </a:r>
+            <a:endParaRPr lang="en-US" altLang="ko-KR" sz="5400" kern="1200" dirty="0">
+              <a:solidFill>
+                <a:schemeClr val="tx1">
+                  <a:lumMod val="85000"/>
+                  <a:lumOff val="15000"/>
+                </a:schemeClr>
+              </a:solidFill>
+              <a:latin typeface="+mj-lt"/>
+              <a:ea typeface="+mj-ea"/>
+              <a:cs typeface="+mj-cs"/>
+            </a:endParaRPr>
           </a:p>
         </p:txBody>
       </p:sp>
@@ -22444,24 +22398,24 @@
           <a:lstStyle/>
           <a:p>
             <a:r>
-              <a:rPr lang="en-US" altLang="ko-KR" sz="2400">
+              <a:rPr lang="en-US" altLang="ko-KR" sz="2400" dirty="0">
                 <a:hlinkClick r:id="rId3"/>
               </a:rPr>
               <a:t>https://docs.microsoft.com/ko-kr/dotnet/csharp/language-reference/builtin-types/built-in-types</a:t>
             </a:r>
-            <a:endParaRPr lang="en-US" altLang="ko-KR" sz="2400"/>
-          </a:p>
-          <a:p>
-            <a:endParaRPr lang="en-US" altLang="ko-KR" sz="2400"/>
-          </a:p>
-          <a:p>
-            <a:r>
-              <a:rPr lang="en-US" altLang="ko-KR" sz="2400">
+            <a:endParaRPr lang="en-US" altLang="ko-KR" sz="2400" dirty="0"/>
+          </a:p>
+          <a:p>
+            <a:endParaRPr lang="en-US" altLang="ko-KR" sz="2400" dirty="0"/>
+          </a:p>
+          <a:p>
+            <a:r>
+              <a:rPr lang="en-US" altLang="ko-KR" sz="2400" dirty="0">
                 <a:hlinkClick r:id="rId4"/>
               </a:rPr>
               <a:t>https://hackersstudy.tistory.com/8</a:t>
             </a:r>
-            <a:endParaRPr lang="ko-KR" altLang="en-US" sz="2400"/>
+            <a:endParaRPr lang="ko-KR" altLang="en-US" sz="2400" dirty="0"/>
           </a:p>
         </p:txBody>
       </p:sp>

--- a/c# 스터디 1주 차.pptx
+++ b/c# 스터디 1주 차.pptx
@@ -5,42 +5,44 @@
     <p:sldMasterId id="2147483648" r:id="rId1"/>
   </p:sldMasterIdLst>
   <p:notesMasterIdLst>
-    <p:notesMasterId r:id="rId35"/>
+    <p:notesMasterId r:id="rId37"/>
   </p:notesMasterIdLst>
   <p:sldIdLst>
     <p:sldId id="256" r:id="rId2"/>
     <p:sldId id="257" r:id="rId3"/>
     <p:sldId id="267" r:id="rId4"/>
     <p:sldId id="258" r:id="rId5"/>
-    <p:sldId id="259" r:id="rId6"/>
-    <p:sldId id="260" r:id="rId7"/>
-    <p:sldId id="261" r:id="rId8"/>
-    <p:sldId id="262" r:id="rId9"/>
-    <p:sldId id="263" r:id="rId10"/>
-    <p:sldId id="264" r:id="rId11"/>
-    <p:sldId id="266" r:id="rId12"/>
-    <p:sldId id="270" r:id="rId13"/>
-    <p:sldId id="265" r:id="rId14"/>
-    <p:sldId id="268" r:id="rId15"/>
-    <p:sldId id="269" r:id="rId16"/>
-    <p:sldId id="271" r:id="rId17"/>
-    <p:sldId id="272" r:id="rId18"/>
-    <p:sldId id="273" r:id="rId19"/>
-    <p:sldId id="274" r:id="rId20"/>
-    <p:sldId id="275" r:id="rId21"/>
-    <p:sldId id="276" r:id="rId22"/>
-    <p:sldId id="277" r:id="rId23"/>
-    <p:sldId id="278" r:id="rId24"/>
-    <p:sldId id="279" r:id="rId25"/>
-    <p:sldId id="280" r:id="rId26"/>
-    <p:sldId id="281" r:id="rId27"/>
-    <p:sldId id="282" r:id="rId28"/>
-    <p:sldId id="283" r:id="rId29"/>
-    <p:sldId id="284" r:id="rId30"/>
-    <p:sldId id="285" r:id="rId31"/>
-    <p:sldId id="288" r:id="rId32"/>
-    <p:sldId id="286" r:id="rId33"/>
-    <p:sldId id="287" r:id="rId34"/>
+    <p:sldId id="289" r:id="rId6"/>
+    <p:sldId id="290" r:id="rId7"/>
+    <p:sldId id="259" r:id="rId8"/>
+    <p:sldId id="260" r:id="rId9"/>
+    <p:sldId id="261" r:id="rId10"/>
+    <p:sldId id="262" r:id="rId11"/>
+    <p:sldId id="263" r:id="rId12"/>
+    <p:sldId id="264" r:id="rId13"/>
+    <p:sldId id="266" r:id="rId14"/>
+    <p:sldId id="270" r:id="rId15"/>
+    <p:sldId id="265" r:id="rId16"/>
+    <p:sldId id="268" r:id="rId17"/>
+    <p:sldId id="269" r:id="rId18"/>
+    <p:sldId id="271" r:id="rId19"/>
+    <p:sldId id="272" r:id="rId20"/>
+    <p:sldId id="273" r:id="rId21"/>
+    <p:sldId id="274" r:id="rId22"/>
+    <p:sldId id="275" r:id="rId23"/>
+    <p:sldId id="276" r:id="rId24"/>
+    <p:sldId id="277" r:id="rId25"/>
+    <p:sldId id="278" r:id="rId26"/>
+    <p:sldId id="279" r:id="rId27"/>
+    <p:sldId id="280" r:id="rId28"/>
+    <p:sldId id="281" r:id="rId29"/>
+    <p:sldId id="282" r:id="rId30"/>
+    <p:sldId id="283" r:id="rId31"/>
+    <p:sldId id="284" r:id="rId32"/>
+    <p:sldId id="285" r:id="rId33"/>
+    <p:sldId id="288" r:id="rId34"/>
+    <p:sldId id="286" r:id="rId35"/>
+    <p:sldId id="287" r:id="rId36"/>
   </p:sldIdLst>
   <p:sldSz cx="12192000" cy="6858000"/>
   <p:notesSz cx="6858000" cy="9144000"/>
@@ -1090,19 +1092,19 @@
         <a:lstStyle/>
         <a:p>
           <a:r>
-            <a:rPr lang="ko-KR"/>
+            <a:rPr lang="ko-KR" dirty="0"/>
             <a:t>백준문제</a:t>
           </a:r>
           <a:r>
-            <a:rPr lang="en-US"/>
+            <a:rPr lang="en-US" dirty="0"/>
             <a:t>:</a:t>
           </a:r>
           <a:r>
-            <a:rPr lang="ko-KR"/>
+            <a:rPr lang="ko-KR" dirty="0"/>
             <a:t> </a:t>
           </a:r>
           <a:r>
-            <a:rPr lang="en-US"/>
+            <a:rPr lang="en-US" dirty="0"/>
             <a:t>2557, 1000, 1008, 2588</a:t>
           </a:r>
         </a:p>
@@ -1567,19 +1569,19 @@
             <a:buNone/>
           </a:pPr>
           <a:r>
-            <a:rPr lang="ko-KR" sz="2200" kern="1200"/>
+            <a:rPr lang="ko-KR" sz="2200" kern="1200" dirty="0"/>
             <a:t>백준문제</a:t>
           </a:r>
           <a:r>
-            <a:rPr lang="en-US" sz="2200" kern="1200"/>
+            <a:rPr lang="en-US" sz="2200" kern="1200" dirty="0"/>
             <a:t>:</a:t>
           </a:r>
           <a:r>
-            <a:rPr lang="ko-KR" sz="2200" kern="1200"/>
+            <a:rPr lang="ko-KR" sz="2200" kern="1200" dirty="0"/>
             <a:t> </a:t>
           </a:r>
           <a:r>
-            <a:rPr lang="en-US" sz="2200" kern="1200"/>
+            <a:rPr lang="en-US" sz="2200" kern="1200" dirty="0"/>
             <a:t>2557, 1000, 1008, 2588</a:t>
           </a:r>
         </a:p>
@@ -3869,7 +3871,7 @@
           <a:p>
             <a:fld id="{A1A39CFB-6B8F-4FF6-935B-A05D169DCC47}" type="slidenum">
               <a:rPr lang="ko-KR" altLang="en-US" smtClean="0"/>
-              <a:t>5</a:t>
+              <a:t>7</a:t>
             </a:fld>
             <a:endParaRPr lang="ko-KR" altLang="en-US"/>
           </a:p>
@@ -3961,7 +3963,7 @@
           <a:p>
             <a:fld id="{A1A39CFB-6B8F-4FF6-935B-A05D169DCC47}" type="slidenum">
               <a:rPr lang="ko-KR" altLang="en-US" smtClean="0"/>
-              <a:t>7</a:t>
+              <a:t>9</a:t>
             </a:fld>
             <a:endParaRPr lang="ko-KR" altLang="en-US"/>
           </a:p>
@@ -4045,7 +4047,7 @@
           <a:p>
             <a:fld id="{A1A39CFB-6B8F-4FF6-935B-A05D169DCC47}" type="slidenum">
               <a:rPr lang="ko-KR" altLang="en-US" smtClean="0"/>
-              <a:t>14</a:t>
+              <a:t>16</a:t>
             </a:fld>
             <a:endParaRPr lang="ko-KR" altLang="en-US"/>
           </a:p>
@@ -4165,7 +4167,7 @@
           <a:p>
             <a:fld id="{A1A39CFB-6B8F-4FF6-935B-A05D169DCC47}" type="slidenum">
               <a:rPr lang="ko-KR" altLang="en-US" smtClean="0"/>
-              <a:t>19</a:t>
+              <a:t>21</a:t>
             </a:fld>
             <a:endParaRPr lang="ko-KR" altLang="en-US"/>
           </a:p>
@@ -7760,12 +7762,12 @@
           <a:chExt cx="0" cy="0"/>
         </a:xfrm>
       </p:grpSpPr>
-      <p:sp useBgFill="1">
+      <p:sp>
         <p:nvSpPr>
-          <p:cNvPr id="21" name="Rectangle 20">
+          <p:cNvPr id="26" name="Rectangle 25">
             <a:extLst>
               <a:ext uri="{FF2B5EF4-FFF2-40B4-BE49-F238E27FC236}">
-                <a16:creationId xmlns:a16="http://schemas.microsoft.com/office/drawing/2014/main" id="{E4F9F79B-A093-478E-96B5-EE02BC93A858}"/>
+                <a16:creationId xmlns:a16="http://schemas.microsoft.com/office/drawing/2014/main" id="{9A297797-5C89-4791-8204-AB071FA1FBCA}"/>
               </a:ext>
               <a:ext uri="{C183D7F6-B498-43B3-948B-1728B52AA6E4}">
                 <adec:decorative xmlns:adec="http://schemas.microsoft.com/office/drawing/2017/decorative" val="1"/>
@@ -7791,295 +7793,8 @@
           <a:prstGeom prst="rect">
             <a:avLst/>
           </a:prstGeom>
-          <a:ln>
-            <a:noFill/>
-          </a:ln>
-        </p:spPr>
-        <p:style>
-          <a:lnRef idx="2">
-            <a:schemeClr val="accent1">
-              <a:shade val="50000"/>
-            </a:schemeClr>
-          </a:lnRef>
-          <a:fillRef idx="1">
-            <a:schemeClr val="accent1"/>
-          </a:fillRef>
-          <a:effectRef idx="0">
-            <a:schemeClr val="accent1"/>
-          </a:effectRef>
-          <a:fontRef idx="minor">
-            <a:schemeClr val="lt1"/>
-          </a:fontRef>
-        </p:style>
-        <p:txBody>
-          <a:bodyPr rtlCol="0" anchor="ctr"/>
-          <a:lstStyle/>
-          <a:p>
-            <a:pPr marL="0" marR="0" lvl="0" indent="0" algn="ctr" defTabSz="914400" rtl="0" eaLnBrk="1" fontAlgn="auto" latinLnBrk="0" hangingPunct="1">
-              <a:lnSpc>
-                <a:spcPct val="100000"/>
-              </a:lnSpc>
-              <a:spcBef>
-                <a:spcPts val="0"/>
-              </a:spcBef>
-              <a:spcAft>
-                <a:spcPts val="0"/>
-              </a:spcAft>
-              <a:buClrTx/>
-              <a:buSzTx/>
-              <a:buFontTx/>
-              <a:buNone/>
-              <a:tabLst/>
-              <a:defRPr/>
-            </a:pPr>
-            <a:endParaRPr kumimoji="0" lang="en-US" sz="1800" b="0" i="0" u="none" strike="noStrike" kern="1200" cap="none" spc="0" normalizeH="0" baseline="0" noProof="0">
-              <a:ln>
-                <a:noFill/>
-              </a:ln>
-              <a:solidFill>
-                <a:prstClr val="white"/>
-              </a:solidFill>
-              <a:effectLst/>
-              <a:uLnTx/>
-              <a:uFillTx/>
-              <a:latin typeface="Calibri" panose="020F0502020204030204"/>
-              <a:ea typeface="+mn-ea"/>
-              <a:cs typeface="+mn-cs"/>
-            </a:endParaRPr>
-          </a:p>
-        </p:txBody>
-      </p:sp>
-      <p:sp>
-        <p:nvSpPr>
-          <p:cNvPr id="2" name="제목 1">
-            <a:extLst>
-              <a:ext uri="{FF2B5EF4-FFF2-40B4-BE49-F238E27FC236}">
-                <a16:creationId xmlns:a16="http://schemas.microsoft.com/office/drawing/2014/main" id="{E86C7828-5E46-4E3A-BBA5-D73AF7453844}"/>
-              </a:ext>
-            </a:extLst>
-          </p:cNvPr>
-          <p:cNvSpPr>
-            <a:spLocks noGrp="1"/>
-          </p:cNvSpPr>
-          <p:nvPr>
-            <p:ph type="title"/>
-          </p:nvPr>
-        </p:nvSpPr>
-        <p:spPr>
-          <a:xfrm>
-            <a:off x="640079" y="4526280"/>
-            <a:ext cx="7410681" cy="1737360"/>
-          </a:xfrm>
-        </p:spPr>
-        <p:txBody>
-          <a:bodyPr>
-            <a:normAutofit/>
-          </a:bodyPr>
-          <a:lstStyle/>
-          <a:p>
-            <a:r>
-              <a:rPr lang="ko-KR" altLang="en-US" sz="4800" dirty="0"/>
-              <a:t>논리 자료형 </a:t>
-            </a:r>
-            <a:r>
-              <a:rPr lang="en-US" altLang="ko-KR" sz="4800" dirty="0"/>
-              <a:t>- bool</a:t>
-            </a:r>
-            <a:endParaRPr lang="ko-KR" altLang="en-US" sz="4800" dirty="0"/>
-          </a:p>
-        </p:txBody>
-      </p:sp>
-      <p:sp>
-        <p:nvSpPr>
-          <p:cNvPr id="3" name="내용 개체 틀 2">
-            <a:extLst>
-              <a:ext uri="{FF2B5EF4-FFF2-40B4-BE49-F238E27FC236}">
-                <a16:creationId xmlns:a16="http://schemas.microsoft.com/office/drawing/2014/main" id="{444E8012-D8A1-43FB-8E5E-5ADF269C250A}"/>
-              </a:ext>
-            </a:extLst>
-          </p:cNvPr>
-          <p:cNvSpPr>
-            <a:spLocks noGrp="1"/>
-          </p:cNvSpPr>
-          <p:nvPr>
-            <p:ph idx="1"/>
-          </p:nvPr>
-        </p:nvSpPr>
-        <p:spPr>
-          <a:xfrm>
-            <a:off x="640079" y="821336"/>
-            <a:ext cx="6555850" cy="3463951"/>
-          </a:xfrm>
-        </p:spPr>
-        <p:txBody>
-          <a:bodyPr anchor="ctr">
-            <a:normAutofit/>
-          </a:bodyPr>
-          <a:lstStyle/>
-          <a:p>
-            <a:pPr marL="342900" indent="-342900">
-              <a:buAutoNum type="arabicPeriod"/>
-            </a:pPr>
-            <a:r>
-              <a:rPr lang="ko-KR" altLang="en-US" sz="1800" dirty="0"/>
-              <a:t>참과 거짓을 나타내는 자료형이다</a:t>
-            </a:r>
-            <a:r>
-              <a:rPr lang="en-US" altLang="ko-KR" sz="1800" dirty="0"/>
-              <a:t>.</a:t>
-            </a:r>
-          </a:p>
-          <a:p>
-            <a:pPr marL="342900" indent="-342900">
-              <a:buAutoNum type="arabicPeriod"/>
-            </a:pPr>
-            <a:endParaRPr lang="en-US" altLang="ko-KR" sz="1800" dirty="0"/>
-          </a:p>
-          <a:p>
-            <a:pPr marL="0" indent="0">
-              <a:buNone/>
-            </a:pPr>
-            <a:r>
-              <a:rPr lang="en-US" altLang="ko-KR" sz="1800" dirty="0"/>
-              <a:t>2. bool yes = true; bool no = false; </a:t>
-            </a:r>
-            <a:r>
-              <a:rPr lang="ko-KR" altLang="en-US" sz="1800" dirty="0"/>
-              <a:t>와 같은 형태로 사용된다</a:t>
-            </a:r>
-            <a:r>
-              <a:rPr lang="en-US" altLang="ko-KR" sz="1800" dirty="0"/>
-              <a:t>.</a:t>
-            </a:r>
-          </a:p>
-          <a:p>
-            <a:pPr marL="0" indent="0">
-              <a:buNone/>
-            </a:pPr>
-            <a:endParaRPr lang="en-US" altLang="ko-KR" sz="1800" dirty="0"/>
-          </a:p>
-          <a:p>
-            <a:pPr marL="0" indent="0">
-              <a:buNone/>
-            </a:pPr>
-            <a:r>
-              <a:rPr lang="en-US" altLang="ko-KR" sz="1800" dirty="0"/>
-              <a:t>3. </a:t>
-            </a:r>
-            <a:r>
-              <a:rPr lang="ko-KR" altLang="en-US" sz="1800" dirty="0"/>
-              <a:t>불의 유래</a:t>
-            </a:r>
-            <a:r>
-              <a:rPr lang="en-US" altLang="ko-KR" sz="1800" dirty="0"/>
-              <a:t>: </a:t>
-            </a:r>
-            <a:r>
-              <a:rPr lang="en-US" altLang="ko-KR" sz="1800" dirty="0">
-                <a:hlinkClick r:id="rId2"/>
-              </a:rPr>
-              <a:t>https://ko.wikipedia.org/wiki/%EB%B6%88%EB%A6%AC%EC%96%B8_%EC%9E%90%EB%A3%8C%ED%98%95#C#</a:t>
-            </a:r>
-            <a:endParaRPr lang="ko-KR" altLang="en-US" sz="1800" dirty="0"/>
-          </a:p>
-        </p:txBody>
-      </p:sp>
-      <p:sp>
-        <p:nvSpPr>
-          <p:cNvPr id="23" name="Freeform: Shape 22">
-            <a:extLst>
-              <a:ext uri="{FF2B5EF4-FFF2-40B4-BE49-F238E27FC236}">
-                <a16:creationId xmlns:a16="http://schemas.microsoft.com/office/drawing/2014/main" id="{11394CD8-BD30-4B74-86F4-51FDF3383419}"/>
-              </a:ext>
-              <a:ext uri="{C183D7F6-B498-43B3-948B-1728B52AA6E4}">
-                <adec:decorative xmlns:adec="http://schemas.microsoft.com/office/drawing/2017/decorative" val="1"/>
-              </a:ext>
-            </a:extLst>
-          </p:cNvPr>
-          <p:cNvSpPr>
-            <a:spLocks noGrp="1" noRot="1" noChangeAspect="1" noMove="1" noResize="1" noEditPoints="1" noAdjustHandles="1" noChangeArrowheads="1" noChangeShapeType="1" noTextEdit="1"/>
-          </p:cNvSpPr>
-          <p:nvPr>
-            <p:extLst>
-              <p:ext uri="{386F3935-93C4-4BCD-93E2-E3B085C9AB24}">
-                <p16:designElem xmlns:p16="http://schemas.microsoft.com/office/powerpoint/2015/main" val="1"/>
-              </p:ext>
-            </p:extLst>
-          </p:nvPr>
-        </p:nvSpPr>
-        <p:spPr>
-          <a:xfrm>
-            <a:off x="6492113" y="0"/>
-            <a:ext cx="5699887" cy="4059244"/>
-          </a:xfrm>
-          <a:custGeom>
-            <a:avLst/>
-            <a:gdLst>
-              <a:gd name="connsiteX0" fmla="*/ 0 w 5699887"/>
-              <a:gd name="connsiteY0" fmla="*/ 0 h 4059244"/>
-              <a:gd name="connsiteX1" fmla="*/ 5699887 w 5699887"/>
-              <a:gd name="connsiteY1" fmla="*/ 0 h 4059244"/>
-              <a:gd name="connsiteX2" fmla="*/ 5699887 w 5699887"/>
-              <a:gd name="connsiteY2" fmla="*/ 3944096 h 4059244"/>
-              <a:gd name="connsiteX3" fmla="*/ 5525775 w 5699887"/>
-              <a:gd name="connsiteY3" fmla="*/ 3980429 h 4059244"/>
-              <a:gd name="connsiteX4" fmla="*/ 4663256 w 5699887"/>
-              <a:gd name="connsiteY4" fmla="*/ 4059244 h 4059244"/>
-              <a:gd name="connsiteX5" fmla="*/ 8566 w 5699887"/>
-              <a:gd name="connsiteY5" fmla="*/ 67422 h 4059244"/>
-            </a:gdLst>
-            <a:ahLst/>
-            <a:cxnLst>
-              <a:cxn ang="0">
-                <a:pos x="connsiteX0" y="connsiteY0"/>
-              </a:cxn>
-              <a:cxn ang="0">
-                <a:pos x="connsiteX1" y="connsiteY1"/>
-              </a:cxn>
-              <a:cxn ang="0">
-                <a:pos x="connsiteX2" y="connsiteY2"/>
-              </a:cxn>
-              <a:cxn ang="0">
-                <a:pos x="connsiteX3" y="connsiteY3"/>
-              </a:cxn>
-              <a:cxn ang="0">
-                <a:pos x="connsiteX4" y="connsiteY4"/>
-              </a:cxn>
-              <a:cxn ang="0">
-                <a:pos x="connsiteX5" y="connsiteY5"/>
-              </a:cxn>
-            </a:cxnLst>
-            <a:rect l="l" t="t" r="r" b="b"/>
-            <a:pathLst>
-              <a:path w="5699887" h="4059244">
-                <a:moveTo>
-                  <a:pt x="0" y="0"/>
-                </a:moveTo>
-                <a:lnTo>
-                  <a:pt x="5699887" y="0"/>
-                </a:lnTo>
-                <a:lnTo>
-                  <a:pt x="5699887" y="3944096"/>
-                </a:lnTo>
-                <a:lnTo>
-                  <a:pt x="5525775" y="3980429"/>
-                </a:lnTo>
-                <a:cubicBezTo>
-                  <a:pt x="5246154" y="4032190"/>
-                  <a:pt x="4957865" y="4059244"/>
-                  <a:pt x="4663256" y="4059244"/>
-                </a:cubicBezTo>
-                <a:cubicBezTo>
-                  <a:pt x="2306390" y="4059244"/>
-                  <a:pt x="353936" y="2327747"/>
-                  <a:pt x="8566" y="67422"/>
-                </a:cubicBezTo>
-                <a:close/>
-              </a:path>
-            </a:pathLst>
-          </a:custGeom>
           <a:solidFill>
-            <a:srgbClr val="595959"/>
+            <a:schemeClr val="bg1"/>
           </a:solidFill>
           <a:ln>
             <a:noFill/>
@@ -8105,98 +7820,57 @@
           <a:bodyPr rtlCol="0" anchor="ctr"/>
           <a:lstStyle/>
           <a:p>
-            <a:pPr marL="0" marR="0" lvl="0" indent="0" algn="ctr" defTabSz="914400" rtl="0" eaLnBrk="1" fontAlgn="auto" latinLnBrk="0" hangingPunct="1">
-              <a:lnSpc>
-                <a:spcPct val="100000"/>
-              </a:lnSpc>
-              <a:spcBef>
-                <a:spcPts val="0"/>
-              </a:spcBef>
-              <a:spcAft>
-                <a:spcPts val="0"/>
-              </a:spcAft>
-              <a:buClrTx/>
-              <a:buSzTx/>
-              <a:buFontTx/>
-              <a:buNone/>
-              <a:tabLst/>
-              <a:defRPr/>
-            </a:pPr>
-            <a:endParaRPr kumimoji="0" lang="en-US" sz="1800" b="0" i="0" u="none" strike="noStrike" kern="1200" cap="none" spc="0" normalizeH="0" baseline="0" noProof="0">
-              <a:ln>
-                <a:noFill/>
-              </a:ln>
-              <a:solidFill>
-                <a:prstClr val="white"/>
-              </a:solidFill>
-              <a:effectLst/>
-              <a:uLnTx/>
-              <a:uFillTx/>
-              <a:latin typeface="Calibri" panose="020F0502020204030204"/>
-              <a:ea typeface="+mn-ea"/>
-              <a:cs typeface="+mn-cs"/>
-            </a:endParaRPr>
+            <a:pPr algn="ctr"/>
+            <a:endParaRPr lang="en-US" dirty="0"/>
           </a:p>
         </p:txBody>
       </p:sp>
-      <p:cxnSp>
-        <p:nvCxnSpPr>
-          <p:cNvPr id="25" name="Straight Connector 24">
+      <p:sp>
+        <p:nvSpPr>
+          <p:cNvPr id="2" name="제목 1">
             <a:extLst>
               <a:ext uri="{FF2B5EF4-FFF2-40B4-BE49-F238E27FC236}">
-                <a16:creationId xmlns:a16="http://schemas.microsoft.com/office/drawing/2014/main" id="{D4C22394-EBC2-4FAF-A555-6C02D589EED7}"/>
-              </a:ext>
-              <a:ext uri="{C183D7F6-B498-43B3-948B-1728B52AA6E4}">
-                <adec:decorative xmlns:adec="http://schemas.microsoft.com/office/drawing/2017/decorative" val="1"/>
+                <a16:creationId xmlns:a16="http://schemas.microsoft.com/office/drawing/2014/main" id="{99A7E0FB-F74A-41DC-807E-ACCDF1C51024}"/>
               </a:ext>
             </a:extLst>
           </p:cNvPr>
-          <p:cNvCxnSpPr>
-            <a:cxnSpLocks noGrp="1" noRot="1" noChangeAspect="1" noMove="1" noResize="1" noEditPoints="1" noAdjustHandles="1" noChangeArrowheads="1" noChangeShapeType="1"/>
-          </p:cNvCxnSpPr>
+          <p:cNvSpPr>
+            <a:spLocks noGrp="1"/>
+          </p:cNvSpPr>
           <p:nvPr>
-            <p:extLst>
-              <p:ext uri="{386F3935-93C4-4BCD-93E2-E3B085C9AB24}">
-                <p16:designElem xmlns:p16="http://schemas.microsoft.com/office/powerpoint/2015/main" val="1"/>
-              </p:ext>
-            </p:extLst>
+            <p:ph type="title"/>
           </p:nvPr>
-        </p:nvCxnSpPr>
+        </p:nvSpPr>
         <p:spPr>
-          <a:xfrm rot="16200000">
-            <a:off x="1508760" y="3431556"/>
-            <a:ext cx="0" cy="1737360"/>
+          <a:xfrm>
+            <a:off x="643468" y="643467"/>
+            <a:ext cx="4804064" cy="5571065"/>
           </a:xfrm>
-          <a:prstGeom prst="line">
-            <a:avLst/>
-          </a:prstGeom>
-          <a:ln w="19050" cap="sq">
-            <a:solidFill>
-              <a:schemeClr val="tx1"/>
-            </a:solidFill>
-          </a:ln>
         </p:spPr>
-        <p:style>
-          <a:lnRef idx="1">
-            <a:schemeClr val="accent1"/>
-          </a:lnRef>
-          <a:fillRef idx="0">
-            <a:schemeClr val="accent1"/>
-          </a:fillRef>
-          <a:effectRef idx="0">
-            <a:schemeClr val="accent1"/>
-          </a:effectRef>
-          <a:fontRef idx="minor">
-            <a:schemeClr val="tx1"/>
-          </a:fontRef>
-        </p:style>
-      </p:cxnSp>
+        <p:txBody>
+          <a:bodyPr>
+            <a:normAutofit/>
+          </a:bodyPr>
+          <a:lstStyle/>
+          <a:p>
+            <a:r>
+              <a:rPr lang="ko-KR" altLang="en-US" sz="3600"/>
+              <a:t>문자 자료형 </a:t>
+            </a:r>
+            <a:r>
+              <a:rPr lang="en-US" altLang="ko-KR" sz="3600"/>
+              <a:t>- char</a:t>
+            </a:r>
+            <a:endParaRPr lang="ko-KR" altLang="en-US" sz="3600"/>
+          </a:p>
+        </p:txBody>
+      </p:sp>
       <p:sp>
         <p:nvSpPr>
-          <p:cNvPr id="27" name="Oval 26">
+          <p:cNvPr id="28" name="Freeform: Shape 27">
             <a:extLst>
               <a:ext uri="{FF2B5EF4-FFF2-40B4-BE49-F238E27FC236}">
-                <a16:creationId xmlns:a16="http://schemas.microsoft.com/office/drawing/2014/main" id="{F7194F93-1F71-4A70-9DF1-28F183771111}"/>
+                <a16:creationId xmlns:a16="http://schemas.microsoft.com/office/drawing/2014/main" id="{569BBA9B-8F4E-4D2B-BEFA-41A475443377}"/>
               </a:ext>
               <a:ext uri="{C183D7F6-B498-43B3-948B-1728B52AA6E4}">
                 <adec:decorative xmlns:adec="http://schemas.microsoft.com/office/drawing/2017/decorative" val="1"/>
@@ -8215,15 +7889,280 @@
           </p:nvPr>
         </p:nvSpPr>
         <p:spPr>
-          <a:xfrm>
-            <a:off x="8732897" y="5004581"/>
-            <a:ext cx="962395" cy="962395"/>
+          <a:xfrm rot="2700000">
+            <a:off x="-415188" y="-231223"/>
+            <a:ext cx="1409491" cy="1876653"/>
           </a:xfrm>
-          <a:prstGeom prst="ellipse">
+          <a:custGeom>
+            <a:avLst/>
+            <a:gdLst>
+              <a:gd name="connsiteX0" fmla="*/ 0 w 1409491"/>
+              <a:gd name="connsiteY0" fmla="*/ 643075 h 1876653"/>
+              <a:gd name="connsiteX1" fmla="*/ 643075 w 1409491"/>
+              <a:gd name="connsiteY1" fmla="*/ 0 h 1876653"/>
+              <a:gd name="connsiteX2" fmla="*/ 1409491 w 1409491"/>
+              <a:gd name="connsiteY2" fmla="*/ 0 h 1876653"/>
+              <a:gd name="connsiteX3" fmla="*/ 1409491 w 1409491"/>
+              <a:gd name="connsiteY3" fmla="*/ 1876653 h 1876653"/>
+              <a:gd name="connsiteX4" fmla="*/ 1233578 w 1409491"/>
+              <a:gd name="connsiteY4" fmla="*/ 1876653 h 1876653"/>
+            </a:gdLst>
+            <a:ahLst/>
+            <a:cxnLst>
+              <a:cxn ang="0">
+                <a:pos x="connsiteX0" y="connsiteY0"/>
+              </a:cxn>
+              <a:cxn ang="0">
+                <a:pos x="connsiteX1" y="connsiteY1"/>
+              </a:cxn>
+              <a:cxn ang="0">
+                <a:pos x="connsiteX2" y="connsiteY2"/>
+              </a:cxn>
+              <a:cxn ang="0">
+                <a:pos x="connsiteX3" y="connsiteY3"/>
+              </a:cxn>
+              <a:cxn ang="0">
+                <a:pos x="connsiteX4" y="connsiteY4"/>
+              </a:cxn>
+            </a:cxnLst>
+            <a:rect l="l" t="t" r="r" b="b"/>
+            <a:pathLst>
+              <a:path w="1409491" h="1876653">
+                <a:moveTo>
+                  <a:pt x="0" y="643075"/>
+                </a:moveTo>
+                <a:lnTo>
+                  <a:pt x="643075" y="0"/>
+                </a:lnTo>
+                <a:lnTo>
+                  <a:pt x="1409491" y="0"/>
+                </a:lnTo>
+                <a:lnTo>
+                  <a:pt x="1409491" y="1876653"/>
+                </a:lnTo>
+                <a:lnTo>
+                  <a:pt x="1233578" y="1876653"/>
+                </a:lnTo>
+                <a:close/>
+              </a:path>
+            </a:pathLst>
+          </a:custGeom>
+          <a:solidFill>
+            <a:schemeClr val="accent1">
+              <a:alpha val="30000"/>
+            </a:schemeClr>
+          </a:solidFill>
+          <a:ln>
+            <a:noFill/>
+          </a:ln>
+        </p:spPr>
+        <p:style>
+          <a:lnRef idx="2">
+            <a:schemeClr val="accent1">
+              <a:shade val="50000"/>
+            </a:schemeClr>
+          </a:lnRef>
+          <a:fillRef idx="1">
+            <a:schemeClr val="accent1"/>
+          </a:fillRef>
+          <a:effectRef idx="0">
+            <a:schemeClr val="accent1"/>
+          </a:effectRef>
+          <a:fontRef idx="minor">
+            <a:schemeClr val="lt1"/>
+          </a:fontRef>
+        </p:style>
+        <p:txBody>
+          <a:bodyPr wrap="square" rtlCol="0" anchor="ctr">
+            <a:noAutofit/>
+          </a:bodyPr>
+          <a:lstStyle/>
+          <a:p>
+            <a:pPr algn="ctr"/>
+            <a:endParaRPr lang="en-US"/>
+          </a:p>
+        </p:txBody>
+      </p:sp>
+      <p:sp>
+        <p:nvSpPr>
+          <p:cNvPr id="30" name="Rectangle 29">
+            <a:extLst>
+              <a:ext uri="{FF2B5EF4-FFF2-40B4-BE49-F238E27FC236}">
+                <a16:creationId xmlns:a16="http://schemas.microsoft.com/office/drawing/2014/main" id="{851012D1-8033-40B1-9EC0-91390FFC7403}"/>
+              </a:ext>
+              <a:ext uri="{C183D7F6-B498-43B3-948B-1728B52AA6E4}">
+                <adec:decorative xmlns:adec="http://schemas.microsoft.com/office/drawing/2017/decorative" val="1"/>
+              </a:ext>
+            </a:extLst>
+          </p:cNvPr>
+          <p:cNvSpPr>
+            <a:spLocks noGrp="1" noRot="1" noChangeAspect="1" noMove="1" noResize="1" noEditPoints="1" noAdjustHandles="1" noChangeArrowheads="1" noChangeShapeType="1" noTextEdit="1"/>
+          </p:cNvSpPr>
+          <p:nvPr>
+            <p:extLst>
+              <p:ext uri="{386F3935-93C4-4BCD-93E2-E3B085C9AB24}">
+                <p16:designElem xmlns:p16="http://schemas.microsoft.com/office/powerpoint/2015/main" val="1"/>
+              </p:ext>
+            </p:extLst>
+          </p:nvPr>
+        </p:nvSpPr>
+        <p:spPr>
+          <a:xfrm rot="2700000">
+            <a:off x="301285" y="1282788"/>
+            <a:ext cx="485578" cy="485578"/>
+          </a:xfrm>
+          <a:prstGeom prst="rect">
             <a:avLst/>
           </a:prstGeom>
           <a:solidFill>
+            <a:schemeClr val="accent1">
+              <a:alpha val="30000"/>
+            </a:schemeClr>
+          </a:solidFill>
+          <a:ln>
+            <a:noFill/>
+          </a:ln>
+        </p:spPr>
+        <p:style>
+          <a:lnRef idx="2">
+            <a:schemeClr val="accent1">
+              <a:shade val="50000"/>
+            </a:schemeClr>
+          </a:lnRef>
+          <a:fillRef idx="1">
             <a:schemeClr val="accent1"/>
+          </a:fillRef>
+          <a:effectRef idx="0">
+            <a:schemeClr val="accent1"/>
+          </a:effectRef>
+          <a:fontRef idx="minor">
+            <a:schemeClr val="lt1"/>
+          </a:fontRef>
+        </p:style>
+        <p:txBody>
+          <a:bodyPr wrap="square" rtlCol="0" anchor="ctr">
+            <a:noAutofit/>
+          </a:bodyPr>
+          <a:lstStyle/>
+          <a:p>
+            <a:pPr algn="ctr"/>
+            <a:endParaRPr lang="en-US"/>
+          </a:p>
+        </p:txBody>
+      </p:sp>
+      <p:sp>
+        <p:nvSpPr>
+          <p:cNvPr id="3" name="내용 개체 틀 2">
+            <a:extLst>
+              <a:ext uri="{FF2B5EF4-FFF2-40B4-BE49-F238E27FC236}">
+                <a16:creationId xmlns:a16="http://schemas.microsoft.com/office/drawing/2014/main" id="{B957BFF4-1200-416A-BF61-864C5984ABA5}"/>
+              </a:ext>
+            </a:extLst>
+          </p:cNvPr>
+          <p:cNvSpPr>
+            <a:spLocks noGrp="1"/>
+          </p:cNvSpPr>
+          <p:nvPr>
+            <p:ph idx="1"/>
+          </p:nvPr>
+        </p:nvSpPr>
+        <p:spPr>
+          <a:xfrm>
+            <a:off x="6090998" y="643467"/>
+            <a:ext cx="5457533" cy="5571065"/>
+          </a:xfrm>
+        </p:spPr>
+        <p:txBody>
+          <a:bodyPr anchor="ctr">
+            <a:normAutofit/>
+          </a:bodyPr>
+          <a:lstStyle/>
+          <a:p>
+            <a:pPr marL="514350" indent="-514350">
+              <a:buAutoNum type="arabicPeriod"/>
+            </a:pPr>
+            <a:r>
+              <a:rPr lang="en-US" altLang="ko-KR" sz="2000" dirty="0"/>
+              <a:t>character(</a:t>
+            </a:r>
+            <a:r>
+              <a:rPr lang="ko-KR" altLang="en-US" sz="2000" dirty="0"/>
+              <a:t>문자</a:t>
+            </a:r>
+            <a:r>
+              <a:rPr lang="en-US" altLang="ko-KR" sz="2000" dirty="0"/>
+              <a:t>)</a:t>
+            </a:r>
+            <a:r>
+              <a:rPr lang="ko-KR" altLang="en-US" sz="2000" dirty="0"/>
+              <a:t>의 준말로 문자를 저장할 수 있다</a:t>
+            </a:r>
+            <a:r>
+              <a:rPr lang="en-US" altLang="ko-KR" sz="2000" dirty="0"/>
+              <a:t>.</a:t>
+            </a:r>
+          </a:p>
+          <a:p>
+            <a:pPr marL="514350" indent="-514350">
+              <a:buAutoNum type="arabicPeriod"/>
+            </a:pPr>
+            <a:endParaRPr lang="en-US" altLang="ko-KR" sz="2000" dirty="0"/>
+          </a:p>
+          <a:p>
+            <a:pPr marL="514350" indent="-514350">
+              <a:buAutoNum type="arabicPeriod"/>
+            </a:pPr>
+            <a:r>
+              <a:rPr lang="en-US" altLang="ko-KR" sz="2000" dirty="0"/>
+              <a:t>char alpha = ‘a’; </a:t>
+            </a:r>
+            <a:r>
+              <a:rPr lang="ko-KR" altLang="en-US" sz="2000" dirty="0"/>
+              <a:t>와 같은 형식으로 저장할 수 있다</a:t>
+            </a:r>
+            <a:r>
+              <a:rPr lang="en-US" altLang="ko-KR" sz="2000" dirty="0"/>
+              <a:t>.</a:t>
+            </a:r>
+            <a:endParaRPr lang="ko-KR" altLang="en-US" sz="2000" dirty="0"/>
+          </a:p>
+        </p:txBody>
+      </p:sp>
+      <p:sp>
+        <p:nvSpPr>
+          <p:cNvPr id="32" name="Rectangle 31">
+            <a:extLst>
+              <a:ext uri="{FF2B5EF4-FFF2-40B4-BE49-F238E27FC236}">
+                <a16:creationId xmlns:a16="http://schemas.microsoft.com/office/drawing/2014/main" id="{2E80C965-DB6D-4F81-9E9E-B027384D0BD6}"/>
+              </a:ext>
+              <a:ext uri="{C183D7F6-B498-43B3-948B-1728B52AA6E4}">
+                <adec:decorative xmlns:adec="http://schemas.microsoft.com/office/drawing/2017/decorative" val="1"/>
+              </a:ext>
+            </a:extLst>
+          </p:cNvPr>
+          <p:cNvSpPr>
+            <a:spLocks noGrp="1" noRot="1" noChangeAspect="1" noMove="1" noResize="1" noEditPoints="1" noAdjustHandles="1" noChangeArrowheads="1" noChangeShapeType="1" noTextEdit="1"/>
+          </p:cNvSpPr>
+          <p:nvPr>
+            <p:extLst>
+              <p:ext uri="{386F3935-93C4-4BCD-93E2-E3B085C9AB24}">
+                <p16:designElem xmlns:p16="http://schemas.microsoft.com/office/powerpoint/2015/main" val="1"/>
+              </p:ext>
+            </p:extLst>
+          </p:nvPr>
+        </p:nvSpPr>
+        <p:spPr>
+          <a:xfrm rot="2700000">
+            <a:off x="8809436" y="6033666"/>
+            <a:ext cx="645368" cy="645368"/>
+          </a:xfrm>
+          <a:prstGeom prst="rect">
+            <a:avLst/>
+          </a:prstGeom>
+          <a:solidFill>
+            <a:schemeClr val="accent4">
+              <a:alpha val="30000"/>
+            </a:schemeClr>
           </a:solidFill>
           <a:ln>
             <a:noFill/>
@@ -8249,46 +8188,17 @@
           <a:bodyPr rtlCol="0" anchor="ctr"/>
           <a:lstStyle/>
           <a:p>
-            <a:pPr marL="0" marR="0" lvl="0" indent="0" algn="ctr" defTabSz="914400" rtl="0" eaLnBrk="1" fontAlgn="auto" latinLnBrk="0" hangingPunct="1">
-              <a:lnSpc>
-                <a:spcPct val="100000"/>
-              </a:lnSpc>
-              <a:spcBef>
-                <a:spcPts val="0"/>
-              </a:spcBef>
-              <a:spcAft>
-                <a:spcPts val="0"/>
-              </a:spcAft>
-              <a:buClrTx/>
-              <a:buSzTx/>
-              <a:buFontTx/>
-              <a:buNone/>
-              <a:tabLst/>
-              <a:defRPr/>
-            </a:pPr>
-            <a:endParaRPr kumimoji="0" lang="en-US" sz="1800" b="0" i="0" u="none" strike="noStrike" kern="1200" cap="none" spc="0" normalizeH="0" baseline="0" noProof="0">
-              <a:ln>
-                <a:noFill/>
-              </a:ln>
-              <a:solidFill>
-                <a:prstClr val="white"/>
-              </a:solidFill>
-              <a:effectLst/>
-              <a:uLnTx/>
-              <a:uFillTx/>
-              <a:latin typeface="Calibri" panose="020F0502020204030204"/>
-              <a:ea typeface="+mn-ea"/>
-              <a:cs typeface="+mn-cs"/>
-            </a:endParaRPr>
+            <a:pPr algn="ctr"/>
+            <a:endParaRPr lang="en-US"/>
           </a:p>
         </p:txBody>
       </p:sp>
       <p:sp>
         <p:nvSpPr>
-          <p:cNvPr id="29" name="Oval 28">
+          <p:cNvPr id="34" name="Isosceles Triangle 33">
             <a:extLst>
               <a:ext uri="{FF2B5EF4-FFF2-40B4-BE49-F238E27FC236}">
-                <a16:creationId xmlns:a16="http://schemas.microsoft.com/office/drawing/2014/main" id="{9BBC0C84-DC2A-43AE-9576-0A44295E8B9C}"/>
+                <a16:creationId xmlns:a16="http://schemas.microsoft.com/office/drawing/2014/main" id="{D291F021-C45C-4D44-A2B8-A789E386CC42}"/>
               </a:ext>
               <a:ext uri="{C183D7F6-B498-43B3-948B-1728B52AA6E4}">
                 <adec:decorative xmlns:adec="http://schemas.microsoft.com/office/drawing/2017/decorative" val="1"/>
@@ -8308,14 +8218,18 @@
         </p:nvSpPr>
         <p:spPr>
           <a:xfrm>
-            <a:off x="10463725" y="4865965"/>
-            <a:ext cx="293695" cy="293695"/>
+            <a:off x="8603444" y="5721108"/>
+            <a:ext cx="2261965" cy="1136891"/>
           </a:xfrm>
-          <a:prstGeom prst="ellipse">
-            <a:avLst/>
+          <a:prstGeom prst="triangle">
+            <a:avLst>
+              <a:gd name="adj" fmla="val 50000"/>
+            </a:avLst>
           </a:prstGeom>
           <a:solidFill>
-            <a:schemeClr val="accent4"/>
+            <a:schemeClr val="accent4">
+              <a:alpha val="30000"/>
+            </a:schemeClr>
           </a:solidFill>
           <a:ln>
             <a:noFill/>
@@ -8341,44 +8255,15 @@
           <a:bodyPr rtlCol="0" anchor="ctr"/>
           <a:lstStyle/>
           <a:p>
-            <a:pPr marL="0" marR="0" lvl="0" indent="0" algn="ctr" defTabSz="914400" rtl="0" eaLnBrk="1" fontAlgn="auto" latinLnBrk="0" hangingPunct="1">
-              <a:lnSpc>
-                <a:spcPct val="100000"/>
-              </a:lnSpc>
-              <a:spcBef>
-                <a:spcPts val="0"/>
-              </a:spcBef>
-              <a:spcAft>
-                <a:spcPts val="0"/>
-              </a:spcAft>
-              <a:buClrTx/>
-              <a:buSzTx/>
-              <a:buFontTx/>
-              <a:buNone/>
-              <a:tabLst/>
-              <a:defRPr/>
-            </a:pPr>
-            <a:endParaRPr kumimoji="0" lang="en-US" sz="1800" b="0" i="0" u="none" strike="noStrike" kern="1200" cap="none" spc="0" normalizeH="0" baseline="0" noProof="0">
-              <a:ln>
-                <a:noFill/>
-              </a:ln>
-              <a:solidFill>
-                <a:prstClr val="white"/>
-              </a:solidFill>
-              <a:effectLst/>
-              <a:uLnTx/>
-              <a:uFillTx/>
-              <a:latin typeface="Calibri" panose="020F0502020204030204"/>
-              <a:ea typeface="+mn-ea"/>
-              <a:cs typeface="+mn-cs"/>
-            </a:endParaRPr>
+            <a:pPr algn="ctr"/>
+            <a:endParaRPr lang="en-US"/>
           </a:p>
         </p:txBody>
       </p:sp>
     </p:spTree>
     <p:extLst>
       <p:ext uri="{BB962C8B-B14F-4D97-AF65-F5344CB8AC3E}">
-        <p14:creationId xmlns:p14="http://schemas.microsoft.com/office/powerpoint/2010/main" val="476227099"/>
+        <p14:creationId xmlns:p14="http://schemas.microsoft.com/office/powerpoint/2010/main" val="1321416988"/>
       </p:ext>
     </p:extLst>
   </p:cSld>
@@ -8415,10 +8300,10 @@
       </p:grpSpPr>
       <p:sp>
         <p:nvSpPr>
-          <p:cNvPr id="18" name="Rectangle 7">
+          <p:cNvPr id="42" name="Rectangle 41">
             <a:extLst>
               <a:ext uri="{FF2B5EF4-FFF2-40B4-BE49-F238E27FC236}">
-                <a16:creationId xmlns:a16="http://schemas.microsoft.com/office/drawing/2014/main" id="{8D70B121-56F4-4848-B38B-182089D909FA}"/>
+                <a16:creationId xmlns:a16="http://schemas.microsoft.com/office/drawing/2014/main" id="{9A297797-5C89-4791-8204-AB071FA1FBCA}"/>
               </a:ext>
               <a:ext uri="{C183D7F6-B498-43B3-948B-1728B52AA6E4}">
                 <adec:decorative xmlns:adec="http://schemas.microsoft.com/office/drawing/2017/decorative" val="1"/>
@@ -8436,20 +8321,18 @@
             </p:extLst>
           </p:nvPr>
         </p:nvSpPr>
-        <p:spPr bwMode="ltGray">
+        <p:spPr>
           <a:xfrm>
-            <a:off x="321564" y="320040"/>
-            <a:ext cx="11548872" cy="6217920"/>
+            <a:off x="0" y="0"/>
+            <a:ext cx="12192000" cy="6858000"/>
           </a:xfrm>
           <a:prstGeom prst="rect">
             <a:avLst/>
           </a:prstGeom>
           <a:solidFill>
-            <a:schemeClr val="tx1">
-              <a:alpha val="8000"/>
-            </a:schemeClr>
+            <a:schemeClr val="bg1"/>
           </a:solidFill>
-          <a:ln w="127000" cap="sq" cmpd="thinThick">
+          <a:ln>
             <a:noFill/>
           </a:ln>
         </p:spPr>
@@ -8474,7 +8357,7 @@
           <a:lstStyle/>
           <a:p>
             <a:pPr algn="ctr"/>
-            <a:endParaRPr lang="en-US"/>
+            <a:endParaRPr lang="en-US" dirty="0"/>
           </a:p>
         </p:txBody>
       </p:sp>
@@ -8483,7 +8366,7 @@
           <p:cNvPr id="2" name="제목 1">
             <a:extLst>
               <a:ext uri="{FF2B5EF4-FFF2-40B4-BE49-F238E27FC236}">
-                <a16:creationId xmlns:a16="http://schemas.microsoft.com/office/drawing/2014/main" id="{44282634-75E3-4FA2-9022-D3EBE793B6AE}"/>
+                <a16:creationId xmlns:a16="http://schemas.microsoft.com/office/drawing/2014/main" id="{ECF98D3C-A291-40B4-8841-59EB5A7D50D2}"/>
               </a:ext>
             </a:extLst>
           </p:cNvPr>
@@ -8496,8 +8379,8 @@
         </p:nvSpPr>
         <p:spPr>
           <a:xfrm>
-            <a:off x="838200" y="963877"/>
-            <a:ext cx="3494362" cy="4930246"/>
+            <a:off x="643468" y="643467"/>
+            <a:ext cx="4804064" cy="5571065"/>
           </a:xfrm>
         </p:spPr>
         <p:txBody>
@@ -8506,46 +8389,33 @@
           </a:bodyPr>
           <a:lstStyle/>
           <a:p>
-            <a:pPr algn="r"/>
-            <a:r>
-              <a:rPr lang="ko-KR" altLang="en-US">
-                <a:solidFill>
-                  <a:schemeClr val="accent1"/>
-                </a:solidFill>
-              </a:rPr>
-              <a:t>연습문제 </a:t>
-            </a:r>
-            <a:r>
-              <a:rPr lang="en-US" altLang="ko-KR">
-                <a:solidFill>
-                  <a:schemeClr val="accent1"/>
-                </a:solidFill>
-              </a:rPr>
-              <a:t>- 1</a:t>
-            </a:r>
-            <a:endParaRPr lang="ko-KR" altLang="en-US">
-              <a:solidFill>
-                <a:schemeClr val="accent1"/>
-              </a:solidFill>
-            </a:endParaRPr>
+            <a:r>
+              <a:rPr lang="ko-KR" altLang="en-US" sz="3600" dirty="0"/>
+              <a:t>문자열 자료형 </a:t>
+            </a:r>
+            <a:r>
+              <a:rPr lang="en-US" altLang="ko-KR" sz="3600" dirty="0"/>
+              <a:t>- string</a:t>
+            </a:r>
+            <a:endParaRPr lang="ko-KR" altLang="en-US" sz="3600" dirty="0"/>
           </a:p>
         </p:txBody>
       </p:sp>
-      <p:cxnSp>
-        <p:nvCxnSpPr>
-          <p:cNvPr id="10" name="Straight Connector 9">
+      <p:sp>
+        <p:nvSpPr>
+          <p:cNvPr id="44" name="Freeform: Shape 43">
             <a:extLst>
               <a:ext uri="{FF2B5EF4-FFF2-40B4-BE49-F238E27FC236}">
-                <a16:creationId xmlns:a16="http://schemas.microsoft.com/office/drawing/2014/main" id="{2D72A2C9-F3CA-4216-8BAD-FA4C970C3C4E}"/>
+                <a16:creationId xmlns:a16="http://schemas.microsoft.com/office/drawing/2014/main" id="{569BBA9B-8F4E-4D2B-BEFA-41A475443377}"/>
               </a:ext>
               <a:ext uri="{C183D7F6-B498-43B3-948B-1728B52AA6E4}">
                 <adec:decorative xmlns:adec="http://schemas.microsoft.com/office/drawing/2017/decorative" val="1"/>
               </a:ext>
             </a:extLst>
           </p:cNvPr>
-          <p:cNvCxnSpPr>
-            <a:cxnSpLocks noGrp="1" noRot="1" noChangeAspect="1" noMove="1" noResize="1" noEditPoints="1" noAdjustHandles="1" noChangeArrowheads="1" noChangeShapeType="1"/>
-          </p:cNvCxnSpPr>
+          <p:cNvSpPr>
+            <a:spLocks noGrp="1" noRot="1" noChangeAspect="1" noMove="1" noResize="1" noEditPoints="1" noAdjustHandles="1" noChangeArrowheads="1" noChangeShapeType="1" noTextEdit="1"/>
+          </p:cNvSpPr>
           <p:nvPr>
             <p:extLst>
               <p:ext uri="{386F3935-93C4-4BCD-93E2-E3B085C9AB24}">
@@ -8553,45 +8423,175 @@
               </p:ext>
             </p:extLst>
           </p:nvPr>
-        </p:nvCxnSpPr>
+        </p:nvSpPr>
         <p:spPr>
-          <a:xfrm>
-            <a:off x="4654296" y="2057400"/>
-            <a:ext cx="0" cy="2743200"/>
+          <a:xfrm rot="2700000">
+            <a:off x="-415188" y="-231223"/>
+            <a:ext cx="1409491" cy="1876653"/>
           </a:xfrm>
-          <a:prstGeom prst="line">
+          <a:custGeom>
             <a:avLst/>
-          </a:prstGeom>
-          <a:ln w="19050">
-            <a:solidFill>
-              <a:schemeClr val="tx1">
-                <a:lumMod val="85000"/>
-                <a:lumOff val="15000"/>
-              </a:schemeClr>
-            </a:solidFill>
+            <a:gdLst>
+              <a:gd name="connsiteX0" fmla="*/ 0 w 1409491"/>
+              <a:gd name="connsiteY0" fmla="*/ 643075 h 1876653"/>
+              <a:gd name="connsiteX1" fmla="*/ 643075 w 1409491"/>
+              <a:gd name="connsiteY1" fmla="*/ 0 h 1876653"/>
+              <a:gd name="connsiteX2" fmla="*/ 1409491 w 1409491"/>
+              <a:gd name="connsiteY2" fmla="*/ 0 h 1876653"/>
+              <a:gd name="connsiteX3" fmla="*/ 1409491 w 1409491"/>
+              <a:gd name="connsiteY3" fmla="*/ 1876653 h 1876653"/>
+              <a:gd name="connsiteX4" fmla="*/ 1233578 w 1409491"/>
+              <a:gd name="connsiteY4" fmla="*/ 1876653 h 1876653"/>
+            </a:gdLst>
+            <a:ahLst/>
+            <a:cxnLst>
+              <a:cxn ang="0">
+                <a:pos x="connsiteX0" y="connsiteY0"/>
+              </a:cxn>
+              <a:cxn ang="0">
+                <a:pos x="connsiteX1" y="connsiteY1"/>
+              </a:cxn>
+              <a:cxn ang="0">
+                <a:pos x="connsiteX2" y="connsiteY2"/>
+              </a:cxn>
+              <a:cxn ang="0">
+                <a:pos x="connsiteX3" y="connsiteY3"/>
+              </a:cxn>
+              <a:cxn ang="0">
+                <a:pos x="connsiteX4" y="connsiteY4"/>
+              </a:cxn>
+            </a:cxnLst>
+            <a:rect l="l" t="t" r="r" b="b"/>
+            <a:pathLst>
+              <a:path w="1409491" h="1876653">
+                <a:moveTo>
+                  <a:pt x="0" y="643075"/>
+                </a:moveTo>
+                <a:lnTo>
+                  <a:pt x="643075" y="0"/>
+                </a:lnTo>
+                <a:lnTo>
+                  <a:pt x="1409491" y="0"/>
+                </a:lnTo>
+                <a:lnTo>
+                  <a:pt x="1409491" y="1876653"/>
+                </a:lnTo>
+                <a:lnTo>
+                  <a:pt x="1233578" y="1876653"/>
+                </a:lnTo>
+                <a:close/>
+              </a:path>
+            </a:pathLst>
+          </a:custGeom>
+          <a:solidFill>
+            <a:schemeClr val="accent1">
+              <a:alpha val="30000"/>
+            </a:schemeClr>
+          </a:solidFill>
+          <a:ln>
+            <a:noFill/>
           </a:ln>
         </p:spPr>
         <p:style>
-          <a:lnRef idx="1">
-            <a:schemeClr val="accent1"/>
+          <a:lnRef idx="2">
+            <a:schemeClr val="accent1">
+              <a:shade val="50000"/>
+            </a:schemeClr>
           </a:lnRef>
-          <a:fillRef idx="0">
+          <a:fillRef idx="1">
             <a:schemeClr val="accent1"/>
           </a:fillRef>
           <a:effectRef idx="0">
             <a:schemeClr val="accent1"/>
           </a:effectRef>
           <a:fontRef idx="minor">
-            <a:schemeClr val="tx1"/>
+            <a:schemeClr val="lt1"/>
           </a:fontRef>
         </p:style>
-      </p:cxnSp>
+        <p:txBody>
+          <a:bodyPr wrap="square" rtlCol="0" anchor="ctr">
+            <a:noAutofit/>
+          </a:bodyPr>
+          <a:lstStyle/>
+          <a:p>
+            <a:pPr algn="ctr"/>
+            <a:endParaRPr lang="en-US"/>
+          </a:p>
+        </p:txBody>
+      </p:sp>
       <p:sp>
         <p:nvSpPr>
-          <p:cNvPr id="19" name="내용 개체 틀 2">
+          <p:cNvPr id="46" name="Rectangle 45">
             <a:extLst>
               <a:ext uri="{FF2B5EF4-FFF2-40B4-BE49-F238E27FC236}">
-                <a16:creationId xmlns:a16="http://schemas.microsoft.com/office/drawing/2014/main" id="{D9C941C4-DB13-4F89-A5BE-89B9AB342D80}"/>
+                <a16:creationId xmlns:a16="http://schemas.microsoft.com/office/drawing/2014/main" id="{851012D1-8033-40B1-9EC0-91390FFC7403}"/>
+              </a:ext>
+              <a:ext uri="{C183D7F6-B498-43B3-948B-1728B52AA6E4}">
+                <adec:decorative xmlns:adec="http://schemas.microsoft.com/office/drawing/2017/decorative" val="1"/>
+              </a:ext>
+            </a:extLst>
+          </p:cNvPr>
+          <p:cNvSpPr>
+            <a:spLocks noGrp="1" noRot="1" noChangeAspect="1" noMove="1" noResize="1" noEditPoints="1" noAdjustHandles="1" noChangeArrowheads="1" noChangeShapeType="1" noTextEdit="1"/>
+          </p:cNvSpPr>
+          <p:nvPr>
+            <p:extLst>
+              <p:ext uri="{386F3935-93C4-4BCD-93E2-E3B085C9AB24}">
+                <p16:designElem xmlns:p16="http://schemas.microsoft.com/office/powerpoint/2015/main" val="1"/>
+              </p:ext>
+            </p:extLst>
+          </p:nvPr>
+        </p:nvSpPr>
+        <p:spPr>
+          <a:xfrm rot="2700000">
+            <a:off x="301285" y="1282788"/>
+            <a:ext cx="485578" cy="485578"/>
+          </a:xfrm>
+          <a:prstGeom prst="rect">
+            <a:avLst/>
+          </a:prstGeom>
+          <a:solidFill>
+            <a:schemeClr val="accent1">
+              <a:alpha val="30000"/>
+            </a:schemeClr>
+          </a:solidFill>
+          <a:ln>
+            <a:noFill/>
+          </a:ln>
+        </p:spPr>
+        <p:style>
+          <a:lnRef idx="2">
+            <a:schemeClr val="accent1">
+              <a:shade val="50000"/>
+            </a:schemeClr>
+          </a:lnRef>
+          <a:fillRef idx="1">
+            <a:schemeClr val="accent1"/>
+          </a:fillRef>
+          <a:effectRef idx="0">
+            <a:schemeClr val="accent1"/>
+          </a:effectRef>
+          <a:fontRef idx="minor">
+            <a:schemeClr val="lt1"/>
+          </a:fontRef>
+        </p:style>
+        <p:txBody>
+          <a:bodyPr wrap="square" rtlCol="0" anchor="ctr">
+            <a:noAutofit/>
+          </a:bodyPr>
+          <a:lstStyle/>
+          <a:p>
+            <a:pPr algn="ctr"/>
+            <a:endParaRPr lang="en-US"/>
+          </a:p>
+        </p:txBody>
+      </p:sp>
+      <p:sp>
+        <p:nvSpPr>
+          <p:cNvPr id="3" name="내용 개체 틀 2">
+            <a:extLst>
+              <a:ext uri="{FF2B5EF4-FFF2-40B4-BE49-F238E27FC236}">
+                <a16:creationId xmlns:a16="http://schemas.microsoft.com/office/drawing/2014/main" id="{62BC44F4-73D6-45A3-95A9-67CA1C51B6A3}"/>
               </a:ext>
             </a:extLst>
           </p:cNvPr>
@@ -8604,8 +8604,8 @@
         </p:nvSpPr>
         <p:spPr>
           <a:xfrm>
-            <a:off x="4976031" y="963877"/>
-            <a:ext cx="6377769" cy="4930246"/>
+            <a:off x="6090998" y="643467"/>
+            <a:ext cx="5457533" cy="5571065"/>
           </a:xfrm>
         </p:spPr>
         <p:txBody>
@@ -8618,58 +8618,243 @@
               <a:buNone/>
             </a:pPr>
             <a:r>
-              <a:rPr lang="en-US" altLang="ko-KR" sz="2400"/>
-              <a:t>1. </a:t>
-            </a:r>
-            <a:r>
-              <a:rPr lang="ko-KR" altLang="en-US" sz="2400"/>
-              <a:t>다음 코드의 에러를 찾으시오</a:t>
-            </a:r>
-            <a:endParaRPr lang="en-US" altLang="ko-KR" sz="2400"/>
+              <a:rPr lang="en-US" altLang="ko-KR" sz="2000"/>
+              <a:t>1</a:t>
+            </a:r>
+            <a:r>
+              <a:rPr lang="en-US" altLang="ko-KR" sz="2000" dirty="0"/>
+              <a:t>. </a:t>
+            </a:r>
+            <a:r>
+              <a:rPr lang="ko-KR" altLang="en-US" sz="2000" dirty="0"/>
+              <a:t>문자가 연속해서 놓인 모습이</a:t>
+            </a:r>
+            <a:r>
+              <a:rPr lang="en-US" altLang="ko-KR" sz="2000" dirty="0"/>
+              <a:t> string(</a:t>
+            </a:r>
+            <a:r>
+              <a:rPr lang="ko-KR" altLang="en-US" sz="2000" dirty="0"/>
+              <a:t>줄</a:t>
+            </a:r>
+            <a:r>
+              <a:rPr lang="en-US" altLang="ko-KR" sz="2000" dirty="0"/>
+              <a:t>)</a:t>
+            </a:r>
+            <a:r>
+              <a:rPr lang="ko-KR" altLang="en-US" sz="2000" dirty="0"/>
+              <a:t>과 같다고 하여 붙은 이름이다</a:t>
+            </a:r>
+            <a:r>
+              <a:rPr lang="en-US" altLang="ko-KR" sz="2000" dirty="0"/>
+              <a:t>.</a:t>
+            </a:r>
           </a:p>
           <a:p>
             <a:pPr marL="0" indent="0">
               <a:buNone/>
             </a:pPr>
-            <a:r>
-              <a:rPr lang="en-US" altLang="ko-KR" sz="2400"/>
-              <a:t>int num1 = 1;</a:t>
-            </a:r>
+            <a:endParaRPr lang="en-US" altLang="ko-KR" sz="2000" dirty="0"/>
           </a:p>
           <a:p>
             <a:pPr marL="0" indent="0">
               <a:buNone/>
             </a:pPr>
             <a:r>
-              <a:rPr lang="en-US" altLang="ko-KR" sz="2400"/>
-              <a:t>float float_num = 3.2f;</a:t>
+              <a:rPr lang="en-US" altLang="ko-KR" sz="2000" dirty="0"/>
+              <a:t>2. string a = “</a:t>
+            </a:r>
+            <a:r>
+              <a:rPr lang="en-US" altLang="ko-KR" sz="2000"/>
+              <a:t>Hello_World</a:t>
+            </a:r>
+            <a:r>
+              <a:rPr lang="en-US" altLang="ko-KR" sz="2000" dirty="0"/>
+              <a:t>!”; </a:t>
+            </a:r>
+            <a:r>
+              <a:rPr lang="ko-KR" altLang="en-US" sz="2000" dirty="0"/>
+              <a:t>와 같은 형식으로 사용할 수 있다</a:t>
+            </a:r>
+            <a:r>
+              <a:rPr lang="en-US" altLang="ko-KR" sz="2000" dirty="0"/>
+              <a:t>.</a:t>
             </a:r>
           </a:p>
           <a:p>
             <a:pPr marL="0" indent="0">
               <a:buNone/>
             </a:pPr>
-            <a:r>
-              <a:rPr lang="en-US" altLang="ko-KR" sz="2400"/>
-              <a:t>int num2 = 2.1f;</a:t>
-            </a:r>
+            <a:endParaRPr lang="en-US" altLang="ko-KR" sz="2000" dirty="0"/>
           </a:p>
           <a:p>
             <a:pPr marL="0" indent="0">
               <a:buNone/>
             </a:pPr>
             <a:r>
-              <a:rPr lang="en-US" altLang="ko-KR" sz="2400"/>
-              <a:t>Console.WriteLine(num1 + num2 + float_num);</a:t>
-            </a:r>
-            <a:endParaRPr lang="ko-KR" altLang="en-US" sz="2400"/>
+              <a:rPr lang="en-US" altLang="ko-KR" sz="2000" dirty="0"/>
+              <a:t>3. char</a:t>
+            </a:r>
+            <a:r>
+              <a:rPr lang="ko-KR" altLang="en-US" sz="2000" dirty="0"/>
+              <a:t>은 소괄호 </a:t>
+            </a:r>
+            <a:r>
+              <a:rPr lang="en-US" altLang="ko-KR" sz="2000" dirty="0"/>
+              <a:t>string</a:t>
+            </a:r>
+            <a:r>
+              <a:rPr lang="ko-KR" altLang="en-US" sz="2000" dirty="0"/>
+              <a:t>은 대괄호로 구분 </a:t>
+            </a:r>
+            <a:r>
+              <a:rPr lang="ko-KR" altLang="en-US" sz="2000"/>
+              <a:t>해야한다</a:t>
+            </a:r>
+            <a:r>
+              <a:rPr lang="en-US" altLang="ko-KR" sz="2000" dirty="0"/>
+              <a:t>.</a:t>
+            </a:r>
+            <a:endParaRPr lang="ko-KR" altLang="en-US" sz="2000" dirty="0"/>
+          </a:p>
+        </p:txBody>
+      </p:sp>
+      <p:sp>
+        <p:nvSpPr>
+          <p:cNvPr id="48" name="Rectangle 47">
+            <a:extLst>
+              <a:ext uri="{FF2B5EF4-FFF2-40B4-BE49-F238E27FC236}">
+                <a16:creationId xmlns:a16="http://schemas.microsoft.com/office/drawing/2014/main" id="{2E80C965-DB6D-4F81-9E9E-B027384D0BD6}"/>
+              </a:ext>
+              <a:ext uri="{C183D7F6-B498-43B3-948B-1728B52AA6E4}">
+                <adec:decorative xmlns:adec="http://schemas.microsoft.com/office/drawing/2017/decorative" val="1"/>
+              </a:ext>
+            </a:extLst>
+          </p:cNvPr>
+          <p:cNvSpPr>
+            <a:spLocks noGrp="1" noRot="1" noChangeAspect="1" noMove="1" noResize="1" noEditPoints="1" noAdjustHandles="1" noChangeArrowheads="1" noChangeShapeType="1" noTextEdit="1"/>
+          </p:cNvSpPr>
+          <p:nvPr>
+            <p:extLst>
+              <p:ext uri="{386F3935-93C4-4BCD-93E2-E3B085C9AB24}">
+                <p16:designElem xmlns:p16="http://schemas.microsoft.com/office/powerpoint/2015/main" val="1"/>
+              </p:ext>
+            </p:extLst>
+          </p:nvPr>
+        </p:nvSpPr>
+        <p:spPr>
+          <a:xfrm rot="2700000">
+            <a:off x="8809436" y="6033666"/>
+            <a:ext cx="645368" cy="645368"/>
+          </a:xfrm>
+          <a:prstGeom prst="rect">
+            <a:avLst/>
+          </a:prstGeom>
+          <a:solidFill>
+            <a:schemeClr val="accent4">
+              <a:alpha val="30000"/>
+            </a:schemeClr>
+          </a:solidFill>
+          <a:ln>
+            <a:noFill/>
+          </a:ln>
+        </p:spPr>
+        <p:style>
+          <a:lnRef idx="2">
+            <a:schemeClr val="accent1">
+              <a:shade val="50000"/>
+            </a:schemeClr>
+          </a:lnRef>
+          <a:fillRef idx="1">
+            <a:schemeClr val="accent1"/>
+          </a:fillRef>
+          <a:effectRef idx="0">
+            <a:schemeClr val="accent1"/>
+          </a:effectRef>
+          <a:fontRef idx="minor">
+            <a:schemeClr val="lt1"/>
+          </a:fontRef>
+        </p:style>
+        <p:txBody>
+          <a:bodyPr rtlCol="0" anchor="ctr"/>
+          <a:lstStyle/>
+          <a:p>
+            <a:pPr algn="ctr"/>
+            <a:endParaRPr lang="en-US"/>
+          </a:p>
+        </p:txBody>
+      </p:sp>
+      <p:sp>
+        <p:nvSpPr>
+          <p:cNvPr id="50" name="Isosceles Triangle 49">
+            <a:extLst>
+              <a:ext uri="{FF2B5EF4-FFF2-40B4-BE49-F238E27FC236}">
+                <a16:creationId xmlns:a16="http://schemas.microsoft.com/office/drawing/2014/main" id="{D291F021-C45C-4D44-A2B8-A789E386CC42}"/>
+              </a:ext>
+              <a:ext uri="{C183D7F6-B498-43B3-948B-1728B52AA6E4}">
+                <adec:decorative xmlns:adec="http://schemas.microsoft.com/office/drawing/2017/decorative" val="1"/>
+              </a:ext>
+            </a:extLst>
+          </p:cNvPr>
+          <p:cNvSpPr>
+            <a:spLocks noGrp="1" noRot="1" noChangeAspect="1" noMove="1" noResize="1" noEditPoints="1" noAdjustHandles="1" noChangeArrowheads="1" noChangeShapeType="1" noTextEdit="1"/>
+          </p:cNvSpPr>
+          <p:nvPr>
+            <p:extLst>
+              <p:ext uri="{386F3935-93C4-4BCD-93E2-E3B085C9AB24}">
+                <p16:designElem xmlns:p16="http://schemas.microsoft.com/office/powerpoint/2015/main" val="1"/>
+              </p:ext>
+            </p:extLst>
+          </p:nvPr>
+        </p:nvSpPr>
+        <p:spPr>
+          <a:xfrm>
+            <a:off x="8603444" y="5721108"/>
+            <a:ext cx="2261965" cy="1136891"/>
+          </a:xfrm>
+          <a:prstGeom prst="triangle">
+            <a:avLst>
+              <a:gd name="adj" fmla="val 50000"/>
+            </a:avLst>
+          </a:prstGeom>
+          <a:solidFill>
+            <a:schemeClr val="accent4">
+              <a:alpha val="30000"/>
+            </a:schemeClr>
+          </a:solidFill>
+          <a:ln>
+            <a:noFill/>
+          </a:ln>
+        </p:spPr>
+        <p:style>
+          <a:lnRef idx="2">
+            <a:schemeClr val="accent1">
+              <a:shade val="50000"/>
+            </a:schemeClr>
+          </a:lnRef>
+          <a:fillRef idx="1">
+            <a:schemeClr val="accent1"/>
+          </a:fillRef>
+          <a:effectRef idx="0">
+            <a:schemeClr val="accent1"/>
+          </a:effectRef>
+          <a:fontRef idx="minor">
+            <a:schemeClr val="lt1"/>
+          </a:fontRef>
+        </p:style>
+        <p:txBody>
+          <a:bodyPr rtlCol="0" anchor="ctr"/>
+          <a:lstStyle/>
+          <a:p>
+            <a:pPr algn="ctr"/>
+            <a:endParaRPr lang="en-US"/>
           </a:p>
         </p:txBody>
       </p:sp>
     </p:spTree>
     <p:extLst>
       <p:ext uri="{BB962C8B-B14F-4D97-AF65-F5344CB8AC3E}">
-        <p14:creationId xmlns:p14="http://schemas.microsoft.com/office/powerpoint/2010/main" val="1101774890"/>
+        <p14:creationId xmlns:p14="http://schemas.microsoft.com/office/powerpoint/2010/main" val="1886532480"/>
       </p:ext>
     </p:extLst>
   </p:cSld>
@@ -8706,10 +8891,10 @@
       </p:grpSpPr>
       <p:sp>
         <p:nvSpPr>
-          <p:cNvPr id="8" name="Rectangle 7">
+          <p:cNvPr id="51" name="Rectangle 50">
             <a:extLst>
               <a:ext uri="{FF2B5EF4-FFF2-40B4-BE49-F238E27FC236}">
-                <a16:creationId xmlns:a16="http://schemas.microsoft.com/office/drawing/2014/main" id="{8D70B121-56F4-4848-B38B-182089D909FA}"/>
+                <a16:creationId xmlns:a16="http://schemas.microsoft.com/office/drawing/2014/main" id="{12FB12AE-71D1-47FD-9AC3-EE2C07424534}"/>
               </a:ext>
               <a:ext uri="{C183D7F6-B498-43B3-948B-1728B52AA6E4}">
                 <adec:decorative xmlns:adec="http://schemas.microsoft.com/office/drawing/2017/decorative" val="1"/>
@@ -8727,20 +8912,18 @@
             </p:extLst>
           </p:nvPr>
         </p:nvSpPr>
-        <p:spPr bwMode="ltGray">
+        <p:spPr>
           <a:xfrm>
-            <a:off x="321564" y="320040"/>
-            <a:ext cx="11548872" cy="6217920"/>
+            <a:off x="0" y="0"/>
+            <a:ext cx="12192000" cy="6858000"/>
           </a:xfrm>
           <a:prstGeom prst="rect">
             <a:avLst/>
           </a:prstGeom>
           <a:solidFill>
-            <a:schemeClr val="tx1">
-              <a:alpha val="8000"/>
-            </a:schemeClr>
+            <a:schemeClr val="bg1"/>
           </a:solidFill>
-          <a:ln w="127000" cap="sq" cmpd="thinThick">
+          <a:ln>
             <a:noFill/>
           </a:ln>
         </p:spPr>
@@ -8765,7 +8948,7 @@
           <a:lstStyle/>
           <a:p>
             <a:pPr algn="ctr"/>
-            <a:endParaRPr lang="en-US"/>
+            <a:endParaRPr lang="en-US" dirty="0"/>
           </a:p>
         </p:txBody>
       </p:sp>
@@ -8774,7 +8957,7 @@
           <p:cNvPr id="2" name="제목 1">
             <a:extLst>
               <a:ext uri="{FF2B5EF4-FFF2-40B4-BE49-F238E27FC236}">
-                <a16:creationId xmlns:a16="http://schemas.microsoft.com/office/drawing/2014/main" id="{F0F6BF70-DC04-438F-883B-598C089750A5}"/>
+                <a16:creationId xmlns:a16="http://schemas.microsoft.com/office/drawing/2014/main" id="{E86C7828-5E46-4E3A-BBA5-D73AF7453844}"/>
               </a:ext>
             </a:extLst>
           </p:cNvPr>
@@ -8787,8 +8970,8 @@
         </p:nvSpPr>
         <p:spPr>
           <a:xfrm>
-            <a:off x="838200" y="963877"/>
-            <a:ext cx="3494362" cy="4930246"/>
+            <a:off x="643468" y="621792"/>
+            <a:ext cx="4989890" cy="5413248"/>
           </a:xfrm>
         </p:spPr>
         <p:txBody>
@@ -8797,46 +8980,33 @@
           </a:bodyPr>
           <a:lstStyle/>
           <a:p>
-            <a:pPr algn="r"/>
-            <a:r>
-              <a:rPr lang="en-US" altLang="ko-KR" sz="2800" dirty="0" err="1">
-                <a:solidFill>
-                  <a:schemeClr val="accent1"/>
-                </a:solidFill>
-              </a:rPr>
-              <a:t>Console.WriteLine</a:t>
-            </a:r>
-            <a:r>
-              <a:rPr lang="en-US" altLang="ko-KR" sz="2800" dirty="0">
-                <a:solidFill>
-                  <a:schemeClr val="accent1"/>
-                </a:solidFill>
-              </a:rPr>
-              <a:t>()</a:t>
-            </a:r>
-            <a:endParaRPr lang="ko-KR" altLang="en-US" sz="2800" dirty="0">
-              <a:solidFill>
-                <a:schemeClr val="accent1"/>
-              </a:solidFill>
-            </a:endParaRPr>
+            <a:r>
+              <a:rPr lang="ko-KR" altLang="en-US" sz="3600"/>
+              <a:t>논리 자료형 </a:t>
+            </a:r>
+            <a:r>
+              <a:rPr lang="en-US" altLang="ko-KR" sz="3600"/>
+              <a:t>- bool</a:t>
+            </a:r>
+            <a:endParaRPr lang="ko-KR" altLang="en-US" sz="3600"/>
           </a:p>
         </p:txBody>
       </p:sp>
-      <p:cxnSp>
-        <p:nvCxnSpPr>
-          <p:cNvPr id="10" name="Straight Connector 9">
+      <p:sp>
+        <p:nvSpPr>
+          <p:cNvPr id="53" name="Freeform: Shape 52">
             <a:extLst>
               <a:ext uri="{FF2B5EF4-FFF2-40B4-BE49-F238E27FC236}">
-                <a16:creationId xmlns:a16="http://schemas.microsoft.com/office/drawing/2014/main" id="{2D72A2C9-F3CA-4216-8BAD-FA4C970C3C4E}"/>
+                <a16:creationId xmlns:a16="http://schemas.microsoft.com/office/drawing/2014/main" id="{64853C7E-3CBA-4464-865F-6044D94B1BE9}"/>
               </a:ext>
               <a:ext uri="{C183D7F6-B498-43B3-948B-1728B52AA6E4}">
                 <adec:decorative xmlns:adec="http://schemas.microsoft.com/office/drawing/2017/decorative" val="1"/>
               </a:ext>
             </a:extLst>
           </p:cNvPr>
-          <p:cNvCxnSpPr>
-            <a:cxnSpLocks noGrp="1" noRot="1" noChangeAspect="1" noMove="1" noResize="1" noEditPoints="1" noAdjustHandles="1" noChangeArrowheads="1" noChangeShapeType="1"/>
-          </p:cNvCxnSpPr>
+          <p:cNvSpPr>
+            <a:spLocks noGrp="1" noRot="1" noChangeAspect="1" noMove="1" noResize="1" noEditPoints="1" noAdjustHandles="1" noChangeArrowheads="1" noChangeShapeType="1" noTextEdit="1"/>
+          </p:cNvSpPr>
           <p:nvPr>
             <p:extLst>
               <p:ext uri="{386F3935-93C4-4BCD-93E2-E3B085C9AB24}">
@@ -8844,45 +9014,421 @@
               </p:ext>
             </p:extLst>
           </p:nvPr>
-        </p:nvCxnSpPr>
+        </p:nvSpPr>
         <p:spPr>
-          <a:xfrm>
-            <a:off x="4654296" y="2057400"/>
-            <a:ext cx="0" cy="2743200"/>
+          <a:xfrm rot="5400000">
+            <a:off x="-338487" y="2994212"/>
+            <a:ext cx="1345385" cy="668410"/>
           </a:xfrm>
-          <a:prstGeom prst="line">
+          <a:custGeom>
             <a:avLst/>
-          </a:prstGeom>
-          <a:ln w="19050">
-            <a:solidFill>
-              <a:schemeClr val="tx1">
-                <a:lumMod val="85000"/>
-                <a:lumOff val="15000"/>
-              </a:schemeClr>
-            </a:solidFill>
+            <a:gdLst>
+              <a:gd name="connsiteX0" fmla="*/ 0 w 1345385"/>
+              <a:gd name="connsiteY0" fmla="*/ 668410 h 668410"/>
+              <a:gd name="connsiteX1" fmla="*/ 672692 w 1345385"/>
+              <a:gd name="connsiteY1" fmla="*/ 0 h 668410"/>
+              <a:gd name="connsiteX2" fmla="*/ 1345385 w 1345385"/>
+              <a:gd name="connsiteY2" fmla="*/ 668410 h 668410"/>
+            </a:gdLst>
+            <a:ahLst/>
+            <a:cxnLst>
+              <a:cxn ang="0">
+                <a:pos x="connsiteX0" y="connsiteY0"/>
+              </a:cxn>
+              <a:cxn ang="0">
+                <a:pos x="connsiteX1" y="connsiteY1"/>
+              </a:cxn>
+              <a:cxn ang="0">
+                <a:pos x="connsiteX2" y="connsiteY2"/>
+              </a:cxn>
+            </a:cxnLst>
+            <a:rect l="l" t="t" r="r" b="b"/>
+            <a:pathLst>
+              <a:path w="1345385" h="668410">
+                <a:moveTo>
+                  <a:pt x="0" y="668410"/>
+                </a:moveTo>
+                <a:lnTo>
+                  <a:pt x="672692" y="0"/>
+                </a:lnTo>
+                <a:lnTo>
+                  <a:pt x="1345385" y="668410"/>
+                </a:lnTo>
+                <a:close/>
+              </a:path>
+            </a:pathLst>
+          </a:custGeom>
+          <a:solidFill>
+            <a:schemeClr val="accent4">
+              <a:alpha val="30000"/>
+            </a:schemeClr>
+          </a:solidFill>
+          <a:ln>
+            <a:noFill/>
           </a:ln>
         </p:spPr>
         <p:style>
-          <a:lnRef idx="1">
-            <a:schemeClr val="accent1"/>
+          <a:lnRef idx="2">
+            <a:schemeClr val="accent1">
+              <a:shade val="50000"/>
+            </a:schemeClr>
           </a:lnRef>
-          <a:fillRef idx="0">
+          <a:fillRef idx="1">
             <a:schemeClr val="accent1"/>
           </a:fillRef>
           <a:effectRef idx="0">
             <a:schemeClr val="accent1"/>
           </a:effectRef>
           <a:fontRef idx="minor">
-            <a:schemeClr val="tx1"/>
+            <a:schemeClr val="lt1"/>
           </a:fontRef>
         </p:style>
-      </p:cxnSp>
+        <p:txBody>
+          <a:bodyPr wrap="square" rtlCol="0" anchor="ctr">
+            <a:noAutofit/>
+          </a:bodyPr>
+          <a:lstStyle/>
+          <a:p>
+            <a:pPr algn="ctr"/>
+            <a:endParaRPr lang="en-US"/>
+          </a:p>
+        </p:txBody>
+      </p:sp>
+      <p:sp>
+        <p:nvSpPr>
+          <p:cNvPr id="55" name="Rectangle 54">
+            <a:extLst>
+              <a:ext uri="{FF2B5EF4-FFF2-40B4-BE49-F238E27FC236}">
+                <a16:creationId xmlns:a16="http://schemas.microsoft.com/office/drawing/2014/main" id="{55EFEC59-B929-4851-9DEF-9106F27979A9}"/>
+              </a:ext>
+              <a:ext uri="{C183D7F6-B498-43B3-948B-1728B52AA6E4}">
+                <adec:decorative xmlns:adec="http://schemas.microsoft.com/office/drawing/2017/decorative" val="1"/>
+              </a:ext>
+            </a:extLst>
+          </p:cNvPr>
+          <p:cNvSpPr>
+            <a:spLocks noGrp="1" noRot="1" noChangeAspect="1" noMove="1" noResize="1" noEditPoints="1" noAdjustHandles="1" noChangeArrowheads="1" noChangeShapeType="1" noTextEdit="1"/>
+          </p:cNvSpPr>
+          <p:nvPr>
+            <p:extLst>
+              <p:ext uri="{386F3935-93C4-4BCD-93E2-E3B085C9AB24}">
+                <p16:designElem xmlns:p16="http://schemas.microsoft.com/office/powerpoint/2015/main" val="1"/>
+              </p:ext>
+            </p:extLst>
+          </p:nvPr>
+        </p:nvSpPr>
+        <p:spPr>
+          <a:xfrm rot="2700000">
+            <a:off x="83480" y="2760304"/>
+            <a:ext cx="418137" cy="418137"/>
+          </a:xfrm>
+          <a:prstGeom prst="rect">
+            <a:avLst/>
+          </a:prstGeom>
+          <a:solidFill>
+            <a:schemeClr val="accent4">
+              <a:alpha val="30000"/>
+            </a:schemeClr>
+          </a:solidFill>
+          <a:ln>
+            <a:noFill/>
+          </a:ln>
+        </p:spPr>
+        <p:style>
+          <a:lnRef idx="2">
+            <a:schemeClr val="accent1">
+              <a:shade val="50000"/>
+            </a:schemeClr>
+          </a:lnRef>
+          <a:fillRef idx="1">
+            <a:schemeClr val="accent1"/>
+          </a:fillRef>
+          <a:effectRef idx="0">
+            <a:schemeClr val="accent1"/>
+          </a:effectRef>
+          <a:fontRef idx="minor">
+            <a:schemeClr val="lt1"/>
+          </a:fontRef>
+        </p:style>
+        <p:txBody>
+          <a:bodyPr rtlCol="0" anchor="ctr"/>
+          <a:lstStyle/>
+          <a:p>
+            <a:pPr algn="ctr"/>
+            <a:endParaRPr lang="en-US"/>
+          </a:p>
+        </p:txBody>
+      </p:sp>
+      <p:sp>
+        <p:nvSpPr>
+          <p:cNvPr id="57" name="Rectangle 56">
+            <a:extLst>
+              <a:ext uri="{FF2B5EF4-FFF2-40B4-BE49-F238E27FC236}">
+                <a16:creationId xmlns:a16="http://schemas.microsoft.com/office/drawing/2014/main" id="{6C132392-D5FF-4588-8FA1-5BAD77BF6464}"/>
+              </a:ext>
+              <a:ext uri="{C183D7F6-B498-43B3-948B-1728B52AA6E4}">
+                <adec:decorative xmlns:adec="http://schemas.microsoft.com/office/drawing/2017/decorative" val="1"/>
+              </a:ext>
+            </a:extLst>
+          </p:cNvPr>
+          <p:cNvSpPr>
+            <a:spLocks noGrp="1" noRot="1" noChangeAspect="1" noMove="1" noResize="1" noEditPoints="1" noAdjustHandles="1" noChangeArrowheads="1" noChangeShapeType="1" noTextEdit="1"/>
+          </p:cNvSpPr>
+          <p:nvPr>
+            <p:extLst>
+              <p:ext uri="{386F3935-93C4-4BCD-93E2-E3B085C9AB24}">
+                <p16:designElem xmlns:p16="http://schemas.microsoft.com/office/powerpoint/2015/main" val="1"/>
+              </p:ext>
+            </p:extLst>
+          </p:nvPr>
+        </p:nvSpPr>
+        <p:spPr>
+          <a:xfrm rot="18900000" flipH="1">
+            <a:off x="508836" y="4124955"/>
+            <a:ext cx="635336" cy="635336"/>
+          </a:xfrm>
+          <a:prstGeom prst="rect">
+            <a:avLst/>
+          </a:prstGeom>
+          <a:solidFill>
+            <a:schemeClr val="accent4">
+              <a:alpha val="30000"/>
+            </a:schemeClr>
+          </a:solidFill>
+          <a:ln>
+            <a:noFill/>
+          </a:ln>
+        </p:spPr>
+        <p:style>
+          <a:lnRef idx="2">
+            <a:schemeClr val="accent1">
+              <a:shade val="50000"/>
+            </a:schemeClr>
+          </a:lnRef>
+          <a:fillRef idx="1">
+            <a:schemeClr val="accent1"/>
+          </a:fillRef>
+          <a:effectRef idx="0">
+            <a:schemeClr val="accent1"/>
+          </a:effectRef>
+          <a:fontRef idx="minor">
+            <a:schemeClr val="lt1"/>
+          </a:fontRef>
+        </p:style>
+        <p:txBody>
+          <a:bodyPr rtlCol="0" anchor="ctr"/>
+          <a:lstStyle/>
+          <a:p>
+            <a:pPr algn="ctr"/>
+            <a:endParaRPr lang="en-US" dirty="0"/>
+          </a:p>
+        </p:txBody>
+      </p:sp>
+      <p:sp>
+        <p:nvSpPr>
+          <p:cNvPr id="59" name="Rectangle 58">
+            <a:extLst>
+              <a:ext uri="{FF2B5EF4-FFF2-40B4-BE49-F238E27FC236}">
+                <a16:creationId xmlns:a16="http://schemas.microsoft.com/office/drawing/2014/main" id="{C7EAC045-695C-4E73-9B7C-AFD6FB22DA20}"/>
+              </a:ext>
+              <a:ext uri="{C183D7F6-B498-43B3-948B-1728B52AA6E4}">
+                <adec:decorative xmlns:adec="http://schemas.microsoft.com/office/drawing/2017/decorative" val="1"/>
+              </a:ext>
+            </a:extLst>
+          </p:cNvPr>
+          <p:cNvSpPr>
+            <a:spLocks noGrp="1" noRot="1" noChangeAspect="1" noMove="1" noResize="1" noEditPoints="1" noAdjustHandles="1" noChangeArrowheads="1" noChangeShapeType="1" noTextEdit="1"/>
+          </p:cNvSpPr>
+          <p:nvPr>
+            <p:extLst>
+              <p:ext uri="{386F3935-93C4-4BCD-93E2-E3B085C9AB24}">
+                <p16:designElem xmlns:p16="http://schemas.microsoft.com/office/powerpoint/2015/main" val="1"/>
+              </p:ext>
+            </p:extLst>
+          </p:nvPr>
+        </p:nvSpPr>
+        <p:spPr>
+          <a:xfrm rot="18900000" flipH="1">
+            <a:off x="836522" y="4621062"/>
+            <a:ext cx="224347" cy="224347"/>
+          </a:xfrm>
+          <a:prstGeom prst="rect">
+            <a:avLst/>
+          </a:prstGeom>
+          <a:solidFill>
+            <a:schemeClr val="accent4">
+              <a:alpha val="30000"/>
+            </a:schemeClr>
+          </a:solidFill>
+          <a:ln>
+            <a:noFill/>
+          </a:ln>
+        </p:spPr>
+        <p:style>
+          <a:lnRef idx="2">
+            <a:schemeClr val="accent1">
+              <a:shade val="50000"/>
+            </a:schemeClr>
+          </a:lnRef>
+          <a:fillRef idx="1">
+            <a:schemeClr val="accent1"/>
+          </a:fillRef>
+          <a:effectRef idx="0">
+            <a:schemeClr val="accent1"/>
+          </a:effectRef>
+          <a:fontRef idx="minor">
+            <a:schemeClr val="lt1"/>
+          </a:fontRef>
+        </p:style>
+        <p:txBody>
+          <a:bodyPr rtlCol="0" anchor="ctr"/>
+          <a:lstStyle/>
+          <a:p>
+            <a:pPr algn="ctr"/>
+            <a:endParaRPr lang="en-US"/>
+          </a:p>
+        </p:txBody>
+      </p:sp>
+      <p:sp>
+        <p:nvSpPr>
+          <p:cNvPr id="61" name="Isosceles Triangle 60">
+            <a:extLst>
+              <a:ext uri="{FF2B5EF4-FFF2-40B4-BE49-F238E27FC236}">
+                <a16:creationId xmlns:a16="http://schemas.microsoft.com/office/drawing/2014/main" id="{404A7A3A-BEAE-4BC6-A163-5D0E5F8C4669}"/>
+              </a:ext>
+              <a:ext uri="{C183D7F6-B498-43B3-948B-1728B52AA6E4}">
+                <adec:decorative xmlns:adec="http://schemas.microsoft.com/office/drawing/2017/decorative" val="1"/>
+              </a:ext>
+            </a:extLst>
+          </p:cNvPr>
+          <p:cNvSpPr>
+            <a:spLocks noGrp="1" noRot="1" noChangeAspect="1" noMove="1" noResize="1" noEditPoints="1" noAdjustHandles="1" noChangeArrowheads="1" noChangeShapeType="1" noTextEdit="1"/>
+          </p:cNvSpPr>
+          <p:nvPr>
+            <p:extLst>
+              <p:ext uri="{386F3935-93C4-4BCD-93E2-E3B085C9AB24}">
+                <p16:designElem xmlns:p16="http://schemas.microsoft.com/office/powerpoint/2015/main" val="1"/>
+              </p:ext>
+            </p:extLst>
+          </p:nvPr>
+        </p:nvSpPr>
+        <p:spPr>
+          <a:xfrm rot="8100000">
+            <a:off x="10175676" y="5597890"/>
+            <a:ext cx="2982940" cy="1481975"/>
+          </a:xfrm>
+          <a:prstGeom prst="triangle">
+            <a:avLst/>
+          </a:prstGeom>
+          <a:solidFill>
+            <a:schemeClr val="accent1">
+              <a:alpha val="30000"/>
+            </a:schemeClr>
+          </a:solidFill>
+          <a:ln>
+            <a:noFill/>
+          </a:ln>
+        </p:spPr>
+        <p:style>
+          <a:lnRef idx="2">
+            <a:schemeClr val="accent1">
+              <a:shade val="50000"/>
+            </a:schemeClr>
+          </a:lnRef>
+          <a:fillRef idx="1">
+            <a:schemeClr val="accent1"/>
+          </a:fillRef>
+          <a:effectRef idx="0">
+            <a:schemeClr val="accent1"/>
+          </a:effectRef>
+          <a:fontRef idx="minor">
+            <a:schemeClr val="lt1"/>
+          </a:fontRef>
+        </p:style>
+        <p:txBody>
+          <a:bodyPr wrap="square" rtlCol="0" anchor="ctr">
+            <a:noAutofit/>
+          </a:bodyPr>
+          <a:lstStyle/>
+          <a:p>
+            <a:pPr algn="ctr"/>
+            <a:endParaRPr lang="en-US"/>
+          </a:p>
+        </p:txBody>
+      </p:sp>
+      <p:sp>
+        <p:nvSpPr>
+          <p:cNvPr id="63" name="Rectangle 62">
+            <a:extLst>
+              <a:ext uri="{FF2B5EF4-FFF2-40B4-BE49-F238E27FC236}">
+                <a16:creationId xmlns:a16="http://schemas.microsoft.com/office/drawing/2014/main" id="{12ED3B7D-405D-4DFA-8608-B6DE7467183E}"/>
+              </a:ext>
+              <a:ext uri="{C183D7F6-B498-43B3-948B-1728B52AA6E4}">
+                <adec:decorative xmlns:adec="http://schemas.microsoft.com/office/drawing/2017/decorative" val="1"/>
+              </a:ext>
+            </a:extLst>
+          </p:cNvPr>
+          <p:cNvSpPr>
+            <a:spLocks noGrp="1" noRot="1" noChangeAspect="1" noMove="1" noResize="1" noEditPoints="1" noAdjustHandles="1" noChangeArrowheads="1" noChangeShapeType="1" noTextEdit="1"/>
+          </p:cNvSpPr>
+          <p:nvPr>
+            <p:extLst>
+              <p:ext uri="{386F3935-93C4-4BCD-93E2-E3B085C9AB24}">
+                <p16:designElem xmlns:p16="http://schemas.microsoft.com/office/powerpoint/2015/main" val="1"/>
+              </p:ext>
+            </p:extLst>
+          </p:nvPr>
+        </p:nvSpPr>
+        <p:spPr>
+          <a:xfrm rot="2700000">
+            <a:off x="11046240" y="5280494"/>
+            <a:ext cx="841505" cy="841505"/>
+          </a:xfrm>
+          <a:prstGeom prst="rect">
+            <a:avLst/>
+          </a:prstGeom>
+          <a:solidFill>
+            <a:schemeClr val="accent1">
+              <a:alpha val="30000"/>
+            </a:schemeClr>
+          </a:solidFill>
+          <a:ln>
+            <a:noFill/>
+          </a:ln>
+        </p:spPr>
+        <p:style>
+          <a:lnRef idx="2">
+            <a:schemeClr val="accent1">
+              <a:shade val="50000"/>
+            </a:schemeClr>
+          </a:lnRef>
+          <a:fillRef idx="1">
+            <a:schemeClr val="accent1"/>
+          </a:fillRef>
+          <a:effectRef idx="0">
+            <a:schemeClr val="accent1"/>
+          </a:effectRef>
+          <a:fontRef idx="minor">
+            <a:schemeClr val="lt1"/>
+          </a:fontRef>
+        </p:style>
+        <p:txBody>
+          <a:bodyPr wrap="square" rtlCol="0" anchor="ctr">
+            <a:noAutofit/>
+          </a:bodyPr>
+          <a:lstStyle/>
+          <a:p>
+            <a:pPr algn="ctr"/>
+            <a:endParaRPr lang="en-US"/>
+          </a:p>
+        </p:txBody>
+      </p:sp>
       <p:sp>
         <p:nvSpPr>
           <p:cNvPr id="3" name="내용 개체 틀 2">
             <a:extLst>
               <a:ext uri="{FF2B5EF4-FFF2-40B4-BE49-F238E27FC236}">
-                <a16:creationId xmlns:a16="http://schemas.microsoft.com/office/drawing/2014/main" id="{5BB10471-EDBD-4D92-9F51-522D3C53207E}"/>
+                <a16:creationId xmlns:a16="http://schemas.microsoft.com/office/drawing/2014/main" id="{444E8012-D8A1-43FB-8E5E-5ADF269C250A}"/>
               </a:ext>
             </a:extLst>
           </p:cNvPr>
@@ -8895,9 +9441,10 @@
         </p:nvSpPr>
         <p:spPr>
           <a:xfrm>
-            <a:off x="4976031" y="963877"/>
-            <a:ext cx="6377769" cy="4930246"/>
+            <a:off x="6096000" y="643466"/>
+            <a:ext cx="5452532" cy="5571065"/>
           </a:xfrm>
+          <a:noFill/>
         </p:spPr>
         <p:txBody>
           <a:bodyPr anchor="ctr">
@@ -8905,51 +9452,38 @@
           </a:bodyPr>
           <a:lstStyle/>
           <a:p>
+            <a:pPr marL="342900" indent="-342900">
+              <a:buAutoNum type="arabicPeriod"/>
+            </a:pPr>
+            <a:r>
+              <a:rPr lang="ko-KR" altLang="en-US" sz="2000" dirty="0"/>
+              <a:t>참과 거짓을 나타내는 자료형이다</a:t>
+            </a:r>
+            <a:r>
+              <a:rPr lang="en-US" altLang="ko-KR" sz="2000" dirty="0"/>
+              <a:t>.</a:t>
+            </a:r>
+          </a:p>
+          <a:p>
+            <a:pPr marL="342900" indent="-342900">
+              <a:buAutoNum type="arabicPeriod"/>
+            </a:pPr>
+            <a:endParaRPr lang="en-US" altLang="ko-KR" sz="2000" dirty="0"/>
+          </a:p>
+          <a:p>
             <a:pPr marL="0" indent="0">
               <a:buNone/>
             </a:pPr>
             <a:r>
-              <a:rPr lang="en-US" altLang="ko-KR" sz="2400" dirty="0"/>
-              <a:t>C#</a:t>
-            </a:r>
-            <a:r>
-              <a:rPr lang="ko-KR" altLang="en-US" sz="2400" dirty="0"/>
-              <a:t>에서 프로그램이 실행창에 괄호안에 들어오는 값</a:t>
-            </a:r>
-            <a:r>
-              <a:rPr lang="en-US" altLang="ko-KR" sz="2400" dirty="0"/>
-              <a:t>(</a:t>
-            </a:r>
-            <a:r>
-              <a:rPr lang="ko-KR" altLang="en-US" sz="2400" dirty="0"/>
-              <a:t>인자</a:t>
-            </a:r>
-            <a:r>
-              <a:rPr lang="en-US" altLang="ko-KR" sz="2400" dirty="0"/>
-              <a:t>)</a:t>
-            </a:r>
-            <a:r>
-              <a:rPr lang="ko-KR" altLang="en-US" sz="2400" dirty="0"/>
-              <a:t>를 표시하게 하는 메서드</a:t>
-            </a:r>
-            <a:r>
-              <a:rPr lang="en-US" altLang="ko-KR" sz="2400" dirty="0"/>
-              <a:t>(</a:t>
-            </a:r>
-            <a:r>
-              <a:rPr lang="ko-KR" altLang="en-US" sz="2400" dirty="0"/>
-              <a:t>함수</a:t>
-            </a:r>
-            <a:r>
-              <a:rPr lang="en-US" altLang="ko-KR" sz="2400" dirty="0"/>
-              <a:t>)</a:t>
-            </a:r>
-            <a:r>
-              <a:rPr lang="ko-KR" altLang="en-US" sz="2400" dirty="0"/>
-              <a:t>이다</a:t>
-            </a:r>
-            <a:r>
-              <a:rPr lang="en-US" altLang="ko-KR" sz="2400" dirty="0"/>
+              <a:rPr lang="en-US" altLang="ko-KR" sz="2000" dirty="0"/>
+              <a:t>2. bool yes = true; bool no = false; </a:t>
+            </a:r>
+            <a:r>
+              <a:rPr lang="ko-KR" altLang="en-US" sz="2000" dirty="0"/>
+              <a:t>와 같은 형태로 사용된다</a:t>
+            </a:r>
+            <a:r>
+              <a:rPr lang="en-US" altLang="ko-KR" sz="2000" dirty="0"/>
               <a:t>.</a:t>
             </a:r>
           </a:p>
@@ -8957,20 +9491,38 @@
             <a:pPr marL="0" indent="0">
               <a:buNone/>
             </a:pPr>
-            <a:r>
-              <a:rPr lang="en-US" altLang="ko-KR" sz="2400" dirty="0">
+            <a:endParaRPr lang="en-US" altLang="ko-KR" sz="2000" dirty="0"/>
+          </a:p>
+          <a:p>
+            <a:pPr marL="0" indent="0">
+              <a:buNone/>
+            </a:pPr>
+            <a:r>
+              <a:rPr lang="en-US" altLang="ko-KR" sz="2000" dirty="0"/>
+              <a:t>&lt;bool</a:t>
+            </a:r>
+            <a:r>
+              <a:rPr lang="ko-KR" altLang="en-US" sz="2000" dirty="0"/>
+              <a:t>이란 무엇일까</a:t>
+            </a:r>
+            <a:r>
+              <a:rPr lang="en-US" altLang="ko-KR" sz="2000" dirty="0"/>
+              <a:t>?&gt; </a:t>
+            </a:r>
+            <a:r>
+              <a:rPr lang="en-US" altLang="ko-KR" sz="2000" dirty="0">
                 <a:hlinkClick r:id="rId2"/>
               </a:rPr>
-              <a:t>https://docs.microsoft.com/ko-kr/dotnet/api/system.console.writeline?view=netframework-4.8</a:t>
-            </a:r>
-            <a:endParaRPr lang="ko-KR" altLang="en-US" sz="2400" dirty="0"/>
+              <a:t>https://ko.wikipedia.org/wiki/%EB%B6%88%EB%A6%AC%EC%96%B8_%EC%9E%90%EB%A3%8C%ED%98%95#C#</a:t>
+            </a:r>
+            <a:endParaRPr lang="ko-KR" altLang="en-US" sz="2000" dirty="0"/>
           </a:p>
         </p:txBody>
       </p:sp>
     </p:spTree>
     <p:extLst>
       <p:ext uri="{BB962C8B-B14F-4D97-AF65-F5344CB8AC3E}">
-        <p14:creationId xmlns:p14="http://schemas.microsoft.com/office/powerpoint/2010/main" val="3210457261"/>
+        <p14:creationId xmlns:p14="http://schemas.microsoft.com/office/powerpoint/2010/main" val="476227099"/>
       </p:ext>
     </p:extLst>
   </p:cSld>
@@ -9007,10 +9559,10 @@
       </p:grpSpPr>
       <p:sp>
         <p:nvSpPr>
-          <p:cNvPr id="8" name="Rectangle 7">
+          <p:cNvPr id="41" name="Rectangle 40">
             <a:extLst>
               <a:ext uri="{FF2B5EF4-FFF2-40B4-BE49-F238E27FC236}">
-                <a16:creationId xmlns:a16="http://schemas.microsoft.com/office/drawing/2014/main" id="{8D70B121-56F4-4848-B38B-182089D909FA}"/>
+                <a16:creationId xmlns:a16="http://schemas.microsoft.com/office/drawing/2014/main" id="{12FB12AE-71D1-47FD-9AC3-EE2C07424534}"/>
               </a:ext>
               <a:ext uri="{C183D7F6-B498-43B3-948B-1728B52AA6E4}">
                 <adec:decorative xmlns:adec="http://schemas.microsoft.com/office/drawing/2017/decorative" val="1"/>
@@ -9028,20 +9580,18 @@
             </p:extLst>
           </p:nvPr>
         </p:nvSpPr>
-        <p:spPr bwMode="ltGray">
+        <p:spPr>
           <a:xfrm>
-            <a:off x="321564" y="320040"/>
-            <a:ext cx="11548872" cy="6217920"/>
+            <a:off x="0" y="0"/>
+            <a:ext cx="12192000" cy="6858000"/>
           </a:xfrm>
           <a:prstGeom prst="rect">
             <a:avLst/>
           </a:prstGeom>
           <a:solidFill>
-            <a:schemeClr val="tx1">
-              <a:alpha val="8000"/>
-            </a:schemeClr>
+            <a:schemeClr val="bg1"/>
           </a:solidFill>
-          <a:ln w="127000" cap="sq" cmpd="thinThick">
+          <a:ln>
             <a:noFill/>
           </a:ln>
         </p:spPr>
@@ -9066,7 +9616,7 @@
           <a:lstStyle/>
           <a:p>
             <a:pPr algn="ctr"/>
-            <a:endParaRPr lang="en-US"/>
+            <a:endParaRPr lang="en-US" dirty="0"/>
           </a:p>
         </p:txBody>
       </p:sp>
@@ -9075,7 +9625,7 @@
           <p:cNvPr id="2" name="제목 1">
             <a:extLst>
               <a:ext uri="{FF2B5EF4-FFF2-40B4-BE49-F238E27FC236}">
-                <a16:creationId xmlns:a16="http://schemas.microsoft.com/office/drawing/2014/main" id="{12379D34-03E5-4FFE-BB90-22CBF4046E72}"/>
+                <a16:creationId xmlns:a16="http://schemas.microsoft.com/office/drawing/2014/main" id="{44282634-75E3-4FA2-9022-D3EBE793B6AE}"/>
               </a:ext>
             </a:extLst>
           </p:cNvPr>
@@ -9088,8 +9638,8 @@
         </p:nvSpPr>
         <p:spPr>
           <a:xfrm>
-            <a:off x="695744" y="963877"/>
-            <a:ext cx="3636818" cy="4930246"/>
+            <a:off x="643468" y="621792"/>
+            <a:ext cx="4989890" cy="5413248"/>
           </a:xfrm>
         </p:spPr>
         <p:txBody>
@@ -9098,46 +9648,33 @@
           </a:bodyPr>
           <a:lstStyle/>
           <a:p>
-            <a:pPr algn="r"/>
-            <a:r>
-              <a:rPr lang="ko-KR" altLang="en-US" dirty="0">
-                <a:solidFill>
-                  <a:schemeClr val="accent1"/>
-                </a:solidFill>
-              </a:rPr>
+            <a:r>
+              <a:rPr lang="ko-KR" altLang="en-US" sz="3600"/>
               <a:t>연습문제 </a:t>
             </a:r>
             <a:r>
-              <a:rPr lang="en-US" altLang="ko-KR" dirty="0">
-                <a:solidFill>
-                  <a:schemeClr val="accent1"/>
-                </a:solidFill>
-              </a:rPr>
-              <a:t>- 2</a:t>
-            </a:r>
-            <a:endParaRPr lang="ko-KR" altLang="en-US" dirty="0">
-              <a:solidFill>
-                <a:schemeClr val="accent1"/>
-              </a:solidFill>
-            </a:endParaRPr>
+              <a:rPr lang="en-US" altLang="ko-KR" sz="3600"/>
+              <a:t>- 1</a:t>
+            </a:r>
+            <a:endParaRPr lang="ko-KR" altLang="en-US" sz="3600"/>
           </a:p>
         </p:txBody>
       </p:sp>
-      <p:cxnSp>
-        <p:nvCxnSpPr>
-          <p:cNvPr id="10" name="Straight Connector 9">
+      <p:sp>
+        <p:nvSpPr>
+          <p:cNvPr id="43" name="Freeform: Shape 42">
             <a:extLst>
               <a:ext uri="{FF2B5EF4-FFF2-40B4-BE49-F238E27FC236}">
-                <a16:creationId xmlns:a16="http://schemas.microsoft.com/office/drawing/2014/main" id="{2D72A2C9-F3CA-4216-8BAD-FA4C970C3C4E}"/>
+                <a16:creationId xmlns:a16="http://schemas.microsoft.com/office/drawing/2014/main" id="{64853C7E-3CBA-4464-865F-6044D94B1BE9}"/>
               </a:ext>
               <a:ext uri="{C183D7F6-B498-43B3-948B-1728B52AA6E4}">
                 <adec:decorative xmlns:adec="http://schemas.microsoft.com/office/drawing/2017/decorative" val="1"/>
               </a:ext>
             </a:extLst>
           </p:cNvPr>
-          <p:cNvCxnSpPr>
-            <a:cxnSpLocks noGrp="1" noRot="1" noChangeAspect="1" noMove="1" noResize="1" noEditPoints="1" noAdjustHandles="1" noChangeArrowheads="1" noChangeShapeType="1"/>
-          </p:cNvCxnSpPr>
+          <p:cNvSpPr>
+            <a:spLocks noGrp="1" noRot="1" noChangeAspect="1" noMove="1" noResize="1" noEditPoints="1" noAdjustHandles="1" noChangeArrowheads="1" noChangeShapeType="1" noTextEdit="1"/>
+          </p:cNvSpPr>
           <p:nvPr>
             <p:extLst>
               <p:ext uri="{386F3935-93C4-4BCD-93E2-E3B085C9AB24}">
@@ -9145,45 +9682,421 @@
               </p:ext>
             </p:extLst>
           </p:nvPr>
-        </p:nvCxnSpPr>
+        </p:nvSpPr>
         <p:spPr>
-          <a:xfrm>
-            <a:off x="4654296" y="2057400"/>
-            <a:ext cx="0" cy="2743200"/>
+          <a:xfrm rot="5400000">
+            <a:off x="-338487" y="2994212"/>
+            <a:ext cx="1345385" cy="668410"/>
           </a:xfrm>
-          <a:prstGeom prst="line">
+          <a:custGeom>
             <a:avLst/>
-          </a:prstGeom>
-          <a:ln w="19050">
-            <a:solidFill>
-              <a:schemeClr val="tx1">
-                <a:lumMod val="85000"/>
-                <a:lumOff val="15000"/>
-              </a:schemeClr>
-            </a:solidFill>
+            <a:gdLst>
+              <a:gd name="connsiteX0" fmla="*/ 0 w 1345385"/>
+              <a:gd name="connsiteY0" fmla="*/ 668410 h 668410"/>
+              <a:gd name="connsiteX1" fmla="*/ 672692 w 1345385"/>
+              <a:gd name="connsiteY1" fmla="*/ 0 h 668410"/>
+              <a:gd name="connsiteX2" fmla="*/ 1345385 w 1345385"/>
+              <a:gd name="connsiteY2" fmla="*/ 668410 h 668410"/>
+            </a:gdLst>
+            <a:ahLst/>
+            <a:cxnLst>
+              <a:cxn ang="0">
+                <a:pos x="connsiteX0" y="connsiteY0"/>
+              </a:cxn>
+              <a:cxn ang="0">
+                <a:pos x="connsiteX1" y="connsiteY1"/>
+              </a:cxn>
+              <a:cxn ang="0">
+                <a:pos x="connsiteX2" y="connsiteY2"/>
+              </a:cxn>
+            </a:cxnLst>
+            <a:rect l="l" t="t" r="r" b="b"/>
+            <a:pathLst>
+              <a:path w="1345385" h="668410">
+                <a:moveTo>
+                  <a:pt x="0" y="668410"/>
+                </a:moveTo>
+                <a:lnTo>
+                  <a:pt x="672692" y="0"/>
+                </a:lnTo>
+                <a:lnTo>
+                  <a:pt x="1345385" y="668410"/>
+                </a:lnTo>
+                <a:close/>
+              </a:path>
+            </a:pathLst>
+          </a:custGeom>
+          <a:solidFill>
+            <a:schemeClr val="accent4">
+              <a:alpha val="30000"/>
+            </a:schemeClr>
+          </a:solidFill>
+          <a:ln>
+            <a:noFill/>
           </a:ln>
         </p:spPr>
         <p:style>
-          <a:lnRef idx="1">
-            <a:schemeClr val="accent1"/>
+          <a:lnRef idx="2">
+            <a:schemeClr val="accent1">
+              <a:shade val="50000"/>
+            </a:schemeClr>
           </a:lnRef>
-          <a:fillRef idx="0">
+          <a:fillRef idx="1">
             <a:schemeClr val="accent1"/>
           </a:fillRef>
           <a:effectRef idx="0">
             <a:schemeClr val="accent1"/>
           </a:effectRef>
           <a:fontRef idx="minor">
-            <a:schemeClr val="tx1"/>
+            <a:schemeClr val="lt1"/>
           </a:fontRef>
         </p:style>
-      </p:cxnSp>
+        <p:txBody>
+          <a:bodyPr wrap="square" rtlCol="0" anchor="ctr">
+            <a:noAutofit/>
+          </a:bodyPr>
+          <a:lstStyle/>
+          <a:p>
+            <a:pPr algn="ctr"/>
+            <a:endParaRPr lang="en-US"/>
+          </a:p>
+        </p:txBody>
+      </p:sp>
       <p:sp>
         <p:nvSpPr>
-          <p:cNvPr id="3" name="내용 개체 틀 2">
+          <p:cNvPr id="45" name="Rectangle 44">
             <a:extLst>
               <a:ext uri="{FF2B5EF4-FFF2-40B4-BE49-F238E27FC236}">
-                <a16:creationId xmlns:a16="http://schemas.microsoft.com/office/drawing/2014/main" id="{A2381FBB-ECCA-4CB5-9613-4FEEBF1AFA82}"/>
+                <a16:creationId xmlns:a16="http://schemas.microsoft.com/office/drawing/2014/main" id="{55EFEC59-B929-4851-9DEF-9106F27979A9}"/>
+              </a:ext>
+              <a:ext uri="{C183D7F6-B498-43B3-948B-1728B52AA6E4}">
+                <adec:decorative xmlns:adec="http://schemas.microsoft.com/office/drawing/2017/decorative" val="1"/>
+              </a:ext>
+            </a:extLst>
+          </p:cNvPr>
+          <p:cNvSpPr>
+            <a:spLocks noGrp="1" noRot="1" noChangeAspect="1" noMove="1" noResize="1" noEditPoints="1" noAdjustHandles="1" noChangeArrowheads="1" noChangeShapeType="1" noTextEdit="1"/>
+          </p:cNvSpPr>
+          <p:nvPr>
+            <p:extLst>
+              <p:ext uri="{386F3935-93C4-4BCD-93E2-E3B085C9AB24}">
+                <p16:designElem xmlns:p16="http://schemas.microsoft.com/office/powerpoint/2015/main" val="1"/>
+              </p:ext>
+            </p:extLst>
+          </p:nvPr>
+        </p:nvSpPr>
+        <p:spPr>
+          <a:xfrm rot="2700000">
+            <a:off x="83480" y="2760304"/>
+            <a:ext cx="418137" cy="418137"/>
+          </a:xfrm>
+          <a:prstGeom prst="rect">
+            <a:avLst/>
+          </a:prstGeom>
+          <a:solidFill>
+            <a:schemeClr val="accent4">
+              <a:alpha val="30000"/>
+            </a:schemeClr>
+          </a:solidFill>
+          <a:ln>
+            <a:noFill/>
+          </a:ln>
+        </p:spPr>
+        <p:style>
+          <a:lnRef idx="2">
+            <a:schemeClr val="accent1">
+              <a:shade val="50000"/>
+            </a:schemeClr>
+          </a:lnRef>
+          <a:fillRef idx="1">
+            <a:schemeClr val="accent1"/>
+          </a:fillRef>
+          <a:effectRef idx="0">
+            <a:schemeClr val="accent1"/>
+          </a:effectRef>
+          <a:fontRef idx="minor">
+            <a:schemeClr val="lt1"/>
+          </a:fontRef>
+        </p:style>
+        <p:txBody>
+          <a:bodyPr rtlCol="0" anchor="ctr"/>
+          <a:lstStyle/>
+          <a:p>
+            <a:pPr algn="ctr"/>
+            <a:endParaRPr lang="en-US"/>
+          </a:p>
+        </p:txBody>
+      </p:sp>
+      <p:sp>
+        <p:nvSpPr>
+          <p:cNvPr id="47" name="Rectangle 46">
+            <a:extLst>
+              <a:ext uri="{FF2B5EF4-FFF2-40B4-BE49-F238E27FC236}">
+                <a16:creationId xmlns:a16="http://schemas.microsoft.com/office/drawing/2014/main" id="{6C132392-D5FF-4588-8FA1-5BAD77BF6464}"/>
+              </a:ext>
+              <a:ext uri="{C183D7F6-B498-43B3-948B-1728B52AA6E4}">
+                <adec:decorative xmlns:adec="http://schemas.microsoft.com/office/drawing/2017/decorative" val="1"/>
+              </a:ext>
+            </a:extLst>
+          </p:cNvPr>
+          <p:cNvSpPr>
+            <a:spLocks noGrp="1" noRot="1" noChangeAspect="1" noMove="1" noResize="1" noEditPoints="1" noAdjustHandles="1" noChangeArrowheads="1" noChangeShapeType="1" noTextEdit="1"/>
+          </p:cNvSpPr>
+          <p:nvPr>
+            <p:extLst>
+              <p:ext uri="{386F3935-93C4-4BCD-93E2-E3B085C9AB24}">
+                <p16:designElem xmlns:p16="http://schemas.microsoft.com/office/powerpoint/2015/main" val="1"/>
+              </p:ext>
+            </p:extLst>
+          </p:nvPr>
+        </p:nvSpPr>
+        <p:spPr>
+          <a:xfrm rot="18900000" flipH="1">
+            <a:off x="508836" y="4124955"/>
+            <a:ext cx="635336" cy="635336"/>
+          </a:xfrm>
+          <a:prstGeom prst="rect">
+            <a:avLst/>
+          </a:prstGeom>
+          <a:solidFill>
+            <a:schemeClr val="accent4">
+              <a:alpha val="30000"/>
+            </a:schemeClr>
+          </a:solidFill>
+          <a:ln>
+            <a:noFill/>
+          </a:ln>
+        </p:spPr>
+        <p:style>
+          <a:lnRef idx="2">
+            <a:schemeClr val="accent1">
+              <a:shade val="50000"/>
+            </a:schemeClr>
+          </a:lnRef>
+          <a:fillRef idx="1">
+            <a:schemeClr val="accent1"/>
+          </a:fillRef>
+          <a:effectRef idx="0">
+            <a:schemeClr val="accent1"/>
+          </a:effectRef>
+          <a:fontRef idx="minor">
+            <a:schemeClr val="lt1"/>
+          </a:fontRef>
+        </p:style>
+        <p:txBody>
+          <a:bodyPr rtlCol="0" anchor="ctr"/>
+          <a:lstStyle/>
+          <a:p>
+            <a:pPr algn="ctr"/>
+            <a:endParaRPr lang="en-US" dirty="0"/>
+          </a:p>
+        </p:txBody>
+      </p:sp>
+      <p:sp>
+        <p:nvSpPr>
+          <p:cNvPr id="49" name="Rectangle 48">
+            <a:extLst>
+              <a:ext uri="{FF2B5EF4-FFF2-40B4-BE49-F238E27FC236}">
+                <a16:creationId xmlns:a16="http://schemas.microsoft.com/office/drawing/2014/main" id="{C7EAC045-695C-4E73-9B7C-AFD6FB22DA20}"/>
+              </a:ext>
+              <a:ext uri="{C183D7F6-B498-43B3-948B-1728B52AA6E4}">
+                <adec:decorative xmlns:adec="http://schemas.microsoft.com/office/drawing/2017/decorative" val="1"/>
+              </a:ext>
+            </a:extLst>
+          </p:cNvPr>
+          <p:cNvSpPr>
+            <a:spLocks noGrp="1" noRot="1" noChangeAspect="1" noMove="1" noResize="1" noEditPoints="1" noAdjustHandles="1" noChangeArrowheads="1" noChangeShapeType="1" noTextEdit="1"/>
+          </p:cNvSpPr>
+          <p:nvPr>
+            <p:extLst>
+              <p:ext uri="{386F3935-93C4-4BCD-93E2-E3B085C9AB24}">
+                <p16:designElem xmlns:p16="http://schemas.microsoft.com/office/powerpoint/2015/main" val="1"/>
+              </p:ext>
+            </p:extLst>
+          </p:nvPr>
+        </p:nvSpPr>
+        <p:spPr>
+          <a:xfrm rot="18900000" flipH="1">
+            <a:off x="836522" y="4621062"/>
+            <a:ext cx="224347" cy="224347"/>
+          </a:xfrm>
+          <a:prstGeom prst="rect">
+            <a:avLst/>
+          </a:prstGeom>
+          <a:solidFill>
+            <a:schemeClr val="accent4">
+              <a:alpha val="30000"/>
+            </a:schemeClr>
+          </a:solidFill>
+          <a:ln>
+            <a:noFill/>
+          </a:ln>
+        </p:spPr>
+        <p:style>
+          <a:lnRef idx="2">
+            <a:schemeClr val="accent1">
+              <a:shade val="50000"/>
+            </a:schemeClr>
+          </a:lnRef>
+          <a:fillRef idx="1">
+            <a:schemeClr val="accent1"/>
+          </a:fillRef>
+          <a:effectRef idx="0">
+            <a:schemeClr val="accent1"/>
+          </a:effectRef>
+          <a:fontRef idx="minor">
+            <a:schemeClr val="lt1"/>
+          </a:fontRef>
+        </p:style>
+        <p:txBody>
+          <a:bodyPr rtlCol="0" anchor="ctr"/>
+          <a:lstStyle/>
+          <a:p>
+            <a:pPr algn="ctr"/>
+            <a:endParaRPr lang="en-US"/>
+          </a:p>
+        </p:txBody>
+      </p:sp>
+      <p:sp>
+        <p:nvSpPr>
+          <p:cNvPr id="51" name="Isosceles Triangle 50">
+            <a:extLst>
+              <a:ext uri="{FF2B5EF4-FFF2-40B4-BE49-F238E27FC236}">
+                <a16:creationId xmlns:a16="http://schemas.microsoft.com/office/drawing/2014/main" id="{404A7A3A-BEAE-4BC6-A163-5D0E5F8C4669}"/>
+              </a:ext>
+              <a:ext uri="{C183D7F6-B498-43B3-948B-1728B52AA6E4}">
+                <adec:decorative xmlns:adec="http://schemas.microsoft.com/office/drawing/2017/decorative" val="1"/>
+              </a:ext>
+            </a:extLst>
+          </p:cNvPr>
+          <p:cNvSpPr>
+            <a:spLocks noGrp="1" noRot="1" noChangeAspect="1" noMove="1" noResize="1" noEditPoints="1" noAdjustHandles="1" noChangeArrowheads="1" noChangeShapeType="1" noTextEdit="1"/>
+          </p:cNvSpPr>
+          <p:nvPr>
+            <p:extLst>
+              <p:ext uri="{386F3935-93C4-4BCD-93E2-E3B085C9AB24}">
+                <p16:designElem xmlns:p16="http://schemas.microsoft.com/office/powerpoint/2015/main" val="1"/>
+              </p:ext>
+            </p:extLst>
+          </p:nvPr>
+        </p:nvSpPr>
+        <p:spPr>
+          <a:xfrm rot="8100000">
+            <a:off x="10175676" y="5597890"/>
+            <a:ext cx="2982940" cy="1481975"/>
+          </a:xfrm>
+          <a:prstGeom prst="triangle">
+            <a:avLst/>
+          </a:prstGeom>
+          <a:solidFill>
+            <a:schemeClr val="accent1">
+              <a:alpha val="30000"/>
+            </a:schemeClr>
+          </a:solidFill>
+          <a:ln>
+            <a:noFill/>
+          </a:ln>
+        </p:spPr>
+        <p:style>
+          <a:lnRef idx="2">
+            <a:schemeClr val="accent1">
+              <a:shade val="50000"/>
+            </a:schemeClr>
+          </a:lnRef>
+          <a:fillRef idx="1">
+            <a:schemeClr val="accent1"/>
+          </a:fillRef>
+          <a:effectRef idx="0">
+            <a:schemeClr val="accent1"/>
+          </a:effectRef>
+          <a:fontRef idx="minor">
+            <a:schemeClr val="lt1"/>
+          </a:fontRef>
+        </p:style>
+        <p:txBody>
+          <a:bodyPr wrap="square" rtlCol="0" anchor="ctr">
+            <a:noAutofit/>
+          </a:bodyPr>
+          <a:lstStyle/>
+          <a:p>
+            <a:pPr algn="ctr"/>
+            <a:endParaRPr lang="en-US"/>
+          </a:p>
+        </p:txBody>
+      </p:sp>
+      <p:sp>
+        <p:nvSpPr>
+          <p:cNvPr id="53" name="Rectangle 52">
+            <a:extLst>
+              <a:ext uri="{FF2B5EF4-FFF2-40B4-BE49-F238E27FC236}">
+                <a16:creationId xmlns:a16="http://schemas.microsoft.com/office/drawing/2014/main" id="{12ED3B7D-405D-4DFA-8608-B6DE7467183E}"/>
+              </a:ext>
+              <a:ext uri="{C183D7F6-B498-43B3-948B-1728B52AA6E4}">
+                <adec:decorative xmlns:adec="http://schemas.microsoft.com/office/drawing/2017/decorative" val="1"/>
+              </a:ext>
+            </a:extLst>
+          </p:cNvPr>
+          <p:cNvSpPr>
+            <a:spLocks noGrp="1" noRot="1" noChangeAspect="1" noMove="1" noResize="1" noEditPoints="1" noAdjustHandles="1" noChangeArrowheads="1" noChangeShapeType="1" noTextEdit="1"/>
+          </p:cNvSpPr>
+          <p:nvPr>
+            <p:extLst>
+              <p:ext uri="{386F3935-93C4-4BCD-93E2-E3B085C9AB24}">
+                <p16:designElem xmlns:p16="http://schemas.microsoft.com/office/powerpoint/2015/main" val="1"/>
+              </p:ext>
+            </p:extLst>
+          </p:nvPr>
+        </p:nvSpPr>
+        <p:spPr>
+          <a:xfrm rot="2700000">
+            <a:off x="11046240" y="5280494"/>
+            <a:ext cx="841505" cy="841505"/>
+          </a:xfrm>
+          <a:prstGeom prst="rect">
+            <a:avLst/>
+          </a:prstGeom>
+          <a:solidFill>
+            <a:schemeClr val="accent1">
+              <a:alpha val="30000"/>
+            </a:schemeClr>
+          </a:solidFill>
+          <a:ln>
+            <a:noFill/>
+          </a:ln>
+        </p:spPr>
+        <p:style>
+          <a:lnRef idx="2">
+            <a:schemeClr val="accent1">
+              <a:shade val="50000"/>
+            </a:schemeClr>
+          </a:lnRef>
+          <a:fillRef idx="1">
+            <a:schemeClr val="accent1"/>
+          </a:fillRef>
+          <a:effectRef idx="0">
+            <a:schemeClr val="accent1"/>
+          </a:effectRef>
+          <a:fontRef idx="minor">
+            <a:schemeClr val="lt1"/>
+          </a:fontRef>
+        </p:style>
+        <p:txBody>
+          <a:bodyPr wrap="square" rtlCol="0" anchor="ctr">
+            <a:noAutofit/>
+          </a:bodyPr>
+          <a:lstStyle/>
+          <a:p>
+            <a:pPr algn="ctr"/>
+            <a:endParaRPr lang="en-US"/>
+          </a:p>
+        </p:txBody>
+      </p:sp>
+      <p:sp>
+        <p:nvSpPr>
+          <p:cNvPr id="19" name="내용 개체 틀 2">
+            <a:extLst>
+              <a:ext uri="{FF2B5EF4-FFF2-40B4-BE49-F238E27FC236}">
+                <a16:creationId xmlns:a16="http://schemas.microsoft.com/office/drawing/2014/main" id="{D9C941C4-DB13-4F89-A5BE-89B9AB342D80}"/>
               </a:ext>
             </a:extLst>
           </p:cNvPr>
@@ -9196,8 +10109,447 @@
         </p:nvSpPr>
         <p:spPr>
           <a:xfrm>
-            <a:off x="4976031" y="963877"/>
-            <a:ext cx="6377769" cy="4930246"/>
+            <a:off x="6096000" y="643466"/>
+            <a:ext cx="5452532" cy="5571065"/>
+          </a:xfrm>
+          <a:noFill/>
+        </p:spPr>
+        <p:txBody>
+          <a:bodyPr anchor="ctr">
+            <a:normAutofit/>
+          </a:bodyPr>
+          <a:lstStyle/>
+          <a:p>
+            <a:pPr marL="0" indent="0">
+              <a:buNone/>
+            </a:pPr>
+            <a:r>
+              <a:rPr lang="en-US" altLang="ko-KR" sz="2000" dirty="0"/>
+              <a:t>1. </a:t>
+            </a:r>
+            <a:r>
+              <a:rPr lang="ko-KR" altLang="en-US" sz="2000" dirty="0"/>
+              <a:t>다음 </a:t>
+            </a:r>
+            <a:r>
+              <a:rPr lang="en-US" altLang="ko-KR" sz="2000" dirty="0"/>
+              <a:t>C# </a:t>
+            </a:r>
+            <a:r>
+              <a:rPr lang="ko-KR" altLang="en-US" sz="2000" dirty="0"/>
+              <a:t>코드의 에러를 </a:t>
+            </a:r>
+            <a:r>
+              <a:rPr lang="ko-KR" altLang="en-US" sz="2000" dirty="0" err="1"/>
+              <a:t>찾으시오</a:t>
+            </a:r>
+            <a:endParaRPr lang="en-US" altLang="ko-KR" sz="2000" dirty="0"/>
+          </a:p>
+          <a:p>
+            <a:pPr marL="0" indent="0">
+              <a:buNone/>
+            </a:pPr>
+            <a:r>
+              <a:rPr lang="en-US" altLang="ko-KR" sz="2000" dirty="0"/>
+              <a:t>int num1 = 1;</a:t>
+            </a:r>
+          </a:p>
+          <a:p>
+            <a:pPr marL="0" indent="0">
+              <a:buNone/>
+            </a:pPr>
+            <a:r>
+              <a:rPr lang="en-US" altLang="ko-KR" sz="2000" dirty="0"/>
+              <a:t>float </a:t>
+            </a:r>
+            <a:r>
+              <a:rPr lang="en-US" altLang="ko-KR" sz="2000" dirty="0" err="1"/>
+              <a:t>float_num</a:t>
+            </a:r>
+            <a:r>
+              <a:rPr lang="en-US" altLang="ko-KR" sz="2000" dirty="0"/>
+              <a:t> = 3.2f;</a:t>
+            </a:r>
+          </a:p>
+          <a:p>
+            <a:pPr marL="0" indent="0">
+              <a:buNone/>
+            </a:pPr>
+            <a:r>
+              <a:rPr lang="en-US" altLang="ko-KR" sz="2000" dirty="0"/>
+              <a:t>int num2 = 2.1f;</a:t>
+            </a:r>
+          </a:p>
+          <a:p>
+            <a:pPr marL="0" indent="0">
+              <a:buNone/>
+            </a:pPr>
+            <a:r>
+              <a:rPr lang="en-US" altLang="ko-KR" sz="2000" dirty="0" err="1"/>
+              <a:t>Console.WriteLine</a:t>
+            </a:r>
+            <a:r>
+              <a:rPr lang="en-US" altLang="ko-KR" sz="2000" dirty="0"/>
+              <a:t>(num1 + num2 + </a:t>
+            </a:r>
+            <a:r>
+              <a:rPr lang="en-US" altLang="ko-KR" sz="2000" dirty="0" err="1"/>
+              <a:t>float_num</a:t>
+            </a:r>
+            <a:r>
+              <a:rPr lang="en-US" altLang="ko-KR" sz="2000" dirty="0"/>
+              <a:t>);</a:t>
+            </a:r>
+            <a:endParaRPr lang="ko-KR" altLang="en-US" sz="2000" dirty="0"/>
+          </a:p>
+        </p:txBody>
+      </p:sp>
+    </p:spTree>
+    <p:extLst>
+      <p:ext uri="{BB962C8B-B14F-4D97-AF65-F5344CB8AC3E}">
+        <p14:creationId xmlns:p14="http://schemas.microsoft.com/office/powerpoint/2010/main" val="1101774890"/>
+      </p:ext>
+    </p:extLst>
+  </p:cSld>
+  <p:clrMapOvr>
+    <a:masterClrMapping/>
+  </p:clrMapOvr>
+</p:sld>
+</file>
+
+<file path=ppt/slides/slide14.xml><?xml version="1.0" encoding="utf-8"?>
+<p:sld xmlns:a="http://schemas.openxmlformats.org/drawingml/2006/main" xmlns:r="http://schemas.openxmlformats.org/officeDocument/2006/relationships" xmlns:p="http://schemas.openxmlformats.org/presentationml/2006/main">
+  <p:cSld>
+    <p:bg>
+      <p:bgPr>
+        <a:solidFill>
+          <a:schemeClr val="bg1"/>
+        </a:solidFill>
+        <a:effectLst/>
+      </p:bgPr>
+    </p:bg>
+    <p:spTree>
+      <p:nvGrpSpPr>
+        <p:cNvPr id="1" name=""/>
+        <p:cNvGrpSpPr/>
+        <p:nvPr/>
+      </p:nvGrpSpPr>
+      <p:grpSpPr>
+        <a:xfrm>
+          <a:off x="0" y="0"/>
+          <a:ext cx="0" cy="0"/>
+          <a:chOff x="0" y="0"/>
+          <a:chExt cx="0" cy="0"/>
+        </a:xfrm>
+      </p:grpSpPr>
+      <p:sp>
+        <p:nvSpPr>
+          <p:cNvPr id="15" name="Rectangle 14">
+            <a:extLst>
+              <a:ext uri="{FF2B5EF4-FFF2-40B4-BE49-F238E27FC236}">
+                <a16:creationId xmlns:a16="http://schemas.microsoft.com/office/drawing/2014/main" id="{9A297797-5C89-4791-8204-AB071FA1FBCA}"/>
+              </a:ext>
+              <a:ext uri="{C183D7F6-B498-43B3-948B-1728B52AA6E4}">
+                <adec:decorative xmlns:adec="http://schemas.microsoft.com/office/drawing/2017/decorative" val="1"/>
+              </a:ext>
+            </a:extLst>
+          </p:cNvPr>
+          <p:cNvSpPr>
+            <a:spLocks noGrp="1" noRot="1" noChangeAspect="1" noMove="1" noResize="1" noEditPoints="1" noAdjustHandles="1" noChangeArrowheads="1" noChangeShapeType="1" noTextEdit="1"/>
+          </p:cNvSpPr>
+          <p:nvPr>
+            <p:extLst>
+              <p:ext uri="{386F3935-93C4-4BCD-93E2-E3B085C9AB24}">
+                <p16:designElem xmlns:p16="http://schemas.microsoft.com/office/powerpoint/2015/main" val="1"/>
+              </p:ext>
+            </p:extLst>
+          </p:nvPr>
+        </p:nvSpPr>
+        <p:spPr>
+          <a:xfrm>
+            <a:off x="0" y="0"/>
+            <a:ext cx="12192000" cy="6858000"/>
+          </a:xfrm>
+          <a:prstGeom prst="rect">
+            <a:avLst/>
+          </a:prstGeom>
+          <a:solidFill>
+            <a:schemeClr val="bg1"/>
+          </a:solidFill>
+          <a:ln>
+            <a:noFill/>
+          </a:ln>
+        </p:spPr>
+        <p:style>
+          <a:lnRef idx="2">
+            <a:schemeClr val="accent1">
+              <a:shade val="50000"/>
+            </a:schemeClr>
+          </a:lnRef>
+          <a:fillRef idx="1">
+            <a:schemeClr val="accent1"/>
+          </a:fillRef>
+          <a:effectRef idx="0">
+            <a:schemeClr val="accent1"/>
+          </a:effectRef>
+          <a:fontRef idx="minor">
+            <a:schemeClr val="lt1"/>
+          </a:fontRef>
+        </p:style>
+        <p:txBody>
+          <a:bodyPr rtlCol="0" anchor="ctr"/>
+          <a:lstStyle/>
+          <a:p>
+            <a:pPr algn="ctr"/>
+            <a:endParaRPr lang="en-US" dirty="0"/>
+          </a:p>
+        </p:txBody>
+      </p:sp>
+      <p:sp>
+        <p:nvSpPr>
+          <p:cNvPr id="2" name="제목 1">
+            <a:extLst>
+              <a:ext uri="{FF2B5EF4-FFF2-40B4-BE49-F238E27FC236}">
+                <a16:creationId xmlns:a16="http://schemas.microsoft.com/office/drawing/2014/main" id="{F0F6BF70-DC04-438F-883B-598C089750A5}"/>
+              </a:ext>
+            </a:extLst>
+          </p:cNvPr>
+          <p:cNvSpPr>
+            <a:spLocks noGrp="1"/>
+          </p:cNvSpPr>
+          <p:nvPr>
+            <p:ph type="title"/>
+          </p:nvPr>
+        </p:nvSpPr>
+        <p:spPr>
+          <a:xfrm>
+            <a:off x="643468" y="643467"/>
+            <a:ext cx="4804064" cy="5571065"/>
+          </a:xfrm>
+        </p:spPr>
+        <p:txBody>
+          <a:bodyPr>
+            <a:normAutofit/>
+          </a:bodyPr>
+          <a:lstStyle/>
+          <a:p>
+            <a:r>
+              <a:rPr lang="en-US" altLang="ko-KR" sz="3600" dirty="0" err="1"/>
+              <a:t>Console.WriteLine</a:t>
+            </a:r>
+            <a:r>
+              <a:rPr lang="en-US" altLang="ko-KR" sz="3600" dirty="0"/>
+              <a:t>()</a:t>
+            </a:r>
+            <a:endParaRPr lang="ko-KR" altLang="en-US" sz="3600" dirty="0"/>
+          </a:p>
+        </p:txBody>
+      </p:sp>
+      <p:sp>
+        <p:nvSpPr>
+          <p:cNvPr id="17" name="Freeform: Shape 16">
+            <a:extLst>
+              <a:ext uri="{FF2B5EF4-FFF2-40B4-BE49-F238E27FC236}">
+                <a16:creationId xmlns:a16="http://schemas.microsoft.com/office/drawing/2014/main" id="{569BBA9B-8F4E-4D2B-BEFA-41A475443377}"/>
+              </a:ext>
+              <a:ext uri="{C183D7F6-B498-43B3-948B-1728B52AA6E4}">
+                <adec:decorative xmlns:adec="http://schemas.microsoft.com/office/drawing/2017/decorative" val="1"/>
+              </a:ext>
+            </a:extLst>
+          </p:cNvPr>
+          <p:cNvSpPr>
+            <a:spLocks noGrp="1" noRot="1" noChangeAspect="1" noMove="1" noResize="1" noEditPoints="1" noAdjustHandles="1" noChangeArrowheads="1" noChangeShapeType="1" noTextEdit="1"/>
+          </p:cNvSpPr>
+          <p:nvPr>
+            <p:extLst>
+              <p:ext uri="{386F3935-93C4-4BCD-93E2-E3B085C9AB24}">
+                <p16:designElem xmlns:p16="http://schemas.microsoft.com/office/powerpoint/2015/main" val="1"/>
+              </p:ext>
+            </p:extLst>
+          </p:nvPr>
+        </p:nvSpPr>
+        <p:spPr>
+          <a:xfrm rot="2700000">
+            <a:off x="-415188" y="-231223"/>
+            <a:ext cx="1409491" cy="1876653"/>
+          </a:xfrm>
+          <a:custGeom>
+            <a:avLst/>
+            <a:gdLst>
+              <a:gd name="connsiteX0" fmla="*/ 0 w 1409491"/>
+              <a:gd name="connsiteY0" fmla="*/ 643075 h 1876653"/>
+              <a:gd name="connsiteX1" fmla="*/ 643075 w 1409491"/>
+              <a:gd name="connsiteY1" fmla="*/ 0 h 1876653"/>
+              <a:gd name="connsiteX2" fmla="*/ 1409491 w 1409491"/>
+              <a:gd name="connsiteY2" fmla="*/ 0 h 1876653"/>
+              <a:gd name="connsiteX3" fmla="*/ 1409491 w 1409491"/>
+              <a:gd name="connsiteY3" fmla="*/ 1876653 h 1876653"/>
+              <a:gd name="connsiteX4" fmla="*/ 1233578 w 1409491"/>
+              <a:gd name="connsiteY4" fmla="*/ 1876653 h 1876653"/>
+            </a:gdLst>
+            <a:ahLst/>
+            <a:cxnLst>
+              <a:cxn ang="0">
+                <a:pos x="connsiteX0" y="connsiteY0"/>
+              </a:cxn>
+              <a:cxn ang="0">
+                <a:pos x="connsiteX1" y="connsiteY1"/>
+              </a:cxn>
+              <a:cxn ang="0">
+                <a:pos x="connsiteX2" y="connsiteY2"/>
+              </a:cxn>
+              <a:cxn ang="0">
+                <a:pos x="connsiteX3" y="connsiteY3"/>
+              </a:cxn>
+              <a:cxn ang="0">
+                <a:pos x="connsiteX4" y="connsiteY4"/>
+              </a:cxn>
+            </a:cxnLst>
+            <a:rect l="l" t="t" r="r" b="b"/>
+            <a:pathLst>
+              <a:path w="1409491" h="1876653">
+                <a:moveTo>
+                  <a:pt x="0" y="643075"/>
+                </a:moveTo>
+                <a:lnTo>
+                  <a:pt x="643075" y="0"/>
+                </a:lnTo>
+                <a:lnTo>
+                  <a:pt x="1409491" y="0"/>
+                </a:lnTo>
+                <a:lnTo>
+                  <a:pt x="1409491" y="1876653"/>
+                </a:lnTo>
+                <a:lnTo>
+                  <a:pt x="1233578" y="1876653"/>
+                </a:lnTo>
+                <a:close/>
+              </a:path>
+            </a:pathLst>
+          </a:custGeom>
+          <a:solidFill>
+            <a:schemeClr val="accent1">
+              <a:alpha val="30000"/>
+            </a:schemeClr>
+          </a:solidFill>
+          <a:ln>
+            <a:noFill/>
+          </a:ln>
+        </p:spPr>
+        <p:style>
+          <a:lnRef idx="2">
+            <a:schemeClr val="accent1">
+              <a:shade val="50000"/>
+            </a:schemeClr>
+          </a:lnRef>
+          <a:fillRef idx="1">
+            <a:schemeClr val="accent1"/>
+          </a:fillRef>
+          <a:effectRef idx="0">
+            <a:schemeClr val="accent1"/>
+          </a:effectRef>
+          <a:fontRef idx="minor">
+            <a:schemeClr val="lt1"/>
+          </a:fontRef>
+        </p:style>
+        <p:txBody>
+          <a:bodyPr wrap="square" rtlCol="0" anchor="ctr">
+            <a:noAutofit/>
+          </a:bodyPr>
+          <a:lstStyle/>
+          <a:p>
+            <a:pPr algn="ctr"/>
+            <a:endParaRPr lang="en-US"/>
+          </a:p>
+        </p:txBody>
+      </p:sp>
+      <p:sp>
+        <p:nvSpPr>
+          <p:cNvPr id="19" name="Rectangle 18">
+            <a:extLst>
+              <a:ext uri="{FF2B5EF4-FFF2-40B4-BE49-F238E27FC236}">
+                <a16:creationId xmlns:a16="http://schemas.microsoft.com/office/drawing/2014/main" id="{851012D1-8033-40B1-9EC0-91390FFC7403}"/>
+              </a:ext>
+              <a:ext uri="{C183D7F6-B498-43B3-948B-1728B52AA6E4}">
+                <adec:decorative xmlns:adec="http://schemas.microsoft.com/office/drawing/2017/decorative" val="1"/>
+              </a:ext>
+            </a:extLst>
+          </p:cNvPr>
+          <p:cNvSpPr>
+            <a:spLocks noGrp="1" noRot="1" noChangeAspect="1" noMove="1" noResize="1" noEditPoints="1" noAdjustHandles="1" noChangeArrowheads="1" noChangeShapeType="1" noTextEdit="1"/>
+          </p:cNvSpPr>
+          <p:nvPr>
+            <p:extLst>
+              <p:ext uri="{386F3935-93C4-4BCD-93E2-E3B085C9AB24}">
+                <p16:designElem xmlns:p16="http://schemas.microsoft.com/office/powerpoint/2015/main" val="1"/>
+              </p:ext>
+            </p:extLst>
+          </p:nvPr>
+        </p:nvSpPr>
+        <p:spPr>
+          <a:xfrm rot="2700000">
+            <a:off x="301285" y="1282788"/>
+            <a:ext cx="485578" cy="485578"/>
+          </a:xfrm>
+          <a:prstGeom prst="rect">
+            <a:avLst/>
+          </a:prstGeom>
+          <a:solidFill>
+            <a:schemeClr val="accent1">
+              <a:alpha val="30000"/>
+            </a:schemeClr>
+          </a:solidFill>
+          <a:ln>
+            <a:noFill/>
+          </a:ln>
+        </p:spPr>
+        <p:style>
+          <a:lnRef idx="2">
+            <a:schemeClr val="accent1">
+              <a:shade val="50000"/>
+            </a:schemeClr>
+          </a:lnRef>
+          <a:fillRef idx="1">
+            <a:schemeClr val="accent1"/>
+          </a:fillRef>
+          <a:effectRef idx="0">
+            <a:schemeClr val="accent1"/>
+          </a:effectRef>
+          <a:fontRef idx="minor">
+            <a:schemeClr val="lt1"/>
+          </a:fontRef>
+        </p:style>
+        <p:txBody>
+          <a:bodyPr wrap="square" rtlCol="0" anchor="ctr">
+            <a:noAutofit/>
+          </a:bodyPr>
+          <a:lstStyle/>
+          <a:p>
+            <a:pPr algn="ctr"/>
+            <a:endParaRPr lang="en-US"/>
+          </a:p>
+        </p:txBody>
+      </p:sp>
+      <p:sp>
+        <p:nvSpPr>
+          <p:cNvPr id="3" name="내용 개체 틀 2">
+            <a:extLst>
+              <a:ext uri="{FF2B5EF4-FFF2-40B4-BE49-F238E27FC236}">
+                <a16:creationId xmlns:a16="http://schemas.microsoft.com/office/drawing/2014/main" id="{5BB10471-EDBD-4D92-9F51-522D3C53207E}"/>
+              </a:ext>
+            </a:extLst>
+          </p:cNvPr>
+          <p:cNvSpPr>
+            <a:spLocks noGrp="1"/>
+          </p:cNvSpPr>
+          <p:nvPr>
+            <p:ph idx="1"/>
+          </p:nvPr>
+        </p:nvSpPr>
+        <p:spPr>
+          <a:xfrm>
+            <a:off x="6090998" y="643467"/>
+            <a:ext cx="5457533" cy="5571065"/>
           </a:xfrm>
         </p:spPr>
         <p:txBody>
@@ -9210,84 +10562,573 @@
               <a:buNone/>
             </a:pPr>
             <a:r>
-              <a:rPr lang="en-US" altLang="ko-KR" sz="2400" dirty="0"/>
-              <a:t>2. </a:t>
-            </a:r>
-            <a:r>
-              <a:rPr lang="ko-KR" altLang="en-US" sz="2400" dirty="0"/>
-              <a:t>다음 코드의 에러를 모두 </a:t>
-            </a:r>
-            <a:r>
-              <a:rPr lang="ko-KR" altLang="en-US" sz="2400" dirty="0" err="1"/>
-              <a:t>고치시오</a:t>
-            </a:r>
-            <a:endParaRPr lang="en-US" altLang="ko-KR" sz="2400" dirty="0"/>
+              <a:rPr lang="en-US" altLang="ko-KR" sz="2000" dirty="0" err="1"/>
+              <a:t>Console.WriteLine</a:t>
+            </a:r>
+            <a:r>
+              <a:rPr lang="en-US" altLang="ko-KR" sz="2000" dirty="0"/>
+              <a:t>()</a:t>
+            </a:r>
+            <a:r>
+              <a:rPr lang="ko-KR" altLang="en-US" sz="2000" dirty="0"/>
+              <a:t>을 사용할 수 있는 방법들</a:t>
+            </a:r>
+            <a:endParaRPr lang="en-US" altLang="ko-KR" sz="2000" dirty="0">
+              <a:hlinkClick r:id="rId2"/>
+            </a:endParaRPr>
           </a:p>
           <a:p>
             <a:pPr marL="0" indent="0">
               <a:buNone/>
             </a:pPr>
             <a:r>
-              <a:rPr lang="en-US" altLang="ko-KR" sz="2400" dirty="0"/>
-              <a:t>char a = “</a:t>
-            </a:r>
-            <a:r>
-              <a:rPr lang="ko-KR" altLang="en-US" sz="2400" dirty="0"/>
-              <a:t>안</a:t>
-            </a:r>
-            <a:r>
-              <a:rPr lang="en-US" altLang="ko-KR" sz="2400" dirty="0"/>
-              <a:t>”;</a:t>
-            </a:r>
-          </a:p>
+              <a:rPr lang="en-US" altLang="ko-KR" sz="2000" dirty="0">
+                <a:hlinkClick r:id="rId2"/>
+              </a:rPr>
+              <a:t>https://docs.microsoft.com/ko</a:t>
+            </a:r>
+            <a:r>
+              <a:rPr lang="en-US" altLang="ko-KR" sz="2000" b="1" dirty="0">
+                <a:hlinkClick r:id="rId2"/>
+              </a:rPr>
+              <a:t>-</a:t>
+            </a:r>
+            <a:r>
+              <a:rPr lang="en-US" altLang="ko-KR" sz="2000" dirty="0">
+                <a:hlinkClick r:id="rId2"/>
+              </a:rPr>
+              <a:t>kr/dotnet/api/system.console.writeline?view=netframework-4.8</a:t>
+            </a:r>
+            <a:endParaRPr lang="ko-KR" altLang="en-US" sz="2000" dirty="0"/>
+          </a:p>
+        </p:txBody>
+      </p:sp>
+      <p:sp>
+        <p:nvSpPr>
+          <p:cNvPr id="21" name="Rectangle 20">
+            <a:extLst>
+              <a:ext uri="{FF2B5EF4-FFF2-40B4-BE49-F238E27FC236}">
+                <a16:creationId xmlns:a16="http://schemas.microsoft.com/office/drawing/2014/main" id="{2E80C965-DB6D-4F81-9E9E-B027384D0BD6}"/>
+              </a:ext>
+              <a:ext uri="{C183D7F6-B498-43B3-948B-1728B52AA6E4}">
+                <adec:decorative xmlns:adec="http://schemas.microsoft.com/office/drawing/2017/decorative" val="1"/>
+              </a:ext>
+            </a:extLst>
+          </p:cNvPr>
+          <p:cNvSpPr>
+            <a:spLocks noGrp="1" noRot="1" noChangeAspect="1" noMove="1" noResize="1" noEditPoints="1" noAdjustHandles="1" noChangeArrowheads="1" noChangeShapeType="1" noTextEdit="1"/>
+          </p:cNvSpPr>
+          <p:nvPr>
+            <p:extLst>
+              <p:ext uri="{386F3935-93C4-4BCD-93E2-E3B085C9AB24}">
+                <p16:designElem xmlns:p16="http://schemas.microsoft.com/office/powerpoint/2015/main" val="1"/>
+              </p:ext>
+            </p:extLst>
+          </p:nvPr>
+        </p:nvSpPr>
+        <p:spPr>
+          <a:xfrm rot="2700000">
+            <a:off x="8809436" y="6033666"/>
+            <a:ext cx="645368" cy="645368"/>
+          </a:xfrm>
+          <a:prstGeom prst="rect">
+            <a:avLst/>
+          </a:prstGeom>
+          <a:solidFill>
+            <a:schemeClr val="accent4">
+              <a:alpha val="30000"/>
+            </a:schemeClr>
+          </a:solidFill>
+          <a:ln>
+            <a:noFill/>
+          </a:ln>
+        </p:spPr>
+        <p:style>
+          <a:lnRef idx="2">
+            <a:schemeClr val="accent1">
+              <a:shade val="50000"/>
+            </a:schemeClr>
+          </a:lnRef>
+          <a:fillRef idx="1">
+            <a:schemeClr val="accent1"/>
+          </a:fillRef>
+          <a:effectRef idx="0">
+            <a:schemeClr val="accent1"/>
+          </a:effectRef>
+          <a:fontRef idx="minor">
+            <a:schemeClr val="lt1"/>
+          </a:fontRef>
+        </p:style>
+        <p:txBody>
+          <a:bodyPr rtlCol="0" anchor="ctr"/>
+          <a:lstStyle/>
+          <a:p>
+            <a:pPr algn="ctr"/>
+            <a:endParaRPr lang="en-US"/>
+          </a:p>
+        </p:txBody>
+      </p:sp>
+      <p:sp>
+        <p:nvSpPr>
+          <p:cNvPr id="23" name="Isosceles Triangle 22">
+            <a:extLst>
+              <a:ext uri="{FF2B5EF4-FFF2-40B4-BE49-F238E27FC236}">
+                <a16:creationId xmlns:a16="http://schemas.microsoft.com/office/drawing/2014/main" id="{D291F021-C45C-4D44-A2B8-A789E386CC42}"/>
+              </a:ext>
+              <a:ext uri="{C183D7F6-B498-43B3-948B-1728B52AA6E4}">
+                <adec:decorative xmlns:adec="http://schemas.microsoft.com/office/drawing/2017/decorative" val="1"/>
+              </a:ext>
+            </a:extLst>
+          </p:cNvPr>
+          <p:cNvSpPr>
+            <a:spLocks noGrp="1" noRot="1" noChangeAspect="1" noMove="1" noResize="1" noEditPoints="1" noAdjustHandles="1" noChangeArrowheads="1" noChangeShapeType="1" noTextEdit="1"/>
+          </p:cNvSpPr>
+          <p:nvPr>
+            <p:extLst>
+              <p:ext uri="{386F3935-93C4-4BCD-93E2-E3B085C9AB24}">
+                <p16:designElem xmlns:p16="http://schemas.microsoft.com/office/powerpoint/2015/main" val="1"/>
+              </p:ext>
+            </p:extLst>
+          </p:nvPr>
+        </p:nvSpPr>
+        <p:spPr>
+          <a:xfrm>
+            <a:off x="8603444" y="5721108"/>
+            <a:ext cx="2261965" cy="1136891"/>
+          </a:xfrm>
+          <a:prstGeom prst="triangle">
+            <a:avLst>
+              <a:gd name="adj" fmla="val 50000"/>
+            </a:avLst>
+          </a:prstGeom>
+          <a:solidFill>
+            <a:schemeClr val="accent4">
+              <a:alpha val="30000"/>
+            </a:schemeClr>
+          </a:solidFill>
+          <a:ln>
+            <a:noFill/>
+          </a:ln>
+        </p:spPr>
+        <p:style>
+          <a:lnRef idx="2">
+            <a:schemeClr val="accent1">
+              <a:shade val="50000"/>
+            </a:schemeClr>
+          </a:lnRef>
+          <a:fillRef idx="1">
+            <a:schemeClr val="accent1"/>
+          </a:fillRef>
+          <a:effectRef idx="0">
+            <a:schemeClr val="accent1"/>
+          </a:effectRef>
+          <a:fontRef idx="minor">
+            <a:schemeClr val="lt1"/>
+          </a:fontRef>
+        </p:style>
+        <p:txBody>
+          <a:bodyPr rtlCol="0" anchor="ctr"/>
+          <a:lstStyle/>
+          <a:p>
+            <a:pPr algn="ctr"/>
+            <a:endParaRPr lang="en-US"/>
+          </a:p>
+        </p:txBody>
+      </p:sp>
+    </p:spTree>
+    <p:extLst>
+      <p:ext uri="{BB962C8B-B14F-4D97-AF65-F5344CB8AC3E}">
+        <p14:creationId xmlns:p14="http://schemas.microsoft.com/office/powerpoint/2010/main" val="3210457261"/>
+      </p:ext>
+    </p:extLst>
+  </p:cSld>
+  <p:clrMapOvr>
+    <a:masterClrMapping/>
+  </p:clrMapOvr>
+</p:sld>
+</file>
+
+<file path=ppt/slides/slide15.xml><?xml version="1.0" encoding="utf-8"?>
+<p:sld xmlns:a="http://schemas.openxmlformats.org/drawingml/2006/main" xmlns:r="http://schemas.openxmlformats.org/officeDocument/2006/relationships" xmlns:p="http://schemas.openxmlformats.org/presentationml/2006/main">
+  <p:cSld>
+    <p:bg>
+      <p:bgPr>
+        <a:solidFill>
+          <a:schemeClr val="bg1"/>
+        </a:solidFill>
+        <a:effectLst/>
+      </p:bgPr>
+    </p:bg>
+    <p:spTree>
+      <p:nvGrpSpPr>
+        <p:cNvPr id="1" name=""/>
+        <p:cNvGrpSpPr/>
+        <p:nvPr/>
+      </p:nvGrpSpPr>
+      <p:grpSpPr>
+        <a:xfrm>
+          <a:off x="0" y="0"/>
+          <a:ext cx="0" cy="0"/>
+          <a:chOff x="0" y="0"/>
+          <a:chExt cx="0" cy="0"/>
+        </a:xfrm>
+      </p:grpSpPr>
+      <p:sp>
+        <p:nvSpPr>
+          <p:cNvPr id="15" name="Rectangle 14">
+            <a:extLst>
+              <a:ext uri="{FF2B5EF4-FFF2-40B4-BE49-F238E27FC236}">
+                <a16:creationId xmlns:a16="http://schemas.microsoft.com/office/drawing/2014/main" id="{9A297797-5C89-4791-8204-AB071FA1FBCA}"/>
+              </a:ext>
+              <a:ext uri="{C183D7F6-B498-43B3-948B-1728B52AA6E4}">
+                <adec:decorative xmlns:adec="http://schemas.microsoft.com/office/drawing/2017/decorative" val="1"/>
+              </a:ext>
+            </a:extLst>
+          </p:cNvPr>
+          <p:cNvSpPr>
+            <a:spLocks noGrp="1" noRot="1" noChangeAspect="1" noMove="1" noResize="1" noEditPoints="1" noAdjustHandles="1" noChangeArrowheads="1" noChangeShapeType="1" noTextEdit="1"/>
+          </p:cNvSpPr>
+          <p:nvPr>
+            <p:extLst>
+              <p:ext uri="{386F3935-93C4-4BCD-93E2-E3B085C9AB24}">
+                <p16:designElem xmlns:p16="http://schemas.microsoft.com/office/powerpoint/2015/main" val="1"/>
+              </p:ext>
+            </p:extLst>
+          </p:nvPr>
+        </p:nvSpPr>
+        <p:spPr>
+          <a:xfrm>
+            <a:off x="0" y="0"/>
+            <a:ext cx="12192000" cy="6858000"/>
+          </a:xfrm>
+          <a:prstGeom prst="rect">
+            <a:avLst/>
+          </a:prstGeom>
+          <a:solidFill>
+            <a:schemeClr val="bg1"/>
+          </a:solidFill>
+          <a:ln>
+            <a:noFill/>
+          </a:ln>
+        </p:spPr>
+        <p:style>
+          <a:lnRef idx="2">
+            <a:schemeClr val="accent1">
+              <a:shade val="50000"/>
+            </a:schemeClr>
+          </a:lnRef>
+          <a:fillRef idx="1">
+            <a:schemeClr val="accent1"/>
+          </a:fillRef>
+          <a:effectRef idx="0">
+            <a:schemeClr val="accent1"/>
+          </a:effectRef>
+          <a:fontRef idx="minor">
+            <a:schemeClr val="lt1"/>
+          </a:fontRef>
+        </p:style>
+        <p:txBody>
+          <a:bodyPr rtlCol="0" anchor="ctr"/>
+          <a:lstStyle/>
+          <a:p>
+            <a:pPr algn="ctr"/>
+            <a:endParaRPr lang="en-US" dirty="0"/>
+          </a:p>
+        </p:txBody>
+      </p:sp>
+      <p:sp>
+        <p:nvSpPr>
+          <p:cNvPr id="2" name="제목 1">
+            <a:extLst>
+              <a:ext uri="{FF2B5EF4-FFF2-40B4-BE49-F238E27FC236}">
+                <a16:creationId xmlns:a16="http://schemas.microsoft.com/office/drawing/2014/main" id="{12379D34-03E5-4FFE-BB90-22CBF4046E72}"/>
+              </a:ext>
+            </a:extLst>
+          </p:cNvPr>
+          <p:cNvSpPr>
+            <a:spLocks noGrp="1"/>
+          </p:cNvSpPr>
+          <p:nvPr>
+            <p:ph type="title"/>
+          </p:nvPr>
+        </p:nvSpPr>
+        <p:spPr>
+          <a:xfrm>
+            <a:off x="643468" y="643467"/>
+            <a:ext cx="4804064" cy="5571065"/>
+          </a:xfrm>
+        </p:spPr>
+        <p:txBody>
+          <a:bodyPr>
+            <a:normAutofit/>
+          </a:bodyPr>
+          <a:lstStyle/>
+          <a:p>
+            <a:r>
+              <a:rPr lang="ko-KR" altLang="en-US" sz="3600"/>
+              <a:t>연습문제 </a:t>
+            </a:r>
+            <a:r>
+              <a:rPr lang="en-US" altLang="ko-KR" sz="3600"/>
+              <a:t>- 2</a:t>
+            </a:r>
+            <a:endParaRPr lang="ko-KR" altLang="en-US" sz="3600"/>
+          </a:p>
+        </p:txBody>
+      </p:sp>
+      <p:sp>
+        <p:nvSpPr>
+          <p:cNvPr id="17" name="Freeform: Shape 16">
+            <a:extLst>
+              <a:ext uri="{FF2B5EF4-FFF2-40B4-BE49-F238E27FC236}">
+                <a16:creationId xmlns:a16="http://schemas.microsoft.com/office/drawing/2014/main" id="{569BBA9B-8F4E-4D2B-BEFA-41A475443377}"/>
+              </a:ext>
+              <a:ext uri="{C183D7F6-B498-43B3-948B-1728B52AA6E4}">
+                <adec:decorative xmlns:adec="http://schemas.microsoft.com/office/drawing/2017/decorative" val="1"/>
+              </a:ext>
+            </a:extLst>
+          </p:cNvPr>
+          <p:cNvSpPr>
+            <a:spLocks noGrp="1" noRot="1" noChangeAspect="1" noMove="1" noResize="1" noEditPoints="1" noAdjustHandles="1" noChangeArrowheads="1" noChangeShapeType="1" noTextEdit="1"/>
+          </p:cNvSpPr>
+          <p:nvPr>
+            <p:extLst>
+              <p:ext uri="{386F3935-93C4-4BCD-93E2-E3B085C9AB24}">
+                <p16:designElem xmlns:p16="http://schemas.microsoft.com/office/powerpoint/2015/main" val="1"/>
+              </p:ext>
+            </p:extLst>
+          </p:nvPr>
+        </p:nvSpPr>
+        <p:spPr>
+          <a:xfrm rot="2700000">
+            <a:off x="-415188" y="-231223"/>
+            <a:ext cx="1409491" cy="1876653"/>
+          </a:xfrm>
+          <a:custGeom>
+            <a:avLst/>
+            <a:gdLst>
+              <a:gd name="connsiteX0" fmla="*/ 0 w 1409491"/>
+              <a:gd name="connsiteY0" fmla="*/ 643075 h 1876653"/>
+              <a:gd name="connsiteX1" fmla="*/ 643075 w 1409491"/>
+              <a:gd name="connsiteY1" fmla="*/ 0 h 1876653"/>
+              <a:gd name="connsiteX2" fmla="*/ 1409491 w 1409491"/>
+              <a:gd name="connsiteY2" fmla="*/ 0 h 1876653"/>
+              <a:gd name="connsiteX3" fmla="*/ 1409491 w 1409491"/>
+              <a:gd name="connsiteY3" fmla="*/ 1876653 h 1876653"/>
+              <a:gd name="connsiteX4" fmla="*/ 1233578 w 1409491"/>
+              <a:gd name="connsiteY4" fmla="*/ 1876653 h 1876653"/>
+            </a:gdLst>
+            <a:ahLst/>
+            <a:cxnLst>
+              <a:cxn ang="0">
+                <a:pos x="connsiteX0" y="connsiteY0"/>
+              </a:cxn>
+              <a:cxn ang="0">
+                <a:pos x="connsiteX1" y="connsiteY1"/>
+              </a:cxn>
+              <a:cxn ang="0">
+                <a:pos x="connsiteX2" y="connsiteY2"/>
+              </a:cxn>
+              <a:cxn ang="0">
+                <a:pos x="connsiteX3" y="connsiteY3"/>
+              </a:cxn>
+              <a:cxn ang="0">
+                <a:pos x="connsiteX4" y="connsiteY4"/>
+              </a:cxn>
+            </a:cxnLst>
+            <a:rect l="l" t="t" r="r" b="b"/>
+            <a:pathLst>
+              <a:path w="1409491" h="1876653">
+                <a:moveTo>
+                  <a:pt x="0" y="643075"/>
+                </a:moveTo>
+                <a:lnTo>
+                  <a:pt x="643075" y="0"/>
+                </a:lnTo>
+                <a:lnTo>
+                  <a:pt x="1409491" y="0"/>
+                </a:lnTo>
+                <a:lnTo>
+                  <a:pt x="1409491" y="1876653"/>
+                </a:lnTo>
+                <a:lnTo>
+                  <a:pt x="1233578" y="1876653"/>
+                </a:lnTo>
+                <a:close/>
+              </a:path>
+            </a:pathLst>
+          </a:custGeom>
+          <a:solidFill>
+            <a:schemeClr val="accent1">
+              <a:alpha val="30000"/>
+            </a:schemeClr>
+          </a:solidFill>
+          <a:ln>
+            <a:noFill/>
+          </a:ln>
+        </p:spPr>
+        <p:style>
+          <a:lnRef idx="2">
+            <a:schemeClr val="accent1">
+              <a:shade val="50000"/>
+            </a:schemeClr>
+          </a:lnRef>
+          <a:fillRef idx="1">
+            <a:schemeClr val="accent1"/>
+          </a:fillRef>
+          <a:effectRef idx="0">
+            <a:schemeClr val="accent1"/>
+          </a:effectRef>
+          <a:fontRef idx="minor">
+            <a:schemeClr val="lt1"/>
+          </a:fontRef>
+        </p:style>
+        <p:txBody>
+          <a:bodyPr wrap="square" rtlCol="0" anchor="ctr">
+            <a:noAutofit/>
+          </a:bodyPr>
+          <a:lstStyle/>
+          <a:p>
+            <a:pPr algn="ctr"/>
+            <a:endParaRPr lang="en-US"/>
+          </a:p>
+        </p:txBody>
+      </p:sp>
+      <p:sp>
+        <p:nvSpPr>
+          <p:cNvPr id="19" name="Rectangle 18">
+            <a:extLst>
+              <a:ext uri="{FF2B5EF4-FFF2-40B4-BE49-F238E27FC236}">
+                <a16:creationId xmlns:a16="http://schemas.microsoft.com/office/drawing/2014/main" id="{851012D1-8033-40B1-9EC0-91390FFC7403}"/>
+              </a:ext>
+              <a:ext uri="{C183D7F6-B498-43B3-948B-1728B52AA6E4}">
+                <adec:decorative xmlns:adec="http://schemas.microsoft.com/office/drawing/2017/decorative" val="1"/>
+              </a:ext>
+            </a:extLst>
+          </p:cNvPr>
+          <p:cNvSpPr>
+            <a:spLocks noGrp="1" noRot="1" noChangeAspect="1" noMove="1" noResize="1" noEditPoints="1" noAdjustHandles="1" noChangeArrowheads="1" noChangeShapeType="1" noTextEdit="1"/>
+          </p:cNvSpPr>
+          <p:nvPr>
+            <p:extLst>
+              <p:ext uri="{386F3935-93C4-4BCD-93E2-E3B085C9AB24}">
+                <p16:designElem xmlns:p16="http://schemas.microsoft.com/office/powerpoint/2015/main" val="1"/>
+              </p:ext>
+            </p:extLst>
+          </p:nvPr>
+        </p:nvSpPr>
+        <p:spPr>
+          <a:xfrm rot="2700000">
+            <a:off x="301285" y="1282788"/>
+            <a:ext cx="485578" cy="485578"/>
+          </a:xfrm>
+          <a:prstGeom prst="rect">
+            <a:avLst/>
+          </a:prstGeom>
+          <a:solidFill>
+            <a:schemeClr val="accent1">
+              <a:alpha val="30000"/>
+            </a:schemeClr>
+          </a:solidFill>
+          <a:ln>
+            <a:noFill/>
+          </a:ln>
+        </p:spPr>
+        <p:style>
+          <a:lnRef idx="2">
+            <a:schemeClr val="accent1">
+              <a:shade val="50000"/>
+            </a:schemeClr>
+          </a:lnRef>
+          <a:fillRef idx="1">
+            <a:schemeClr val="accent1"/>
+          </a:fillRef>
+          <a:effectRef idx="0">
+            <a:schemeClr val="accent1"/>
+          </a:effectRef>
+          <a:fontRef idx="minor">
+            <a:schemeClr val="lt1"/>
+          </a:fontRef>
+        </p:style>
+        <p:txBody>
+          <a:bodyPr wrap="square" rtlCol="0" anchor="ctr">
+            <a:noAutofit/>
+          </a:bodyPr>
+          <a:lstStyle/>
+          <a:p>
+            <a:pPr algn="ctr"/>
+            <a:endParaRPr lang="en-US"/>
+          </a:p>
+        </p:txBody>
+      </p:sp>
+      <p:sp>
+        <p:nvSpPr>
+          <p:cNvPr id="3" name="내용 개체 틀 2">
+            <a:extLst>
+              <a:ext uri="{FF2B5EF4-FFF2-40B4-BE49-F238E27FC236}">
+                <a16:creationId xmlns:a16="http://schemas.microsoft.com/office/drawing/2014/main" id="{A2381FBB-ECCA-4CB5-9613-4FEEBF1AFA82}"/>
+              </a:ext>
+            </a:extLst>
+          </p:cNvPr>
+          <p:cNvSpPr>
+            <a:spLocks noGrp="1"/>
+          </p:cNvSpPr>
+          <p:nvPr>
+            <p:ph idx="1"/>
+          </p:nvPr>
+        </p:nvSpPr>
+        <p:spPr>
+          <a:xfrm>
+            <a:off x="6090998" y="643467"/>
+            <a:ext cx="5457533" cy="5571065"/>
+          </a:xfrm>
+        </p:spPr>
+        <p:txBody>
+          <a:bodyPr anchor="ctr">
+            <a:normAutofit/>
+          </a:bodyPr>
+          <a:lstStyle/>
           <a:p>
             <a:pPr marL="0" indent="0">
               <a:buNone/>
             </a:pPr>
             <a:r>
-              <a:rPr lang="en-US" altLang="ko-KR" sz="2400" dirty="0"/>
-              <a:t>char</a:t>
-            </a:r>
-            <a:r>
-              <a:rPr lang="ko-KR" altLang="en-US" sz="2400" dirty="0"/>
-              <a:t> </a:t>
-            </a:r>
-            <a:r>
-              <a:rPr lang="en-US" altLang="ko-KR" sz="2400" dirty="0"/>
-              <a:t>b</a:t>
-            </a:r>
-            <a:r>
-              <a:rPr lang="ko-KR" altLang="en-US" sz="2400" dirty="0"/>
-              <a:t> </a:t>
-            </a:r>
-            <a:r>
-              <a:rPr lang="en-US" altLang="ko-KR" sz="2400" dirty="0"/>
-              <a:t>= “</a:t>
-            </a:r>
-            <a:r>
-              <a:rPr lang="ko-KR" altLang="en-US" sz="2400" dirty="0"/>
-              <a:t>안녕</a:t>
-            </a:r>
-            <a:r>
-              <a:rPr lang="en-US" altLang="ko-KR" sz="2400" dirty="0"/>
-              <a:t>”;</a:t>
-            </a:r>
+              <a:rPr lang="en-US" altLang="ko-KR" sz="2000" dirty="0"/>
+              <a:t>2. </a:t>
+            </a:r>
+            <a:r>
+              <a:rPr lang="ko-KR" altLang="en-US" sz="2000" dirty="0"/>
+              <a:t>다음 </a:t>
+            </a:r>
+            <a:r>
+              <a:rPr lang="en-US" altLang="ko-KR" sz="2000" dirty="0"/>
+              <a:t>C# </a:t>
+            </a:r>
+            <a:r>
+              <a:rPr lang="ko-KR" altLang="en-US" sz="2000" dirty="0"/>
+              <a:t>코드의 에러를 모두 </a:t>
+            </a:r>
+            <a:r>
+              <a:rPr lang="ko-KR" altLang="en-US" sz="2000" dirty="0" err="1"/>
+              <a:t>고치시오</a:t>
+            </a:r>
+            <a:endParaRPr lang="en-US" altLang="ko-KR" sz="2000" dirty="0"/>
           </a:p>
           <a:p>
             <a:pPr marL="0" indent="0">
               <a:buNone/>
             </a:pPr>
             <a:r>
-              <a:rPr lang="en-US" altLang="ko-KR" sz="2400" dirty="0"/>
-              <a:t>string c = ‘</a:t>
-            </a:r>
-            <a:r>
-              <a:rPr lang="ko-KR" altLang="en-US" sz="2400" dirty="0"/>
-              <a:t>안녕</a:t>
-            </a:r>
-            <a:r>
-              <a:rPr lang="en-US" altLang="ko-KR" sz="2400" dirty="0"/>
-              <a:t>’;</a:t>
+              <a:rPr lang="en-US" altLang="ko-KR" sz="2000" dirty="0"/>
+              <a:t>char a = “</a:t>
+            </a:r>
+            <a:r>
+              <a:rPr lang="ko-KR" altLang="en-US" sz="2000" dirty="0"/>
+              <a:t>안</a:t>
+            </a:r>
+            <a:r>
+              <a:rPr lang="en-US" altLang="ko-KR" sz="2000" dirty="0"/>
+              <a:t>”;</a:t>
             </a:r>
           </a:p>
           <a:p>
@@ -9295,36 +11136,218 @@
               <a:buNone/>
             </a:pPr>
             <a:r>
-              <a:rPr lang="en-US" altLang="ko-KR" sz="2400" dirty="0"/>
-              <a:t>string</a:t>
-            </a:r>
-            <a:r>
-              <a:rPr lang="ko-KR" altLang="en-US" sz="2400" dirty="0"/>
+              <a:rPr lang="en-US" altLang="ko-KR" sz="2000" dirty="0"/>
+              <a:t>char</a:t>
+            </a:r>
+            <a:r>
+              <a:rPr lang="ko-KR" altLang="en-US" sz="2000" dirty="0"/>
               <a:t> </a:t>
             </a:r>
             <a:r>
-              <a:rPr lang="en-US" altLang="ko-KR" sz="2400" dirty="0"/>
-              <a:t>d = “</a:t>
-            </a:r>
-            <a:r>
-              <a:rPr lang="ko-KR" altLang="en-US" sz="2400" dirty="0"/>
-              <a:t>안</a:t>
-            </a:r>
-            <a:r>
-              <a:rPr lang="en-US" altLang="ko-KR" sz="2400" dirty="0"/>
+              <a:rPr lang="en-US" altLang="ko-KR" sz="2000" dirty="0"/>
+              <a:t>b</a:t>
+            </a:r>
+            <a:r>
+              <a:rPr lang="ko-KR" altLang="en-US" sz="2000" dirty="0"/>
+              <a:t> </a:t>
+            </a:r>
+            <a:r>
+              <a:rPr lang="en-US" altLang="ko-KR" sz="2000" dirty="0"/>
+              <a:t>= “</a:t>
+            </a:r>
+            <a:r>
+              <a:rPr lang="ko-KR" altLang="en-US" sz="2000" dirty="0"/>
+              <a:t>안녕</a:t>
+            </a:r>
+            <a:r>
+              <a:rPr lang="en-US" altLang="ko-KR" sz="2000" dirty="0"/>
               <a:t>”;</a:t>
             </a:r>
-            <a:r>
-              <a:rPr lang="ko-KR" altLang="en-US" sz="2400" dirty="0"/>
-              <a:t>  </a:t>
-            </a:r>
-            <a:endParaRPr lang="en-US" altLang="ko-KR" sz="2400" dirty="0"/>
           </a:p>
           <a:p>
             <a:pPr marL="0" indent="0">
               <a:buNone/>
             </a:pPr>
-            <a:endParaRPr lang="ko-KR" altLang="en-US" sz="2400" dirty="0"/>
+            <a:r>
+              <a:rPr lang="en-US" altLang="ko-KR" sz="2000" dirty="0"/>
+              <a:t>string c = ‘</a:t>
+            </a:r>
+            <a:r>
+              <a:rPr lang="ko-KR" altLang="en-US" sz="2000" dirty="0"/>
+              <a:t>안녕</a:t>
+            </a:r>
+            <a:r>
+              <a:rPr lang="en-US" altLang="ko-KR" sz="2000" dirty="0"/>
+              <a:t>’;</a:t>
+            </a:r>
+          </a:p>
+          <a:p>
+            <a:pPr marL="0" indent="0">
+              <a:buNone/>
+            </a:pPr>
+            <a:r>
+              <a:rPr lang="en-US" altLang="ko-KR" sz="2000" dirty="0"/>
+              <a:t>string</a:t>
+            </a:r>
+            <a:r>
+              <a:rPr lang="ko-KR" altLang="en-US" sz="2000" dirty="0"/>
+              <a:t> </a:t>
+            </a:r>
+            <a:r>
+              <a:rPr lang="en-US" altLang="ko-KR" sz="2000" dirty="0"/>
+              <a:t>d = “</a:t>
+            </a:r>
+            <a:r>
+              <a:rPr lang="ko-KR" altLang="en-US" sz="2000" dirty="0"/>
+              <a:t>안</a:t>
+            </a:r>
+            <a:r>
+              <a:rPr lang="en-US" altLang="ko-KR" sz="2000" dirty="0"/>
+              <a:t>”;</a:t>
+            </a:r>
+            <a:r>
+              <a:rPr lang="ko-KR" altLang="en-US" sz="2000" dirty="0"/>
+              <a:t>  </a:t>
+            </a:r>
+            <a:endParaRPr lang="en-US" altLang="ko-KR" sz="2000" dirty="0"/>
+          </a:p>
+          <a:p>
+            <a:pPr marL="0" indent="0">
+              <a:buNone/>
+            </a:pPr>
+            <a:endParaRPr lang="ko-KR" altLang="en-US" sz="2000" dirty="0"/>
+          </a:p>
+        </p:txBody>
+      </p:sp>
+      <p:sp>
+        <p:nvSpPr>
+          <p:cNvPr id="21" name="Rectangle 20">
+            <a:extLst>
+              <a:ext uri="{FF2B5EF4-FFF2-40B4-BE49-F238E27FC236}">
+                <a16:creationId xmlns:a16="http://schemas.microsoft.com/office/drawing/2014/main" id="{2E80C965-DB6D-4F81-9E9E-B027384D0BD6}"/>
+              </a:ext>
+              <a:ext uri="{C183D7F6-B498-43B3-948B-1728B52AA6E4}">
+                <adec:decorative xmlns:adec="http://schemas.microsoft.com/office/drawing/2017/decorative" val="1"/>
+              </a:ext>
+            </a:extLst>
+          </p:cNvPr>
+          <p:cNvSpPr>
+            <a:spLocks noGrp="1" noRot="1" noChangeAspect="1" noMove="1" noResize="1" noEditPoints="1" noAdjustHandles="1" noChangeArrowheads="1" noChangeShapeType="1" noTextEdit="1"/>
+          </p:cNvSpPr>
+          <p:nvPr>
+            <p:extLst>
+              <p:ext uri="{386F3935-93C4-4BCD-93E2-E3B085C9AB24}">
+                <p16:designElem xmlns:p16="http://schemas.microsoft.com/office/powerpoint/2015/main" val="1"/>
+              </p:ext>
+            </p:extLst>
+          </p:nvPr>
+        </p:nvSpPr>
+        <p:spPr>
+          <a:xfrm rot="2700000">
+            <a:off x="8809436" y="6033666"/>
+            <a:ext cx="645368" cy="645368"/>
+          </a:xfrm>
+          <a:prstGeom prst="rect">
+            <a:avLst/>
+          </a:prstGeom>
+          <a:solidFill>
+            <a:schemeClr val="accent4">
+              <a:alpha val="30000"/>
+            </a:schemeClr>
+          </a:solidFill>
+          <a:ln>
+            <a:noFill/>
+          </a:ln>
+        </p:spPr>
+        <p:style>
+          <a:lnRef idx="2">
+            <a:schemeClr val="accent1">
+              <a:shade val="50000"/>
+            </a:schemeClr>
+          </a:lnRef>
+          <a:fillRef idx="1">
+            <a:schemeClr val="accent1"/>
+          </a:fillRef>
+          <a:effectRef idx="0">
+            <a:schemeClr val="accent1"/>
+          </a:effectRef>
+          <a:fontRef idx="minor">
+            <a:schemeClr val="lt1"/>
+          </a:fontRef>
+        </p:style>
+        <p:txBody>
+          <a:bodyPr rtlCol="0" anchor="ctr"/>
+          <a:lstStyle/>
+          <a:p>
+            <a:pPr algn="ctr"/>
+            <a:endParaRPr lang="en-US"/>
+          </a:p>
+        </p:txBody>
+      </p:sp>
+      <p:sp>
+        <p:nvSpPr>
+          <p:cNvPr id="23" name="Isosceles Triangle 22">
+            <a:extLst>
+              <a:ext uri="{FF2B5EF4-FFF2-40B4-BE49-F238E27FC236}">
+                <a16:creationId xmlns:a16="http://schemas.microsoft.com/office/drawing/2014/main" id="{D291F021-C45C-4D44-A2B8-A789E386CC42}"/>
+              </a:ext>
+              <a:ext uri="{C183D7F6-B498-43B3-948B-1728B52AA6E4}">
+                <adec:decorative xmlns:adec="http://schemas.microsoft.com/office/drawing/2017/decorative" val="1"/>
+              </a:ext>
+            </a:extLst>
+          </p:cNvPr>
+          <p:cNvSpPr>
+            <a:spLocks noGrp="1" noRot="1" noChangeAspect="1" noMove="1" noResize="1" noEditPoints="1" noAdjustHandles="1" noChangeArrowheads="1" noChangeShapeType="1" noTextEdit="1"/>
+          </p:cNvSpPr>
+          <p:nvPr>
+            <p:extLst>
+              <p:ext uri="{386F3935-93C4-4BCD-93E2-E3B085C9AB24}">
+                <p16:designElem xmlns:p16="http://schemas.microsoft.com/office/powerpoint/2015/main" val="1"/>
+              </p:ext>
+            </p:extLst>
+          </p:nvPr>
+        </p:nvSpPr>
+        <p:spPr>
+          <a:xfrm>
+            <a:off x="8603444" y="5721108"/>
+            <a:ext cx="2261965" cy="1136891"/>
+          </a:xfrm>
+          <a:prstGeom prst="triangle">
+            <a:avLst>
+              <a:gd name="adj" fmla="val 50000"/>
+            </a:avLst>
+          </a:prstGeom>
+          <a:solidFill>
+            <a:schemeClr val="accent4">
+              <a:alpha val="30000"/>
+            </a:schemeClr>
+          </a:solidFill>
+          <a:ln>
+            <a:noFill/>
+          </a:ln>
+        </p:spPr>
+        <p:style>
+          <a:lnRef idx="2">
+            <a:schemeClr val="accent1">
+              <a:shade val="50000"/>
+            </a:schemeClr>
+          </a:lnRef>
+          <a:fillRef idx="1">
+            <a:schemeClr val="accent1"/>
+          </a:fillRef>
+          <a:effectRef idx="0">
+            <a:schemeClr val="accent1"/>
+          </a:effectRef>
+          <a:fontRef idx="minor">
+            <a:schemeClr val="lt1"/>
+          </a:fontRef>
+        </p:style>
+        <p:txBody>
+          <a:bodyPr rtlCol="0" anchor="ctr"/>
+          <a:lstStyle/>
+          <a:p>
+            <a:pPr algn="ctr"/>
+            <a:endParaRPr lang="en-US"/>
           </a:p>
         </p:txBody>
       </p:sp>
@@ -9341,7 +11364,7 @@
 </p:sld>
 </file>
 
-<file path=ppt/slides/slide14.xml><?xml version="1.0" encoding="utf-8"?>
+<file path=ppt/slides/slide16.xml><?xml version="1.0" encoding="utf-8"?>
 <p:sld xmlns:a="http://schemas.openxmlformats.org/drawingml/2006/main" xmlns:r="http://schemas.openxmlformats.org/officeDocument/2006/relationships" xmlns:p="http://schemas.openxmlformats.org/presentationml/2006/main">
   <p:cSld>
     <p:bg>
@@ -9881,7 +11904,7 @@
           <a:p>
             <a:pPr latinLnBrk="0"/>
             <a:r>
-              <a:rPr lang="ko-KR" altLang="en-US" sz="6000" kern="1200">
+              <a:rPr lang="ko-KR" altLang="en-US" sz="6000" kern="1200" dirty="0">
                 <a:solidFill>
                   <a:schemeClr val="bg1"/>
                 </a:solidFill>
@@ -9892,7 +11915,7 @@
               <a:t>연산자</a:t>
             </a:r>
             <a:r>
-              <a:rPr lang="en-US" altLang="ko-KR" sz="6000" kern="1200">
+              <a:rPr lang="en-US" altLang="ko-KR" sz="6000" kern="1200" dirty="0">
                 <a:solidFill>
                   <a:schemeClr val="bg1"/>
                 </a:solidFill>
@@ -9903,7 +11926,7 @@
               <a:t>-</a:t>
             </a:r>
             <a:r>
-              <a:rPr lang="ko-KR" altLang="en-US" sz="6000" kern="1200">
+              <a:rPr lang="ko-KR" altLang="en-US" sz="6000" kern="1200" dirty="0">
                 <a:solidFill>
                   <a:schemeClr val="bg1"/>
                 </a:solidFill>
@@ -9944,7 +11967,61 @@
           </a:bodyPr>
           <a:lstStyle/>
           <a:p>
-            <a:pPr marL="0" indent="0" algn="r" latinLnBrk="0">
+            <a:pPr marL="0" indent="0" latinLnBrk="0">
+              <a:buNone/>
+            </a:pPr>
+            <a:r>
+              <a:rPr lang="en-US" altLang="ko-KR" sz="1900" dirty="0">
+                <a:solidFill>
+                  <a:srgbClr val="FFFFFF"/>
+                </a:solidFill>
+              </a:rPr>
+              <a:t>&lt;C#</a:t>
+            </a:r>
+            <a:r>
+              <a:rPr lang="ko-KR" altLang="en-US" sz="1900" dirty="0">
+                <a:solidFill>
+                  <a:srgbClr val="FFFFFF"/>
+                </a:solidFill>
+              </a:rPr>
+              <a:t>연산자 </a:t>
+            </a:r>
+            <a:r>
+              <a:rPr lang="en-US" altLang="ko-KR" sz="1900" dirty="0">
+                <a:solidFill>
+                  <a:srgbClr val="FFFFFF"/>
+                </a:solidFill>
+              </a:rPr>
+              <a:t>MS</a:t>
+            </a:r>
+            <a:r>
+              <a:rPr lang="ko-KR" altLang="en-US" sz="1900" dirty="0">
+                <a:solidFill>
+                  <a:srgbClr val="FFFFFF"/>
+                </a:solidFill>
+              </a:rPr>
+              <a:t>문서</a:t>
+            </a:r>
+            <a:r>
+              <a:rPr lang="en-US" altLang="ko-KR" sz="1900" dirty="0">
+                <a:solidFill>
+                  <a:srgbClr val="FFFFFF"/>
+                </a:solidFill>
+              </a:rPr>
+              <a:t>&gt;</a:t>
+            </a:r>
+            <a:endParaRPr lang="en-US" altLang="ko-KR" sz="1900" kern="1200" dirty="0">
+              <a:solidFill>
+                <a:srgbClr val="FFFFFF"/>
+              </a:solidFill>
+              <a:latin typeface="+mn-lt"/>
+              <a:ea typeface="+mn-ea"/>
+              <a:cs typeface="+mn-cs"/>
+              <a:hlinkClick r:id="rId3"/>
+            </a:endParaRPr>
+          </a:p>
+          <a:p>
+            <a:pPr marL="0" indent="0" latinLnBrk="0">
               <a:buNone/>
             </a:pPr>
             <a:r>
@@ -9984,7 +12061,7 @@
         </p:nvSpPr>
         <p:spPr>
           <a:xfrm>
-            <a:off x="9170505" y="6211668"/>
+            <a:off x="4374571" y="5556261"/>
             <a:ext cx="3021496" cy="646331"/>
           </a:xfrm>
           <a:prstGeom prst="rect">
@@ -9999,24 +12076,63 @@
           <a:lstStyle/>
           <a:p>
             <a:r>
-              <a:rPr lang="ko-KR" altLang="en-US" dirty="0"/>
-              <a:t>열거형</a:t>
-            </a:r>
-            <a:r>
-              <a:rPr lang="en-US" altLang="ko-KR" dirty="0"/>
-              <a:t>?</a:t>
-            </a:r>
-            <a:r>
-              <a:rPr lang="ko-KR" altLang="en-US" dirty="0"/>
-              <a:t> </a:t>
-            </a:r>
-            <a:r>
               <a:rPr lang="en-US" altLang="ko-KR" dirty="0">
-                <a:hlinkClick r:id="rId4"/>
+                <a:solidFill>
+                  <a:schemeClr val="bg1"/>
+                </a:solidFill>
+              </a:rPr>
+              <a:t>+&lt;</a:t>
+            </a:r>
+            <a:r>
+              <a:rPr lang="ko-KR" altLang="en-US" dirty="0" err="1">
+                <a:solidFill>
+                  <a:schemeClr val="bg1"/>
+                </a:solidFill>
+              </a:rPr>
+              <a:t>열거형이란</a:t>
+            </a:r>
+            <a:r>
+              <a:rPr lang="en-US" altLang="ko-KR" dirty="0">
+                <a:solidFill>
+                  <a:schemeClr val="bg1"/>
+                </a:solidFill>
+              </a:rPr>
+              <a:t>?&gt;</a:t>
+            </a:r>
+            <a:endParaRPr lang="en-US" altLang="ko-KR" dirty="0">
+              <a:solidFill>
+                <a:schemeClr val="bg1"/>
+              </a:solidFill>
+              <a:hlinkClick r:id="rId4">
+                <a:extLst>
+                  <a:ext uri="{A12FA001-AC4F-418D-AE19-62706E023703}">
+                    <ahyp:hlinkClr xmlns:ahyp="http://schemas.microsoft.com/office/drawing/2018/hyperlinkcolor" val="tx"/>
+                  </a:ext>
+                </a:extLst>
+              </a:hlinkClick>
+            </a:endParaRPr>
+          </a:p>
+          <a:p>
+            <a:r>
+              <a:rPr lang="en-US" altLang="ko-KR" dirty="0">
+                <a:solidFill>
+                  <a:schemeClr val="bg1"/>
+                </a:solidFill>
+                <a:hlinkClick r:id="rId4">
+                  <a:extLst>
+                    <a:ext uri="{A12FA001-AC4F-418D-AE19-62706E023703}">
+                      <ahyp:hlinkClr xmlns:ahyp="http://schemas.microsoft.com/office/drawing/2018/hyperlinkcolor" val="tx"/>
+                    </a:ext>
+                  </a:extLst>
+                </a:hlinkClick>
               </a:rPr>
               <a:t>https://qzqz.tistory.com/97</a:t>
             </a:r>
-            <a:endParaRPr lang="ko-KR" altLang="en-US" dirty="0"/>
+            <a:endParaRPr lang="ko-KR" altLang="en-US" dirty="0">
+              <a:solidFill>
+                <a:schemeClr val="bg1"/>
+              </a:solidFill>
+            </a:endParaRPr>
           </a:p>
         </p:txBody>
       </p:sp>
@@ -10033,7 +12149,7 @@
 </p:sld>
 </file>
 
-<file path=ppt/slides/slide15.xml><?xml version="1.0" encoding="utf-8"?>
+<file path=ppt/slides/slide17.xml><?xml version="1.0" encoding="utf-8"?>
 <p:sld xmlns:a="http://schemas.openxmlformats.org/drawingml/2006/main" xmlns:r="http://schemas.openxmlformats.org/officeDocument/2006/relationships" xmlns:p="http://schemas.openxmlformats.org/presentationml/2006/main">
   <p:cSld>
     <p:bg>
@@ -11436,7 +13552,7 @@
 </p:sld>
 </file>
 
-<file path=ppt/slides/slide16.xml><?xml version="1.0" encoding="utf-8"?>
+<file path=ppt/slides/slide18.xml><?xml version="1.0" encoding="utf-8"?>
 <p:sld xmlns:a="http://schemas.openxmlformats.org/drawingml/2006/main" xmlns:r="http://schemas.openxmlformats.org/officeDocument/2006/relationships" xmlns:p="http://schemas.openxmlformats.org/presentationml/2006/main">
   <p:cSld>
     <p:bg>
@@ -12500,7 +14616,7 @@
 </p:sld>
 </file>
 
-<file path=ppt/slides/slide17.xml><?xml version="1.0" encoding="utf-8"?>
+<file path=ppt/slides/slide19.xml><?xml version="1.0" encoding="utf-8"?>
 <p:sld xmlns:a="http://schemas.openxmlformats.org/drawingml/2006/main" xmlns:r="http://schemas.openxmlformats.org/officeDocument/2006/relationships" xmlns:p="http://schemas.openxmlformats.org/presentationml/2006/main">
   <p:cSld>
     <p:bg>
@@ -12875,7 +14991,275 @@
 </p:sld>
 </file>
 
-<file path=ppt/slides/slide18.xml><?xml version="1.0" encoding="utf-8"?>
+<file path=ppt/slides/slide2.xml><?xml version="1.0" encoding="utf-8"?>
+<p:sld xmlns:a="http://schemas.openxmlformats.org/drawingml/2006/main" xmlns:r="http://schemas.openxmlformats.org/officeDocument/2006/relationships" xmlns:p="http://schemas.openxmlformats.org/presentationml/2006/main">
+  <p:cSld>
+    <p:bg>
+      <p:bgPr>
+        <a:solidFill>
+          <a:schemeClr val="bg1"/>
+        </a:solidFill>
+        <a:effectLst/>
+      </p:bgPr>
+    </p:bg>
+    <p:spTree>
+      <p:nvGrpSpPr>
+        <p:cNvPr id="1" name=""/>
+        <p:cNvGrpSpPr/>
+        <p:nvPr/>
+      </p:nvGrpSpPr>
+      <p:grpSpPr>
+        <a:xfrm>
+          <a:off x="0" y="0"/>
+          <a:ext cx="0" cy="0"/>
+          <a:chOff x="0" y="0"/>
+          <a:chExt cx="0" cy="0"/>
+        </a:xfrm>
+      </p:grpSpPr>
+      <p:sp>
+        <p:nvSpPr>
+          <p:cNvPr id="21" name="Rectangle 20">
+            <a:extLst>
+              <a:ext uri="{FF2B5EF4-FFF2-40B4-BE49-F238E27FC236}">
+                <a16:creationId xmlns:a16="http://schemas.microsoft.com/office/drawing/2014/main" id="{8D70B121-56F4-4848-B38B-182089D909FA}"/>
+              </a:ext>
+              <a:ext uri="{C183D7F6-B498-43B3-948B-1728B52AA6E4}">
+                <adec:decorative xmlns:adec="http://schemas.microsoft.com/office/drawing/2017/decorative" val="1"/>
+              </a:ext>
+            </a:extLst>
+          </p:cNvPr>
+          <p:cNvSpPr>
+            <a:spLocks noGrp="1" noRot="1" noChangeAspect="1" noMove="1" noResize="1" noEditPoints="1" noAdjustHandles="1" noChangeArrowheads="1" noChangeShapeType="1" noTextEdit="1"/>
+          </p:cNvSpPr>
+          <p:nvPr>
+            <p:extLst>
+              <p:ext uri="{386F3935-93C4-4BCD-93E2-E3B085C9AB24}">
+                <p16:designElem xmlns:p16="http://schemas.microsoft.com/office/powerpoint/2015/main" val="1"/>
+              </p:ext>
+            </p:extLst>
+          </p:nvPr>
+        </p:nvSpPr>
+        <p:spPr bwMode="ltGray">
+          <a:xfrm>
+            <a:off x="321564" y="320040"/>
+            <a:ext cx="11548872" cy="6217920"/>
+          </a:xfrm>
+          <a:prstGeom prst="rect">
+            <a:avLst/>
+          </a:prstGeom>
+          <a:solidFill>
+            <a:schemeClr val="tx1">
+              <a:alpha val="8000"/>
+            </a:schemeClr>
+          </a:solidFill>
+          <a:ln w="127000" cap="sq" cmpd="thinThick">
+            <a:noFill/>
+          </a:ln>
+        </p:spPr>
+        <p:style>
+          <a:lnRef idx="2">
+            <a:schemeClr val="accent1">
+              <a:shade val="50000"/>
+            </a:schemeClr>
+          </a:lnRef>
+          <a:fillRef idx="1">
+            <a:schemeClr val="accent1"/>
+          </a:fillRef>
+          <a:effectRef idx="0">
+            <a:schemeClr val="accent1"/>
+          </a:effectRef>
+          <a:fontRef idx="minor">
+            <a:schemeClr val="lt1"/>
+          </a:fontRef>
+        </p:style>
+        <p:txBody>
+          <a:bodyPr rtlCol="0" anchor="ctr"/>
+          <a:lstStyle/>
+          <a:p>
+            <a:pPr algn="ctr"/>
+            <a:endParaRPr lang="en-US"/>
+          </a:p>
+        </p:txBody>
+      </p:sp>
+      <p:sp>
+        <p:nvSpPr>
+          <p:cNvPr id="2" name="제목 1">
+            <a:extLst>
+              <a:ext uri="{FF2B5EF4-FFF2-40B4-BE49-F238E27FC236}">
+                <a16:creationId xmlns:a16="http://schemas.microsoft.com/office/drawing/2014/main" id="{A15F93DD-B32D-404A-8764-73CFCCDDBBB3}"/>
+              </a:ext>
+            </a:extLst>
+          </p:cNvPr>
+          <p:cNvSpPr>
+            <a:spLocks noGrp="1"/>
+          </p:cNvSpPr>
+          <p:nvPr>
+            <p:ph type="title"/>
+          </p:nvPr>
+        </p:nvSpPr>
+        <p:spPr>
+          <a:xfrm>
+            <a:off x="321564" y="963877"/>
+            <a:ext cx="4010998" cy="4930246"/>
+          </a:xfrm>
+        </p:spPr>
+        <p:txBody>
+          <a:bodyPr>
+            <a:normAutofit/>
+          </a:bodyPr>
+          <a:lstStyle/>
+          <a:p>
+            <a:pPr algn="r"/>
+            <a:r>
+              <a:rPr lang="ko-KR" altLang="en-US" dirty="0">
+                <a:solidFill>
+                  <a:schemeClr val="accent1"/>
+                </a:solidFill>
+              </a:rPr>
+              <a:t>전체 학습 목표</a:t>
+            </a:r>
+          </a:p>
+        </p:txBody>
+      </p:sp>
+      <p:cxnSp>
+        <p:nvCxnSpPr>
+          <p:cNvPr id="23" name="Straight Connector 22">
+            <a:extLst>
+              <a:ext uri="{FF2B5EF4-FFF2-40B4-BE49-F238E27FC236}">
+                <a16:creationId xmlns:a16="http://schemas.microsoft.com/office/drawing/2014/main" id="{2D72A2C9-F3CA-4216-8BAD-FA4C970C3C4E}"/>
+              </a:ext>
+              <a:ext uri="{C183D7F6-B498-43B3-948B-1728B52AA6E4}">
+                <adec:decorative xmlns:adec="http://schemas.microsoft.com/office/drawing/2017/decorative" val="1"/>
+              </a:ext>
+            </a:extLst>
+          </p:cNvPr>
+          <p:cNvCxnSpPr>
+            <a:cxnSpLocks noGrp="1" noRot="1" noChangeAspect="1" noMove="1" noResize="1" noEditPoints="1" noAdjustHandles="1" noChangeArrowheads="1" noChangeShapeType="1"/>
+          </p:cNvCxnSpPr>
+          <p:nvPr>
+            <p:extLst>
+              <p:ext uri="{386F3935-93C4-4BCD-93E2-E3B085C9AB24}">
+                <p16:designElem xmlns:p16="http://schemas.microsoft.com/office/powerpoint/2015/main" val="1"/>
+              </p:ext>
+            </p:extLst>
+          </p:nvPr>
+        </p:nvCxnSpPr>
+        <p:spPr>
+          <a:xfrm>
+            <a:off x="4654296" y="2057400"/>
+            <a:ext cx="0" cy="2743200"/>
+          </a:xfrm>
+          <a:prstGeom prst="line">
+            <a:avLst/>
+          </a:prstGeom>
+          <a:ln w="19050">
+            <a:solidFill>
+              <a:schemeClr val="tx1">
+                <a:lumMod val="85000"/>
+                <a:lumOff val="15000"/>
+              </a:schemeClr>
+            </a:solidFill>
+          </a:ln>
+        </p:spPr>
+        <p:style>
+          <a:lnRef idx="1">
+            <a:schemeClr val="accent1"/>
+          </a:lnRef>
+          <a:fillRef idx="0">
+            <a:schemeClr val="accent1"/>
+          </a:fillRef>
+          <a:effectRef idx="0">
+            <a:schemeClr val="accent1"/>
+          </a:effectRef>
+          <a:fontRef idx="minor">
+            <a:schemeClr val="tx1"/>
+          </a:fontRef>
+        </p:style>
+      </p:cxnSp>
+      <p:sp>
+        <p:nvSpPr>
+          <p:cNvPr id="3" name="내용 개체 틀 2">
+            <a:extLst>
+              <a:ext uri="{FF2B5EF4-FFF2-40B4-BE49-F238E27FC236}">
+                <a16:creationId xmlns:a16="http://schemas.microsoft.com/office/drawing/2014/main" id="{9F448D57-1730-4CF0-A622-1FA21055EEAD}"/>
+              </a:ext>
+            </a:extLst>
+          </p:cNvPr>
+          <p:cNvSpPr>
+            <a:spLocks noGrp="1"/>
+          </p:cNvSpPr>
+          <p:nvPr>
+            <p:ph idx="1"/>
+          </p:nvPr>
+        </p:nvSpPr>
+        <p:spPr>
+          <a:xfrm>
+            <a:off x="4976031" y="963877"/>
+            <a:ext cx="6377769" cy="4930246"/>
+          </a:xfrm>
+        </p:spPr>
+        <p:txBody>
+          <a:bodyPr anchor="ctr">
+            <a:normAutofit/>
+          </a:bodyPr>
+          <a:lstStyle/>
+          <a:p>
+            <a:pPr marL="514350" indent="-514350">
+              <a:buAutoNum type="arabicPeriod"/>
+            </a:pPr>
+            <a:r>
+              <a:rPr lang="ko-KR" altLang="en-US" sz="2400"/>
+              <a:t>프로그램의 동작 과정을 대략적으로 이해한다</a:t>
+            </a:r>
+            <a:endParaRPr lang="en-US" altLang="ko-KR" sz="2400"/>
+          </a:p>
+          <a:p>
+            <a:pPr marL="514350" indent="-514350">
+              <a:buAutoNum type="arabicPeriod"/>
+            </a:pPr>
+            <a:endParaRPr lang="en-US" altLang="ko-KR" sz="2400"/>
+          </a:p>
+          <a:p>
+            <a:pPr marL="514350" indent="-514350">
+              <a:buAutoNum type="arabicPeriod"/>
+            </a:pPr>
+            <a:r>
+              <a:rPr lang="ko-KR" altLang="en-US" sz="2400"/>
+              <a:t>기본적인 코드 작성과 이해를 할 수 있다</a:t>
+            </a:r>
+            <a:endParaRPr lang="en-US" altLang="ko-KR" sz="2400"/>
+          </a:p>
+          <a:p>
+            <a:pPr marL="514350" indent="-514350">
+              <a:buAutoNum type="arabicPeriod"/>
+            </a:pPr>
+            <a:endParaRPr lang="en-US" altLang="ko-KR" sz="2400"/>
+          </a:p>
+          <a:p>
+            <a:pPr marL="514350" indent="-514350">
+              <a:buAutoNum type="arabicPeriod"/>
+            </a:pPr>
+            <a:r>
+              <a:rPr lang="ko-KR" altLang="en-US" sz="2400"/>
+              <a:t>유니티 엔진을 이용하여 간단한 게임을 만들 수 있다</a:t>
+            </a:r>
+          </a:p>
+        </p:txBody>
+      </p:sp>
+    </p:spTree>
+    <p:extLst>
+      <p:ext uri="{BB962C8B-B14F-4D97-AF65-F5344CB8AC3E}">
+        <p14:creationId xmlns:p14="http://schemas.microsoft.com/office/powerpoint/2010/main" val="2261076257"/>
+      </p:ext>
+    </p:extLst>
+  </p:cSld>
+  <p:clrMapOvr>
+    <a:masterClrMapping/>
+  </p:clrMapOvr>
+</p:sld>
+</file>
+
+<file path=ppt/slides/slide20.xml><?xml version="1.0" encoding="utf-8"?>
 <p:sld xmlns:a="http://schemas.openxmlformats.org/drawingml/2006/main" xmlns:r="http://schemas.openxmlformats.org/officeDocument/2006/relationships" xmlns:p="http://schemas.openxmlformats.org/presentationml/2006/main">
   <p:cSld>
     <p:bg>
@@ -14859,7 +17243,7 @@
 </p:sld>
 </file>
 
-<file path=ppt/slides/slide19.xml><?xml version="1.0" encoding="utf-8"?>
+<file path=ppt/slides/slide21.xml><?xml version="1.0" encoding="utf-8"?>
 <p:sld xmlns:a="http://schemas.openxmlformats.org/drawingml/2006/main" xmlns:r="http://schemas.openxmlformats.org/officeDocument/2006/relationships" xmlns:p="http://schemas.openxmlformats.org/presentationml/2006/main">
   <p:cSld>
     <p:bg>
@@ -15441,6 +17825,57 @@
           </a:graphicData>
         </a:graphic>
       </p:graphicFrame>
+      <p:sp>
+        <p:nvSpPr>
+          <p:cNvPr id="3" name="직사각형 2">
+            <a:extLst>
+              <a:ext uri="{FF2B5EF4-FFF2-40B4-BE49-F238E27FC236}">
+                <a16:creationId xmlns:a16="http://schemas.microsoft.com/office/drawing/2014/main" id="{3C05CAE9-10E4-4784-B7F9-2406CC1B3C2D}"/>
+              </a:ext>
+            </a:extLst>
+          </p:cNvPr>
+          <p:cNvSpPr/>
+          <p:nvPr/>
+        </p:nvSpPr>
+        <p:spPr>
+          <a:xfrm>
+            <a:off x="5987143" y="5594746"/>
+            <a:ext cx="6096000" cy="1200329"/>
+          </a:xfrm>
+          <a:prstGeom prst="rect">
+            <a:avLst/>
+          </a:prstGeom>
+        </p:spPr>
+        <p:txBody>
+          <a:bodyPr>
+            <a:spAutoFit/>
+          </a:bodyPr>
+          <a:lstStyle/>
+          <a:p>
+            <a:r>
+              <a:rPr lang="en-US" altLang="ko-KR" dirty="0"/>
+              <a:t>&lt;</a:t>
+            </a:r>
+            <a:r>
+              <a:rPr lang="ko-KR" altLang="en-US" dirty="0"/>
+              <a:t>논리연산 알아보기</a:t>
+            </a:r>
+            <a:r>
+              <a:rPr lang="en-US" altLang="ko-KR" dirty="0"/>
+              <a:t>&gt;</a:t>
+            </a:r>
+          </a:p>
+          <a:p>
+            <a:r>
+              <a:rPr lang="en-US" altLang="ko-KR" dirty="0">
+                <a:hlinkClick r:id="rId3"/>
+              </a:rPr>
+              <a:t>https://m.blog.naver.com/PostView.nhn?blogId=brickbot&amp;logNo=220508046954&amp;proxyReferer=https%3A%2F%2Fwww.google.com%2F</a:t>
+            </a:r>
+            <a:endParaRPr lang="ko-KR" altLang="en-US" dirty="0"/>
+          </a:p>
+        </p:txBody>
+      </p:sp>
     </p:spTree>
     <p:extLst>
       <p:ext uri="{BB962C8B-B14F-4D97-AF65-F5344CB8AC3E}">
@@ -15454,275 +17889,7 @@
 </p:sld>
 </file>
 
-<file path=ppt/slides/slide2.xml><?xml version="1.0" encoding="utf-8"?>
-<p:sld xmlns:a="http://schemas.openxmlformats.org/drawingml/2006/main" xmlns:r="http://schemas.openxmlformats.org/officeDocument/2006/relationships" xmlns:p="http://schemas.openxmlformats.org/presentationml/2006/main">
-  <p:cSld>
-    <p:bg>
-      <p:bgPr>
-        <a:solidFill>
-          <a:schemeClr val="bg1"/>
-        </a:solidFill>
-        <a:effectLst/>
-      </p:bgPr>
-    </p:bg>
-    <p:spTree>
-      <p:nvGrpSpPr>
-        <p:cNvPr id="1" name=""/>
-        <p:cNvGrpSpPr/>
-        <p:nvPr/>
-      </p:nvGrpSpPr>
-      <p:grpSpPr>
-        <a:xfrm>
-          <a:off x="0" y="0"/>
-          <a:ext cx="0" cy="0"/>
-          <a:chOff x="0" y="0"/>
-          <a:chExt cx="0" cy="0"/>
-        </a:xfrm>
-      </p:grpSpPr>
-      <p:sp>
-        <p:nvSpPr>
-          <p:cNvPr id="21" name="Rectangle 20">
-            <a:extLst>
-              <a:ext uri="{FF2B5EF4-FFF2-40B4-BE49-F238E27FC236}">
-                <a16:creationId xmlns:a16="http://schemas.microsoft.com/office/drawing/2014/main" id="{8D70B121-56F4-4848-B38B-182089D909FA}"/>
-              </a:ext>
-              <a:ext uri="{C183D7F6-B498-43B3-948B-1728B52AA6E4}">
-                <adec:decorative xmlns:adec="http://schemas.microsoft.com/office/drawing/2017/decorative" val="1"/>
-              </a:ext>
-            </a:extLst>
-          </p:cNvPr>
-          <p:cNvSpPr>
-            <a:spLocks noGrp="1" noRot="1" noChangeAspect="1" noMove="1" noResize="1" noEditPoints="1" noAdjustHandles="1" noChangeArrowheads="1" noChangeShapeType="1" noTextEdit="1"/>
-          </p:cNvSpPr>
-          <p:nvPr>
-            <p:extLst>
-              <p:ext uri="{386F3935-93C4-4BCD-93E2-E3B085C9AB24}">
-                <p16:designElem xmlns:p16="http://schemas.microsoft.com/office/powerpoint/2015/main" val="1"/>
-              </p:ext>
-            </p:extLst>
-          </p:nvPr>
-        </p:nvSpPr>
-        <p:spPr bwMode="ltGray">
-          <a:xfrm>
-            <a:off x="321564" y="320040"/>
-            <a:ext cx="11548872" cy="6217920"/>
-          </a:xfrm>
-          <a:prstGeom prst="rect">
-            <a:avLst/>
-          </a:prstGeom>
-          <a:solidFill>
-            <a:schemeClr val="tx1">
-              <a:alpha val="8000"/>
-            </a:schemeClr>
-          </a:solidFill>
-          <a:ln w="127000" cap="sq" cmpd="thinThick">
-            <a:noFill/>
-          </a:ln>
-        </p:spPr>
-        <p:style>
-          <a:lnRef idx="2">
-            <a:schemeClr val="accent1">
-              <a:shade val="50000"/>
-            </a:schemeClr>
-          </a:lnRef>
-          <a:fillRef idx="1">
-            <a:schemeClr val="accent1"/>
-          </a:fillRef>
-          <a:effectRef idx="0">
-            <a:schemeClr val="accent1"/>
-          </a:effectRef>
-          <a:fontRef idx="minor">
-            <a:schemeClr val="lt1"/>
-          </a:fontRef>
-        </p:style>
-        <p:txBody>
-          <a:bodyPr rtlCol="0" anchor="ctr"/>
-          <a:lstStyle/>
-          <a:p>
-            <a:pPr algn="ctr"/>
-            <a:endParaRPr lang="en-US"/>
-          </a:p>
-        </p:txBody>
-      </p:sp>
-      <p:sp>
-        <p:nvSpPr>
-          <p:cNvPr id="2" name="제목 1">
-            <a:extLst>
-              <a:ext uri="{FF2B5EF4-FFF2-40B4-BE49-F238E27FC236}">
-                <a16:creationId xmlns:a16="http://schemas.microsoft.com/office/drawing/2014/main" id="{A15F93DD-B32D-404A-8764-73CFCCDDBBB3}"/>
-              </a:ext>
-            </a:extLst>
-          </p:cNvPr>
-          <p:cNvSpPr>
-            <a:spLocks noGrp="1"/>
-          </p:cNvSpPr>
-          <p:nvPr>
-            <p:ph type="title"/>
-          </p:nvPr>
-        </p:nvSpPr>
-        <p:spPr>
-          <a:xfrm>
-            <a:off x="321564" y="963877"/>
-            <a:ext cx="4010998" cy="4930246"/>
-          </a:xfrm>
-        </p:spPr>
-        <p:txBody>
-          <a:bodyPr>
-            <a:normAutofit/>
-          </a:bodyPr>
-          <a:lstStyle/>
-          <a:p>
-            <a:pPr algn="r"/>
-            <a:r>
-              <a:rPr lang="ko-KR" altLang="en-US" dirty="0">
-                <a:solidFill>
-                  <a:schemeClr val="accent1"/>
-                </a:solidFill>
-              </a:rPr>
-              <a:t>전체 학습 목표</a:t>
-            </a:r>
-          </a:p>
-        </p:txBody>
-      </p:sp>
-      <p:cxnSp>
-        <p:nvCxnSpPr>
-          <p:cNvPr id="23" name="Straight Connector 22">
-            <a:extLst>
-              <a:ext uri="{FF2B5EF4-FFF2-40B4-BE49-F238E27FC236}">
-                <a16:creationId xmlns:a16="http://schemas.microsoft.com/office/drawing/2014/main" id="{2D72A2C9-F3CA-4216-8BAD-FA4C970C3C4E}"/>
-              </a:ext>
-              <a:ext uri="{C183D7F6-B498-43B3-948B-1728B52AA6E4}">
-                <adec:decorative xmlns:adec="http://schemas.microsoft.com/office/drawing/2017/decorative" val="1"/>
-              </a:ext>
-            </a:extLst>
-          </p:cNvPr>
-          <p:cNvCxnSpPr>
-            <a:cxnSpLocks noGrp="1" noRot="1" noChangeAspect="1" noMove="1" noResize="1" noEditPoints="1" noAdjustHandles="1" noChangeArrowheads="1" noChangeShapeType="1"/>
-          </p:cNvCxnSpPr>
-          <p:nvPr>
-            <p:extLst>
-              <p:ext uri="{386F3935-93C4-4BCD-93E2-E3B085C9AB24}">
-                <p16:designElem xmlns:p16="http://schemas.microsoft.com/office/powerpoint/2015/main" val="1"/>
-              </p:ext>
-            </p:extLst>
-          </p:nvPr>
-        </p:nvCxnSpPr>
-        <p:spPr>
-          <a:xfrm>
-            <a:off x="4654296" y="2057400"/>
-            <a:ext cx="0" cy="2743200"/>
-          </a:xfrm>
-          <a:prstGeom prst="line">
-            <a:avLst/>
-          </a:prstGeom>
-          <a:ln w="19050">
-            <a:solidFill>
-              <a:schemeClr val="tx1">
-                <a:lumMod val="85000"/>
-                <a:lumOff val="15000"/>
-              </a:schemeClr>
-            </a:solidFill>
-          </a:ln>
-        </p:spPr>
-        <p:style>
-          <a:lnRef idx="1">
-            <a:schemeClr val="accent1"/>
-          </a:lnRef>
-          <a:fillRef idx="0">
-            <a:schemeClr val="accent1"/>
-          </a:fillRef>
-          <a:effectRef idx="0">
-            <a:schemeClr val="accent1"/>
-          </a:effectRef>
-          <a:fontRef idx="minor">
-            <a:schemeClr val="tx1"/>
-          </a:fontRef>
-        </p:style>
-      </p:cxnSp>
-      <p:sp>
-        <p:nvSpPr>
-          <p:cNvPr id="3" name="내용 개체 틀 2">
-            <a:extLst>
-              <a:ext uri="{FF2B5EF4-FFF2-40B4-BE49-F238E27FC236}">
-                <a16:creationId xmlns:a16="http://schemas.microsoft.com/office/drawing/2014/main" id="{9F448D57-1730-4CF0-A622-1FA21055EEAD}"/>
-              </a:ext>
-            </a:extLst>
-          </p:cNvPr>
-          <p:cNvSpPr>
-            <a:spLocks noGrp="1"/>
-          </p:cNvSpPr>
-          <p:nvPr>
-            <p:ph idx="1"/>
-          </p:nvPr>
-        </p:nvSpPr>
-        <p:spPr>
-          <a:xfrm>
-            <a:off x="4976031" y="963877"/>
-            <a:ext cx="6377769" cy="4930246"/>
-          </a:xfrm>
-        </p:spPr>
-        <p:txBody>
-          <a:bodyPr anchor="ctr">
-            <a:normAutofit/>
-          </a:bodyPr>
-          <a:lstStyle/>
-          <a:p>
-            <a:pPr marL="514350" indent="-514350">
-              <a:buAutoNum type="arabicPeriod"/>
-            </a:pPr>
-            <a:r>
-              <a:rPr lang="ko-KR" altLang="en-US" sz="2400"/>
-              <a:t>프로그램의 동작 과정을 대략적으로 이해한다</a:t>
-            </a:r>
-            <a:endParaRPr lang="en-US" altLang="ko-KR" sz="2400"/>
-          </a:p>
-          <a:p>
-            <a:pPr marL="514350" indent="-514350">
-              <a:buAutoNum type="arabicPeriod"/>
-            </a:pPr>
-            <a:endParaRPr lang="en-US" altLang="ko-KR" sz="2400"/>
-          </a:p>
-          <a:p>
-            <a:pPr marL="514350" indent="-514350">
-              <a:buAutoNum type="arabicPeriod"/>
-            </a:pPr>
-            <a:r>
-              <a:rPr lang="ko-KR" altLang="en-US" sz="2400"/>
-              <a:t>기본적인 코드 작성과 이해를 할 수 있다</a:t>
-            </a:r>
-            <a:endParaRPr lang="en-US" altLang="ko-KR" sz="2400"/>
-          </a:p>
-          <a:p>
-            <a:pPr marL="514350" indent="-514350">
-              <a:buAutoNum type="arabicPeriod"/>
-            </a:pPr>
-            <a:endParaRPr lang="en-US" altLang="ko-KR" sz="2400"/>
-          </a:p>
-          <a:p>
-            <a:pPr marL="514350" indent="-514350">
-              <a:buAutoNum type="arabicPeriod"/>
-            </a:pPr>
-            <a:r>
-              <a:rPr lang="ko-KR" altLang="en-US" sz="2400"/>
-              <a:t>유니티 엔진을 이용하여 간단한 게임을 만들 수 있다</a:t>
-            </a:r>
-          </a:p>
-        </p:txBody>
-      </p:sp>
-    </p:spTree>
-    <p:extLst>
-      <p:ext uri="{BB962C8B-B14F-4D97-AF65-F5344CB8AC3E}">
-        <p14:creationId xmlns:p14="http://schemas.microsoft.com/office/powerpoint/2010/main" val="2261076257"/>
-      </p:ext>
-    </p:extLst>
-  </p:cSld>
-  <p:clrMapOvr>
-    <a:masterClrMapping/>
-  </p:clrMapOvr>
-</p:sld>
-</file>
-
-<file path=ppt/slides/slide20.xml><?xml version="1.0" encoding="utf-8"?>
+<file path=ppt/slides/slide22.xml><?xml version="1.0" encoding="utf-8"?>
 <p:sld xmlns:a="http://schemas.openxmlformats.org/drawingml/2006/main" xmlns:r="http://schemas.openxmlformats.org/officeDocument/2006/relationships" xmlns:p="http://schemas.openxmlformats.org/presentationml/2006/main">
   <p:cSld>
     <p:bg>
@@ -16690,7 +18857,7 @@
 </p:sld>
 </file>
 
-<file path=ppt/slides/slide21.xml><?xml version="1.0" encoding="utf-8"?>
+<file path=ppt/slides/slide23.xml><?xml version="1.0" encoding="utf-8"?>
 <p:sld xmlns:a="http://schemas.openxmlformats.org/drawingml/2006/main" xmlns:r="http://schemas.openxmlformats.org/officeDocument/2006/relationships" xmlns:p="http://schemas.openxmlformats.org/presentationml/2006/main">
   <p:cSld>
     <p:bg>
@@ -17651,7 +19818,7 @@
 </p:sld>
 </file>
 
-<file path=ppt/slides/slide22.xml><?xml version="1.0" encoding="utf-8"?>
+<file path=ppt/slides/slide24.xml><?xml version="1.0" encoding="utf-8"?>
 <p:sld xmlns:a="http://schemas.openxmlformats.org/drawingml/2006/main" xmlns:r="http://schemas.openxmlformats.org/officeDocument/2006/relationships" xmlns:p="http://schemas.openxmlformats.org/presentationml/2006/main">
   <p:cSld>
     <p:bg>
@@ -17748,18 +19915,46 @@
               <a:buNone/>
             </a:pPr>
             <a:r>
-              <a:rPr lang="ko-KR" altLang="en-US" sz="2000"/>
-              <a:t>다음 코드의 출력값을 나타내시오</a:t>
-            </a:r>
-            <a:endParaRPr lang="en-US" altLang="ko-KR" sz="2000"/>
+              <a:rPr lang="ko-KR" altLang="en-US" sz="2000" dirty="0"/>
+              <a:t>다음 </a:t>
+            </a:r>
+            <a:r>
+              <a:rPr lang="en-US" altLang="ko-KR" sz="2000" dirty="0"/>
+              <a:t>C# </a:t>
+            </a:r>
+            <a:r>
+              <a:rPr lang="ko-KR" altLang="en-US" sz="2000" dirty="0"/>
+              <a:t>코드의 </a:t>
+            </a:r>
+            <a:r>
+              <a:rPr lang="ko-KR" altLang="en-US" sz="2000" dirty="0" err="1"/>
+              <a:t>출력값을</a:t>
+            </a:r>
+            <a:r>
+              <a:rPr lang="ko-KR" altLang="en-US" sz="2000" dirty="0"/>
+              <a:t> </a:t>
+            </a:r>
+            <a:r>
+              <a:rPr lang="ko-KR" altLang="en-US" sz="2000" dirty="0" err="1"/>
+              <a:t>나타내시오</a:t>
+            </a:r>
+            <a:endParaRPr lang="en-US" altLang="ko-KR" sz="2000" dirty="0"/>
           </a:p>
           <a:p>
             <a:pPr marL="0" indent="0">
               <a:buNone/>
             </a:pPr>
             <a:r>
-              <a:rPr lang="en-US" altLang="ko-KR" sz="2000"/>
-              <a:t>int i = 1;</a:t>
+              <a:rPr lang="en-US" altLang="ko-KR" sz="2000" dirty="0"/>
+              <a:t>int </a:t>
+            </a:r>
+            <a:r>
+              <a:rPr lang="en-US" altLang="ko-KR" sz="2000" dirty="0" err="1"/>
+              <a:t>i</a:t>
+            </a:r>
+            <a:r>
+              <a:rPr lang="en-US" altLang="ko-KR" sz="2000" dirty="0"/>
+              <a:t> = 1;</a:t>
             </a:r>
           </a:p>
           <a:p>
@@ -17767,8 +19962,20 @@
               <a:buNone/>
             </a:pPr>
             <a:r>
-              <a:rPr lang="en-US" altLang="ko-KR" sz="2000"/>
-              <a:t>Console.WriteLine(i++);</a:t>
+              <a:rPr lang="en-US" altLang="ko-KR" sz="2000" dirty="0" err="1"/>
+              <a:t>Console.WriteLine</a:t>
+            </a:r>
+            <a:r>
+              <a:rPr lang="en-US" altLang="ko-KR" sz="2000" dirty="0"/>
+              <a:t>(</a:t>
+            </a:r>
+            <a:r>
+              <a:rPr lang="en-US" altLang="ko-KR" sz="2000" dirty="0" err="1"/>
+              <a:t>i</a:t>
+            </a:r>
+            <a:r>
+              <a:rPr lang="en-US" altLang="ko-KR" sz="2000" dirty="0"/>
+              <a:t>++);</a:t>
             </a:r>
           </a:p>
           <a:p>
@@ -17776,8 +19983,20 @@
               <a:buNone/>
             </a:pPr>
             <a:r>
-              <a:rPr lang="en-US" altLang="ko-KR" sz="2000"/>
-              <a:t>Console.WriteLine(++i);</a:t>
+              <a:rPr lang="en-US" altLang="ko-KR" sz="2000" dirty="0" err="1"/>
+              <a:t>Console.WriteLine</a:t>
+            </a:r>
+            <a:r>
+              <a:rPr lang="en-US" altLang="ko-KR" sz="2000" dirty="0"/>
+              <a:t>(++</a:t>
+            </a:r>
+            <a:r>
+              <a:rPr lang="en-US" altLang="ko-KR" sz="2000" dirty="0" err="1"/>
+              <a:t>i</a:t>
+            </a:r>
+            <a:r>
+              <a:rPr lang="en-US" altLang="ko-KR" sz="2000" dirty="0"/>
+              <a:t>);</a:t>
             </a:r>
           </a:p>
           <a:p>
@@ -17785,15 +20004,27 @@
               <a:buNone/>
             </a:pPr>
             <a:r>
-              <a:rPr lang="en-US" altLang="ko-KR" sz="2000"/>
-              <a:t>Console.WriteLine(i);</a:t>
+              <a:rPr lang="en-US" altLang="ko-KR" sz="2000" dirty="0" err="1"/>
+              <a:t>Console.WriteLine</a:t>
+            </a:r>
+            <a:r>
+              <a:rPr lang="en-US" altLang="ko-KR" sz="2000" dirty="0"/>
+              <a:t>(</a:t>
+            </a:r>
+            <a:r>
+              <a:rPr lang="en-US" altLang="ko-KR" sz="2000" dirty="0" err="1"/>
+              <a:t>i</a:t>
+            </a:r>
+            <a:r>
+              <a:rPr lang="en-US" altLang="ko-KR" sz="2000" dirty="0"/>
+              <a:t>);</a:t>
             </a:r>
           </a:p>
           <a:p>
             <a:pPr marL="0" indent="0">
               <a:buNone/>
             </a:pPr>
-            <a:endParaRPr lang="ko-KR" altLang="en-US" sz="2000"/>
+            <a:endParaRPr lang="ko-KR" altLang="en-US" sz="2000" dirty="0"/>
           </a:p>
         </p:txBody>
       </p:sp>
@@ -17892,7 +20123,7 @@
 </p:sld>
 </file>
 
-<file path=ppt/slides/slide23.xml><?xml version="1.0" encoding="utf-8"?>
+<file path=ppt/slides/slide25.xml><?xml version="1.0" encoding="utf-8"?>
 <p:sld xmlns:a="http://schemas.openxmlformats.org/drawingml/2006/main" xmlns:r="http://schemas.openxmlformats.org/officeDocument/2006/relationships" xmlns:p="http://schemas.openxmlformats.org/presentationml/2006/main">
   <p:cSld>
     <p:bg>
@@ -17990,7 +20221,7 @@
             </a:pPr>
             <a:r>
               <a:rPr lang="ko-KR" altLang="en-US" sz="2000" dirty="0"/>
-              <a:t>다음 식의 정답을 </a:t>
+              <a:t>다음 식의 참과 거짓을 </a:t>
             </a:r>
             <a:r>
               <a:rPr lang="ko-KR" altLang="en-US" sz="2000" dirty="0" err="1"/>
@@ -18150,7 +20381,7 @@
 </p:sld>
 </file>
 
-<file path=ppt/slides/slide24.xml><?xml version="1.0" encoding="utf-8"?>
+<file path=ppt/slides/slide26.xml><?xml version="1.0" encoding="utf-8"?>
 <p:sld xmlns:a="http://schemas.openxmlformats.org/drawingml/2006/main" xmlns:r="http://schemas.openxmlformats.org/officeDocument/2006/relationships" xmlns:p="http://schemas.openxmlformats.org/presentationml/2006/main">
   <p:cSld>
     <p:bg>
@@ -18270,12 +20501,12 @@
           <a:p>
             <a:pPr algn="ctr" latinLnBrk="0"/>
             <a:r>
-              <a:rPr lang="ko-KR" altLang="en-US" sz="5400">
+              <a:rPr lang="ko-KR" altLang="en-US" sz="5400" dirty="0">
                 <a:solidFill>
                   <a:srgbClr val="FFFFFF"/>
                 </a:solidFill>
               </a:rPr>
-              <a:t>비주얼 스튜디오 뜯어보기</a:t>
+              <a:t>비주얼 스튜디오 사용하기</a:t>
             </a:r>
           </a:p>
         </p:txBody>
@@ -18312,9 +20543,9 @@
               <a:buNone/>
             </a:pPr>
             <a:r>
-              <a:rPr lang="ko-KR" altLang="en-US" sz="2000">
+              <a:rPr lang="ko-KR" altLang="en-US" sz="2000" dirty="0">
                 <a:solidFill>
-                  <a:srgbClr val="1DBEF1"/>
+                  <a:schemeClr val="bg1"/>
                 </a:solidFill>
               </a:rPr>
               <a:t>새 프로젝트 만들기 클릭</a:t>
@@ -18546,7 +20777,7 @@
 </p:sld>
 </file>
 
-<file path=ppt/slides/slide25.xml><?xml version="1.0" encoding="utf-8"?>
+<file path=ppt/slides/slide27.xml><?xml version="1.0" encoding="utf-8"?>
 <p:sld xmlns:a="http://schemas.openxmlformats.org/drawingml/2006/main" xmlns:r="http://schemas.openxmlformats.org/officeDocument/2006/relationships" xmlns:p="http://schemas.openxmlformats.org/presentationml/2006/main">
   <p:cSld>
     <p:bg>
@@ -18842,7 +21073,7 @@
 </p:sld>
 </file>
 
-<file path=ppt/slides/slide26.xml><?xml version="1.0" encoding="utf-8"?>
+<file path=ppt/slides/slide28.xml><?xml version="1.0" encoding="utf-8"?>
 <p:sld xmlns:a="http://schemas.openxmlformats.org/drawingml/2006/main" xmlns:r="http://schemas.openxmlformats.org/officeDocument/2006/relationships" xmlns:p="http://schemas.openxmlformats.org/presentationml/2006/main">
   <p:cSld>
     <p:bg>
@@ -19138,7 +21369,7 @@
 </p:sld>
 </file>
 
-<file path=ppt/slides/slide27.xml><?xml version="1.0" encoding="utf-8"?>
+<file path=ppt/slides/slide29.xml><?xml version="1.0" encoding="utf-8"?>
 <p:sld xmlns:a="http://schemas.openxmlformats.org/drawingml/2006/main" xmlns:r="http://schemas.openxmlformats.org/officeDocument/2006/relationships" xmlns:p="http://schemas.openxmlformats.org/presentationml/2006/main">
   <p:cSld>
     <p:bg>
@@ -19251,7 +21482,7 @@
         <p:spPr>
           <a:xfrm>
             <a:off x="1028700" y="190501"/>
-            <a:ext cx="2886075" cy="2486024"/>
+            <a:ext cx="2992794" cy="2486024"/>
           </a:xfrm>
           <a:noFill/>
         </p:spPr>
@@ -19263,28 +21494,12 @@
           <a:p>
             <a:pPr algn="ctr" latinLnBrk="0"/>
             <a:r>
-              <a:rPr lang="en-US" altLang="ko-KR" sz="3600">
+              <a:rPr lang="en-US" altLang="ko-KR" sz="3600" dirty="0">
                 <a:solidFill>
                   <a:schemeClr val="bg1"/>
                 </a:solidFill>
               </a:rPr>
-              <a:t>GitHub </a:t>
-            </a:r>
-            <a:r>
-              <a:rPr lang="ko-KR" altLang="en-US" sz="3600">
-                <a:solidFill>
-                  <a:schemeClr val="bg1"/>
-                </a:solidFill>
-              </a:rPr>
-              <a:t>이란</a:t>
-            </a:r>
-            <a:r>
-              <a:rPr lang="en-US" altLang="ko-KR" sz="3600">
-                <a:solidFill>
-                  <a:schemeClr val="bg1"/>
-                </a:solidFill>
-              </a:rPr>
-              <a:t>?</a:t>
+              <a:t>Git &amp; GitHub</a:t>
             </a:r>
           </a:p>
         </p:txBody>
@@ -19318,7 +21533,7 @@
         </p:blipFill>
         <p:spPr bwMode="auto">
           <a:xfrm>
-            <a:off x="4255262" y="1238541"/>
+            <a:off x="4250094" y="1117243"/>
             <a:ext cx="7183852" cy="4190419"/>
           </a:xfrm>
           <a:prstGeom prst="rect">
@@ -19349,7 +21564,382 @@
 </p:sld>
 </file>
 
-<file path=ppt/slides/slide28.xml><?xml version="1.0" encoding="utf-8"?>
+<file path=ppt/slides/slide3.xml><?xml version="1.0" encoding="utf-8"?>
+<p:sld xmlns:a="http://schemas.openxmlformats.org/drawingml/2006/main" xmlns:r="http://schemas.openxmlformats.org/officeDocument/2006/relationships" xmlns:p="http://schemas.openxmlformats.org/presentationml/2006/main">
+  <p:cSld>
+    <p:bg>
+      <p:bgPr>
+        <a:solidFill>
+          <a:schemeClr val="bg1"/>
+        </a:solidFill>
+        <a:effectLst/>
+      </p:bgPr>
+    </p:bg>
+    <p:spTree>
+      <p:nvGrpSpPr>
+        <p:cNvPr id="1" name=""/>
+        <p:cNvGrpSpPr/>
+        <p:nvPr/>
+      </p:nvGrpSpPr>
+      <p:grpSpPr>
+        <a:xfrm>
+          <a:off x="0" y="0"/>
+          <a:ext cx="0" cy="0"/>
+          <a:chOff x="0" y="0"/>
+          <a:chExt cx="0" cy="0"/>
+        </a:xfrm>
+      </p:grpSpPr>
+      <p:sp>
+        <p:nvSpPr>
+          <p:cNvPr id="8" name="Rectangle 7">
+            <a:extLst>
+              <a:ext uri="{FF2B5EF4-FFF2-40B4-BE49-F238E27FC236}">
+                <a16:creationId xmlns:a16="http://schemas.microsoft.com/office/drawing/2014/main" id="{8D70B121-56F4-4848-B38B-182089D909FA}"/>
+              </a:ext>
+              <a:ext uri="{C183D7F6-B498-43B3-948B-1728B52AA6E4}">
+                <adec:decorative xmlns:adec="http://schemas.microsoft.com/office/drawing/2017/decorative" val="1"/>
+              </a:ext>
+            </a:extLst>
+          </p:cNvPr>
+          <p:cNvSpPr>
+            <a:spLocks noGrp="1" noRot="1" noChangeAspect="1" noMove="1" noResize="1" noEditPoints="1" noAdjustHandles="1" noChangeArrowheads="1" noChangeShapeType="1" noTextEdit="1"/>
+          </p:cNvSpPr>
+          <p:nvPr>
+            <p:extLst>
+              <p:ext uri="{386F3935-93C4-4BCD-93E2-E3B085C9AB24}">
+                <p16:designElem xmlns:p16="http://schemas.microsoft.com/office/powerpoint/2015/main" val="1"/>
+              </p:ext>
+            </p:extLst>
+          </p:nvPr>
+        </p:nvSpPr>
+        <p:spPr bwMode="ltGray">
+          <a:xfrm>
+            <a:off x="321564" y="320040"/>
+            <a:ext cx="11548872" cy="6217920"/>
+          </a:xfrm>
+          <a:prstGeom prst="rect">
+            <a:avLst/>
+          </a:prstGeom>
+          <a:solidFill>
+            <a:schemeClr val="tx1">
+              <a:alpha val="8000"/>
+            </a:schemeClr>
+          </a:solidFill>
+          <a:ln w="127000" cap="sq" cmpd="thinThick">
+            <a:noFill/>
+          </a:ln>
+        </p:spPr>
+        <p:style>
+          <a:lnRef idx="2">
+            <a:schemeClr val="accent1">
+              <a:shade val="50000"/>
+            </a:schemeClr>
+          </a:lnRef>
+          <a:fillRef idx="1">
+            <a:schemeClr val="accent1"/>
+          </a:fillRef>
+          <a:effectRef idx="0">
+            <a:schemeClr val="accent1"/>
+          </a:effectRef>
+          <a:fontRef idx="minor">
+            <a:schemeClr val="lt1"/>
+          </a:fontRef>
+        </p:style>
+        <p:txBody>
+          <a:bodyPr rtlCol="0" anchor="ctr"/>
+          <a:lstStyle/>
+          <a:p>
+            <a:pPr algn="ctr"/>
+            <a:endParaRPr lang="en-US"/>
+          </a:p>
+        </p:txBody>
+      </p:sp>
+      <p:sp>
+        <p:nvSpPr>
+          <p:cNvPr id="2" name="제목 1">
+            <a:extLst>
+              <a:ext uri="{FF2B5EF4-FFF2-40B4-BE49-F238E27FC236}">
+                <a16:creationId xmlns:a16="http://schemas.microsoft.com/office/drawing/2014/main" id="{9A082EED-D61B-43F5-B51A-FF9651E45018}"/>
+              </a:ext>
+            </a:extLst>
+          </p:cNvPr>
+          <p:cNvSpPr>
+            <a:spLocks noGrp="1"/>
+          </p:cNvSpPr>
+          <p:nvPr>
+            <p:ph type="title"/>
+          </p:nvPr>
+        </p:nvSpPr>
+        <p:spPr>
+          <a:xfrm>
+            <a:off x="838200" y="963877"/>
+            <a:ext cx="3494362" cy="4930246"/>
+          </a:xfrm>
+        </p:spPr>
+        <p:txBody>
+          <a:bodyPr>
+            <a:normAutofit/>
+          </a:bodyPr>
+          <a:lstStyle/>
+          <a:p>
+            <a:pPr algn="r"/>
+            <a:r>
+              <a:rPr lang="en-US" altLang="ko-KR" dirty="0">
+                <a:solidFill>
+                  <a:schemeClr val="accent1"/>
+                </a:solidFill>
+              </a:rPr>
+              <a:t>1</a:t>
+            </a:r>
+            <a:r>
+              <a:rPr lang="ko-KR" altLang="en-US" dirty="0">
+                <a:solidFill>
+                  <a:schemeClr val="accent1"/>
+                </a:solidFill>
+              </a:rPr>
+              <a:t>주 차 목차</a:t>
+            </a:r>
+          </a:p>
+        </p:txBody>
+      </p:sp>
+      <p:cxnSp>
+        <p:nvCxnSpPr>
+          <p:cNvPr id="10" name="Straight Connector 9">
+            <a:extLst>
+              <a:ext uri="{FF2B5EF4-FFF2-40B4-BE49-F238E27FC236}">
+                <a16:creationId xmlns:a16="http://schemas.microsoft.com/office/drawing/2014/main" id="{2D72A2C9-F3CA-4216-8BAD-FA4C970C3C4E}"/>
+              </a:ext>
+              <a:ext uri="{C183D7F6-B498-43B3-948B-1728B52AA6E4}">
+                <adec:decorative xmlns:adec="http://schemas.microsoft.com/office/drawing/2017/decorative" val="1"/>
+              </a:ext>
+            </a:extLst>
+          </p:cNvPr>
+          <p:cNvCxnSpPr>
+            <a:cxnSpLocks noGrp="1" noRot="1" noChangeAspect="1" noMove="1" noResize="1" noEditPoints="1" noAdjustHandles="1" noChangeArrowheads="1" noChangeShapeType="1"/>
+          </p:cNvCxnSpPr>
+          <p:nvPr>
+            <p:extLst>
+              <p:ext uri="{386F3935-93C4-4BCD-93E2-E3B085C9AB24}">
+                <p16:designElem xmlns:p16="http://schemas.microsoft.com/office/powerpoint/2015/main" val="1"/>
+              </p:ext>
+            </p:extLst>
+          </p:nvPr>
+        </p:nvCxnSpPr>
+        <p:spPr>
+          <a:xfrm>
+            <a:off x="4654296" y="2057400"/>
+            <a:ext cx="0" cy="2743200"/>
+          </a:xfrm>
+          <a:prstGeom prst="line">
+            <a:avLst/>
+          </a:prstGeom>
+          <a:ln w="19050">
+            <a:solidFill>
+              <a:schemeClr val="tx1">
+                <a:lumMod val="85000"/>
+                <a:lumOff val="15000"/>
+              </a:schemeClr>
+            </a:solidFill>
+          </a:ln>
+        </p:spPr>
+        <p:style>
+          <a:lnRef idx="1">
+            <a:schemeClr val="accent1"/>
+          </a:lnRef>
+          <a:fillRef idx="0">
+            <a:schemeClr val="accent1"/>
+          </a:fillRef>
+          <a:effectRef idx="0">
+            <a:schemeClr val="accent1"/>
+          </a:effectRef>
+          <a:fontRef idx="minor">
+            <a:schemeClr val="tx1"/>
+          </a:fontRef>
+        </p:style>
+      </p:cxnSp>
+      <p:sp>
+        <p:nvSpPr>
+          <p:cNvPr id="3" name="내용 개체 틀 2">
+            <a:extLst>
+              <a:ext uri="{FF2B5EF4-FFF2-40B4-BE49-F238E27FC236}">
+                <a16:creationId xmlns:a16="http://schemas.microsoft.com/office/drawing/2014/main" id="{D7F3D920-01F1-4945-BFBE-3AB3E04C8133}"/>
+              </a:ext>
+            </a:extLst>
+          </p:cNvPr>
+          <p:cNvSpPr>
+            <a:spLocks noGrp="1"/>
+          </p:cNvSpPr>
+          <p:nvPr>
+            <p:ph idx="1"/>
+          </p:nvPr>
+        </p:nvSpPr>
+        <p:spPr>
+          <a:xfrm>
+            <a:off x="4976031" y="963877"/>
+            <a:ext cx="6377769" cy="4930246"/>
+          </a:xfrm>
+        </p:spPr>
+        <p:txBody>
+          <a:bodyPr anchor="ctr">
+            <a:normAutofit fontScale="92500" lnSpcReduction="20000"/>
+          </a:bodyPr>
+          <a:lstStyle/>
+          <a:p>
+            <a:pPr marL="514350" indent="-514350">
+              <a:buAutoNum type="arabicPeriod"/>
+            </a:pPr>
+            <a:r>
+              <a:rPr lang="ko-KR" altLang="en-US" sz="2400" dirty="0"/>
+              <a:t>프로그래밍이란</a:t>
+            </a:r>
+            <a:r>
+              <a:rPr lang="en-US" altLang="ko-KR" sz="2400" dirty="0"/>
+              <a:t>?</a:t>
+            </a:r>
+          </a:p>
+          <a:p>
+            <a:pPr marL="514350" indent="-514350">
+              <a:buAutoNum type="arabicPeriod"/>
+            </a:pPr>
+            <a:endParaRPr lang="en-US" altLang="ko-KR" sz="2400" dirty="0"/>
+          </a:p>
+          <a:p>
+            <a:pPr marL="514350" indent="-514350">
+              <a:buAutoNum type="arabicPeriod"/>
+            </a:pPr>
+            <a:r>
+              <a:rPr lang="ko-KR" altLang="en-US" sz="2400" dirty="0"/>
+              <a:t>자료형 </a:t>
+            </a:r>
+            <a:r>
+              <a:rPr lang="en-US" altLang="ko-KR" sz="2400" dirty="0"/>
+              <a:t>– </a:t>
+            </a:r>
+            <a:r>
+              <a:rPr lang="ko-KR" altLang="en-US" sz="2400" dirty="0"/>
+              <a:t>숫자</a:t>
+            </a:r>
+            <a:r>
+              <a:rPr lang="en-US" altLang="ko-KR" sz="2400" dirty="0"/>
+              <a:t>, </a:t>
+            </a:r>
+            <a:r>
+              <a:rPr lang="ko-KR" altLang="en-US" sz="2400" dirty="0"/>
+              <a:t>문자 저장하기</a:t>
+            </a:r>
+            <a:endParaRPr lang="en-US" altLang="ko-KR" sz="2400" dirty="0"/>
+          </a:p>
+          <a:p>
+            <a:pPr marL="514350" indent="-514350">
+              <a:buAutoNum type="arabicPeriod"/>
+            </a:pPr>
+            <a:endParaRPr lang="en-US" altLang="ko-KR" sz="2400" dirty="0"/>
+          </a:p>
+          <a:p>
+            <a:pPr marL="514350" indent="-514350">
+              <a:buAutoNum type="arabicPeriod"/>
+            </a:pPr>
+            <a:r>
+              <a:rPr lang="ko-KR" altLang="en-US" sz="2400" dirty="0"/>
+              <a:t>연산자 </a:t>
+            </a:r>
+            <a:r>
+              <a:rPr lang="en-US" altLang="ko-KR" sz="2400" dirty="0"/>
+              <a:t>– </a:t>
+            </a:r>
+            <a:r>
+              <a:rPr lang="ko-KR" altLang="en-US" sz="2400" dirty="0"/>
+              <a:t>계산해보기</a:t>
+            </a:r>
+            <a:endParaRPr lang="en-US" altLang="ko-KR" sz="2400" dirty="0"/>
+          </a:p>
+          <a:p>
+            <a:pPr marL="514350" indent="-514350">
+              <a:buAutoNum type="arabicPeriod"/>
+            </a:pPr>
+            <a:endParaRPr lang="en-US" altLang="ko-KR" sz="2400" dirty="0"/>
+          </a:p>
+          <a:p>
+            <a:pPr marL="514350" indent="-514350">
+              <a:buAutoNum type="arabicPeriod"/>
+            </a:pPr>
+            <a:r>
+              <a:rPr lang="ko-KR" altLang="en-US" sz="2400" dirty="0"/>
+              <a:t>비주얼 스튜디오 뜯어보기</a:t>
+            </a:r>
+            <a:endParaRPr lang="en-US" altLang="ko-KR" sz="2400" dirty="0"/>
+          </a:p>
+          <a:p>
+            <a:pPr marL="514350" indent="-514350">
+              <a:buAutoNum type="arabicPeriod"/>
+            </a:pPr>
+            <a:endParaRPr lang="en-US" altLang="ko-KR" sz="2400" dirty="0"/>
+          </a:p>
+          <a:p>
+            <a:pPr marL="514350" indent="-514350">
+              <a:buAutoNum type="arabicPeriod"/>
+            </a:pPr>
+            <a:r>
+              <a:rPr lang="en-US" altLang="ko-KR" sz="2400" dirty="0"/>
+              <a:t>Git</a:t>
+            </a:r>
+            <a:r>
+              <a:rPr lang="ko-KR" altLang="en-US" sz="2400" dirty="0"/>
+              <a:t>과 </a:t>
+            </a:r>
+            <a:r>
+              <a:rPr lang="en-US" altLang="ko-KR" sz="2400" dirty="0"/>
+              <a:t>GitHub</a:t>
+            </a:r>
+          </a:p>
+          <a:p>
+            <a:pPr marL="514350" indent="-514350">
+              <a:buAutoNum type="arabicPeriod"/>
+            </a:pPr>
+            <a:endParaRPr lang="en-US" altLang="ko-KR" sz="2400" dirty="0"/>
+          </a:p>
+          <a:p>
+            <a:pPr marL="514350" indent="-514350">
+              <a:buAutoNum type="arabicPeriod"/>
+            </a:pPr>
+            <a:r>
+              <a:rPr lang="ko-KR" altLang="en-US" sz="2400" dirty="0"/>
+              <a:t>백준 그룹 들어오기</a:t>
+            </a:r>
+            <a:endParaRPr lang="en-US" altLang="ko-KR" sz="2400" dirty="0"/>
+          </a:p>
+          <a:p>
+            <a:pPr marL="514350" indent="-514350">
+              <a:buAutoNum type="arabicPeriod"/>
+            </a:pPr>
+            <a:endParaRPr lang="en-US" altLang="ko-KR" sz="2400" dirty="0"/>
+          </a:p>
+          <a:p>
+            <a:pPr marL="514350" indent="-514350">
+              <a:buAutoNum type="arabicPeriod"/>
+            </a:pPr>
+            <a:r>
+              <a:rPr lang="ko-KR" altLang="en-US" sz="2400" dirty="0"/>
+              <a:t>과제</a:t>
+            </a:r>
+            <a:endParaRPr lang="en-US" altLang="ko-KR" sz="2400" dirty="0"/>
+          </a:p>
+        </p:txBody>
+      </p:sp>
+    </p:spTree>
+    <p:extLst>
+      <p:ext uri="{BB962C8B-B14F-4D97-AF65-F5344CB8AC3E}">
+        <p14:creationId xmlns:p14="http://schemas.microsoft.com/office/powerpoint/2010/main" val="194340770"/>
+      </p:ext>
+    </p:extLst>
+  </p:cSld>
+  <p:clrMapOvr>
+    <a:masterClrMapping/>
+  </p:clrMapOvr>
+</p:sld>
+</file>
+
+<file path=ppt/slides/slide30.xml><?xml version="1.0" encoding="utf-8"?>
 <p:sld xmlns:a="http://schemas.openxmlformats.org/drawingml/2006/main" xmlns:r="http://schemas.openxmlformats.org/officeDocument/2006/relationships" xmlns:p="http://schemas.openxmlformats.org/presentationml/2006/main">
   <p:cSld>
     <p:bg>
@@ -19392,8 +21982,8 @@
         </p:nvSpPr>
         <p:spPr>
           <a:xfrm>
-            <a:off x="8174735" y="640081"/>
-            <a:ext cx="3377183" cy="3708895"/>
+            <a:off x="8174736" y="2789853"/>
+            <a:ext cx="2779404" cy="1559123"/>
           </a:xfrm>
           <a:noFill/>
         </p:spPr>
@@ -19405,8 +21995,8 @@
           <a:p>
             <a:pPr latinLnBrk="0"/>
             <a:r>
-              <a:rPr lang="ko-KR" altLang="en-US"/>
-              <a:t>백준 가입하기</a:t>
+              <a:rPr lang="ko-KR" altLang="en-US" dirty="0"/>
+              <a:t>백준 그룹 만들기</a:t>
             </a:r>
           </a:p>
         </p:txBody>
@@ -19469,7 +22059,7 @@
 </p:sld>
 </file>
 
-<file path=ppt/slides/slide29.xml><?xml version="1.0" encoding="utf-8"?>
+<file path=ppt/slides/slide31.xml><?xml version="1.0" encoding="utf-8"?>
 <p:sld xmlns:a="http://schemas.openxmlformats.org/drawingml/2006/main" xmlns:r="http://schemas.openxmlformats.org/officeDocument/2006/relationships" xmlns:p="http://schemas.openxmlformats.org/presentationml/2006/main">
   <p:cSld>
     <p:bg>
@@ -20058,382 +22648,7 @@
 </p:sld>
 </file>
 
-<file path=ppt/slides/slide3.xml><?xml version="1.0" encoding="utf-8"?>
-<p:sld xmlns:a="http://schemas.openxmlformats.org/drawingml/2006/main" xmlns:r="http://schemas.openxmlformats.org/officeDocument/2006/relationships" xmlns:p="http://schemas.openxmlformats.org/presentationml/2006/main">
-  <p:cSld>
-    <p:bg>
-      <p:bgPr>
-        <a:solidFill>
-          <a:schemeClr val="bg1"/>
-        </a:solidFill>
-        <a:effectLst/>
-      </p:bgPr>
-    </p:bg>
-    <p:spTree>
-      <p:nvGrpSpPr>
-        <p:cNvPr id="1" name=""/>
-        <p:cNvGrpSpPr/>
-        <p:nvPr/>
-      </p:nvGrpSpPr>
-      <p:grpSpPr>
-        <a:xfrm>
-          <a:off x="0" y="0"/>
-          <a:ext cx="0" cy="0"/>
-          <a:chOff x="0" y="0"/>
-          <a:chExt cx="0" cy="0"/>
-        </a:xfrm>
-      </p:grpSpPr>
-      <p:sp>
-        <p:nvSpPr>
-          <p:cNvPr id="8" name="Rectangle 7">
-            <a:extLst>
-              <a:ext uri="{FF2B5EF4-FFF2-40B4-BE49-F238E27FC236}">
-                <a16:creationId xmlns:a16="http://schemas.microsoft.com/office/drawing/2014/main" id="{8D70B121-56F4-4848-B38B-182089D909FA}"/>
-              </a:ext>
-              <a:ext uri="{C183D7F6-B498-43B3-948B-1728B52AA6E4}">
-                <adec:decorative xmlns:adec="http://schemas.microsoft.com/office/drawing/2017/decorative" val="1"/>
-              </a:ext>
-            </a:extLst>
-          </p:cNvPr>
-          <p:cNvSpPr>
-            <a:spLocks noGrp="1" noRot="1" noChangeAspect="1" noMove="1" noResize="1" noEditPoints="1" noAdjustHandles="1" noChangeArrowheads="1" noChangeShapeType="1" noTextEdit="1"/>
-          </p:cNvSpPr>
-          <p:nvPr>
-            <p:extLst>
-              <p:ext uri="{386F3935-93C4-4BCD-93E2-E3B085C9AB24}">
-                <p16:designElem xmlns:p16="http://schemas.microsoft.com/office/powerpoint/2015/main" val="1"/>
-              </p:ext>
-            </p:extLst>
-          </p:nvPr>
-        </p:nvSpPr>
-        <p:spPr bwMode="ltGray">
-          <a:xfrm>
-            <a:off x="321564" y="320040"/>
-            <a:ext cx="11548872" cy="6217920"/>
-          </a:xfrm>
-          <a:prstGeom prst="rect">
-            <a:avLst/>
-          </a:prstGeom>
-          <a:solidFill>
-            <a:schemeClr val="tx1">
-              <a:alpha val="8000"/>
-            </a:schemeClr>
-          </a:solidFill>
-          <a:ln w="127000" cap="sq" cmpd="thinThick">
-            <a:noFill/>
-          </a:ln>
-        </p:spPr>
-        <p:style>
-          <a:lnRef idx="2">
-            <a:schemeClr val="accent1">
-              <a:shade val="50000"/>
-            </a:schemeClr>
-          </a:lnRef>
-          <a:fillRef idx="1">
-            <a:schemeClr val="accent1"/>
-          </a:fillRef>
-          <a:effectRef idx="0">
-            <a:schemeClr val="accent1"/>
-          </a:effectRef>
-          <a:fontRef idx="minor">
-            <a:schemeClr val="lt1"/>
-          </a:fontRef>
-        </p:style>
-        <p:txBody>
-          <a:bodyPr rtlCol="0" anchor="ctr"/>
-          <a:lstStyle/>
-          <a:p>
-            <a:pPr algn="ctr"/>
-            <a:endParaRPr lang="en-US"/>
-          </a:p>
-        </p:txBody>
-      </p:sp>
-      <p:sp>
-        <p:nvSpPr>
-          <p:cNvPr id="2" name="제목 1">
-            <a:extLst>
-              <a:ext uri="{FF2B5EF4-FFF2-40B4-BE49-F238E27FC236}">
-                <a16:creationId xmlns:a16="http://schemas.microsoft.com/office/drawing/2014/main" id="{9A082EED-D61B-43F5-B51A-FF9651E45018}"/>
-              </a:ext>
-            </a:extLst>
-          </p:cNvPr>
-          <p:cNvSpPr>
-            <a:spLocks noGrp="1"/>
-          </p:cNvSpPr>
-          <p:nvPr>
-            <p:ph type="title"/>
-          </p:nvPr>
-        </p:nvSpPr>
-        <p:spPr>
-          <a:xfrm>
-            <a:off x="838200" y="963877"/>
-            <a:ext cx="3494362" cy="4930246"/>
-          </a:xfrm>
-        </p:spPr>
-        <p:txBody>
-          <a:bodyPr>
-            <a:normAutofit/>
-          </a:bodyPr>
-          <a:lstStyle/>
-          <a:p>
-            <a:pPr algn="r"/>
-            <a:r>
-              <a:rPr lang="en-US" altLang="ko-KR" dirty="0">
-                <a:solidFill>
-                  <a:schemeClr val="accent1"/>
-                </a:solidFill>
-              </a:rPr>
-              <a:t>1</a:t>
-            </a:r>
-            <a:r>
-              <a:rPr lang="ko-KR" altLang="en-US" dirty="0">
-                <a:solidFill>
-                  <a:schemeClr val="accent1"/>
-                </a:solidFill>
-              </a:rPr>
-              <a:t>주 차 목차</a:t>
-            </a:r>
-          </a:p>
-        </p:txBody>
-      </p:sp>
-      <p:cxnSp>
-        <p:nvCxnSpPr>
-          <p:cNvPr id="10" name="Straight Connector 9">
-            <a:extLst>
-              <a:ext uri="{FF2B5EF4-FFF2-40B4-BE49-F238E27FC236}">
-                <a16:creationId xmlns:a16="http://schemas.microsoft.com/office/drawing/2014/main" id="{2D72A2C9-F3CA-4216-8BAD-FA4C970C3C4E}"/>
-              </a:ext>
-              <a:ext uri="{C183D7F6-B498-43B3-948B-1728B52AA6E4}">
-                <adec:decorative xmlns:adec="http://schemas.microsoft.com/office/drawing/2017/decorative" val="1"/>
-              </a:ext>
-            </a:extLst>
-          </p:cNvPr>
-          <p:cNvCxnSpPr>
-            <a:cxnSpLocks noGrp="1" noRot="1" noChangeAspect="1" noMove="1" noResize="1" noEditPoints="1" noAdjustHandles="1" noChangeArrowheads="1" noChangeShapeType="1"/>
-          </p:cNvCxnSpPr>
-          <p:nvPr>
-            <p:extLst>
-              <p:ext uri="{386F3935-93C4-4BCD-93E2-E3B085C9AB24}">
-                <p16:designElem xmlns:p16="http://schemas.microsoft.com/office/powerpoint/2015/main" val="1"/>
-              </p:ext>
-            </p:extLst>
-          </p:nvPr>
-        </p:nvCxnSpPr>
-        <p:spPr>
-          <a:xfrm>
-            <a:off x="4654296" y="2057400"/>
-            <a:ext cx="0" cy="2743200"/>
-          </a:xfrm>
-          <a:prstGeom prst="line">
-            <a:avLst/>
-          </a:prstGeom>
-          <a:ln w="19050">
-            <a:solidFill>
-              <a:schemeClr val="tx1">
-                <a:lumMod val="85000"/>
-                <a:lumOff val="15000"/>
-              </a:schemeClr>
-            </a:solidFill>
-          </a:ln>
-        </p:spPr>
-        <p:style>
-          <a:lnRef idx="1">
-            <a:schemeClr val="accent1"/>
-          </a:lnRef>
-          <a:fillRef idx="0">
-            <a:schemeClr val="accent1"/>
-          </a:fillRef>
-          <a:effectRef idx="0">
-            <a:schemeClr val="accent1"/>
-          </a:effectRef>
-          <a:fontRef idx="minor">
-            <a:schemeClr val="tx1"/>
-          </a:fontRef>
-        </p:style>
-      </p:cxnSp>
-      <p:sp>
-        <p:nvSpPr>
-          <p:cNvPr id="3" name="내용 개체 틀 2">
-            <a:extLst>
-              <a:ext uri="{FF2B5EF4-FFF2-40B4-BE49-F238E27FC236}">
-                <a16:creationId xmlns:a16="http://schemas.microsoft.com/office/drawing/2014/main" id="{D7F3D920-01F1-4945-BFBE-3AB3E04C8133}"/>
-              </a:ext>
-            </a:extLst>
-          </p:cNvPr>
-          <p:cNvSpPr>
-            <a:spLocks noGrp="1"/>
-          </p:cNvSpPr>
-          <p:nvPr>
-            <p:ph idx="1"/>
-          </p:nvPr>
-        </p:nvSpPr>
-        <p:spPr>
-          <a:xfrm>
-            <a:off x="4976031" y="963877"/>
-            <a:ext cx="6377769" cy="4930246"/>
-          </a:xfrm>
-        </p:spPr>
-        <p:txBody>
-          <a:bodyPr anchor="ctr">
-            <a:normAutofit fontScale="92500" lnSpcReduction="20000"/>
-          </a:bodyPr>
-          <a:lstStyle/>
-          <a:p>
-            <a:pPr marL="514350" indent="-514350">
-              <a:buAutoNum type="arabicPeriod"/>
-            </a:pPr>
-            <a:r>
-              <a:rPr lang="ko-KR" altLang="en-US" sz="2400" dirty="0"/>
-              <a:t>프로그래밍이란</a:t>
-            </a:r>
-            <a:r>
-              <a:rPr lang="en-US" altLang="ko-KR" sz="2400" dirty="0"/>
-              <a:t>?</a:t>
-            </a:r>
-          </a:p>
-          <a:p>
-            <a:pPr marL="514350" indent="-514350">
-              <a:buAutoNum type="arabicPeriod"/>
-            </a:pPr>
-            <a:endParaRPr lang="en-US" altLang="ko-KR" sz="2400" dirty="0"/>
-          </a:p>
-          <a:p>
-            <a:pPr marL="514350" indent="-514350">
-              <a:buAutoNum type="arabicPeriod"/>
-            </a:pPr>
-            <a:r>
-              <a:rPr lang="ko-KR" altLang="en-US" sz="2400" dirty="0"/>
-              <a:t>자료형 </a:t>
-            </a:r>
-            <a:r>
-              <a:rPr lang="en-US" altLang="ko-KR" sz="2400" dirty="0"/>
-              <a:t>– </a:t>
-            </a:r>
-            <a:r>
-              <a:rPr lang="ko-KR" altLang="en-US" sz="2400" dirty="0"/>
-              <a:t>숫자</a:t>
-            </a:r>
-            <a:r>
-              <a:rPr lang="en-US" altLang="ko-KR" sz="2400" dirty="0"/>
-              <a:t>, </a:t>
-            </a:r>
-            <a:r>
-              <a:rPr lang="ko-KR" altLang="en-US" sz="2400" dirty="0"/>
-              <a:t>문자 저장하기</a:t>
-            </a:r>
-            <a:endParaRPr lang="en-US" altLang="ko-KR" sz="2400" dirty="0"/>
-          </a:p>
-          <a:p>
-            <a:pPr marL="514350" indent="-514350">
-              <a:buAutoNum type="arabicPeriod"/>
-            </a:pPr>
-            <a:endParaRPr lang="en-US" altLang="ko-KR" sz="2400" dirty="0"/>
-          </a:p>
-          <a:p>
-            <a:pPr marL="514350" indent="-514350">
-              <a:buAutoNum type="arabicPeriod"/>
-            </a:pPr>
-            <a:r>
-              <a:rPr lang="ko-KR" altLang="en-US" sz="2400" dirty="0"/>
-              <a:t>연산자 </a:t>
-            </a:r>
-            <a:r>
-              <a:rPr lang="en-US" altLang="ko-KR" sz="2400" dirty="0"/>
-              <a:t>– </a:t>
-            </a:r>
-            <a:r>
-              <a:rPr lang="ko-KR" altLang="en-US" sz="2400" dirty="0"/>
-              <a:t>계산해보기</a:t>
-            </a:r>
-            <a:endParaRPr lang="en-US" altLang="ko-KR" sz="2400" dirty="0"/>
-          </a:p>
-          <a:p>
-            <a:pPr marL="514350" indent="-514350">
-              <a:buAutoNum type="arabicPeriod"/>
-            </a:pPr>
-            <a:endParaRPr lang="en-US" altLang="ko-KR" sz="2400" dirty="0"/>
-          </a:p>
-          <a:p>
-            <a:pPr marL="514350" indent="-514350">
-              <a:buAutoNum type="arabicPeriod"/>
-            </a:pPr>
-            <a:r>
-              <a:rPr lang="ko-KR" altLang="en-US" sz="2400" dirty="0"/>
-              <a:t>비주얼 스튜디오 뜯어보기</a:t>
-            </a:r>
-            <a:endParaRPr lang="en-US" altLang="ko-KR" sz="2400" dirty="0"/>
-          </a:p>
-          <a:p>
-            <a:pPr marL="514350" indent="-514350">
-              <a:buAutoNum type="arabicPeriod"/>
-            </a:pPr>
-            <a:endParaRPr lang="en-US" altLang="ko-KR" sz="2400" dirty="0"/>
-          </a:p>
-          <a:p>
-            <a:pPr marL="514350" indent="-514350">
-              <a:buAutoNum type="arabicPeriod"/>
-            </a:pPr>
-            <a:r>
-              <a:rPr lang="en-US" altLang="ko-KR" sz="2400" dirty="0"/>
-              <a:t>Git </a:t>
-            </a:r>
-            <a:r>
-              <a:rPr lang="ko-KR" altLang="en-US" sz="2400" dirty="0"/>
-              <a:t>이란</a:t>
-            </a:r>
-            <a:r>
-              <a:rPr lang="en-US" altLang="ko-KR" sz="2400" dirty="0"/>
-              <a:t>?</a:t>
-            </a:r>
-          </a:p>
-          <a:p>
-            <a:pPr marL="514350" indent="-514350">
-              <a:buAutoNum type="arabicPeriod"/>
-            </a:pPr>
-            <a:endParaRPr lang="en-US" altLang="ko-KR" sz="2400" dirty="0"/>
-          </a:p>
-          <a:p>
-            <a:pPr marL="514350" indent="-514350">
-              <a:buAutoNum type="arabicPeriod"/>
-            </a:pPr>
-            <a:r>
-              <a:rPr lang="ko-KR" altLang="en-US" sz="2400" dirty="0"/>
-              <a:t>백준 그룹 들어오기</a:t>
-            </a:r>
-            <a:endParaRPr lang="en-US" altLang="ko-KR" sz="2400" dirty="0"/>
-          </a:p>
-          <a:p>
-            <a:pPr marL="514350" indent="-514350">
-              <a:buAutoNum type="arabicPeriod"/>
-            </a:pPr>
-            <a:endParaRPr lang="en-US" altLang="ko-KR" sz="2400" dirty="0"/>
-          </a:p>
-          <a:p>
-            <a:pPr marL="514350" indent="-514350">
-              <a:buAutoNum type="arabicPeriod"/>
-            </a:pPr>
-            <a:r>
-              <a:rPr lang="ko-KR" altLang="en-US" sz="2400" dirty="0"/>
-              <a:t>과제</a:t>
-            </a:r>
-            <a:endParaRPr lang="en-US" altLang="ko-KR" sz="2400" dirty="0"/>
-          </a:p>
-        </p:txBody>
-      </p:sp>
-    </p:spTree>
-    <p:extLst>
-      <p:ext uri="{BB962C8B-B14F-4D97-AF65-F5344CB8AC3E}">
-        <p14:creationId xmlns:p14="http://schemas.microsoft.com/office/powerpoint/2010/main" val="194340770"/>
-      </p:ext>
-    </p:extLst>
-  </p:cSld>
-  <p:clrMapOvr>
-    <a:masterClrMapping/>
-  </p:clrMapOvr>
-</p:sld>
-</file>
-
-<file path=ppt/slides/slide30.xml><?xml version="1.0" encoding="utf-8"?>
+<file path=ppt/slides/slide32.xml><?xml version="1.0" encoding="utf-8"?>
 <p:sld xmlns:a="http://schemas.openxmlformats.org/drawingml/2006/main" xmlns:r="http://schemas.openxmlformats.org/officeDocument/2006/relationships" xmlns:p="http://schemas.openxmlformats.org/presentationml/2006/main">
   <p:cSld>
     <p:bg>
@@ -21054,7 +23269,7 @@
 </p:sld>
 </file>
 
-<file path=ppt/slides/slide31.xml><?xml version="1.0" encoding="utf-8"?>
+<file path=ppt/slides/slide33.xml><?xml version="1.0" encoding="utf-8"?>
 <p:sld xmlns:a="http://schemas.openxmlformats.org/drawingml/2006/main" xmlns:r="http://schemas.openxmlformats.org/officeDocument/2006/relationships" xmlns:p="http://schemas.openxmlformats.org/presentationml/2006/main">
   <p:cSld>
     <p:bg>
@@ -21500,7 +23715,7 @@
 </p:sld>
 </file>
 
-<file path=ppt/slides/slide32.xml><?xml version="1.0" encoding="utf-8"?>
+<file path=ppt/slides/slide34.xml><?xml version="1.0" encoding="utf-8"?>
 <p:sld xmlns:a="http://schemas.openxmlformats.org/drawingml/2006/main" xmlns:r="http://schemas.openxmlformats.org/officeDocument/2006/relationships" xmlns:p="http://schemas.openxmlformats.org/presentationml/2006/main">
   <p:cSld>
     <p:bg>
@@ -21736,19 +23951,6 @@
             </a:pPr>
             <a:r>
               <a:rPr lang="ko-KR" altLang="en-US" sz="2400" dirty="0"/>
-              <a:t>번호</a:t>
-            </a:r>
-            <a:r>
-              <a:rPr lang="en-US" altLang="ko-KR" sz="2400" dirty="0"/>
-              <a:t>: 010 – 2498 – 6028</a:t>
-            </a:r>
-          </a:p>
-          <a:p>
-            <a:pPr marL="0" indent="0">
-              <a:buNone/>
-            </a:pPr>
-            <a:r>
-              <a:rPr lang="ko-KR" altLang="en-US" sz="2400" dirty="0"/>
               <a:t>카카오톡</a:t>
             </a:r>
             <a:r>
@@ -21771,7 +23973,7 @@
 </p:sld>
 </file>
 
-<file path=ppt/slides/slide33.xml><?xml version="1.0" encoding="utf-8"?>
+<file path=ppt/slides/slide35.xml><?xml version="1.0" encoding="utf-8"?>
 <p:sld xmlns:a="http://schemas.openxmlformats.org/drawingml/2006/main" xmlns:r="http://schemas.openxmlformats.org/officeDocument/2006/relationships" xmlns:p="http://schemas.openxmlformats.org/presentationml/2006/main">
   <p:cSld>
     <p:bg>
@@ -22100,19 +24302,22 @@
                 <a:ea typeface="+mj-ea"/>
                 <a:cs typeface="+mj-cs"/>
               </a:rPr>
-              <a:t>프로그래밍은 언어다</a:t>
-            </a:r>
-            <a:endParaRPr lang="en-US" altLang="ko-KR" sz="5400" kern="1200" dirty="0">
-              <a:solidFill>
-                <a:schemeClr val="tx1">
-                  <a:lumMod val="85000"/>
-                  <a:lumOff val="15000"/>
-                </a:schemeClr>
-              </a:solidFill>
-              <a:latin typeface="+mj-lt"/>
-              <a:ea typeface="+mj-ea"/>
-              <a:cs typeface="+mj-cs"/>
-            </a:endParaRPr>
+              <a:t>프로그래밍이란</a:t>
+            </a:r>
+            <a:r>
+              <a:rPr lang="en-US" altLang="ko-KR" sz="5400" kern="1200" dirty="0">
+                <a:solidFill>
+                  <a:schemeClr val="tx1">
+                    <a:lumMod val="85000"/>
+                    <a:lumOff val="15000"/>
+                  </a:schemeClr>
+                </a:solidFill>
+                <a:latin typeface="+mj-lt"/>
+                <a:ea typeface="+mj-ea"/>
+                <a:cs typeface="+mj-cs"/>
+              </a:rPr>
+              <a:t>?</a:t>
+            </a:r>
           </a:p>
         </p:txBody>
       </p:sp>
@@ -22211,7 +24416,7 @@
       </p:grpSpPr>
       <p:sp>
         <p:nvSpPr>
-          <p:cNvPr id="21" name="Rectangle 20">
+          <p:cNvPr id="8" name="Rectangle 7">
             <a:extLst>
               <a:ext uri="{FF2B5EF4-FFF2-40B4-BE49-F238E27FC236}">
                 <a16:creationId xmlns:a16="http://schemas.microsoft.com/office/drawing/2014/main" id="{8D70B121-56F4-4848-B38B-182089D909FA}"/>
@@ -22279,7 +24484,7 @@
           <p:cNvPr id="2" name="제목 1">
             <a:extLst>
               <a:ext uri="{FF2B5EF4-FFF2-40B4-BE49-F238E27FC236}">
-                <a16:creationId xmlns:a16="http://schemas.microsoft.com/office/drawing/2014/main" id="{42F8CCBD-BE00-4900-B146-1001676C2EB2}"/>
+                <a16:creationId xmlns:a16="http://schemas.microsoft.com/office/drawing/2014/main" id="{7A7DBC44-0D85-4DDD-B5F0-534DECBC53DC}"/>
               </a:ext>
             </a:extLst>
           </p:cNvPr>
@@ -22292,8 +24497,8 @@
         </p:nvSpPr>
         <p:spPr>
           <a:xfrm>
-            <a:off x="139963" y="963877"/>
-            <a:ext cx="4514324" cy="4930246"/>
+            <a:off x="838200" y="963877"/>
+            <a:ext cx="3494362" cy="4930246"/>
           </a:xfrm>
         </p:spPr>
         <p:txBody>
@@ -22304,19 +24509,32 @@
           <a:p>
             <a:pPr algn="r"/>
             <a:r>
-              <a:rPr lang="ko-KR" altLang="en-US" dirty="0">
+              <a:rPr lang="ko-KR" altLang="en-US">
                 <a:solidFill>
                   <a:schemeClr val="accent1"/>
                 </a:solidFill>
               </a:rPr>
-              <a:t>자료형의 필요성</a:t>
-            </a:r>
+              <a:t>프로그래밍이란</a:t>
+            </a:r>
+            <a:r>
+              <a:rPr lang="en-US" altLang="ko-KR">
+                <a:solidFill>
+                  <a:schemeClr val="accent1"/>
+                </a:solidFill>
+              </a:rPr>
+              <a:t>?</a:t>
+            </a:r>
+            <a:endParaRPr lang="ko-KR" altLang="en-US">
+              <a:solidFill>
+                <a:schemeClr val="accent1"/>
+              </a:solidFill>
+            </a:endParaRPr>
           </a:p>
         </p:txBody>
       </p:sp>
       <p:cxnSp>
         <p:nvCxnSpPr>
-          <p:cNvPr id="23" name="Straight Connector 22">
+          <p:cNvPr id="10" name="Straight Connector 9">
             <a:extLst>
               <a:ext uri="{FF2B5EF4-FFF2-40B4-BE49-F238E27FC236}">
                 <a16:creationId xmlns:a16="http://schemas.microsoft.com/office/drawing/2014/main" id="{2D72A2C9-F3CA-4216-8BAD-FA4C970C3C4E}"/>
@@ -22374,7 +24592,7 @@
           <p:cNvPr id="3" name="내용 개체 틀 2">
             <a:extLst>
               <a:ext uri="{FF2B5EF4-FFF2-40B4-BE49-F238E27FC236}">
-                <a16:creationId xmlns:a16="http://schemas.microsoft.com/office/drawing/2014/main" id="{B61EE094-DD07-4FCA-861B-5DC4D4268D6C}"/>
+                <a16:creationId xmlns:a16="http://schemas.microsoft.com/office/drawing/2014/main" id="{756ED888-E595-4414-869C-1FB2D9978A2F}"/>
               </a:ext>
             </a:extLst>
           </p:cNvPr>
@@ -22397,32 +24615,116 @@
           </a:bodyPr>
           <a:lstStyle/>
           <a:p>
-            <a:r>
-              <a:rPr lang="en-US" altLang="ko-KR" sz="2400" dirty="0">
-                <a:hlinkClick r:id="rId3"/>
-              </a:rPr>
-              <a:t>https://docs.microsoft.com/ko-kr/dotnet/csharp/language-reference/builtin-types/built-in-types</a:t>
+            <a:pPr marL="0" indent="0">
+              <a:buNone/>
+            </a:pPr>
+            <a:r>
+              <a:rPr lang="ko-KR" altLang="en-US" sz="2400" dirty="0"/>
+              <a:t>정수 숫자가 하나 존재합니다</a:t>
             </a:r>
             <a:endParaRPr lang="en-US" altLang="ko-KR" sz="2400" dirty="0"/>
           </a:p>
           <a:p>
+            <a:pPr marL="0" indent="0">
+              <a:buNone/>
+            </a:pPr>
             <a:endParaRPr lang="en-US" altLang="ko-KR" sz="2400" dirty="0"/>
           </a:p>
           <a:p>
-            <a:r>
-              <a:rPr lang="en-US" altLang="ko-KR" sz="2400" dirty="0">
-                <a:hlinkClick r:id="rId4"/>
-              </a:rPr>
-              <a:t>https://hackersstudy.tistory.com/8</a:t>
-            </a:r>
+            <a:pPr marL="0" indent="0">
+              <a:buNone/>
+            </a:pPr>
+            <a:r>
+              <a:rPr lang="ko-KR" altLang="en-US" sz="2400" dirty="0"/>
+              <a:t>숫자를 하나 입력 받습니다 </a:t>
+            </a:r>
+            <a:endParaRPr lang="en-US" altLang="ko-KR" sz="2400" dirty="0"/>
+          </a:p>
+          <a:p>
+            <a:pPr marL="0" indent="0">
+              <a:buNone/>
+            </a:pPr>
+            <a:endParaRPr lang="en-US" altLang="ko-KR" sz="2400" dirty="0"/>
+          </a:p>
+          <a:p>
+            <a:pPr marL="0" indent="0">
+              <a:buNone/>
+            </a:pPr>
+            <a:r>
+              <a:rPr lang="ko-KR" altLang="en-US" sz="2400" dirty="0"/>
+              <a:t>만약</a:t>
+            </a:r>
+            <a:r>
+              <a:rPr lang="en-US" altLang="ko-KR" sz="2400" dirty="0"/>
+              <a:t>, </a:t>
+            </a:r>
+            <a:r>
+              <a:rPr lang="ko-KR" altLang="en-US" sz="2400" dirty="0"/>
+              <a:t>그 숫자를 </a:t>
+            </a:r>
+            <a:r>
+              <a:rPr lang="en-US" altLang="ko-KR" sz="2400" dirty="0"/>
+              <a:t>2</a:t>
+            </a:r>
+            <a:r>
+              <a:rPr lang="ko-KR" altLang="en-US" sz="2400" dirty="0"/>
+              <a:t>로 나눴을 때 나머지가 </a:t>
+            </a:r>
+            <a:r>
+              <a:rPr lang="en-US" altLang="ko-KR" sz="2400" dirty="0"/>
+              <a:t>0 </a:t>
+            </a:r>
+            <a:r>
+              <a:rPr lang="ko-KR" altLang="en-US" sz="2400" dirty="0"/>
+              <a:t>이면 짝수라고 출력합니다</a:t>
+            </a:r>
+            <a:endParaRPr lang="en-US" altLang="ko-KR" sz="2400" dirty="0"/>
+          </a:p>
+          <a:p>
+            <a:pPr marL="0" indent="0">
+              <a:buNone/>
+            </a:pPr>
             <a:endParaRPr lang="ko-KR" altLang="en-US" sz="2400" dirty="0"/>
+          </a:p>
+          <a:p>
+            <a:pPr marL="0" indent="0">
+              <a:buNone/>
+            </a:pPr>
+            <a:r>
+              <a:rPr lang="ko-KR" altLang="en-US" sz="2400" dirty="0"/>
+              <a:t>만약</a:t>
+            </a:r>
+            <a:r>
+              <a:rPr lang="en-US" altLang="ko-KR" sz="2400" dirty="0"/>
+              <a:t>, </a:t>
+            </a:r>
+            <a:r>
+              <a:rPr lang="ko-KR" altLang="en-US" sz="2400" dirty="0"/>
+              <a:t>그 숫자를 </a:t>
+            </a:r>
+            <a:r>
+              <a:rPr lang="en-US" altLang="ko-KR" sz="2400" dirty="0"/>
+              <a:t>2</a:t>
+            </a:r>
+            <a:r>
+              <a:rPr lang="ko-KR" altLang="en-US" sz="2400" dirty="0"/>
+              <a:t>로 나눴을 때 나머지가 </a:t>
+            </a:r>
+            <a:r>
+              <a:rPr lang="en-US" altLang="ko-KR" sz="2400" dirty="0"/>
+              <a:t>1</a:t>
+            </a:r>
+            <a:r>
+              <a:rPr lang="ko-KR" altLang="en-US" sz="2400" dirty="0"/>
+              <a:t>이면 홀수라고 출력합니다</a:t>
+            </a:r>
           </a:p>
         </p:txBody>
       </p:sp>
     </p:spTree>
     <p:extLst>
       <p:ext uri="{BB962C8B-B14F-4D97-AF65-F5344CB8AC3E}">
-        <p14:creationId xmlns:p14="http://schemas.microsoft.com/office/powerpoint/2010/main" val="2167781214"/>
+        <p14:creationId xmlns:p14="http://schemas.microsoft.com/office/powerpoint/2010/main" val="3350019270"/>
       </p:ext>
     </p:extLst>
   </p:cSld>
@@ -22457,12 +24759,12 @@
           <a:chExt cx="0" cy="0"/>
         </a:xfrm>
       </p:grpSpPr>
-      <p:sp useBgFill="1">
+      <p:sp>
         <p:nvSpPr>
           <p:cNvPr id="8" name="Rectangle 7">
             <a:extLst>
               <a:ext uri="{FF2B5EF4-FFF2-40B4-BE49-F238E27FC236}">
-                <a16:creationId xmlns:a16="http://schemas.microsoft.com/office/drawing/2014/main" id="{E4F9F79B-A093-478E-96B5-EE02BC93A858}"/>
+                <a16:creationId xmlns:a16="http://schemas.microsoft.com/office/drawing/2014/main" id="{8D70B121-56F4-4848-B38B-182089D909FA}"/>
               </a:ext>
               <a:ext uri="{C183D7F6-B498-43B3-948B-1728B52AA6E4}">
                 <adec:decorative xmlns:adec="http://schemas.microsoft.com/office/drawing/2017/decorative" val="1"/>
@@ -22480,15 +24782,20 @@
             </p:extLst>
           </p:nvPr>
         </p:nvSpPr>
-        <p:spPr>
+        <p:spPr bwMode="ltGray">
           <a:xfrm>
-            <a:off x="0" y="0"/>
-            <a:ext cx="12192000" cy="6858000"/>
+            <a:off x="321564" y="320040"/>
+            <a:ext cx="11548872" cy="6217920"/>
           </a:xfrm>
           <a:prstGeom prst="rect">
             <a:avLst/>
           </a:prstGeom>
-          <a:ln>
+          <a:solidFill>
+            <a:schemeClr val="tx1">
+              <a:alpha val="8000"/>
+            </a:schemeClr>
+          </a:solidFill>
+          <a:ln w="127000" cap="sq" cmpd="thinThick">
             <a:noFill/>
           </a:ln>
         </p:spPr>
@@ -22512,37 +24819,8 @@
           <a:bodyPr rtlCol="0" anchor="ctr"/>
           <a:lstStyle/>
           <a:p>
-            <a:pPr marL="0" marR="0" lvl="0" indent="0" algn="ctr" defTabSz="914400" rtl="0" eaLnBrk="1" fontAlgn="auto" latinLnBrk="0" hangingPunct="1">
-              <a:lnSpc>
-                <a:spcPct val="100000"/>
-              </a:lnSpc>
-              <a:spcBef>
-                <a:spcPts val="0"/>
-              </a:spcBef>
-              <a:spcAft>
-                <a:spcPts val="0"/>
-              </a:spcAft>
-              <a:buClrTx/>
-              <a:buSzTx/>
-              <a:buFontTx/>
-              <a:buNone/>
-              <a:tabLst/>
-              <a:defRPr/>
-            </a:pPr>
-            <a:endParaRPr kumimoji="0" lang="en-US" sz="1800" b="0" i="0" u="none" strike="noStrike" kern="1200" cap="none" spc="0" normalizeH="0" baseline="0" noProof="0">
-              <a:ln>
-                <a:noFill/>
-              </a:ln>
-              <a:solidFill>
-                <a:prstClr val="white"/>
-              </a:solidFill>
-              <a:effectLst/>
-              <a:uLnTx/>
-              <a:uFillTx/>
-              <a:latin typeface="Calibri" panose="020F0502020204030204"/>
-              <a:ea typeface="+mn-ea"/>
-              <a:cs typeface="+mn-cs"/>
-            </a:endParaRPr>
+            <a:pPr algn="ctr"/>
+            <a:endParaRPr lang="en-US"/>
           </a:p>
         </p:txBody>
       </p:sp>
@@ -22551,7 +24829,7 @@
           <p:cNvPr id="2" name="제목 1">
             <a:extLst>
               <a:ext uri="{FF2B5EF4-FFF2-40B4-BE49-F238E27FC236}">
-                <a16:creationId xmlns:a16="http://schemas.microsoft.com/office/drawing/2014/main" id="{3A1764F9-2EC0-4C26-9D76-F3D6EC883406}"/>
+                <a16:creationId xmlns:a16="http://schemas.microsoft.com/office/drawing/2014/main" id="{CDE61D30-BF85-4F96-9A9A-BB744F3EC129}"/>
               </a:ext>
             </a:extLst>
           </p:cNvPr>
@@ -22564,8 +24842,8 @@
         </p:nvSpPr>
         <p:spPr>
           <a:xfrm>
-            <a:off x="640079" y="4526280"/>
-            <a:ext cx="7410681" cy="1737360"/>
+            <a:off x="838200" y="963877"/>
+            <a:ext cx="3494362" cy="4930246"/>
           </a:xfrm>
         </p:spPr>
         <p:txBody>
@@ -22574,292 +24852,37 @@
           </a:bodyPr>
           <a:lstStyle/>
           <a:p>
-            <a:r>
-              <a:rPr lang="ko-KR" altLang="en-US" sz="4800" dirty="0"/>
-              <a:t>정수 자료형 </a:t>
-            </a:r>
-            <a:r>
-              <a:rPr lang="en-US" altLang="ko-KR" sz="4800" dirty="0"/>
-              <a:t>– int</a:t>
-            </a:r>
-            <a:endParaRPr lang="ko-KR" altLang="en-US" sz="4800" dirty="0"/>
-          </a:p>
-        </p:txBody>
-      </p:sp>
-      <p:sp>
-        <p:nvSpPr>
-          <p:cNvPr id="3" name="내용 개체 틀 2">
-            <a:extLst>
-              <a:ext uri="{FF2B5EF4-FFF2-40B4-BE49-F238E27FC236}">
-                <a16:creationId xmlns:a16="http://schemas.microsoft.com/office/drawing/2014/main" id="{246F6127-081D-4AD5-8D60-BC91850C43F4}"/>
-              </a:ext>
-            </a:extLst>
-          </p:cNvPr>
-          <p:cNvSpPr>
-            <a:spLocks noGrp="1"/>
-          </p:cNvSpPr>
-          <p:nvPr>
-            <p:ph idx="1"/>
-          </p:nvPr>
-        </p:nvSpPr>
-        <p:spPr>
-          <a:xfrm>
-            <a:off x="640080" y="595293"/>
-            <a:ext cx="5852033" cy="3463951"/>
-          </a:xfrm>
-        </p:spPr>
-        <p:txBody>
-          <a:bodyPr anchor="ctr">
-            <a:normAutofit/>
-          </a:bodyPr>
-          <a:lstStyle/>
-          <a:p>
-            <a:pPr marL="514350" indent="-514350">
-              <a:buAutoNum type="arabicPeriod"/>
-            </a:pPr>
-            <a:r>
-              <a:rPr lang="en-US" altLang="ko-KR" sz="2000" dirty="0"/>
-              <a:t>integer(</a:t>
-            </a:r>
-            <a:r>
-              <a:rPr lang="ko-KR" altLang="en-US" sz="2000" dirty="0"/>
-              <a:t>정수</a:t>
-            </a:r>
-            <a:r>
-              <a:rPr lang="en-US" altLang="ko-KR" sz="2000" dirty="0"/>
-              <a:t>)</a:t>
-            </a:r>
-            <a:r>
-              <a:rPr lang="ko-KR" altLang="en-US" sz="2000" dirty="0"/>
-              <a:t>의 약자 정수를 저장한다</a:t>
-            </a:r>
-            <a:r>
-              <a:rPr lang="en-US" altLang="ko-KR" sz="2000" dirty="0"/>
-              <a:t>.</a:t>
-            </a:r>
-          </a:p>
-          <a:p>
-            <a:pPr marL="514350" indent="-514350">
-              <a:buAutoNum type="arabicPeriod"/>
-            </a:pPr>
-            <a:endParaRPr lang="en-US" altLang="ko-KR" sz="2000" dirty="0"/>
-          </a:p>
-          <a:p>
-            <a:pPr marL="514350" indent="-514350">
-              <a:buAutoNum type="arabicPeriod"/>
-            </a:pPr>
-            <a:r>
-              <a:rPr lang="ko-KR" altLang="en-US" sz="2000" dirty="0"/>
-              <a:t>저장할 수 있는 수의 범위는 약 </a:t>
-            </a:r>
-            <a:r>
-              <a:rPr lang="en-US" altLang="ko-KR" sz="2000" dirty="0"/>
-              <a:t>-21</a:t>
-            </a:r>
-            <a:r>
-              <a:rPr lang="ko-KR" altLang="en-US" sz="2000" dirty="0"/>
-              <a:t>억에서 </a:t>
-            </a:r>
-            <a:r>
-              <a:rPr lang="en-US" altLang="ko-KR" sz="2000" dirty="0"/>
-              <a:t>21</a:t>
-            </a:r>
-            <a:r>
-              <a:rPr lang="ko-KR" altLang="en-US" sz="2000" dirty="0"/>
-              <a:t>억이다</a:t>
-            </a:r>
-            <a:r>
-              <a:rPr lang="en-US" altLang="ko-KR" sz="2000" dirty="0"/>
-              <a:t>.</a:t>
-            </a:r>
-          </a:p>
-          <a:p>
-            <a:pPr marL="514350" indent="-514350">
-              <a:buAutoNum type="arabicPeriod"/>
-            </a:pPr>
-            <a:endParaRPr lang="en-US" altLang="ko-KR" sz="2000" dirty="0"/>
-          </a:p>
-          <a:p>
-            <a:pPr marL="514350" indent="-514350">
-              <a:buAutoNum type="arabicPeriod"/>
-            </a:pPr>
-            <a:r>
-              <a:rPr lang="en-US" altLang="ko-KR" sz="2000" dirty="0"/>
-              <a:t>int number = 0; </a:t>
-            </a:r>
-            <a:r>
-              <a:rPr lang="ko-KR" altLang="en-US" sz="2000" dirty="0"/>
-              <a:t>과 같은 형식으로 사용한다</a:t>
-            </a:r>
-            <a:r>
-              <a:rPr lang="en-US" altLang="ko-KR" sz="2000" dirty="0"/>
-              <a:t>.</a:t>
-            </a:r>
-            <a:endParaRPr lang="ko-KR" altLang="en-US" sz="2000" dirty="0"/>
-          </a:p>
-        </p:txBody>
-      </p:sp>
-      <p:sp>
-        <p:nvSpPr>
-          <p:cNvPr id="10" name="Freeform: Shape 9">
-            <a:extLst>
-              <a:ext uri="{FF2B5EF4-FFF2-40B4-BE49-F238E27FC236}">
-                <a16:creationId xmlns:a16="http://schemas.microsoft.com/office/drawing/2014/main" id="{11394CD8-BD30-4B74-86F4-51FDF3383419}"/>
-              </a:ext>
-              <a:ext uri="{C183D7F6-B498-43B3-948B-1728B52AA6E4}">
-                <adec:decorative xmlns:adec="http://schemas.microsoft.com/office/drawing/2017/decorative" val="1"/>
-              </a:ext>
-            </a:extLst>
-          </p:cNvPr>
-          <p:cNvSpPr>
-            <a:spLocks noGrp="1" noRot="1" noChangeAspect="1" noMove="1" noResize="1" noEditPoints="1" noAdjustHandles="1" noChangeArrowheads="1" noChangeShapeType="1" noTextEdit="1"/>
-          </p:cNvSpPr>
-          <p:nvPr>
-            <p:extLst>
-              <p:ext uri="{386F3935-93C4-4BCD-93E2-E3B085C9AB24}">
-                <p16:designElem xmlns:p16="http://schemas.microsoft.com/office/powerpoint/2015/main" val="1"/>
-              </p:ext>
-            </p:extLst>
-          </p:nvPr>
-        </p:nvSpPr>
-        <p:spPr>
-          <a:xfrm>
-            <a:off x="6492113" y="0"/>
-            <a:ext cx="5699887" cy="4059244"/>
-          </a:xfrm>
-          <a:custGeom>
-            <a:avLst/>
-            <a:gdLst>
-              <a:gd name="connsiteX0" fmla="*/ 0 w 5699887"/>
-              <a:gd name="connsiteY0" fmla="*/ 0 h 4059244"/>
-              <a:gd name="connsiteX1" fmla="*/ 5699887 w 5699887"/>
-              <a:gd name="connsiteY1" fmla="*/ 0 h 4059244"/>
-              <a:gd name="connsiteX2" fmla="*/ 5699887 w 5699887"/>
-              <a:gd name="connsiteY2" fmla="*/ 3944096 h 4059244"/>
-              <a:gd name="connsiteX3" fmla="*/ 5525775 w 5699887"/>
-              <a:gd name="connsiteY3" fmla="*/ 3980429 h 4059244"/>
-              <a:gd name="connsiteX4" fmla="*/ 4663256 w 5699887"/>
-              <a:gd name="connsiteY4" fmla="*/ 4059244 h 4059244"/>
-              <a:gd name="connsiteX5" fmla="*/ 8566 w 5699887"/>
-              <a:gd name="connsiteY5" fmla="*/ 67422 h 4059244"/>
-            </a:gdLst>
-            <a:ahLst/>
-            <a:cxnLst>
-              <a:cxn ang="0">
-                <a:pos x="connsiteX0" y="connsiteY0"/>
-              </a:cxn>
-              <a:cxn ang="0">
-                <a:pos x="connsiteX1" y="connsiteY1"/>
-              </a:cxn>
-              <a:cxn ang="0">
-                <a:pos x="connsiteX2" y="connsiteY2"/>
-              </a:cxn>
-              <a:cxn ang="0">
-                <a:pos x="connsiteX3" y="connsiteY3"/>
-              </a:cxn>
-              <a:cxn ang="0">
-                <a:pos x="connsiteX4" y="connsiteY4"/>
-              </a:cxn>
-              <a:cxn ang="0">
-                <a:pos x="connsiteX5" y="connsiteY5"/>
-              </a:cxn>
-            </a:cxnLst>
-            <a:rect l="l" t="t" r="r" b="b"/>
-            <a:pathLst>
-              <a:path w="5699887" h="4059244">
-                <a:moveTo>
-                  <a:pt x="0" y="0"/>
-                </a:moveTo>
-                <a:lnTo>
-                  <a:pt x="5699887" y="0"/>
-                </a:lnTo>
-                <a:lnTo>
-                  <a:pt x="5699887" y="3944096"/>
-                </a:lnTo>
-                <a:lnTo>
-                  <a:pt x="5525775" y="3980429"/>
-                </a:lnTo>
-                <a:cubicBezTo>
-                  <a:pt x="5246154" y="4032190"/>
-                  <a:pt x="4957865" y="4059244"/>
-                  <a:pt x="4663256" y="4059244"/>
-                </a:cubicBezTo>
-                <a:cubicBezTo>
-                  <a:pt x="2306390" y="4059244"/>
-                  <a:pt x="353936" y="2327747"/>
-                  <a:pt x="8566" y="67422"/>
-                </a:cubicBezTo>
-                <a:close/>
-              </a:path>
-            </a:pathLst>
-          </a:custGeom>
-          <a:solidFill>
-            <a:srgbClr val="595959"/>
-          </a:solidFill>
-          <a:ln>
-            <a:noFill/>
-          </a:ln>
-        </p:spPr>
-        <p:style>
-          <a:lnRef idx="2">
-            <a:schemeClr val="accent1">
-              <a:shade val="50000"/>
-            </a:schemeClr>
-          </a:lnRef>
-          <a:fillRef idx="1">
-            <a:schemeClr val="accent1"/>
-          </a:fillRef>
-          <a:effectRef idx="0">
-            <a:schemeClr val="accent1"/>
-          </a:effectRef>
-          <a:fontRef idx="minor">
-            <a:schemeClr val="lt1"/>
-          </a:fontRef>
-        </p:style>
-        <p:txBody>
-          <a:bodyPr rtlCol="0" anchor="ctr"/>
-          <a:lstStyle/>
-          <a:p>
-            <a:pPr marL="0" marR="0" lvl="0" indent="0" algn="ctr" defTabSz="914400" rtl="0" eaLnBrk="1" fontAlgn="auto" latinLnBrk="0" hangingPunct="1">
-              <a:lnSpc>
-                <a:spcPct val="100000"/>
-              </a:lnSpc>
-              <a:spcBef>
-                <a:spcPts val="0"/>
-              </a:spcBef>
-              <a:spcAft>
-                <a:spcPts val="0"/>
-              </a:spcAft>
-              <a:buClrTx/>
-              <a:buSzTx/>
-              <a:buFontTx/>
-              <a:buNone/>
-              <a:tabLst/>
-              <a:defRPr/>
-            </a:pPr>
-            <a:endParaRPr kumimoji="0" lang="en-US" sz="1800" b="0" i="0" u="none" strike="noStrike" kern="1200" cap="none" spc="0" normalizeH="0" baseline="0" noProof="0">
-              <a:ln>
-                <a:noFill/>
-              </a:ln>
+            <a:pPr algn="r"/>
+            <a:r>
+              <a:rPr lang="ko-KR" altLang="en-US">
+                <a:solidFill>
+                  <a:schemeClr val="accent1"/>
+                </a:solidFill>
+              </a:rPr>
+              <a:t>프로그래밍이란</a:t>
+            </a:r>
+            <a:r>
+              <a:rPr lang="en-US" altLang="ko-KR">
+                <a:solidFill>
+                  <a:schemeClr val="accent1"/>
+                </a:solidFill>
+              </a:rPr>
+              <a:t>?</a:t>
+            </a:r>
+            <a:endParaRPr lang="ko-KR" altLang="en-US">
               <a:solidFill>
-                <a:prstClr val="white"/>
+                <a:schemeClr val="accent1"/>
               </a:solidFill>
-              <a:effectLst/>
-              <a:uLnTx/>
-              <a:uFillTx/>
-              <a:latin typeface="Calibri" panose="020F0502020204030204"/>
-              <a:ea typeface="+mn-ea"/>
-              <a:cs typeface="+mn-cs"/>
             </a:endParaRPr>
           </a:p>
         </p:txBody>
       </p:sp>
       <p:cxnSp>
         <p:nvCxnSpPr>
-          <p:cNvPr id="12" name="Straight Connector 11">
+          <p:cNvPr id="10" name="Straight Connector 9">
             <a:extLst>
               <a:ext uri="{FF2B5EF4-FFF2-40B4-BE49-F238E27FC236}">
-                <a16:creationId xmlns:a16="http://schemas.microsoft.com/office/drawing/2014/main" id="{D4C22394-EBC2-4FAF-A555-6C02D589EED7}"/>
+                <a16:creationId xmlns:a16="http://schemas.microsoft.com/office/drawing/2014/main" id="{2D72A2C9-F3CA-4216-8BAD-FA4C970C3C4E}"/>
               </a:ext>
               <a:ext uri="{C183D7F6-B498-43B3-948B-1728B52AA6E4}">
                 <adec:decorative xmlns:adec="http://schemas.microsoft.com/office/drawing/2017/decorative" val="1"/>
@@ -22878,16 +24901,19 @@
           </p:nvPr>
         </p:nvCxnSpPr>
         <p:spPr>
-          <a:xfrm rot="16200000">
-            <a:off x="1508760" y="3431556"/>
-            <a:ext cx="0" cy="1737360"/>
+          <a:xfrm>
+            <a:off x="4654296" y="2057400"/>
+            <a:ext cx="0" cy="2743200"/>
           </a:xfrm>
           <a:prstGeom prst="line">
             <a:avLst/>
           </a:prstGeom>
-          <a:ln w="19050" cap="sq">
+          <a:ln w="19050">
             <a:solidFill>
-              <a:schemeClr val="tx1"/>
+              <a:schemeClr val="tx1">
+                <a:lumMod val="85000"/>
+                <a:lumOff val="15000"/>
+              </a:schemeClr>
             </a:solidFill>
           </a:ln>
         </p:spPr>
@@ -22908,192 +24934,192 @@
       </p:cxnSp>
       <p:sp>
         <p:nvSpPr>
-          <p:cNvPr id="14" name="Oval 13">
+          <p:cNvPr id="3" name="내용 개체 틀 2">
             <a:extLst>
               <a:ext uri="{FF2B5EF4-FFF2-40B4-BE49-F238E27FC236}">
-                <a16:creationId xmlns:a16="http://schemas.microsoft.com/office/drawing/2014/main" id="{F7194F93-1F71-4A70-9DF1-28F183771111}"/>
-              </a:ext>
-              <a:ext uri="{C183D7F6-B498-43B3-948B-1728B52AA6E4}">
-                <adec:decorative xmlns:adec="http://schemas.microsoft.com/office/drawing/2017/decorative" val="1"/>
+                <a16:creationId xmlns:a16="http://schemas.microsoft.com/office/drawing/2014/main" id="{2B59559E-7368-416E-8299-29E6D480C9C2}"/>
               </a:ext>
             </a:extLst>
           </p:cNvPr>
           <p:cNvSpPr>
-            <a:spLocks noGrp="1" noRot="1" noChangeAspect="1" noMove="1" noResize="1" noEditPoints="1" noAdjustHandles="1" noChangeArrowheads="1" noChangeShapeType="1" noTextEdit="1"/>
+            <a:spLocks noGrp="1"/>
           </p:cNvSpPr>
           <p:nvPr>
-            <p:extLst>
-              <p:ext uri="{386F3935-93C4-4BCD-93E2-E3B085C9AB24}">
-                <p16:designElem xmlns:p16="http://schemas.microsoft.com/office/powerpoint/2015/main" val="1"/>
-              </p:ext>
-            </p:extLst>
+            <p:ph idx="1"/>
           </p:nvPr>
         </p:nvSpPr>
         <p:spPr>
           <a:xfrm>
-            <a:off x="8732897" y="5004581"/>
-            <a:ext cx="962395" cy="962395"/>
+            <a:off x="4976031" y="963877"/>
+            <a:ext cx="6377769" cy="4930246"/>
           </a:xfrm>
-          <a:prstGeom prst="ellipse">
-            <a:avLst/>
-          </a:prstGeom>
-          <a:solidFill>
-            <a:schemeClr val="accent1"/>
-          </a:solidFill>
-          <a:ln>
-            <a:noFill/>
-          </a:ln>
         </p:spPr>
-        <p:style>
-          <a:lnRef idx="2">
-            <a:schemeClr val="accent1">
-              <a:shade val="50000"/>
-            </a:schemeClr>
-          </a:lnRef>
-          <a:fillRef idx="1">
-            <a:schemeClr val="accent1"/>
-          </a:fillRef>
-          <a:effectRef idx="0">
-            <a:schemeClr val="accent1"/>
-          </a:effectRef>
-          <a:fontRef idx="minor">
-            <a:schemeClr val="lt1"/>
-          </a:fontRef>
-        </p:style>
         <p:txBody>
-          <a:bodyPr rtlCol="0" anchor="ctr"/>
+          <a:bodyPr anchor="ctr">
+            <a:normAutofit/>
+          </a:bodyPr>
           <a:lstStyle/>
           <a:p>
-            <a:pPr marL="0" marR="0" lvl="0" indent="0" algn="ctr" defTabSz="914400" rtl="0" eaLnBrk="1" fontAlgn="auto" latinLnBrk="0" hangingPunct="1">
-              <a:lnSpc>
-                <a:spcPct val="100000"/>
-              </a:lnSpc>
-              <a:spcBef>
-                <a:spcPts val="0"/>
-              </a:spcBef>
-              <a:spcAft>
-                <a:spcPts val="0"/>
-              </a:spcAft>
-              <a:buClrTx/>
-              <a:buSzTx/>
-              <a:buFontTx/>
+            <a:pPr marL="0" indent="0">
               <a:buNone/>
-              <a:tabLst/>
-              <a:defRPr/>
             </a:pPr>
-            <a:endParaRPr kumimoji="0" lang="en-US" sz="1800" b="0" i="0" u="none" strike="noStrike" kern="1200" cap="none" spc="0" normalizeH="0" baseline="0" noProof="0">
-              <a:ln>
-                <a:noFill/>
-              </a:ln>
-              <a:solidFill>
-                <a:prstClr val="white"/>
-              </a:solidFill>
-              <a:effectLst/>
-              <a:uLnTx/>
-              <a:uFillTx/>
-              <a:latin typeface="Calibri" panose="020F0502020204030204"/>
-              <a:ea typeface="+mn-ea"/>
-              <a:cs typeface="+mn-cs"/>
-            </a:endParaRPr>
-          </a:p>
-        </p:txBody>
-      </p:sp>
-      <p:sp>
-        <p:nvSpPr>
-          <p:cNvPr id="16" name="Oval 15">
-            <a:extLst>
-              <a:ext uri="{FF2B5EF4-FFF2-40B4-BE49-F238E27FC236}">
-                <a16:creationId xmlns:a16="http://schemas.microsoft.com/office/drawing/2014/main" id="{9BBC0C84-DC2A-43AE-9576-0A44295E8B9C}"/>
-              </a:ext>
-              <a:ext uri="{C183D7F6-B498-43B3-948B-1728B52AA6E4}">
-                <adec:decorative xmlns:adec="http://schemas.microsoft.com/office/drawing/2017/decorative" val="1"/>
-              </a:ext>
-            </a:extLst>
-          </p:cNvPr>
-          <p:cNvSpPr>
-            <a:spLocks noGrp="1" noRot="1" noChangeAspect="1" noMove="1" noResize="1" noEditPoints="1" noAdjustHandles="1" noChangeArrowheads="1" noChangeShapeType="1" noTextEdit="1"/>
-          </p:cNvSpPr>
-          <p:nvPr>
-            <p:extLst>
-              <p:ext uri="{386F3935-93C4-4BCD-93E2-E3B085C9AB24}">
-                <p16:designElem xmlns:p16="http://schemas.microsoft.com/office/powerpoint/2015/main" val="1"/>
-              </p:ext>
-            </p:extLst>
-          </p:nvPr>
-        </p:nvSpPr>
-        <p:spPr>
-          <a:xfrm>
-            <a:off x="10463725" y="4865965"/>
-            <a:ext cx="293695" cy="293695"/>
-          </a:xfrm>
-          <a:prstGeom prst="ellipse">
-            <a:avLst/>
-          </a:prstGeom>
-          <a:solidFill>
-            <a:schemeClr val="accent4"/>
-          </a:solidFill>
-          <a:ln>
-            <a:noFill/>
-          </a:ln>
-        </p:spPr>
-        <p:style>
-          <a:lnRef idx="2">
-            <a:schemeClr val="accent1">
-              <a:shade val="50000"/>
-            </a:schemeClr>
-          </a:lnRef>
-          <a:fillRef idx="1">
-            <a:schemeClr val="accent1"/>
-          </a:fillRef>
-          <a:effectRef idx="0">
-            <a:schemeClr val="accent1"/>
-          </a:effectRef>
-          <a:fontRef idx="minor">
-            <a:schemeClr val="lt1"/>
-          </a:fontRef>
-        </p:style>
-        <p:txBody>
-          <a:bodyPr rtlCol="0" anchor="ctr"/>
-          <a:lstStyle/>
-          <a:p>
-            <a:pPr marL="0" marR="0" lvl="0" indent="0" algn="ctr" defTabSz="914400" rtl="0" eaLnBrk="1" fontAlgn="auto" latinLnBrk="0" hangingPunct="1">
-              <a:lnSpc>
-                <a:spcPct val="100000"/>
-              </a:lnSpc>
-              <a:spcBef>
-                <a:spcPts val="0"/>
-              </a:spcBef>
-              <a:spcAft>
-                <a:spcPts val="0"/>
-              </a:spcAft>
-              <a:buClrTx/>
-              <a:buSzTx/>
-              <a:buFontTx/>
+            <a:r>
+              <a:rPr lang="en-US" altLang="ko-KR" sz="2400" dirty="0"/>
+              <a:t> int number;</a:t>
+            </a:r>
+          </a:p>
+          <a:p>
+            <a:pPr marL="0" indent="0">
               <a:buNone/>
-              <a:tabLst/>
-              <a:defRPr/>
             </a:pPr>
-            <a:endParaRPr kumimoji="0" lang="en-US" sz="1800" b="0" i="0" u="none" strike="noStrike" kern="1200" cap="none" spc="0" normalizeH="0" baseline="0" noProof="0">
-              <a:ln>
-                <a:noFill/>
-              </a:ln>
-              <a:solidFill>
-                <a:prstClr val="white"/>
-              </a:solidFill>
-              <a:effectLst/>
-              <a:uLnTx/>
-              <a:uFillTx/>
-              <a:latin typeface="Calibri" panose="020F0502020204030204"/>
-              <a:ea typeface="+mn-ea"/>
-              <a:cs typeface="+mn-cs"/>
-            </a:endParaRPr>
+            <a:r>
+              <a:rPr lang="en-US" altLang="ko-KR" sz="2400" dirty="0"/>
+              <a:t>            number = </a:t>
+            </a:r>
+            <a:r>
+              <a:rPr lang="en-US" altLang="ko-KR" sz="2400" dirty="0" err="1"/>
+              <a:t>int.Parse</a:t>
+            </a:r>
+            <a:r>
+              <a:rPr lang="en-US" altLang="ko-KR" sz="2400" dirty="0"/>
+              <a:t>(</a:t>
+            </a:r>
+            <a:r>
+              <a:rPr lang="en-US" altLang="ko-KR" sz="2400" dirty="0" err="1"/>
+              <a:t>Console.ReadLine</a:t>
+            </a:r>
+            <a:r>
+              <a:rPr lang="en-US" altLang="ko-KR" sz="2400" dirty="0"/>
+              <a:t>());</a:t>
+            </a:r>
+          </a:p>
+          <a:p>
+            <a:pPr marL="0" indent="0">
+              <a:buNone/>
+            </a:pPr>
+            <a:r>
+              <a:rPr lang="en-US" altLang="ko-KR" sz="2400" dirty="0"/>
+              <a:t>            if(number % 2 == 0)</a:t>
+            </a:r>
+          </a:p>
+          <a:p>
+            <a:pPr marL="0" indent="0">
+              <a:buNone/>
+            </a:pPr>
+            <a:r>
+              <a:rPr lang="ko-KR" altLang="en-US" sz="2400" dirty="0"/>
+              <a:t>            </a:t>
+            </a:r>
+            <a:r>
+              <a:rPr lang="en-US" altLang="ko-KR" sz="2400" dirty="0"/>
+              <a:t>{</a:t>
+            </a:r>
+          </a:p>
+          <a:p>
+            <a:pPr marL="0" indent="0">
+              <a:buNone/>
+            </a:pPr>
+            <a:r>
+              <a:rPr lang="en-US" altLang="ko-KR" sz="2400" dirty="0"/>
+              <a:t>                </a:t>
+            </a:r>
+            <a:r>
+              <a:rPr lang="en-US" altLang="ko-KR" sz="2400" dirty="0" err="1"/>
+              <a:t>Console.WriteLine</a:t>
+            </a:r>
+            <a:r>
+              <a:rPr lang="en-US" altLang="ko-KR" sz="2400" dirty="0"/>
+              <a:t>("</a:t>
+            </a:r>
+            <a:r>
+              <a:rPr lang="ko-KR" altLang="en-US" sz="2400" dirty="0"/>
+              <a:t>짝수</a:t>
+            </a:r>
+            <a:r>
+              <a:rPr lang="en-US" altLang="ko-KR" sz="2400" dirty="0"/>
+              <a:t>");</a:t>
+            </a:r>
+          </a:p>
+          <a:p>
+            <a:pPr marL="0" indent="0">
+              <a:buNone/>
+            </a:pPr>
+            <a:r>
+              <a:rPr lang="ko-KR" altLang="en-US" sz="2400" dirty="0"/>
+              <a:t>            </a:t>
+            </a:r>
+            <a:r>
+              <a:rPr lang="en-US" altLang="ko-KR" sz="2400" dirty="0"/>
+              <a:t>}</a:t>
+            </a:r>
+          </a:p>
+          <a:p>
+            <a:pPr marL="0" indent="0">
+              <a:buNone/>
+            </a:pPr>
+            <a:r>
+              <a:rPr lang="en-US" altLang="ko-KR" sz="2400" dirty="0"/>
+              <a:t>            if(number % 2 == 1)</a:t>
+            </a:r>
+          </a:p>
+          <a:p>
+            <a:pPr marL="0" indent="0">
+              <a:buNone/>
+            </a:pPr>
+            <a:r>
+              <a:rPr lang="ko-KR" altLang="en-US" sz="2400" dirty="0"/>
+              <a:t>            </a:t>
+            </a:r>
+            <a:r>
+              <a:rPr lang="en-US" altLang="ko-KR" sz="2400" dirty="0"/>
+              <a:t>{</a:t>
+            </a:r>
+          </a:p>
+          <a:p>
+            <a:pPr marL="0" indent="0">
+              <a:buNone/>
+            </a:pPr>
+            <a:r>
+              <a:rPr lang="en-US" altLang="ko-KR" sz="2400" dirty="0"/>
+              <a:t>                </a:t>
+            </a:r>
+            <a:r>
+              <a:rPr lang="en-US" altLang="ko-KR" sz="2400" dirty="0" err="1"/>
+              <a:t>Console.WriteLine</a:t>
+            </a:r>
+            <a:r>
+              <a:rPr lang="en-US" altLang="ko-KR" sz="2400" dirty="0"/>
+              <a:t>("</a:t>
+            </a:r>
+            <a:r>
+              <a:rPr lang="ko-KR" altLang="en-US" sz="2400" dirty="0"/>
+              <a:t>홀수</a:t>
+            </a:r>
+            <a:r>
+              <a:rPr lang="en-US" altLang="ko-KR" sz="2400" dirty="0"/>
+              <a:t>");</a:t>
+            </a:r>
+          </a:p>
+          <a:p>
+            <a:pPr marL="0" indent="0">
+              <a:buNone/>
+            </a:pPr>
+            <a:r>
+              <a:rPr lang="ko-KR" altLang="en-US" sz="2400" dirty="0"/>
+              <a:t>            </a:t>
+            </a:r>
+            <a:r>
+              <a:rPr lang="en-US" altLang="ko-KR" sz="2400" dirty="0"/>
+              <a:t>}</a:t>
+            </a:r>
+            <a:endParaRPr lang="ko-KR" altLang="en-US" sz="2400" dirty="0"/>
           </a:p>
         </p:txBody>
       </p:sp>
     </p:spTree>
     <p:extLst>
       <p:ext uri="{BB962C8B-B14F-4D97-AF65-F5344CB8AC3E}">
-        <p14:creationId xmlns:p14="http://schemas.microsoft.com/office/powerpoint/2010/main" val="797212257"/>
+        <p14:creationId xmlns:p14="http://schemas.microsoft.com/office/powerpoint/2010/main" val="2164190402"/>
       </p:ext>
     </p:extLst>
   </p:cSld>
@@ -23128,12 +25154,12 @@
           <a:chExt cx="0" cy="0"/>
         </a:xfrm>
       </p:grpSpPr>
-      <p:sp useBgFill="1">
+      <p:sp>
         <p:nvSpPr>
-          <p:cNvPr id="21" name="Rectangle 20">
+          <p:cNvPr id="28" name="Rectangle 27">
             <a:extLst>
               <a:ext uri="{FF2B5EF4-FFF2-40B4-BE49-F238E27FC236}">
-                <a16:creationId xmlns:a16="http://schemas.microsoft.com/office/drawing/2014/main" id="{D4C3103B-AE2E-41DA-8805-65F1A948FD5A}"/>
+                <a16:creationId xmlns:a16="http://schemas.microsoft.com/office/drawing/2014/main" id="{9A297797-5C89-4791-8204-AB071FA1FBCA}"/>
               </a:ext>
               <a:ext uri="{C183D7F6-B498-43B3-948B-1728B52AA6E4}">
                 <adec:decorative xmlns:adec="http://schemas.microsoft.com/office/drawing/2017/decorative" val="1"/>
@@ -23159,6 +25185,9 @@
           <a:prstGeom prst="rect">
             <a:avLst/>
           </a:prstGeom>
+          <a:solidFill>
+            <a:schemeClr val="bg1"/>
+          </a:solidFill>
           <a:ln>
             <a:noFill/>
           </a:ln>
@@ -23183,46 +25212,52 @@
           <a:bodyPr rtlCol="0" anchor="ctr"/>
           <a:lstStyle/>
           <a:p>
-            <a:pPr marL="0" marR="0" lvl="0" indent="0" algn="ctr" defTabSz="914400" rtl="0" eaLnBrk="1" fontAlgn="auto" latinLnBrk="0" hangingPunct="1">
-              <a:lnSpc>
-                <a:spcPct val="100000"/>
-              </a:lnSpc>
-              <a:spcBef>
-                <a:spcPts val="0"/>
-              </a:spcBef>
-              <a:spcAft>
-                <a:spcPts val="0"/>
-              </a:spcAft>
-              <a:buClrTx/>
-              <a:buSzTx/>
-              <a:buFontTx/>
-              <a:buNone/>
-              <a:tabLst/>
-              <a:defRPr/>
-            </a:pPr>
-            <a:endParaRPr kumimoji="0" lang="en-US" sz="1800" b="0" i="0" u="none" strike="noStrike" kern="1200" cap="none" spc="0" normalizeH="0" baseline="0" noProof="0">
-              <a:ln>
-                <a:noFill/>
-              </a:ln>
-              <a:solidFill>
-                <a:prstClr val="white"/>
-              </a:solidFill>
-              <a:effectLst/>
-              <a:uLnTx/>
-              <a:uFillTx/>
-              <a:latin typeface="Calibri" panose="020F0502020204030204"/>
-              <a:ea typeface="+mn-ea"/>
-              <a:cs typeface="+mn-cs"/>
-            </a:endParaRPr>
+            <a:pPr algn="ctr"/>
+            <a:endParaRPr lang="en-US" dirty="0"/>
           </a:p>
         </p:txBody>
       </p:sp>
       <p:sp>
         <p:nvSpPr>
-          <p:cNvPr id="23" name="Freeform: Shape 22">
+          <p:cNvPr id="2" name="제목 1">
             <a:extLst>
               <a:ext uri="{FF2B5EF4-FFF2-40B4-BE49-F238E27FC236}">
-                <a16:creationId xmlns:a16="http://schemas.microsoft.com/office/drawing/2014/main" id="{E3BC0C31-69A7-4200-9AFE-927230E1E04C}"/>
+                <a16:creationId xmlns:a16="http://schemas.microsoft.com/office/drawing/2014/main" id="{42F8CCBD-BE00-4900-B146-1001676C2EB2}"/>
+              </a:ext>
+            </a:extLst>
+          </p:cNvPr>
+          <p:cNvSpPr>
+            <a:spLocks noGrp="1"/>
+          </p:cNvSpPr>
+          <p:nvPr>
+            <p:ph type="title"/>
+          </p:nvPr>
+        </p:nvSpPr>
+        <p:spPr>
+          <a:xfrm>
+            <a:off x="643468" y="643467"/>
+            <a:ext cx="4804064" cy="5571065"/>
+          </a:xfrm>
+        </p:spPr>
+        <p:txBody>
+          <a:bodyPr>
+            <a:normAutofit/>
+          </a:bodyPr>
+          <a:lstStyle/>
+          <a:p>
+            <a:r>
+              <a:rPr lang="ko-KR" altLang="en-US" sz="3600"/>
+              <a:t>자료형의 필요성</a:t>
+            </a:r>
+          </a:p>
+        </p:txBody>
+      </p:sp>
+      <p:sp>
+        <p:nvSpPr>
+          <p:cNvPr id="30" name="Freeform: Shape 29">
+            <a:extLst>
+              <a:ext uri="{FF2B5EF4-FFF2-40B4-BE49-F238E27FC236}">
+                <a16:creationId xmlns:a16="http://schemas.microsoft.com/office/drawing/2014/main" id="{569BBA9B-8F4E-4D2B-BEFA-41A475443377}"/>
               </a:ext>
               <a:ext uri="{C183D7F6-B498-43B3-948B-1728B52AA6E4}">
                 <adec:decorative xmlns:adec="http://schemas.microsoft.com/office/drawing/2017/decorative" val="1"/>
@@ -23241,27 +25276,23 @@
           </p:nvPr>
         </p:nvSpPr>
         <p:spPr>
-          <a:xfrm>
-            <a:off x="0" y="2030410"/>
-            <a:ext cx="7005134" cy="4827590"/>
+          <a:xfrm rot="2700000">
+            <a:off x="-415188" y="-231223"/>
+            <a:ext cx="1409491" cy="1876653"/>
           </a:xfrm>
           <a:custGeom>
             <a:avLst/>
             <a:gdLst>
-              <a:gd name="connsiteX0" fmla="*/ 1974535 w 7005134"/>
-              <a:gd name="connsiteY0" fmla="*/ 0 h 4827590"/>
-              <a:gd name="connsiteX1" fmla="*/ 7003848 w 7005134"/>
-              <a:gd name="connsiteY1" fmla="*/ 4776721 h 4827590"/>
-              <a:gd name="connsiteX2" fmla="*/ 7005134 w 7005134"/>
-              <a:gd name="connsiteY2" fmla="*/ 4827590 h 4827590"/>
-              <a:gd name="connsiteX3" fmla="*/ 0 w 7005134"/>
-              <a:gd name="connsiteY3" fmla="*/ 4827590 h 4827590"/>
-              <a:gd name="connsiteX4" fmla="*/ 0 w 7005134"/>
-              <a:gd name="connsiteY4" fmla="*/ 402231 h 4827590"/>
-              <a:gd name="connsiteX5" fmla="*/ 14349 w 7005134"/>
-              <a:gd name="connsiteY5" fmla="*/ 395744 h 4827590"/>
-              <a:gd name="connsiteX6" fmla="*/ 1974535 w 7005134"/>
-              <a:gd name="connsiteY6" fmla="*/ 0 h 4827590"/>
+              <a:gd name="connsiteX0" fmla="*/ 0 w 1409491"/>
+              <a:gd name="connsiteY0" fmla="*/ 643075 h 1876653"/>
+              <a:gd name="connsiteX1" fmla="*/ 643075 w 1409491"/>
+              <a:gd name="connsiteY1" fmla="*/ 0 h 1876653"/>
+              <a:gd name="connsiteX2" fmla="*/ 1409491 w 1409491"/>
+              <a:gd name="connsiteY2" fmla="*/ 0 h 1876653"/>
+              <a:gd name="connsiteX3" fmla="*/ 1409491 w 1409491"/>
+              <a:gd name="connsiteY3" fmla="*/ 1876653 h 1876653"/>
+              <a:gd name="connsiteX4" fmla="*/ 1233578 w 1409491"/>
+              <a:gd name="connsiteY4" fmla="*/ 1876653 h 1876653"/>
             </a:gdLst>
             <a:ahLst/>
             <a:cxnLst>
@@ -23280,48 +25311,291 @@
               <a:cxn ang="0">
                 <a:pos x="connsiteX4" y="connsiteY4"/>
               </a:cxn>
-              <a:cxn ang="0">
-                <a:pos x="connsiteX5" y="connsiteY5"/>
-              </a:cxn>
-              <a:cxn ang="0">
-                <a:pos x="connsiteX6" y="connsiteY6"/>
-              </a:cxn>
             </a:cxnLst>
             <a:rect l="l" t="t" r="r" b="b"/>
             <a:pathLst>
-              <a:path w="7005134" h="4827590">
+              <a:path w="1409491" h="1876653">
                 <a:moveTo>
-                  <a:pt x="1974535" y="0"/>
+                  <a:pt x="0" y="643075"/>
                 </a:moveTo>
-                <a:cubicBezTo>
-                  <a:pt x="4668853" y="0"/>
-                  <a:pt x="6868971" y="2115921"/>
-                  <a:pt x="7003848" y="4776721"/>
-                </a:cubicBezTo>
                 <a:lnTo>
-                  <a:pt x="7005134" y="4827590"/>
+                  <a:pt x="643075" y="0"/>
                 </a:lnTo>
                 <a:lnTo>
-                  <a:pt x="0" y="4827590"/>
+                  <a:pt x="1409491" y="0"/>
                 </a:lnTo>
                 <a:lnTo>
-                  <a:pt x="0" y="402231"/>
+                  <a:pt x="1409491" y="1876653"/>
                 </a:lnTo>
                 <a:lnTo>
-                  <a:pt x="14349" y="395744"/>
+                  <a:pt x="1233578" y="1876653"/>
                 </a:lnTo>
-                <a:cubicBezTo>
-                  <a:pt x="616832" y="140915"/>
-                  <a:pt x="1279227" y="0"/>
-                  <a:pt x="1974535" y="0"/>
-                </a:cubicBezTo>
                 <a:close/>
               </a:path>
             </a:pathLst>
           </a:custGeom>
           <a:solidFill>
             <a:schemeClr val="accent1">
-              <a:alpha val="40000"/>
+              <a:alpha val="30000"/>
+            </a:schemeClr>
+          </a:solidFill>
+          <a:ln>
+            <a:noFill/>
+          </a:ln>
+        </p:spPr>
+        <p:style>
+          <a:lnRef idx="2">
+            <a:schemeClr val="accent1">
+              <a:shade val="50000"/>
+            </a:schemeClr>
+          </a:lnRef>
+          <a:fillRef idx="1">
+            <a:schemeClr val="accent1"/>
+          </a:fillRef>
+          <a:effectRef idx="0">
+            <a:schemeClr val="accent1"/>
+          </a:effectRef>
+          <a:fontRef idx="minor">
+            <a:schemeClr val="lt1"/>
+          </a:fontRef>
+        </p:style>
+        <p:txBody>
+          <a:bodyPr wrap="square" rtlCol="0" anchor="ctr">
+            <a:noAutofit/>
+          </a:bodyPr>
+          <a:lstStyle/>
+          <a:p>
+            <a:pPr algn="ctr"/>
+            <a:endParaRPr lang="en-US"/>
+          </a:p>
+        </p:txBody>
+      </p:sp>
+      <p:sp>
+        <p:nvSpPr>
+          <p:cNvPr id="32" name="Rectangle 31">
+            <a:extLst>
+              <a:ext uri="{FF2B5EF4-FFF2-40B4-BE49-F238E27FC236}">
+                <a16:creationId xmlns:a16="http://schemas.microsoft.com/office/drawing/2014/main" id="{851012D1-8033-40B1-9EC0-91390FFC7403}"/>
+              </a:ext>
+              <a:ext uri="{C183D7F6-B498-43B3-948B-1728B52AA6E4}">
+                <adec:decorative xmlns:adec="http://schemas.microsoft.com/office/drawing/2017/decorative" val="1"/>
+              </a:ext>
+            </a:extLst>
+          </p:cNvPr>
+          <p:cNvSpPr>
+            <a:spLocks noGrp="1" noRot="1" noChangeAspect="1" noMove="1" noResize="1" noEditPoints="1" noAdjustHandles="1" noChangeArrowheads="1" noChangeShapeType="1" noTextEdit="1"/>
+          </p:cNvSpPr>
+          <p:nvPr>
+            <p:extLst>
+              <p:ext uri="{386F3935-93C4-4BCD-93E2-E3B085C9AB24}">
+                <p16:designElem xmlns:p16="http://schemas.microsoft.com/office/powerpoint/2015/main" val="1"/>
+              </p:ext>
+            </p:extLst>
+          </p:nvPr>
+        </p:nvSpPr>
+        <p:spPr>
+          <a:xfrm rot="2700000">
+            <a:off x="301285" y="1282788"/>
+            <a:ext cx="485578" cy="485578"/>
+          </a:xfrm>
+          <a:prstGeom prst="rect">
+            <a:avLst/>
+          </a:prstGeom>
+          <a:solidFill>
+            <a:schemeClr val="accent1">
+              <a:alpha val="30000"/>
+            </a:schemeClr>
+          </a:solidFill>
+          <a:ln>
+            <a:noFill/>
+          </a:ln>
+        </p:spPr>
+        <p:style>
+          <a:lnRef idx="2">
+            <a:schemeClr val="accent1">
+              <a:shade val="50000"/>
+            </a:schemeClr>
+          </a:lnRef>
+          <a:fillRef idx="1">
+            <a:schemeClr val="accent1"/>
+          </a:fillRef>
+          <a:effectRef idx="0">
+            <a:schemeClr val="accent1"/>
+          </a:effectRef>
+          <a:fontRef idx="minor">
+            <a:schemeClr val="lt1"/>
+          </a:fontRef>
+        </p:style>
+        <p:txBody>
+          <a:bodyPr wrap="square" rtlCol="0" anchor="ctr">
+            <a:noAutofit/>
+          </a:bodyPr>
+          <a:lstStyle/>
+          <a:p>
+            <a:pPr algn="ctr"/>
+            <a:endParaRPr lang="en-US"/>
+          </a:p>
+        </p:txBody>
+      </p:sp>
+      <p:sp>
+        <p:nvSpPr>
+          <p:cNvPr id="3" name="내용 개체 틀 2">
+            <a:extLst>
+              <a:ext uri="{FF2B5EF4-FFF2-40B4-BE49-F238E27FC236}">
+                <a16:creationId xmlns:a16="http://schemas.microsoft.com/office/drawing/2014/main" id="{B61EE094-DD07-4FCA-861B-5DC4D4268D6C}"/>
+              </a:ext>
+            </a:extLst>
+          </p:cNvPr>
+          <p:cNvSpPr>
+            <a:spLocks noGrp="1"/>
+          </p:cNvSpPr>
+          <p:nvPr>
+            <p:ph idx="1"/>
+          </p:nvPr>
+        </p:nvSpPr>
+        <p:spPr>
+          <a:xfrm>
+            <a:off x="6090998" y="643467"/>
+            <a:ext cx="5457533" cy="5571065"/>
+          </a:xfrm>
+        </p:spPr>
+        <p:txBody>
+          <a:bodyPr anchor="ctr">
+            <a:normAutofit/>
+          </a:bodyPr>
+          <a:lstStyle/>
+          <a:p>
+            <a:pPr marL="0" indent="0">
+              <a:buNone/>
+            </a:pPr>
+            <a:endParaRPr lang="en-US" altLang="ko-KR" sz="2000">
+              <a:hlinkClick r:id="rId3"/>
+            </a:endParaRPr>
+          </a:p>
+          <a:p>
+            <a:pPr marL="0" indent="0">
+              <a:buNone/>
+            </a:pPr>
+            <a:endParaRPr lang="en-US" altLang="ko-KR" sz="2000">
+              <a:hlinkClick r:id="rId3"/>
+            </a:endParaRPr>
+          </a:p>
+          <a:p>
+            <a:pPr marL="0" indent="0">
+              <a:buNone/>
+            </a:pPr>
+            <a:r>
+              <a:rPr lang="en-US" altLang="ko-KR" sz="2000"/>
+              <a:t>C# </a:t>
+            </a:r>
+            <a:r>
+              <a:rPr lang="ko-KR" altLang="en-US" sz="2000"/>
+              <a:t>기본 자료형 </a:t>
+            </a:r>
+            <a:r>
+              <a:rPr lang="en-US" altLang="ko-KR" sz="2000"/>
+              <a:t>&lt;</a:t>
+            </a:r>
+            <a:r>
+              <a:rPr lang="ko-KR" altLang="en-US" sz="2000"/>
+              <a:t>마이크로소프트</a:t>
+            </a:r>
+            <a:r>
+              <a:rPr lang="en-US" altLang="ko-KR" sz="2000"/>
+              <a:t>&gt;</a:t>
+            </a:r>
+            <a:endParaRPr lang="en-US" altLang="ko-KR" sz="2000">
+              <a:hlinkClick r:id="rId3"/>
+            </a:endParaRPr>
+          </a:p>
+          <a:p>
+            <a:pPr marL="0" indent="0">
+              <a:buNone/>
+            </a:pPr>
+            <a:r>
+              <a:rPr lang="en-US" altLang="ko-KR" sz="2000">
+                <a:hlinkClick r:id="rId3"/>
+              </a:rPr>
+              <a:t>https://docs.Microsoft.com/ko-kr/dotnet/csharp/language-reference/builtin-types/built-in-types</a:t>
+            </a:r>
+            <a:endParaRPr lang="en-US" altLang="ko-KR" sz="2000"/>
+          </a:p>
+          <a:p>
+            <a:pPr marL="0" indent="0">
+              <a:buNone/>
+            </a:pPr>
+            <a:r>
+              <a:rPr lang="en-US" altLang="ko-KR" sz="2000"/>
+              <a:t>C# </a:t>
+            </a:r>
+            <a:r>
+              <a:rPr lang="ko-KR" altLang="en-US" sz="2000"/>
+              <a:t>기본 자료형 </a:t>
+            </a:r>
+            <a:r>
+              <a:rPr lang="en-US" altLang="ko-KR" sz="2000"/>
+              <a:t>&lt;</a:t>
+            </a:r>
+            <a:r>
+              <a:rPr lang="ko-KR" altLang="en-US" sz="2000"/>
+              <a:t>블로그</a:t>
+            </a:r>
+            <a:r>
+              <a:rPr lang="en-US" altLang="ko-KR" sz="2000"/>
+              <a:t>&gt;</a:t>
+            </a:r>
+            <a:endParaRPr lang="en-US" altLang="ko-KR" sz="2000">
+              <a:hlinkClick r:id="rId4"/>
+            </a:endParaRPr>
+          </a:p>
+          <a:p>
+            <a:pPr marL="0" indent="0">
+              <a:buNone/>
+            </a:pPr>
+            <a:r>
+              <a:rPr lang="en-US" altLang="ko-KR" sz="2000">
+                <a:hlinkClick r:id="rId4"/>
+              </a:rPr>
+              <a:t>https://hackersstudy.tistory.com/8</a:t>
+            </a:r>
+            <a:endParaRPr lang="ko-KR" altLang="en-US" sz="2000"/>
+          </a:p>
+        </p:txBody>
+      </p:sp>
+      <p:sp>
+        <p:nvSpPr>
+          <p:cNvPr id="34" name="Rectangle 33">
+            <a:extLst>
+              <a:ext uri="{FF2B5EF4-FFF2-40B4-BE49-F238E27FC236}">
+                <a16:creationId xmlns:a16="http://schemas.microsoft.com/office/drawing/2014/main" id="{2E80C965-DB6D-4F81-9E9E-B027384D0BD6}"/>
+              </a:ext>
+              <a:ext uri="{C183D7F6-B498-43B3-948B-1728B52AA6E4}">
+                <adec:decorative xmlns:adec="http://schemas.microsoft.com/office/drawing/2017/decorative" val="1"/>
+              </a:ext>
+            </a:extLst>
+          </p:cNvPr>
+          <p:cNvSpPr>
+            <a:spLocks noGrp="1" noRot="1" noChangeAspect="1" noMove="1" noResize="1" noEditPoints="1" noAdjustHandles="1" noChangeArrowheads="1" noChangeShapeType="1" noTextEdit="1"/>
+          </p:cNvSpPr>
+          <p:nvPr>
+            <p:extLst>
+              <p:ext uri="{386F3935-93C4-4BCD-93E2-E3B085C9AB24}">
+                <p16:designElem xmlns:p16="http://schemas.microsoft.com/office/powerpoint/2015/main" val="1"/>
+              </p:ext>
+            </p:extLst>
+          </p:nvPr>
+        </p:nvSpPr>
+        <p:spPr>
+          <a:xfrm rot="2700000">
+            <a:off x="8809436" y="6033666"/>
+            <a:ext cx="645368" cy="645368"/>
+          </a:xfrm>
+          <a:prstGeom prst="rect">
+            <a:avLst/>
+          </a:prstGeom>
+          <a:solidFill>
+            <a:schemeClr val="accent4">
+              <a:alpha val="30000"/>
             </a:schemeClr>
           </a:solidFill>
           <a:ln>
@@ -23348,325 +25622,17 @@
           <a:bodyPr rtlCol="0" anchor="ctr"/>
           <a:lstStyle/>
           <a:p>
-            <a:pPr marL="0" marR="0" lvl="0" indent="0" algn="ctr" defTabSz="914400" rtl="0" eaLnBrk="1" fontAlgn="auto" latinLnBrk="0" hangingPunct="1">
-              <a:lnSpc>
-                <a:spcPct val="100000"/>
-              </a:lnSpc>
-              <a:spcBef>
-                <a:spcPts val="0"/>
-              </a:spcBef>
-              <a:spcAft>
-                <a:spcPts val="0"/>
-              </a:spcAft>
-              <a:buClrTx/>
-              <a:buSzTx/>
-              <a:buFontTx/>
-              <a:buNone/>
-              <a:tabLst/>
-              <a:defRPr/>
-            </a:pPr>
-            <a:endParaRPr kumimoji="0" lang="en-US" sz="1800" b="0" i="0" u="none" strike="noStrike" kern="1200" cap="none" spc="0" normalizeH="0" baseline="0" noProof="0">
-              <a:ln>
-                <a:noFill/>
-              </a:ln>
-              <a:solidFill>
-                <a:prstClr val="white"/>
-              </a:solidFill>
-              <a:effectLst/>
-              <a:uLnTx/>
-              <a:uFillTx/>
-              <a:latin typeface="Calibri" panose="020F0502020204030204"/>
-              <a:ea typeface="+mn-ea"/>
-              <a:cs typeface="+mn-cs"/>
-            </a:endParaRPr>
+            <a:pPr algn="ctr"/>
+            <a:endParaRPr lang="en-US"/>
           </a:p>
         </p:txBody>
       </p:sp>
       <p:sp>
         <p:nvSpPr>
-          <p:cNvPr id="2" name="제목 1">
+          <p:cNvPr id="36" name="Isosceles Triangle 35">
             <a:extLst>
               <a:ext uri="{FF2B5EF4-FFF2-40B4-BE49-F238E27FC236}">
-                <a16:creationId xmlns:a16="http://schemas.microsoft.com/office/drawing/2014/main" id="{0C329A1B-F847-4BD3-BFAF-4683E9FA9BF0}"/>
-              </a:ext>
-            </a:extLst>
-          </p:cNvPr>
-          <p:cNvSpPr>
-            <a:spLocks noGrp="1"/>
-          </p:cNvSpPr>
-          <p:nvPr>
-            <p:ph type="title"/>
-          </p:nvPr>
-        </p:nvSpPr>
-        <p:spPr>
-          <a:xfrm>
-            <a:off x="1158240" y="4894262"/>
-            <a:ext cx="10307952" cy="1325563"/>
-          </a:xfrm>
-        </p:spPr>
-        <p:txBody>
-          <a:bodyPr>
-            <a:normAutofit/>
-          </a:bodyPr>
-          <a:lstStyle/>
-          <a:p>
-            <a:r>
-              <a:rPr lang="ko-KR" altLang="en-US"/>
-              <a:t>실수 자료형 </a:t>
-            </a:r>
-            <a:r>
-              <a:rPr lang="en-US" altLang="ko-KR"/>
-              <a:t>– float, float</a:t>
-            </a:r>
-            <a:endParaRPr lang="ko-KR" altLang="en-US"/>
-          </a:p>
-        </p:txBody>
-      </p:sp>
-      <p:sp>
-        <p:nvSpPr>
-          <p:cNvPr id="3" name="내용 개체 틀 2">
-            <a:extLst>
-              <a:ext uri="{FF2B5EF4-FFF2-40B4-BE49-F238E27FC236}">
-                <a16:creationId xmlns:a16="http://schemas.microsoft.com/office/drawing/2014/main" id="{447D4074-25F1-4E73-AAA1-808EFC0E42CC}"/>
-              </a:ext>
-            </a:extLst>
-          </p:cNvPr>
-          <p:cNvSpPr>
-            <a:spLocks noGrp="1"/>
-          </p:cNvSpPr>
-          <p:nvPr>
-            <p:ph idx="1"/>
-          </p:nvPr>
-        </p:nvSpPr>
-        <p:spPr>
-          <a:xfrm>
-            <a:off x="1161288" y="701019"/>
-            <a:ext cx="6484094" cy="3382247"/>
-          </a:xfrm>
-        </p:spPr>
-        <p:txBody>
-          <a:bodyPr anchor="ctr">
-            <a:normAutofit/>
-          </a:bodyPr>
-          <a:lstStyle/>
-          <a:p>
-            <a:pPr marL="514350" indent="-514350">
-              <a:buAutoNum type="arabicPeriod"/>
-            </a:pPr>
-            <a:r>
-              <a:rPr lang="en-US" altLang="ko-KR" sz="1700"/>
-              <a:t>Float</a:t>
-            </a:r>
-            <a:r>
-              <a:rPr lang="ko-KR" altLang="en-US" sz="1700"/>
-              <a:t>는 </a:t>
-            </a:r>
-            <a:r>
-              <a:rPr lang="en-US" altLang="ko-KR" sz="1700"/>
-              <a:t>Floating point number(</a:t>
-            </a:r>
-            <a:r>
-              <a:rPr lang="ko-KR" altLang="en-US" sz="1700"/>
-              <a:t>부동소수점</a:t>
-            </a:r>
-            <a:r>
-              <a:rPr lang="en-US" altLang="ko-KR" sz="1700"/>
-              <a:t>)</a:t>
-            </a:r>
-            <a:r>
-              <a:rPr lang="ko-KR" altLang="en-US" sz="1700"/>
-              <a:t>의 줄임 표현이다</a:t>
-            </a:r>
-            <a:r>
-              <a:rPr lang="en-US" altLang="ko-KR" sz="1700"/>
-              <a:t>.</a:t>
-            </a:r>
-          </a:p>
-          <a:p>
-            <a:pPr marL="514350" indent="-514350">
-              <a:buAutoNum type="arabicPeriod"/>
-            </a:pPr>
-            <a:endParaRPr lang="en-US" altLang="ko-KR" sz="1700"/>
-          </a:p>
-          <a:p>
-            <a:pPr marL="514350" indent="-514350">
-              <a:buAutoNum type="arabicPeriod"/>
-            </a:pPr>
-            <a:r>
-              <a:rPr lang="ko-KR" altLang="en-US" sz="1700"/>
-              <a:t>저장할 수 있는 수의 범위는 </a:t>
-            </a:r>
-            <a:r>
-              <a:rPr lang="en-US" altLang="ko-KR" sz="1700"/>
-              <a:t>-3.4 *10</a:t>
-            </a:r>
-            <a:r>
-              <a:rPr lang="ko-KR" altLang="en-US" sz="1700"/>
-              <a:t>의 </a:t>
-            </a:r>
-            <a:r>
-              <a:rPr lang="en-US" altLang="ko-KR" sz="1700"/>
-              <a:t>38</a:t>
-            </a:r>
-            <a:r>
-              <a:rPr lang="ko-KR" altLang="en-US" sz="1700"/>
-              <a:t>승 에서 </a:t>
-            </a:r>
-            <a:r>
-              <a:rPr lang="en-US" altLang="ko-KR" sz="1700"/>
-              <a:t>3.4 *10</a:t>
-            </a:r>
-            <a:r>
-              <a:rPr lang="ko-KR" altLang="en-US" sz="1700"/>
-              <a:t>의 </a:t>
-            </a:r>
-            <a:r>
-              <a:rPr lang="en-US" altLang="ko-KR" sz="1700"/>
-              <a:t>38</a:t>
-            </a:r>
-            <a:r>
-              <a:rPr lang="ko-KR" altLang="en-US" sz="1700"/>
-              <a:t>승이다</a:t>
-            </a:r>
-            <a:r>
-              <a:rPr lang="en-US" altLang="ko-KR" sz="1700"/>
-              <a:t>.</a:t>
-            </a:r>
-          </a:p>
-          <a:p>
-            <a:pPr marL="514350" indent="-514350">
-              <a:buAutoNum type="arabicPeriod"/>
-            </a:pPr>
-            <a:endParaRPr lang="en-US" altLang="ko-KR" sz="1700"/>
-          </a:p>
-          <a:p>
-            <a:pPr marL="514350" indent="-514350">
-              <a:buAutoNum type="arabicPeriod"/>
-            </a:pPr>
-            <a:r>
-              <a:rPr lang="en-US" altLang="ko-KR" sz="1700"/>
-              <a:t>Double</a:t>
-            </a:r>
-            <a:r>
-              <a:rPr lang="ko-KR" altLang="en-US" sz="1700"/>
-              <a:t>은 </a:t>
-            </a:r>
-            <a:r>
-              <a:rPr lang="en-US" altLang="ko-KR" sz="1700"/>
-              <a:t>double floating point number</a:t>
-            </a:r>
-            <a:r>
-              <a:rPr lang="ko-KR" altLang="en-US" sz="1700"/>
-              <a:t>의 준말로 </a:t>
-            </a:r>
-            <a:r>
-              <a:rPr lang="en-US" altLang="ko-KR" sz="1700"/>
-              <a:t>float </a:t>
-            </a:r>
-            <a:r>
-              <a:rPr lang="ko-KR" altLang="en-US" sz="1700"/>
-              <a:t>보다 수를 저장하는 공간이 </a:t>
-            </a:r>
-            <a:r>
-              <a:rPr lang="en-US" altLang="ko-KR" sz="1700"/>
-              <a:t>2</a:t>
-            </a:r>
-            <a:r>
-              <a:rPr lang="ko-KR" altLang="en-US" sz="1700"/>
-              <a:t>배 크다</a:t>
-            </a:r>
-            <a:r>
-              <a:rPr lang="en-US" altLang="ko-KR" sz="1700"/>
-              <a:t>.</a:t>
-            </a:r>
-          </a:p>
-          <a:p>
-            <a:pPr marL="514350" indent="-514350">
-              <a:buAutoNum type="arabicPeriod"/>
-            </a:pPr>
-            <a:endParaRPr lang="en-US" altLang="ko-KR" sz="1700"/>
-          </a:p>
-          <a:p>
-            <a:pPr marL="514350" indent="-514350">
-              <a:buAutoNum type="arabicPeriod"/>
-            </a:pPr>
-            <a:r>
-              <a:rPr lang="en-US" altLang="ko-KR" sz="1700"/>
-              <a:t>float number = 0;</a:t>
-            </a:r>
-            <a:r>
-              <a:rPr lang="ko-KR" altLang="en-US" sz="1700"/>
-              <a:t>과 같은 방식으로 사용된다</a:t>
-            </a:r>
-            <a:r>
-              <a:rPr lang="en-US" altLang="ko-KR" sz="1700"/>
-              <a:t>.</a:t>
-            </a:r>
-            <a:endParaRPr lang="ko-KR" altLang="en-US" sz="1700"/>
-          </a:p>
-        </p:txBody>
-      </p:sp>
-      <p:cxnSp>
-        <p:nvCxnSpPr>
-          <p:cNvPr id="25" name="Straight Connector 24">
-            <a:extLst>
-              <a:ext uri="{FF2B5EF4-FFF2-40B4-BE49-F238E27FC236}">
-                <a16:creationId xmlns:a16="http://schemas.microsoft.com/office/drawing/2014/main" id="{45B5AFC7-2F07-4F7B-9151-E45D7548D8F3}"/>
-              </a:ext>
-              <a:ext uri="{C183D7F6-B498-43B3-948B-1728B52AA6E4}">
-                <adec:decorative xmlns:adec="http://schemas.microsoft.com/office/drawing/2017/decorative" val="1"/>
-              </a:ext>
-            </a:extLst>
-          </p:cNvPr>
-          <p:cNvCxnSpPr>
-            <a:cxnSpLocks noGrp="1" noRot="1" noChangeAspect="1" noMove="1" noResize="1" noEditPoints="1" noAdjustHandles="1" noChangeArrowheads="1" noChangeShapeType="1"/>
-          </p:cNvCxnSpPr>
-          <p:nvPr>
-            <p:extLst>
-              <p:ext uri="{386F3935-93C4-4BCD-93E2-E3B085C9AB24}">
-                <p16:designElem xmlns:p16="http://schemas.microsoft.com/office/powerpoint/2015/main" val="1"/>
-              </p:ext>
-            </p:extLst>
-          </p:nvPr>
-        </p:nvCxnSpPr>
-        <p:spPr>
-          <a:xfrm>
-            <a:off x="1272540" y="4450080"/>
-            <a:ext cx="1234440" cy="0"/>
-          </a:xfrm>
-          <a:prstGeom prst="line">
-            <a:avLst/>
-          </a:prstGeom>
-          <a:ln w="50800">
-            <a:solidFill>
-              <a:schemeClr val="tx1">
-                <a:lumMod val="75000"/>
-                <a:lumOff val="25000"/>
-              </a:schemeClr>
-            </a:solidFill>
-          </a:ln>
-        </p:spPr>
-        <p:style>
-          <a:lnRef idx="1">
-            <a:schemeClr val="accent1"/>
-          </a:lnRef>
-          <a:fillRef idx="0">
-            <a:schemeClr val="accent1"/>
-          </a:fillRef>
-          <a:effectRef idx="0">
-            <a:schemeClr val="accent1"/>
-          </a:effectRef>
-          <a:fontRef idx="minor">
-            <a:schemeClr val="tx1"/>
-          </a:fontRef>
-        </p:style>
-      </p:cxnSp>
-      <p:sp>
-        <p:nvSpPr>
-          <p:cNvPr id="27" name="Oval 26">
-            <a:extLst>
-              <a:ext uri="{FF2B5EF4-FFF2-40B4-BE49-F238E27FC236}">
-                <a16:creationId xmlns:a16="http://schemas.microsoft.com/office/drawing/2014/main" id="{CB1340FC-C4E2-4CD5-9BCA-7A022E8B4989}"/>
+                <a16:creationId xmlns:a16="http://schemas.microsoft.com/office/drawing/2014/main" id="{D291F021-C45C-4D44-A2B8-A789E386CC42}"/>
               </a:ext>
               <a:ext uri="{C183D7F6-B498-43B3-948B-1728B52AA6E4}">
                 <adec:decorative xmlns:adec="http://schemas.microsoft.com/office/drawing/2017/decorative" val="1"/>
@@ -23686,15 +25652,17 @@
         </p:nvSpPr>
         <p:spPr>
           <a:xfrm>
-            <a:off x="8134348" y="999969"/>
-            <a:ext cx="3444236" cy="3444236"/>
+            <a:off x="8603444" y="5721108"/>
+            <a:ext cx="2261965" cy="1136891"/>
           </a:xfrm>
-          <a:prstGeom prst="ellipse">
-            <a:avLst/>
+          <a:prstGeom prst="triangle">
+            <a:avLst>
+              <a:gd name="adj" fmla="val 50000"/>
+            </a:avLst>
           </a:prstGeom>
           <a:solidFill>
-            <a:schemeClr val="tx1">
-              <a:alpha val="50000"/>
+            <a:schemeClr val="accent4">
+              <a:alpha val="30000"/>
             </a:schemeClr>
           </a:solidFill>
           <a:ln>
@@ -23721,44 +25689,15 @@
           <a:bodyPr rtlCol="0" anchor="ctr"/>
           <a:lstStyle/>
           <a:p>
-            <a:pPr marL="0" marR="0" lvl="0" indent="0" algn="ctr" defTabSz="914400" rtl="0" eaLnBrk="1" fontAlgn="auto" latinLnBrk="0" hangingPunct="1">
-              <a:lnSpc>
-                <a:spcPct val="100000"/>
-              </a:lnSpc>
-              <a:spcBef>
-                <a:spcPts val="0"/>
-              </a:spcBef>
-              <a:spcAft>
-                <a:spcPts val="0"/>
-              </a:spcAft>
-              <a:buClrTx/>
-              <a:buSzTx/>
-              <a:buFontTx/>
-              <a:buNone/>
-              <a:tabLst/>
-              <a:defRPr/>
-            </a:pPr>
-            <a:endParaRPr kumimoji="0" lang="en-US" sz="1800" b="0" i="0" u="none" strike="noStrike" kern="1200" cap="none" spc="0" normalizeH="0" baseline="0" noProof="0">
-              <a:ln>
-                <a:noFill/>
-              </a:ln>
-              <a:solidFill>
-                <a:prstClr val="white"/>
-              </a:solidFill>
-              <a:effectLst/>
-              <a:uLnTx/>
-              <a:uFillTx/>
-              <a:latin typeface="Calibri" panose="020F0502020204030204"/>
-              <a:ea typeface="+mn-ea"/>
-              <a:cs typeface="+mn-cs"/>
-            </a:endParaRPr>
+            <a:pPr algn="ctr"/>
+            <a:endParaRPr lang="en-US"/>
           </a:p>
         </p:txBody>
       </p:sp>
     </p:spTree>
     <p:extLst>
       <p:ext uri="{BB962C8B-B14F-4D97-AF65-F5344CB8AC3E}">
-        <p14:creationId xmlns:p14="http://schemas.microsoft.com/office/powerpoint/2010/main" val="3896063948"/>
+        <p14:creationId xmlns:p14="http://schemas.microsoft.com/office/powerpoint/2010/main" val="2167781214"/>
       </p:ext>
     </p:extLst>
   </p:cSld>
@@ -23793,12 +25732,12 @@
           <a:chExt cx="0" cy="0"/>
         </a:xfrm>
       </p:grpSpPr>
-      <p:sp useBgFill="1">
+      <p:sp>
         <p:nvSpPr>
-          <p:cNvPr id="18" name="Rectangle 7">
+          <p:cNvPr id="21" name="Rectangle 20">
             <a:extLst>
               <a:ext uri="{FF2B5EF4-FFF2-40B4-BE49-F238E27FC236}">
-                <a16:creationId xmlns:a16="http://schemas.microsoft.com/office/drawing/2014/main" id="{D4C3103B-AE2E-41DA-8805-65F1A948FD5A}"/>
+                <a16:creationId xmlns:a16="http://schemas.microsoft.com/office/drawing/2014/main" id="{12FB12AE-71D1-47FD-9AC3-EE2C07424534}"/>
               </a:ext>
               <a:ext uri="{C183D7F6-B498-43B3-948B-1728B52AA6E4}">
                 <adec:decorative xmlns:adec="http://schemas.microsoft.com/office/drawing/2017/decorative" val="1"/>
@@ -23824,6 +25763,9 @@
           <a:prstGeom prst="rect">
             <a:avLst/>
           </a:prstGeom>
+          <a:solidFill>
+            <a:schemeClr val="bg1"/>
+          </a:solidFill>
           <a:ln>
             <a:noFill/>
           </a:ln>
@@ -23848,46 +25790,57 @@
           <a:bodyPr rtlCol="0" anchor="ctr"/>
           <a:lstStyle/>
           <a:p>
-            <a:pPr marL="0" marR="0" lvl="0" indent="0" algn="ctr" defTabSz="914400" rtl="0" eaLnBrk="1" fontAlgn="auto" latinLnBrk="0" hangingPunct="1">
-              <a:lnSpc>
-                <a:spcPct val="100000"/>
-              </a:lnSpc>
-              <a:spcBef>
-                <a:spcPts val="0"/>
-              </a:spcBef>
-              <a:spcAft>
-                <a:spcPts val="0"/>
-              </a:spcAft>
-              <a:buClrTx/>
-              <a:buSzTx/>
-              <a:buFontTx/>
-              <a:buNone/>
-              <a:tabLst/>
-              <a:defRPr/>
-            </a:pPr>
-            <a:endParaRPr kumimoji="0" lang="en-US" sz="1800" b="0" i="0" u="none" strike="noStrike" kern="1200" cap="none" spc="0" normalizeH="0" baseline="0" noProof="0">
-              <a:ln>
-                <a:noFill/>
-              </a:ln>
-              <a:solidFill>
-                <a:prstClr val="white"/>
-              </a:solidFill>
-              <a:effectLst/>
-              <a:uLnTx/>
-              <a:uFillTx/>
-              <a:latin typeface="Calibri" panose="020F0502020204030204"/>
-              <a:ea typeface="+mn-ea"/>
-              <a:cs typeface="+mn-cs"/>
-            </a:endParaRPr>
+            <a:pPr algn="ctr"/>
+            <a:endParaRPr lang="en-US" dirty="0"/>
           </a:p>
         </p:txBody>
       </p:sp>
       <p:sp>
         <p:nvSpPr>
-          <p:cNvPr id="19" name="Freeform: Shape 9">
+          <p:cNvPr id="2" name="제목 1">
             <a:extLst>
               <a:ext uri="{FF2B5EF4-FFF2-40B4-BE49-F238E27FC236}">
-                <a16:creationId xmlns:a16="http://schemas.microsoft.com/office/drawing/2014/main" id="{E3BC0C31-69A7-4200-9AFE-927230E1E04C}"/>
+                <a16:creationId xmlns:a16="http://schemas.microsoft.com/office/drawing/2014/main" id="{3A1764F9-2EC0-4C26-9D76-F3D6EC883406}"/>
+              </a:ext>
+            </a:extLst>
+          </p:cNvPr>
+          <p:cNvSpPr>
+            <a:spLocks noGrp="1"/>
+          </p:cNvSpPr>
+          <p:nvPr>
+            <p:ph type="title"/>
+          </p:nvPr>
+        </p:nvSpPr>
+        <p:spPr>
+          <a:xfrm>
+            <a:off x="643468" y="621792"/>
+            <a:ext cx="4989890" cy="5413248"/>
+          </a:xfrm>
+        </p:spPr>
+        <p:txBody>
+          <a:bodyPr>
+            <a:normAutofit/>
+          </a:bodyPr>
+          <a:lstStyle/>
+          <a:p>
+            <a:r>
+              <a:rPr lang="ko-KR" altLang="en-US" sz="3600"/>
+              <a:t>정수 자료형 </a:t>
+            </a:r>
+            <a:r>
+              <a:rPr lang="en-US" altLang="ko-KR" sz="3600"/>
+              <a:t>– int</a:t>
+            </a:r>
+            <a:endParaRPr lang="ko-KR" altLang="en-US" sz="3600"/>
+          </a:p>
+        </p:txBody>
+      </p:sp>
+      <p:sp>
+        <p:nvSpPr>
+          <p:cNvPr id="23" name="Freeform: Shape 22">
+            <a:extLst>
+              <a:ext uri="{FF2B5EF4-FFF2-40B4-BE49-F238E27FC236}">
+                <a16:creationId xmlns:a16="http://schemas.microsoft.com/office/drawing/2014/main" id="{64853C7E-3CBA-4464-865F-6044D94B1BE9}"/>
               </a:ext>
               <a:ext uri="{C183D7F6-B498-43B3-948B-1728B52AA6E4}">
                 <adec:decorative xmlns:adec="http://schemas.microsoft.com/office/drawing/2017/decorative" val="1"/>
@@ -23906,27 +25859,19 @@
           </p:nvPr>
         </p:nvSpPr>
         <p:spPr>
-          <a:xfrm>
-            <a:off x="0" y="2030410"/>
-            <a:ext cx="7005134" cy="4827590"/>
+          <a:xfrm rot="5400000">
+            <a:off x="-338487" y="2994212"/>
+            <a:ext cx="1345385" cy="668410"/>
           </a:xfrm>
           <a:custGeom>
             <a:avLst/>
             <a:gdLst>
-              <a:gd name="connsiteX0" fmla="*/ 1974535 w 7005134"/>
-              <a:gd name="connsiteY0" fmla="*/ 0 h 4827590"/>
-              <a:gd name="connsiteX1" fmla="*/ 7003848 w 7005134"/>
-              <a:gd name="connsiteY1" fmla="*/ 4776721 h 4827590"/>
-              <a:gd name="connsiteX2" fmla="*/ 7005134 w 7005134"/>
-              <a:gd name="connsiteY2" fmla="*/ 4827590 h 4827590"/>
-              <a:gd name="connsiteX3" fmla="*/ 0 w 7005134"/>
-              <a:gd name="connsiteY3" fmla="*/ 4827590 h 4827590"/>
-              <a:gd name="connsiteX4" fmla="*/ 0 w 7005134"/>
-              <a:gd name="connsiteY4" fmla="*/ 402231 h 4827590"/>
-              <a:gd name="connsiteX5" fmla="*/ 14349 w 7005134"/>
-              <a:gd name="connsiteY5" fmla="*/ 395744 h 4827590"/>
-              <a:gd name="connsiteX6" fmla="*/ 1974535 w 7005134"/>
-              <a:gd name="connsiteY6" fmla="*/ 0 h 4827590"/>
+              <a:gd name="connsiteX0" fmla="*/ 0 w 1345385"/>
+              <a:gd name="connsiteY0" fmla="*/ 668410 h 668410"/>
+              <a:gd name="connsiteX1" fmla="*/ 672692 w 1345385"/>
+              <a:gd name="connsiteY1" fmla="*/ 0 h 668410"/>
+              <a:gd name="connsiteX2" fmla="*/ 1345385 w 1345385"/>
+              <a:gd name="connsiteY2" fmla="*/ 668410 h 668410"/>
             </a:gdLst>
             <a:ahLst/>
             <a:cxnLst>
@@ -23939,54 +25884,93 @@
               <a:cxn ang="0">
                 <a:pos x="connsiteX2" y="connsiteY2"/>
               </a:cxn>
-              <a:cxn ang="0">
-                <a:pos x="connsiteX3" y="connsiteY3"/>
-              </a:cxn>
-              <a:cxn ang="0">
-                <a:pos x="connsiteX4" y="connsiteY4"/>
-              </a:cxn>
-              <a:cxn ang="0">
-                <a:pos x="connsiteX5" y="connsiteY5"/>
-              </a:cxn>
-              <a:cxn ang="0">
-                <a:pos x="connsiteX6" y="connsiteY6"/>
-              </a:cxn>
             </a:cxnLst>
             <a:rect l="l" t="t" r="r" b="b"/>
             <a:pathLst>
-              <a:path w="7005134" h="4827590">
+              <a:path w="1345385" h="668410">
                 <a:moveTo>
-                  <a:pt x="1974535" y="0"/>
+                  <a:pt x="0" y="668410"/>
                 </a:moveTo>
-                <a:cubicBezTo>
-                  <a:pt x="4668853" y="0"/>
-                  <a:pt x="6868971" y="2115921"/>
-                  <a:pt x="7003848" y="4776721"/>
-                </a:cubicBezTo>
                 <a:lnTo>
-                  <a:pt x="7005134" y="4827590"/>
+                  <a:pt x="672692" y="0"/>
                 </a:lnTo>
                 <a:lnTo>
-                  <a:pt x="0" y="4827590"/>
+                  <a:pt x="1345385" y="668410"/>
                 </a:lnTo>
-                <a:lnTo>
-                  <a:pt x="0" y="402231"/>
-                </a:lnTo>
-                <a:lnTo>
-                  <a:pt x="14349" y="395744"/>
-                </a:lnTo>
-                <a:cubicBezTo>
-                  <a:pt x="616832" y="140915"/>
-                  <a:pt x="1279227" y="0"/>
-                  <a:pt x="1974535" y="0"/>
-                </a:cubicBezTo>
                 <a:close/>
               </a:path>
             </a:pathLst>
           </a:custGeom>
           <a:solidFill>
+            <a:schemeClr val="accent4">
+              <a:alpha val="30000"/>
+            </a:schemeClr>
+          </a:solidFill>
+          <a:ln>
+            <a:noFill/>
+          </a:ln>
+        </p:spPr>
+        <p:style>
+          <a:lnRef idx="2">
             <a:schemeClr val="accent1">
-              <a:alpha val="40000"/>
+              <a:shade val="50000"/>
+            </a:schemeClr>
+          </a:lnRef>
+          <a:fillRef idx="1">
+            <a:schemeClr val="accent1"/>
+          </a:fillRef>
+          <a:effectRef idx="0">
+            <a:schemeClr val="accent1"/>
+          </a:effectRef>
+          <a:fontRef idx="minor">
+            <a:schemeClr val="lt1"/>
+          </a:fontRef>
+        </p:style>
+        <p:txBody>
+          <a:bodyPr wrap="square" rtlCol="0" anchor="ctr">
+            <a:noAutofit/>
+          </a:bodyPr>
+          <a:lstStyle/>
+          <a:p>
+            <a:pPr algn="ctr"/>
+            <a:endParaRPr lang="en-US"/>
+          </a:p>
+        </p:txBody>
+      </p:sp>
+      <p:sp>
+        <p:nvSpPr>
+          <p:cNvPr id="25" name="Rectangle 24">
+            <a:extLst>
+              <a:ext uri="{FF2B5EF4-FFF2-40B4-BE49-F238E27FC236}">
+                <a16:creationId xmlns:a16="http://schemas.microsoft.com/office/drawing/2014/main" id="{55EFEC59-B929-4851-9DEF-9106F27979A9}"/>
+              </a:ext>
+              <a:ext uri="{C183D7F6-B498-43B3-948B-1728B52AA6E4}">
+                <adec:decorative xmlns:adec="http://schemas.microsoft.com/office/drawing/2017/decorative" val="1"/>
+              </a:ext>
+            </a:extLst>
+          </p:cNvPr>
+          <p:cNvSpPr>
+            <a:spLocks noGrp="1" noRot="1" noChangeAspect="1" noMove="1" noResize="1" noEditPoints="1" noAdjustHandles="1" noChangeArrowheads="1" noChangeShapeType="1" noTextEdit="1"/>
+          </p:cNvSpPr>
+          <p:nvPr>
+            <p:extLst>
+              <p:ext uri="{386F3935-93C4-4BCD-93E2-E3B085C9AB24}">
+                <p16:designElem xmlns:p16="http://schemas.microsoft.com/office/powerpoint/2015/main" val="1"/>
+              </p:ext>
+            </p:extLst>
+          </p:nvPr>
+        </p:nvSpPr>
+        <p:spPr>
+          <a:xfrm rot="2700000">
+            <a:off x="83480" y="2760304"/>
+            <a:ext cx="418137" cy="418137"/>
+          </a:xfrm>
+          <a:prstGeom prst="rect">
+            <a:avLst/>
+          </a:prstGeom>
+          <a:solidFill>
+            <a:schemeClr val="accent4">
+              <a:alpha val="30000"/>
             </a:schemeClr>
           </a:solidFill>
           <a:ln>
@@ -24013,219 +25997,17 @@
           <a:bodyPr rtlCol="0" anchor="ctr"/>
           <a:lstStyle/>
           <a:p>
-            <a:pPr marL="0" marR="0" lvl="0" indent="0" algn="ctr" defTabSz="914400" rtl="0" eaLnBrk="1" fontAlgn="auto" latinLnBrk="0" hangingPunct="1">
-              <a:lnSpc>
-                <a:spcPct val="100000"/>
-              </a:lnSpc>
-              <a:spcBef>
-                <a:spcPts val="0"/>
-              </a:spcBef>
-              <a:spcAft>
-                <a:spcPts val="0"/>
-              </a:spcAft>
-              <a:buClrTx/>
-              <a:buSzTx/>
-              <a:buFontTx/>
-              <a:buNone/>
-              <a:tabLst/>
-              <a:defRPr/>
-            </a:pPr>
-            <a:endParaRPr kumimoji="0" lang="en-US" sz="1800" b="0" i="0" u="none" strike="noStrike" kern="1200" cap="none" spc="0" normalizeH="0" baseline="0" noProof="0">
-              <a:ln>
-                <a:noFill/>
-              </a:ln>
-              <a:solidFill>
-                <a:prstClr val="white"/>
-              </a:solidFill>
-              <a:effectLst/>
-              <a:uLnTx/>
-              <a:uFillTx/>
-              <a:latin typeface="Calibri" panose="020F0502020204030204"/>
-              <a:ea typeface="+mn-ea"/>
-              <a:cs typeface="+mn-cs"/>
-            </a:endParaRPr>
+            <a:pPr algn="ctr"/>
+            <a:endParaRPr lang="en-US"/>
           </a:p>
         </p:txBody>
       </p:sp>
       <p:sp>
         <p:nvSpPr>
-          <p:cNvPr id="2" name="제목 1">
+          <p:cNvPr id="27" name="Rectangle 26">
             <a:extLst>
               <a:ext uri="{FF2B5EF4-FFF2-40B4-BE49-F238E27FC236}">
-                <a16:creationId xmlns:a16="http://schemas.microsoft.com/office/drawing/2014/main" id="{99A7E0FB-F74A-41DC-807E-ACCDF1C51024}"/>
-              </a:ext>
-            </a:extLst>
-          </p:cNvPr>
-          <p:cNvSpPr>
-            <a:spLocks noGrp="1"/>
-          </p:cNvSpPr>
-          <p:nvPr>
-            <p:ph type="title"/>
-          </p:nvPr>
-        </p:nvSpPr>
-        <p:spPr>
-          <a:xfrm>
-            <a:off x="1158240" y="4894262"/>
-            <a:ext cx="10307952" cy="1325563"/>
-          </a:xfrm>
-        </p:spPr>
-        <p:txBody>
-          <a:bodyPr>
-            <a:normAutofit/>
-          </a:bodyPr>
-          <a:lstStyle/>
-          <a:p>
-            <a:r>
-              <a:rPr lang="ko-KR" altLang="en-US" dirty="0"/>
-              <a:t>문자 자료형 </a:t>
-            </a:r>
-            <a:r>
-              <a:rPr lang="en-US" altLang="ko-KR" dirty="0"/>
-              <a:t>- char</a:t>
-            </a:r>
-            <a:endParaRPr lang="ko-KR" altLang="en-US" dirty="0"/>
-          </a:p>
-        </p:txBody>
-      </p:sp>
-      <p:sp>
-        <p:nvSpPr>
-          <p:cNvPr id="3" name="내용 개체 틀 2">
-            <a:extLst>
-              <a:ext uri="{FF2B5EF4-FFF2-40B4-BE49-F238E27FC236}">
-                <a16:creationId xmlns:a16="http://schemas.microsoft.com/office/drawing/2014/main" id="{B957BFF4-1200-416A-BF61-864C5984ABA5}"/>
-              </a:ext>
-            </a:extLst>
-          </p:cNvPr>
-          <p:cNvSpPr>
-            <a:spLocks noGrp="1"/>
-          </p:cNvSpPr>
-          <p:nvPr>
-            <p:ph idx="1"/>
-          </p:nvPr>
-        </p:nvSpPr>
-        <p:spPr>
-          <a:xfrm>
-            <a:off x="1161288" y="701019"/>
-            <a:ext cx="6484094" cy="3382247"/>
-          </a:xfrm>
-        </p:spPr>
-        <p:txBody>
-          <a:bodyPr anchor="ctr">
-            <a:normAutofit/>
-          </a:bodyPr>
-          <a:lstStyle/>
-          <a:p>
-            <a:pPr marL="514350" indent="-514350">
-              <a:buAutoNum type="arabicPeriod"/>
-            </a:pPr>
-            <a:r>
-              <a:rPr lang="en-US" altLang="ko-KR" sz="2000" dirty="0"/>
-              <a:t>character(</a:t>
-            </a:r>
-            <a:r>
-              <a:rPr lang="ko-KR" altLang="en-US" sz="2000" dirty="0"/>
-              <a:t>문자</a:t>
-            </a:r>
-            <a:r>
-              <a:rPr lang="en-US" altLang="ko-KR" sz="2000" dirty="0"/>
-              <a:t>)</a:t>
-            </a:r>
-            <a:r>
-              <a:rPr lang="ko-KR" altLang="en-US" sz="2000" dirty="0"/>
-              <a:t>의 준말로 문자를 저장할 수 있다</a:t>
-            </a:r>
-            <a:r>
-              <a:rPr lang="en-US" altLang="ko-KR" sz="2000" dirty="0"/>
-              <a:t>.</a:t>
-            </a:r>
-          </a:p>
-          <a:p>
-            <a:pPr marL="514350" indent="-514350">
-              <a:buAutoNum type="arabicPeriod"/>
-            </a:pPr>
-            <a:endParaRPr lang="en-US" altLang="ko-KR" sz="2000" dirty="0"/>
-          </a:p>
-          <a:p>
-            <a:pPr marL="514350" indent="-514350">
-              <a:buAutoNum type="arabicPeriod"/>
-            </a:pPr>
-            <a:r>
-              <a:rPr lang="en-US" altLang="ko-KR" sz="2000" dirty="0"/>
-              <a:t>char alpha = ‘a’; </a:t>
-            </a:r>
-            <a:r>
-              <a:rPr lang="ko-KR" altLang="en-US" sz="2000" dirty="0"/>
-              <a:t>와 같은 형식으로 저장할 수 있다</a:t>
-            </a:r>
-            <a:r>
-              <a:rPr lang="en-US" altLang="ko-KR" sz="2000" dirty="0"/>
-              <a:t>.</a:t>
-            </a:r>
-            <a:endParaRPr lang="ko-KR" altLang="en-US" sz="2000" dirty="0"/>
-          </a:p>
-        </p:txBody>
-      </p:sp>
-      <p:cxnSp>
-        <p:nvCxnSpPr>
-          <p:cNvPr id="20" name="Straight Connector 11">
-            <a:extLst>
-              <a:ext uri="{FF2B5EF4-FFF2-40B4-BE49-F238E27FC236}">
-                <a16:creationId xmlns:a16="http://schemas.microsoft.com/office/drawing/2014/main" id="{45B5AFC7-2F07-4F7B-9151-E45D7548D8F3}"/>
-              </a:ext>
-              <a:ext uri="{C183D7F6-B498-43B3-948B-1728B52AA6E4}">
-                <adec:decorative xmlns:adec="http://schemas.microsoft.com/office/drawing/2017/decorative" val="1"/>
-              </a:ext>
-            </a:extLst>
-          </p:cNvPr>
-          <p:cNvCxnSpPr>
-            <a:cxnSpLocks noGrp="1" noRot="1" noChangeAspect="1" noMove="1" noResize="1" noEditPoints="1" noAdjustHandles="1" noChangeArrowheads="1" noChangeShapeType="1"/>
-          </p:cNvCxnSpPr>
-          <p:nvPr>
-            <p:extLst>
-              <p:ext uri="{386F3935-93C4-4BCD-93E2-E3B085C9AB24}">
-                <p16:designElem xmlns:p16="http://schemas.microsoft.com/office/powerpoint/2015/main" val="1"/>
-              </p:ext>
-            </p:extLst>
-          </p:nvPr>
-        </p:nvCxnSpPr>
-        <p:spPr>
-          <a:xfrm>
-            <a:off x="1272540" y="4450080"/>
-            <a:ext cx="1234440" cy="0"/>
-          </a:xfrm>
-          <a:prstGeom prst="line">
-            <a:avLst/>
-          </a:prstGeom>
-          <a:ln w="50800">
-            <a:solidFill>
-              <a:schemeClr val="tx1">
-                <a:lumMod val="75000"/>
-                <a:lumOff val="25000"/>
-              </a:schemeClr>
-            </a:solidFill>
-          </a:ln>
-        </p:spPr>
-        <p:style>
-          <a:lnRef idx="1">
-            <a:schemeClr val="accent1"/>
-          </a:lnRef>
-          <a:fillRef idx="0">
-            <a:schemeClr val="accent1"/>
-          </a:fillRef>
-          <a:effectRef idx="0">
-            <a:schemeClr val="accent1"/>
-          </a:effectRef>
-          <a:fontRef idx="minor">
-            <a:schemeClr val="tx1"/>
-          </a:fontRef>
-        </p:style>
-      </p:cxnSp>
-      <p:sp>
-        <p:nvSpPr>
-          <p:cNvPr id="21" name="Oval 13">
-            <a:extLst>
-              <a:ext uri="{FF2B5EF4-FFF2-40B4-BE49-F238E27FC236}">
-                <a16:creationId xmlns:a16="http://schemas.microsoft.com/office/drawing/2014/main" id="{CB1340FC-C4E2-4CD5-9BCA-7A022E8B4989}"/>
+                <a16:creationId xmlns:a16="http://schemas.microsoft.com/office/drawing/2014/main" id="{6C132392-D5FF-4588-8FA1-5BAD77BF6464}"/>
               </a:ext>
               <a:ext uri="{C183D7F6-B498-43B3-948B-1728B52AA6E4}">
                 <adec:decorative xmlns:adec="http://schemas.microsoft.com/office/drawing/2017/decorative" val="1"/>
@@ -24244,16 +26026,16 @@
           </p:nvPr>
         </p:nvSpPr>
         <p:spPr>
-          <a:xfrm>
-            <a:off x="8134348" y="999969"/>
-            <a:ext cx="3444236" cy="3444236"/>
+          <a:xfrm rot="18900000" flipH="1">
+            <a:off x="508836" y="4124955"/>
+            <a:ext cx="635336" cy="635336"/>
           </a:xfrm>
-          <a:prstGeom prst="ellipse">
+          <a:prstGeom prst="rect">
             <a:avLst/>
           </a:prstGeom>
           <a:solidFill>
-            <a:schemeClr val="tx1">
-              <a:alpha val="50000"/>
+            <a:schemeClr val="accent4">
+              <a:alpha val="30000"/>
             </a:schemeClr>
           </a:solidFill>
           <a:ln>
@@ -24280,44 +26062,328 @@
           <a:bodyPr rtlCol="0" anchor="ctr"/>
           <a:lstStyle/>
           <a:p>
-            <a:pPr marL="0" marR="0" lvl="0" indent="0" algn="ctr" defTabSz="914400" rtl="0" eaLnBrk="1" fontAlgn="auto" latinLnBrk="0" hangingPunct="1">
-              <a:lnSpc>
-                <a:spcPct val="100000"/>
-              </a:lnSpc>
-              <a:spcBef>
-                <a:spcPts val="0"/>
-              </a:spcBef>
-              <a:spcAft>
-                <a:spcPts val="0"/>
-              </a:spcAft>
-              <a:buClrTx/>
-              <a:buSzTx/>
-              <a:buFontTx/>
-              <a:buNone/>
-              <a:tabLst/>
-              <a:defRPr/>
+            <a:pPr algn="ctr"/>
+            <a:endParaRPr lang="en-US" dirty="0"/>
+          </a:p>
+        </p:txBody>
+      </p:sp>
+      <p:sp>
+        <p:nvSpPr>
+          <p:cNvPr id="29" name="Rectangle 28">
+            <a:extLst>
+              <a:ext uri="{FF2B5EF4-FFF2-40B4-BE49-F238E27FC236}">
+                <a16:creationId xmlns:a16="http://schemas.microsoft.com/office/drawing/2014/main" id="{C7EAC045-695C-4E73-9B7C-AFD6FB22DA20}"/>
+              </a:ext>
+              <a:ext uri="{C183D7F6-B498-43B3-948B-1728B52AA6E4}">
+                <adec:decorative xmlns:adec="http://schemas.microsoft.com/office/drawing/2017/decorative" val="1"/>
+              </a:ext>
+            </a:extLst>
+          </p:cNvPr>
+          <p:cNvSpPr>
+            <a:spLocks noGrp="1" noRot="1" noChangeAspect="1" noMove="1" noResize="1" noEditPoints="1" noAdjustHandles="1" noChangeArrowheads="1" noChangeShapeType="1" noTextEdit="1"/>
+          </p:cNvSpPr>
+          <p:nvPr>
+            <p:extLst>
+              <p:ext uri="{386F3935-93C4-4BCD-93E2-E3B085C9AB24}">
+                <p16:designElem xmlns:p16="http://schemas.microsoft.com/office/powerpoint/2015/main" val="1"/>
+              </p:ext>
+            </p:extLst>
+          </p:nvPr>
+        </p:nvSpPr>
+        <p:spPr>
+          <a:xfrm rot="18900000" flipH="1">
+            <a:off x="836522" y="4621062"/>
+            <a:ext cx="224347" cy="224347"/>
+          </a:xfrm>
+          <a:prstGeom prst="rect">
+            <a:avLst/>
+          </a:prstGeom>
+          <a:solidFill>
+            <a:schemeClr val="accent4">
+              <a:alpha val="30000"/>
+            </a:schemeClr>
+          </a:solidFill>
+          <a:ln>
+            <a:noFill/>
+          </a:ln>
+        </p:spPr>
+        <p:style>
+          <a:lnRef idx="2">
+            <a:schemeClr val="accent1">
+              <a:shade val="50000"/>
+            </a:schemeClr>
+          </a:lnRef>
+          <a:fillRef idx="1">
+            <a:schemeClr val="accent1"/>
+          </a:fillRef>
+          <a:effectRef idx="0">
+            <a:schemeClr val="accent1"/>
+          </a:effectRef>
+          <a:fontRef idx="minor">
+            <a:schemeClr val="lt1"/>
+          </a:fontRef>
+        </p:style>
+        <p:txBody>
+          <a:bodyPr rtlCol="0" anchor="ctr"/>
+          <a:lstStyle/>
+          <a:p>
+            <a:pPr algn="ctr"/>
+            <a:endParaRPr lang="en-US"/>
+          </a:p>
+        </p:txBody>
+      </p:sp>
+      <p:sp>
+        <p:nvSpPr>
+          <p:cNvPr id="31" name="Isosceles Triangle 30">
+            <a:extLst>
+              <a:ext uri="{FF2B5EF4-FFF2-40B4-BE49-F238E27FC236}">
+                <a16:creationId xmlns:a16="http://schemas.microsoft.com/office/drawing/2014/main" id="{404A7A3A-BEAE-4BC6-A163-5D0E5F8C4669}"/>
+              </a:ext>
+              <a:ext uri="{C183D7F6-B498-43B3-948B-1728B52AA6E4}">
+                <adec:decorative xmlns:adec="http://schemas.microsoft.com/office/drawing/2017/decorative" val="1"/>
+              </a:ext>
+            </a:extLst>
+          </p:cNvPr>
+          <p:cNvSpPr>
+            <a:spLocks noGrp="1" noRot="1" noChangeAspect="1" noMove="1" noResize="1" noEditPoints="1" noAdjustHandles="1" noChangeArrowheads="1" noChangeShapeType="1" noTextEdit="1"/>
+          </p:cNvSpPr>
+          <p:nvPr>
+            <p:extLst>
+              <p:ext uri="{386F3935-93C4-4BCD-93E2-E3B085C9AB24}">
+                <p16:designElem xmlns:p16="http://schemas.microsoft.com/office/powerpoint/2015/main" val="1"/>
+              </p:ext>
+            </p:extLst>
+          </p:nvPr>
+        </p:nvSpPr>
+        <p:spPr>
+          <a:xfrm rot="8100000">
+            <a:off x="10175676" y="5597890"/>
+            <a:ext cx="2982940" cy="1481975"/>
+          </a:xfrm>
+          <a:prstGeom prst="triangle">
+            <a:avLst/>
+          </a:prstGeom>
+          <a:solidFill>
+            <a:schemeClr val="accent1">
+              <a:alpha val="30000"/>
+            </a:schemeClr>
+          </a:solidFill>
+          <a:ln>
+            <a:noFill/>
+          </a:ln>
+        </p:spPr>
+        <p:style>
+          <a:lnRef idx="2">
+            <a:schemeClr val="accent1">
+              <a:shade val="50000"/>
+            </a:schemeClr>
+          </a:lnRef>
+          <a:fillRef idx="1">
+            <a:schemeClr val="accent1"/>
+          </a:fillRef>
+          <a:effectRef idx="0">
+            <a:schemeClr val="accent1"/>
+          </a:effectRef>
+          <a:fontRef idx="minor">
+            <a:schemeClr val="lt1"/>
+          </a:fontRef>
+        </p:style>
+        <p:txBody>
+          <a:bodyPr wrap="square" rtlCol="0" anchor="ctr">
+            <a:noAutofit/>
+          </a:bodyPr>
+          <a:lstStyle/>
+          <a:p>
+            <a:pPr algn="ctr"/>
+            <a:endParaRPr lang="en-US"/>
+          </a:p>
+        </p:txBody>
+      </p:sp>
+      <p:sp>
+        <p:nvSpPr>
+          <p:cNvPr id="33" name="Rectangle 32">
+            <a:extLst>
+              <a:ext uri="{FF2B5EF4-FFF2-40B4-BE49-F238E27FC236}">
+                <a16:creationId xmlns:a16="http://schemas.microsoft.com/office/drawing/2014/main" id="{12ED3B7D-405D-4DFA-8608-B6DE7467183E}"/>
+              </a:ext>
+              <a:ext uri="{C183D7F6-B498-43B3-948B-1728B52AA6E4}">
+                <adec:decorative xmlns:adec="http://schemas.microsoft.com/office/drawing/2017/decorative" val="1"/>
+              </a:ext>
+            </a:extLst>
+          </p:cNvPr>
+          <p:cNvSpPr>
+            <a:spLocks noGrp="1" noRot="1" noChangeAspect="1" noMove="1" noResize="1" noEditPoints="1" noAdjustHandles="1" noChangeArrowheads="1" noChangeShapeType="1" noTextEdit="1"/>
+          </p:cNvSpPr>
+          <p:nvPr>
+            <p:extLst>
+              <p:ext uri="{386F3935-93C4-4BCD-93E2-E3B085C9AB24}">
+                <p16:designElem xmlns:p16="http://schemas.microsoft.com/office/powerpoint/2015/main" val="1"/>
+              </p:ext>
+            </p:extLst>
+          </p:nvPr>
+        </p:nvSpPr>
+        <p:spPr>
+          <a:xfrm rot="2700000">
+            <a:off x="11046240" y="5280494"/>
+            <a:ext cx="841505" cy="841505"/>
+          </a:xfrm>
+          <a:prstGeom prst="rect">
+            <a:avLst/>
+          </a:prstGeom>
+          <a:solidFill>
+            <a:schemeClr val="accent1">
+              <a:alpha val="30000"/>
+            </a:schemeClr>
+          </a:solidFill>
+          <a:ln>
+            <a:noFill/>
+          </a:ln>
+        </p:spPr>
+        <p:style>
+          <a:lnRef idx="2">
+            <a:schemeClr val="accent1">
+              <a:shade val="50000"/>
+            </a:schemeClr>
+          </a:lnRef>
+          <a:fillRef idx="1">
+            <a:schemeClr val="accent1"/>
+          </a:fillRef>
+          <a:effectRef idx="0">
+            <a:schemeClr val="accent1"/>
+          </a:effectRef>
+          <a:fontRef idx="minor">
+            <a:schemeClr val="lt1"/>
+          </a:fontRef>
+        </p:style>
+        <p:txBody>
+          <a:bodyPr wrap="square" rtlCol="0" anchor="ctr">
+            <a:noAutofit/>
+          </a:bodyPr>
+          <a:lstStyle/>
+          <a:p>
+            <a:pPr algn="ctr"/>
+            <a:endParaRPr lang="en-US"/>
+          </a:p>
+        </p:txBody>
+      </p:sp>
+      <p:sp>
+        <p:nvSpPr>
+          <p:cNvPr id="3" name="내용 개체 틀 2">
+            <a:extLst>
+              <a:ext uri="{FF2B5EF4-FFF2-40B4-BE49-F238E27FC236}">
+                <a16:creationId xmlns:a16="http://schemas.microsoft.com/office/drawing/2014/main" id="{246F6127-081D-4AD5-8D60-BC91850C43F4}"/>
+              </a:ext>
+            </a:extLst>
+          </p:cNvPr>
+          <p:cNvSpPr>
+            <a:spLocks noGrp="1"/>
+          </p:cNvSpPr>
+          <p:nvPr>
+            <p:ph idx="1"/>
+          </p:nvPr>
+        </p:nvSpPr>
+        <p:spPr>
+          <a:xfrm>
+            <a:off x="6096000" y="643466"/>
+            <a:ext cx="5452532" cy="5571065"/>
+          </a:xfrm>
+          <a:noFill/>
+        </p:spPr>
+        <p:txBody>
+          <a:bodyPr anchor="ctr">
+            <a:normAutofit/>
+          </a:bodyPr>
+          <a:lstStyle/>
+          <a:p>
+            <a:pPr marL="514350" indent="-514350">
+              <a:buAutoNum type="arabicPeriod"/>
             </a:pPr>
-            <a:endParaRPr kumimoji="0" lang="en-US" sz="1800" b="0" i="0" u="none" strike="noStrike" kern="1200" cap="none" spc="0" normalizeH="0" baseline="0" noProof="0">
-              <a:ln>
-                <a:noFill/>
-              </a:ln>
-              <a:solidFill>
-                <a:prstClr val="white"/>
-              </a:solidFill>
-              <a:effectLst/>
-              <a:uLnTx/>
-              <a:uFillTx/>
-              <a:latin typeface="Calibri" panose="020F0502020204030204"/>
-              <a:ea typeface="+mn-ea"/>
-              <a:cs typeface="+mn-cs"/>
-            </a:endParaRPr>
+            <a:r>
+              <a:rPr lang="en-US" altLang="ko-KR" sz="2000" dirty="0"/>
+              <a:t>integer(</a:t>
+            </a:r>
+            <a:r>
+              <a:rPr lang="ko-KR" altLang="en-US" sz="2000" dirty="0"/>
+              <a:t>정수</a:t>
+            </a:r>
+            <a:r>
+              <a:rPr lang="en-US" altLang="ko-KR" sz="2000" dirty="0"/>
+              <a:t>)</a:t>
+            </a:r>
+            <a:r>
+              <a:rPr lang="ko-KR" altLang="en-US" sz="2000" dirty="0"/>
+              <a:t>의 약자 정수를 저장한다</a:t>
+            </a:r>
+            <a:r>
+              <a:rPr lang="en-US" altLang="ko-KR" sz="2000" dirty="0"/>
+              <a:t>.</a:t>
+            </a:r>
+          </a:p>
+          <a:p>
+            <a:pPr marL="514350" indent="-514350">
+              <a:buAutoNum type="arabicPeriod"/>
+            </a:pPr>
+            <a:endParaRPr lang="en-US" altLang="ko-KR" sz="2000" dirty="0"/>
+          </a:p>
+          <a:p>
+            <a:pPr marL="514350" indent="-514350">
+              <a:buAutoNum type="arabicPeriod"/>
+            </a:pPr>
+            <a:r>
+              <a:rPr lang="ko-KR" altLang="en-US" sz="2000" dirty="0"/>
+              <a:t>저장할 수 있는 수의 범위는 약 </a:t>
+            </a:r>
+            <a:r>
+              <a:rPr lang="en-US" altLang="ko-KR" sz="2000" dirty="0"/>
+              <a:t>-21</a:t>
+            </a:r>
+            <a:r>
+              <a:rPr lang="ko-KR" altLang="en-US" sz="2000" dirty="0"/>
+              <a:t>억에서 </a:t>
+            </a:r>
+            <a:r>
+              <a:rPr lang="en-US" altLang="ko-KR" sz="2000" dirty="0"/>
+              <a:t>21</a:t>
+            </a:r>
+            <a:r>
+              <a:rPr lang="ko-KR" altLang="en-US" sz="2000" dirty="0"/>
+              <a:t>억이다</a:t>
+            </a:r>
+            <a:r>
+              <a:rPr lang="en-US" altLang="ko-KR" sz="2000" dirty="0"/>
+              <a:t>.</a:t>
+            </a:r>
+          </a:p>
+          <a:p>
+            <a:pPr marL="514350" indent="-514350">
+              <a:buAutoNum type="arabicPeriod"/>
+            </a:pPr>
+            <a:endParaRPr lang="en-US" altLang="ko-KR" sz="2000" dirty="0"/>
+          </a:p>
+          <a:p>
+            <a:pPr marL="514350" indent="-514350">
+              <a:buAutoNum type="arabicPeriod"/>
+            </a:pPr>
+            <a:r>
+              <a:rPr lang="en-US" altLang="ko-KR" sz="2000" dirty="0"/>
+              <a:t>int number = 0; </a:t>
+            </a:r>
+            <a:r>
+              <a:rPr lang="ko-KR" altLang="en-US" sz="2000" dirty="0"/>
+              <a:t>과 같은 형식으로 사용한다</a:t>
+            </a:r>
+            <a:r>
+              <a:rPr lang="en-US" altLang="ko-KR" sz="2000" dirty="0"/>
+              <a:t>.</a:t>
+            </a:r>
+            <a:endParaRPr lang="ko-KR" altLang="en-US" sz="2000" dirty="0"/>
           </a:p>
         </p:txBody>
       </p:sp>
     </p:spTree>
     <p:extLst>
       <p:ext uri="{BB962C8B-B14F-4D97-AF65-F5344CB8AC3E}">
-        <p14:creationId xmlns:p14="http://schemas.microsoft.com/office/powerpoint/2010/main" val="1321416988"/>
+        <p14:creationId xmlns:p14="http://schemas.microsoft.com/office/powerpoint/2010/main" val="797212257"/>
       </p:ext>
     </p:extLst>
   </p:cSld>
@@ -24352,12 +26418,12 @@
           <a:chExt cx="0" cy="0"/>
         </a:xfrm>
       </p:grpSpPr>
-      <p:sp useBgFill="1">
+      <p:sp>
         <p:nvSpPr>
-          <p:cNvPr id="17" name="Rectangle 7">
+          <p:cNvPr id="32" name="Rectangle 31">
             <a:extLst>
               <a:ext uri="{FF2B5EF4-FFF2-40B4-BE49-F238E27FC236}">
-                <a16:creationId xmlns:a16="http://schemas.microsoft.com/office/drawing/2014/main" id="{E4F9F79B-A093-478E-96B5-EE02BC93A858}"/>
+                <a16:creationId xmlns:a16="http://schemas.microsoft.com/office/drawing/2014/main" id="{9A297797-5C89-4791-8204-AB071FA1FBCA}"/>
               </a:ext>
               <a:ext uri="{C183D7F6-B498-43B3-948B-1728B52AA6E4}">
                 <adec:decorative xmlns:adec="http://schemas.microsoft.com/office/drawing/2017/decorative" val="1"/>
@@ -24383,333 +26449,8 @@
           <a:prstGeom prst="rect">
             <a:avLst/>
           </a:prstGeom>
-          <a:ln>
-            <a:noFill/>
-          </a:ln>
-        </p:spPr>
-        <p:style>
-          <a:lnRef idx="2">
-            <a:schemeClr val="accent1">
-              <a:shade val="50000"/>
-            </a:schemeClr>
-          </a:lnRef>
-          <a:fillRef idx="1">
-            <a:schemeClr val="accent1"/>
-          </a:fillRef>
-          <a:effectRef idx="0">
-            <a:schemeClr val="accent1"/>
-          </a:effectRef>
-          <a:fontRef idx="minor">
-            <a:schemeClr val="lt1"/>
-          </a:fontRef>
-        </p:style>
-        <p:txBody>
-          <a:bodyPr rtlCol="0" anchor="ctr"/>
-          <a:lstStyle/>
-          <a:p>
-            <a:pPr marL="0" marR="0" lvl="0" indent="0" algn="ctr" defTabSz="914400" rtl="0" eaLnBrk="1" fontAlgn="auto" latinLnBrk="0" hangingPunct="1">
-              <a:lnSpc>
-                <a:spcPct val="100000"/>
-              </a:lnSpc>
-              <a:spcBef>
-                <a:spcPts val="0"/>
-              </a:spcBef>
-              <a:spcAft>
-                <a:spcPts val="0"/>
-              </a:spcAft>
-              <a:buClrTx/>
-              <a:buSzTx/>
-              <a:buFontTx/>
-              <a:buNone/>
-              <a:tabLst/>
-              <a:defRPr/>
-            </a:pPr>
-            <a:endParaRPr kumimoji="0" lang="en-US" sz="1800" b="0" i="0" u="none" strike="noStrike" kern="1200" cap="none" spc="0" normalizeH="0" baseline="0" noProof="0">
-              <a:ln>
-                <a:noFill/>
-              </a:ln>
-              <a:solidFill>
-                <a:prstClr val="white"/>
-              </a:solidFill>
-              <a:effectLst/>
-              <a:uLnTx/>
-              <a:uFillTx/>
-              <a:latin typeface="Calibri" panose="020F0502020204030204"/>
-              <a:ea typeface="+mn-ea"/>
-              <a:cs typeface="+mn-cs"/>
-            </a:endParaRPr>
-          </a:p>
-        </p:txBody>
-      </p:sp>
-      <p:sp>
-        <p:nvSpPr>
-          <p:cNvPr id="2" name="제목 1">
-            <a:extLst>
-              <a:ext uri="{FF2B5EF4-FFF2-40B4-BE49-F238E27FC236}">
-                <a16:creationId xmlns:a16="http://schemas.microsoft.com/office/drawing/2014/main" id="{ECF98D3C-A291-40B4-8841-59EB5A7D50D2}"/>
-              </a:ext>
-            </a:extLst>
-          </p:cNvPr>
-          <p:cNvSpPr>
-            <a:spLocks noGrp="1"/>
-          </p:cNvSpPr>
-          <p:nvPr>
-            <p:ph type="title"/>
-          </p:nvPr>
-        </p:nvSpPr>
-        <p:spPr>
-          <a:xfrm>
-            <a:off x="640079" y="4526280"/>
-            <a:ext cx="7410681" cy="1737360"/>
-          </a:xfrm>
-        </p:spPr>
-        <p:txBody>
-          <a:bodyPr>
-            <a:normAutofit/>
-          </a:bodyPr>
-          <a:lstStyle/>
-          <a:p>
-            <a:r>
-              <a:rPr lang="ko-KR" altLang="en-US" sz="4800"/>
-              <a:t>문자열 자료형 </a:t>
-            </a:r>
-            <a:r>
-              <a:rPr lang="en-US" altLang="ko-KR" sz="4800"/>
-              <a:t>- string</a:t>
-            </a:r>
-            <a:endParaRPr lang="ko-KR" altLang="en-US" sz="4800"/>
-          </a:p>
-        </p:txBody>
-      </p:sp>
-      <p:sp>
-        <p:nvSpPr>
-          <p:cNvPr id="3" name="내용 개체 틀 2">
-            <a:extLst>
-              <a:ext uri="{FF2B5EF4-FFF2-40B4-BE49-F238E27FC236}">
-                <a16:creationId xmlns:a16="http://schemas.microsoft.com/office/drawing/2014/main" id="{62BC44F4-73D6-45A3-95A9-67CA1C51B6A3}"/>
-              </a:ext>
-            </a:extLst>
-          </p:cNvPr>
-          <p:cNvSpPr>
-            <a:spLocks noGrp="1"/>
-          </p:cNvSpPr>
-          <p:nvPr>
-            <p:ph idx="1"/>
-          </p:nvPr>
-        </p:nvSpPr>
-        <p:spPr>
-          <a:xfrm>
-            <a:off x="640079" y="821336"/>
-            <a:ext cx="6029077" cy="3463951"/>
-          </a:xfrm>
-        </p:spPr>
-        <p:txBody>
-          <a:bodyPr anchor="ctr">
-            <a:normAutofit/>
-          </a:bodyPr>
-          <a:lstStyle/>
-          <a:p>
-            <a:pPr marL="0" indent="0">
-              <a:buNone/>
-            </a:pPr>
-            <a:r>
-              <a:rPr lang="en-US" altLang="ko-KR" sz="1800" dirty="0"/>
-              <a:t>1</a:t>
-            </a:r>
-            <a:r>
-              <a:rPr lang="en-US" altLang="ko-KR" sz="2000" dirty="0"/>
-              <a:t>. </a:t>
-            </a:r>
-            <a:r>
-              <a:rPr lang="ko-KR" altLang="en-US" sz="2000" dirty="0"/>
-              <a:t>문자가 연속해서 놓인 모습이</a:t>
-            </a:r>
-            <a:r>
-              <a:rPr lang="en-US" altLang="ko-KR" sz="2000" dirty="0"/>
-              <a:t> string(</a:t>
-            </a:r>
-            <a:r>
-              <a:rPr lang="ko-KR" altLang="en-US" sz="2000" dirty="0"/>
-              <a:t>줄</a:t>
-            </a:r>
-            <a:r>
-              <a:rPr lang="en-US" altLang="ko-KR" sz="2000" dirty="0"/>
-              <a:t>)</a:t>
-            </a:r>
-            <a:r>
-              <a:rPr lang="ko-KR" altLang="en-US" sz="2000" dirty="0"/>
-              <a:t>과 같다고 하여 붙은 이름이다</a:t>
-            </a:r>
-            <a:r>
-              <a:rPr lang="en-US" altLang="ko-KR" sz="2000" dirty="0"/>
-              <a:t>.</a:t>
-            </a:r>
-          </a:p>
-          <a:p>
-            <a:pPr marL="0" indent="0">
-              <a:buNone/>
-            </a:pPr>
-            <a:endParaRPr lang="en-US" altLang="ko-KR" sz="2000" dirty="0"/>
-          </a:p>
-          <a:p>
-            <a:pPr marL="0" indent="0">
-              <a:buNone/>
-            </a:pPr>
-            <a:r>
-              <a:rPr lang="en-US" altLang="ko-KR" sz="2000" dirty="0"/>
-              <a:t>2. string a = “</a:t>
-            </a:r>
-            <a:r>
-              <a:rPr lang="en-US" altLang="ko-KR" sz="2000" dirty="0" err="1"/>
-              <a:t>Hello_World</a:t>
-            </a:r>
-            <a:r>
-              <a:rPr lang="en-US" altLang="ko-KR" sz="2000" dirty="0"/>
-              <a:t>!”; </a:t>
-            </a:r>
-            <a:r>
-              <a:rPr lang="ko-KR" altLang="en-US" sz="2000" dirty="0"/>
-              <a:t>와 같은 형식으로 사용할 수 있다</a:t>
-            </a:r>
-            <a:r>
-              <a:rPr lang="en-US" altLang="ko-KR" sz="2000" dirty="0"/>
-              <a:t>.</a:t>
-            </a:r>
-          </a:p>
-          <a:p>
-            <a:pPr marL="0" indent="0">
-              <a:buNone/>
-            </a:pPr>
-            <a:endParaRPr lang="en-US" altLang="ko-KR" sz="2000" dirty="0"/>
-          </a:p>
-          <a:p>
-            <a:pPr marL="0" indent="0">
-              <a:buNone/>
-            </a:pPr>
-            <a:r>
-              <a:rPr lang="en-US" altLang="ko-KR" sz="2000" dirty="0"/>
-              <a:t>3. char</a:t>
-            </a:r>
-            <a:r>
-              <a:rPr lang="ko-KR" altLang="en-US" sz="2000" dirty="0"/>
-              <a:t>은 소괄호 </a:t>
-            </a:r>
-            <a:r>
-              <a:rPr lang="en-US" altLang="ko-KR" sz="2000" dirty="0"/>
-              <a:t>string</a:t>
-            </a:r>
-            <a:r>
-              <a:rPr lang="ko-KR" altLang="en-US" sz="2000" dirty="0"/>
-              <a:t>은 대괄호로 구분 </a:t>
-            </a:r>
-            <a:r>
-              <a:rPr lang="ko-KR" altLang="en-US" sz="2000" dirty="0" err="1"/>
-              <a:t>해야한다</a:t>
-            </a:r>
-            <a:r>
-              <a:rPr lang="en-US" altLang="ko-KR" sz="2000" dirty="0"/>
-              <a:t>.</a:t>
-            </a:r>
-            <a:endParaRPr lang="ko-KR" altLang="en-US" sz="2000" dirty="0"/>
-          </a:p>
-        </p:txBody>
-      </p:sp>
-      <p:sp>
-        <p:nvSpPr>
-          <p:cNvPr id="18" name="Freeform: Shape 9">
-            <a:extLst>
-              <a:ext uri="{FF2B5EF4-FFF2-40B4-BE49-F238E27FC236}">
-                <a16:creationId xmlns:a16="http://schemas.microsoft.com/office/drawing/2014/main" id="{11394CD8-BD30-4B74-86F4-51FDF3383419}"/>
-              </a:ext>
-              <a:ext uri="{C183D7F6-B498-43B3-948B-1728B52AA6E4}">
-                <adec:decorative xmlns:adec="http://schemas.microsoft.com/office/drawing/2017/decorative" val="1"/>
-              </a:ext>
-            </a:extLst>
-          </p:cNvPr>
-          <p:cNvSpPr>
-            <a:spLocks noGrp="1" noRot="1" noChangeAspect="1" noMove="1" noResize="1" noEditPoints="1" noAdjustHandles="1" noChangeArrowheads="1" noChangeShapeType="1" noTextEdit="1"/>
-          </p:cNvSpPr>
-          <p:nvPr>
-            <p:extLst>
-              <p:ext uri="{386F3935-93C4-4BCD-93E2-E3B085C9AB24}">
-                <p16:designElem xmlns:p16="http://schemas.microsoft.com/office/powerpoint/2015/main" val="1"/>
-              </p:ext>
-            </p:extLst>
-          </p:nvPr>
-        </p:nvSpPr>
-        <p:spPr>
-          <a:xfrm>
-            <a:off x="6492113" y="0"/>
-            <a:ext cx="5699887" cy="4059244"/>
-          </a:xfrm>
-          <a:custGeom>
-            <a:avLst/>
-            <a:gdLst>
-              <a:gd name="connsiteX0" fmla="*/ 0 w 5699887"/>
-              <a:gd name="connsiteY0" fmla="*/ 0 h 4059244"/>
-              <a:gd name="connsiteX1" fmla="*/ 5699887 w 5699887"/>
-              <a:gd name="connsiteY1" fmla="*/ 0 h 4059244"/>
-              <a:gd name="connsiteX2" fmla="*/ 5699887 w 5699887"/>
-              <a:gd name="connsiteY2" fmla="*/ 3944096 h 4059244"/>
-              <a:gd name="connsiteX3" fmla="*/ 5525775 w 5699887"/>
-              <a:gd name="connsiteY3" fmla="*/ 3980429 h 4059244"/>
-              <a:gd name="connsiteX4" fmla="*/ 4663256 w 5699887"/>
-              <a:gd name="connsiteY4" fmla="*/ 4059244 h 4059244"/>
-              <a:gd name="connsiteX5" fmla="*/ 8566 w 5699887"/>
-              <a:gd name="connsiteY5" fmla="*/ 67422 h 4059244"/>
-            </a:gdLst>
-            <a:ahLst/>
-            <a:cxnLst>
-              <a:cxn ang="0">
-                <a:pos x="connsiteX0" y="connsiteY0"/>
-              </a:cxn>
-              <a:cxn ang="0">
-                <a:pos x="connsiteX1" y="connsiteY1"/>
-              </a:cxn>
-              <a:cxn ang="0">
-                <a:pos x="connsiteX2" y="connsiteY2"/>
-              </a:cxn>
-              <a:cxn ang="0">
-                <a:pos x="connsiteX3" y="connsiteY3"/>
-              </a:cxn>
-              <a:cxn ang="0">
-                <a:pos x="connsiteX4" y="connsiteY4"/>
-              </a:cxn>
-              <a:cxn ang="0">
-                <a:pos x="connsiteX5" y="connsiteY5"/>
-              </a:cxn>
-            </a:cxnLst>
-            <a:rect l="l" t="t" r="r" b="b"/>
-            <a:pathLst>
-              <a:path w="5699887" h="4059244">
-                <a:moveTo>
-                  <a:pt x="0" y="0"/>
-                </a:moveTo>
-                <a:lnTo>
-                  <a:pt x="5699887" y="0"/>
-                </a:lnTo>
-                <a:lnTo>
-                  <a:pt x="5699887" y="3944096"/>
-                </a:lnTo>
-                <a:lnTo>
-                  <a:pt x="5525775" y="3980429"/>
-                </a:lnTo>
-                <a:cubicBezTo>
-                  <a:pt x="5246154" y="4032190"/>
-                  <a:pt x="4957865" y="4059244"/>
-                  <a:pt x="4663256" y="4059244"/>
-                </a:cubicBezTo>
-                <a:cubicBezTo>
-                  <a:pt x="2306390" y="4059244"/>
-                  <a:pt x="353936" y="2327747"/>
-                  <a:pt x="8566" y="67422"/>
-                </a:cubicBezTo>
-                <a:close/>
-              </a:path>
-            </a:pathLst>
-          </a:custGeom>
           <a:solidFill>
-            <a:srgbClr val="595959"/>
+            <a:schemeClr val="bg1"/>
           </a:solidFill>
           <a:ln>
             <a:noFill/>
@@ -24735,98 +26476,57 @@
           <a:bodyPr rtlCol="0" anchor="ctr"/>
           <a:lstStyle/>
           <a:p>
-            <a:pPr marL="0" marR="0" lvl="0" indent="0" algn="ctr" defTabSz="914400" rtl="0" eaLnBrk="1" fontAlgn="auto" latinLnBrk="0" hangingPunct="1">
-              <a:lnSpc>
-                <a:spcPct val="100000"/>
-              </a:lnSpc>
-              <a:spcBef>
-                <a:spcPts val="0"/>
-              </a:spcBef>
-              <a:spcAft>
-                <a:spcPts val="0"/>
-              </a:spcAft>
-              <a:buClrTx/>
-              <a:buSzTx/>
-              <a:buFontTx/>
-              <a:buNone/>
-              <a:tabLst/>
-              <a:defRPr/>
-            </a:pPr>
-            <a:endParaRPr kumimoji="0" lang="en-US" sz="1800" b="0" i="0" u="none" strike="noStrike" kern="1200" cap="none" spc="0" normalizeH="0" baseline="0" noProof="0">
-              <a:ln>
-                <a:noFill/>
-              </a:ln>
-              <a:solidFill>
-                <a:prstClr val="white"/>
-              </a:solidFill>
-              <a:effectLst/>
-              <a:uLnTx/>
-              <a:uFillTx/>
-              <a:latin typeface="Calibri" panose="020F0502020204030204"/>
-              <a:ea typeface="+mn-ea"/>
-              <a:cs typeface="+mn-cs"/>
-            </a:endParaRPr>
+            <a:pPr algn="ctr"/>
+            <a:endParaRPr lang="en-US" dirty="0"/>
           </a:p>
         </p:txBody>
       </p:sp>
-      <p:cxnSp>
-        <p:nvCxnSpPr>
-          <p:cNvPr id="19" name="Straight Connector 11">
+      <p:sp>
+        <p:nvSpPr>
+          <p:cNvPr id="2" name="제목 1">
             <a:extLst>
               <a:ext uri="{FF2B5EF4-FFF2-40B4-BE49-F238E27FC236}">
-                <a16:creationId xmlns:a16="http://schemas.microsoft.com/office/drawing/2014/main" id="{D4C22394-EBC2-4FAF-A555-6C02D589EED7}"/>
-              </a:ext>
-              <a:ext uri="{C183D7F6-B498-43B3-948B-1728B52AA6E4}">
-                <adec:decorative xmlns:adec="http://schemas.microsoft.com/office/drawing/2017/decorative" val="1"/>
+                <a16:creationId xmlns:a16="http://schemas.microsoft.com/office/drawing/2014/main" id="{0C329A1B-F847-4BD3-BFAF-4683E9FA9BF0}"/>
               </a:ext>
             </a:extLst>
           </p:cNvPr>
-          <p:cNvCxnSpPr>
-            <a:cxnSpLocks noGrp="1" noRot="1" noChangeAspect="1" noMove="1" noResize="1" noEditPoints="1" noAdjustHandles="1" noChangeArrowheads="1" noChangeShapeType="1"/>
-          </p:cNvCxnSpPr>
+          <p:cNvSpPr>
+            <a:spLocks noGrp="1"/>
+          </p:cNvSpPr>
           <p:nvPr>
-            <p:extLst>
-              <p:ext uri="{386F3935-93C4-4BCD-93E2-E3B085C9AB24}">
-                <p16:designElem xmlns:p16="http://schemas.microsoft.com/office/powerpoint/2015/main" val="1"/>
-              </p:ext>
-            </p:extLst>
+            <p:ph type="title"/>
           </p:nvPr>
-        </p:nvCxnSpPr>
+        </p:nvSpPr>
         <p:spPr>
-          <a:xfrm rot="16200000">
-            <a:off x="1508760" y="3431556"/>
-            <a:ext cx="0" cy="1737360"/>
+          <a:xfrm>
+            <a:off x="643468" y="643467"/>
+            <a:ext cx="5447530" cy="5571065"/>
           </a:xfrm>
-          <a:prstGeom prst="line">
-            <a:avLst/>
-          </a:prstGeom>
-          <a:ln w="19050" cap="sq">
-            <a:solidFill>
-              <a:schemeClr val="tx1"/>
-            </a:solidFill>
-          </a:ln>
         </p:spPr>
-        <p:style>
-          <a:lnRef idx="1">
-            <a:schemeClr val="accent1"/>
-          </a:lnRef>
-          <a:fillRef idx="0">
-            <a:schemeClr val="accent1"/>
-          </a:fillRef>
-          <a:effectRef idx="0">
-            <a:schemeClr val="accent1"/>
-          </a:effectRef>
-          <a:fontRef idx="minor">
-            <a:schemeClr val="tx1"/>
-          </a:fontRef>
-        </p:style>
-      </p:cxnSp>
+        <p:txBody>
+          <a:bodyPr>
+            <a:normAutofit/>
+          </a:bodyPr>
+          <a:lstStyle/>
+          <a:p>
+            <a:r>
+              <a:rPr lang="ko-KR" altLang="en-US" sz="3600" dirty="0"/>
+              <a:t>실수 자료형 </a:t>
+            </a:r>
+            <a:r>
+              <a:rPr lang="en-US" altLang="ko-KR" sz="3600" dirty="0"/>
+              <a:t>– float, float</a:t>
+            </a:r>
+            <a:endParaRPr lang="ko-KR" altLang="en-US" sz="3600" dirty="0"/>
+          </a:p>
+        </p:txBody>
+      </p:sp>
       <p:sp>
         <p:nvSpPr>
-          <p:cNvPr id="20" name="Oval 13">
+          <p:cNvPr id="34" name="Freeform: Shape 33">
             <a:extLst>
               <a:ext uri="{FF2B5EF4-FFF2-40B4-BE49-F238E27FC236}">
-                <a16:creationId xmlns:a16="http://schemas.microsoft.com/office/drawing/2014/main" id="{F7194F93-1F71-4A70-9DF1-28F183771111}"/>
+                <a16:creationId xmlns:a16="http://schemas.microsoft.com/office/drawing/2014/main" id="{569BBA9B-8F4E-4D2B-BEFA-41A475443377}"/>
               </a:ext>
               <a:ext uri="{C183D7F6-B498-43B3-948B-1728B52AA6E4}">
                 <adec:decorative xmlns:adec="http://schemas.microsoft.com/office/drawing/2017/decorative" val="1"/>
@@ -24845,15 +26545,386 @@
           </p:nvPr>
         </p:nvSpPr>
         <p:spPr>
-          <a:xfrm>
-            <a:off x="8732897" y="5004581"/>
-            <a:ext cx="962395" cy="962395"/>
+          <a:xfrm rot="2700000">
+            <a:off x="-415188" y="-231223"/>
+            <a:ext cx="1409491" cy="1876653"/>
           </a:xfrm>
-          <a:prstGeom prst="ellipse">
+          <a:custGeom>
+            <a:avLst/>
+            <a:gdLst>
+              <a:gd name="connsiteX0" fmla="*/ 0 w 1409491"/>
+              <a:gd name="connsiteY0" fmla="*/ 643075 h 1876653"/>
+              <a:gd name="connsiteX1" fmla="*/ 643075 w 1409491"/>
+              <a:gd name="connsiteY1" fmla="*/ 0 h 1876653"/>
+              <a:gd name="connsiteX2" fmla="*/ 1409491 w 1409491"/>
+              <a:gd name="connsiteY2" fmla="*/ 0 h 1876653"/>
+              <a:gd name="connsiteX3" fmla="*/ 1409491 w 1409491"/>
+              <a:gd name="connsiteY3" fmla="*/ 1876653 h 1876653"/>
+              <a:gd name="connsiteX4" fmla="*/ 1233578 w 1409491"/>
+              <a:gd name="connsiteY4" fmla="*/ 1876653 h 1876653"/>
+            </a:gdLst>
+            <a:ahLst/>
+            <a:cxnLst>
+              <a:cxn ang="0">
+                <a:pos x="connsiteX0" y="connsiteY0"/>
+              </a:cxn>
+              <a:cxn ang="0">
+                <a:pos x="connsiteX1" y="connsiteY1"/>
+              </a:cxn>
+              <a:cxn ang="0">
+                <a:pos x="connsiteX2" y="connsiteY2"/>
+              </a:cxn>
+              <a:cxn ang="0">
+                <a:pos x="connsiteX3" y="connsiteY3"/>
+              </a:cxn>
+              <a:cxn ang="0">
+                <a:pos x="connsiteX4" y="connsiteY4"/>
+              </a:cxn>
+            </a:cxnLst>
+            <a:rect l="l" t="t" r="r" b="b"/>
+            <a:pathLst>
+              <a:path w="1409491" h="1876653">
+                <a:moveTo>
+                  <a:pt x="0" y="643075"/>
+                </a:moveTo>
+                <a:lnTo>
+                  <a:pt x="643075" y="0"/>
+                </a:lnTo>
+                <a:lnTo>
+                  <a:pt x="1409491" y="0"/>
+                </a:lnTo>
+                <a:lnTo>
+                  <a:pt x="1409491" y="1876653"/>
+                </a:lnTo>
+                <a:lnTo>
+                  <a:pt x="1233578" y="1876653"/>
+                </a:lnTo>
+                <a:close/>
+              </a:path>
+            </a:pathLst>
+          </a:custGeom>
+          <a:solidFill>
+            <a:schemeClr val="accent1">
+              <a:alpha val="30000"/>
+            </a:schemeClr>
+          </a:solidFill>
+          <a:ln>
+            <a:noFill/>
+          </a:ln>
+        </p:spPr>
+        <p:style>
+          <a:lnRef idx="2">
+            <a:schemeClr val="accent1">
+              <a:shade val="50000"/>
+            </a:schemeClr>
+          </a:lnRef>
+          <a:fillRef idx="1">
+            <a:schemeClr val="accent1"/>
+          </a:fillRef>
+          <a:effectRef idx="0">
+            <a:schemeClr val="accent1"/>
+          </a:effectRef>
+          <a:fontRef idx="minor">
+            <a:schemeClr val="lt1"/>
+          </a:fontRef>
+        </p:style>
+        <p:txBody>
+          <a:bodyPr wrap="square" rtlCol="0" anchor="ctr">
+            <a:noAutofit/>
+          </a:bodyPr>
+          <a:lstStyle/>
+          <a:p>
+            <a:pPr algn="ctr"/>
+            <a:endParaRPr lang="en-US"/>
+          </a:p>
+        </p:txBody>
+      </p:sp>
+      <p:sp>
+        <p:nvSpPr>
+          <p:cNvPr id="36" name="Rectangle 35">
+            <a:extLst>
+              <a:ext uri="{FF2B5EF4-FFF2-40B4-BE49-F238E27FC236}">
+                <a16:creationId xmlns:a16="http://schemas.microsoft.com/office/drawing/2014/main" id="{851012D1-8033-40B1-9EC0-91390FFC7403}"/>
+              </a:ext>
+              <a:ext uri="{C183D7F6-B498-43B3-948B-1728B52AA6E4}">
+                <adec:decorative xmlns:adec="http://schemas.microsoft.com/office/drawing/2017/decorative" val="1"/>
+              </a:ext>
+            </a:extLst>
+          </p:cNvPr>
+          <p:cNvSpPr>
+            <a:spLocks noGrp="1" noRot="1" noChangeAspect="1" noMove="1" noResize="1" noEditPoints="1" noAdjustHandles="1" noChangeArrowheads="1" noChangeShapeType="1" noTextEdit="1"/>
+          </p:cNvSpPr>
+          <p:nvPr>
+            <p:extLst>
+              <p:ext uri="{386F3935-93C4-4BCD-93E2-E3B085C9AB24}">
+                <p16:designElem xmlns:p16="http://schemas.microsoft.com/office/powerpoint/2015/main" val="1"/>
+              </p:ext>
+            </p:extLst>
+          </p:nvPr>
+        </p:nvSpPr>
+        <p:spPr>
+          <a:xfrm rot="2700000">
+            <a:off x="301285" y="1282788"/>
+            <a:ext cx="485578" cy="485578"/>
+          </a:xfrm>
+          <a:prstGeom prst="rect">
             <a:avLst/>
           </a:prstGeom>
           <a:solidFill>
+            <a:schemeClr val="accent1">
+              <a:alpha val="30000"/>
+            </a:schemeClr>
+          </a:solidFill>
+          <a:ln>
+            <a:noFill/>
+          </a:ln>
+        </p:spPr>
+        <p:style>
+          <a:lnRef idx="2">
+            <a:schemeClr val="accent1">
+              <a:shade val="50000"/>
+            </a:schemeClr>
+          </a:lnRef>
+          <a:fillRef idx="1">
             <a:schemeClr val="accent1"/>
+          </a:fillRef>
+          <a:effectRef idx="0">
+            <a:schemeClr val="accent1"/>
+          </a:effectRef>
+          <a:fontRef idx="minor">
+            <a:schemeClr val="lt1"/>
+          </a:fontRef>
+        </p:style>
+        <p:txBody>
+          <a:bodyPr wrap="square" rtlCol="0" anchor="ctr">
+            <a:noAutofit/>
+          </a:bodyPr>
+          <a:lstStyle/>
+          <a:p>
+            <a:pPr algn="ctr"/>
+            <a:endParaRPr lang="en-US"/>
+          </a:p>
+        </p:txBody>
+      </p:sp>
+      <p:sp>
+        <p:nvSpPr>
+          <p:cNvPr id="3" name="내용 개체 틀 2">
+            <a:extLst>
+              <a:ext uri="{FF2B5EF4-FFF2-40B4-BE49-F238E27FC236}">
+                <a16:creationId xmlns:a16="http://schemas.microsoft.com/office/drawing/2014/main" id="{447D4074-25F1-4E73-AAA1-808EFC0E42CC}"/>
+              </a:ext>
+            </a:extLst>
+          </p:cNvPr>
+          <p:cNvSpPr>
+            <a:spLocks noGrp="1"/>
+          </p:cNvSpPr>
+          <p:nvPr>
+            <p:ph idx="1"/>
+          </p:nvPr>
+        </p:nvSpPr>
+        <p:spPr>
+          <a:xfrm>
+            <a:off x="6090998" y="643467"/>
+            <a:ext cx="5457533" cy="5571065"/>
+          </a:xfrm>
+        </p:spPr>
+        <p:txBody>
+          <a:bodyPr anchor="ctr">
+            <a:normAutofit/>
+          </a:bodyPr>
+          <a:lstStyle/>
+          <a:p>
+            <a:pPr marL="514350" indent="-514350">
+              <a:buAutoNum type="arabicPeriod"/>
+            </a:pPr>
+            <a:r>
+              <a:rPr lang="en-US" altLang="ko-KR" sz="2000"/>
+              <a:t>Float</a:t>
+            </a:r>
+            <a:r>
+              <a:rPr lang="ko-KR" altLang="en-US" sz="2000"/>
+              <a:t>는 </a:t>
+            </a:r>
+            <a:r>
+              <a:rPr lang="en-US" altLang="ko-KR" sz="2000"/>
+              <a:t>Floating point number(</a:t>
+            </a:r>
+            <a:r>
+              <a:rPr lang="ko-KR" altLang="en-US" sz="2000"/>
+              <a:t>부동소수점</a:t>
+            </a:r>
+            <a:r>
+              <a:rPr lang="en-US" altLang="ko-KR" sz="2000"/>
+              <a:t>)</a:t>
+            </a:r>
+            <a:r>
+              <a:rPr lang="ko-KR" altLang="en-US" sz="2000"/>
+              <a:t>의 줄임 표현이다</a:t>
+            </a:r>
+            <a:r>
+              <a:rPr lang="en-US" altLang="ko-KR" sz="2000"/>
+              <a:t>.</a:t>
+            </a:r>
+          </a:p>
+          <a:p>
+            <a:pPr marL="514350" indent="-514350">
+              <a:buAutoNum type="arabicPeriod"/>
+            </a:pPr>
+            <a:endParaRPr lang="en-US" altLang="ko-KR" sz="2000"/>
+          </a:p>
+          <a:p>
+            <a:pPr marL="514350" indent="-514350">
+              <a:buAutoNum type="arabicPeriod"/>
+            </a:pPr>
+            <a:r>
+              <a:rPr lang="ko-KR" altLang="en-US" sz="2000"/>
+              <a:t>저장할 수 있는 수의 범위는 </a:t>
+            </a:r>
+            <a:r>
+              <a:rPr lang="en-US" altLang="ko-KR" sz="2000"/>
+              <a:t>-3.4 *10</a:t>
+            </a:r>
+            <a:r>
+              <a:rPr lang="ko-KR" altLang="en-US" sz="2000"/>
+              <a:t>의 </a:t>
+            </a:r>
+            <a:r>
+              <a:rPr lang="en-US" altLang="ko-KR" sz="2000"/>
+              <a:t>38</a:t>
+            </a:r>
+            <a:r>
+              <a:rPr lang="ko-KR" altLang="en-US" sz="2000"/>
+              <a:t>승 에서 </a:t>
+            </a:r>
+            <a:r>
+              <a:rPr lang="en-US" altLang="ko-KR" sz="2000"/>
+              <a:t>3.4 *10</a:t>
+            </a:r>
+            <a:r>
+              <a:rPr lang="ko-KR" altLang="en-US" sz="2000"/>
+              <a:t>의 </a:t>
+            </a:r>
+            <a:r>
+              <a:rPr lang="en-US" altLang="ko-KR" sz="2000"/>
+              <a:t>38</a:t>
+            </a:r>
+            <a:r>
+              <a:rPr lang="ko-KR" altLang="en-US" sz="2000"/>
+              <a:t>승이다</a:t>
+            </a:r>
+            <a:r>
+              <a:rPr lang="en-US" altLang="ko-KR" sz="2000"/>
+              <a:t>.</a:t>
+            </a:r>
+          </a:p>
+          <a:p>
+            <a:pPr marL="514350" indent="-514350">
+              <a:buAutoNum type="arabicPeriod"/>
+            </a:pPr>
+            <a:endParaRPr lang="en-US" altLang="ko-KR" sz="2000"/>
+          </a:p>
+          <a:p>
+            <a:pPr marL="514350" indent="-514350">
+              <a:buAutoNum type="arabicPeriod"/>
+            </a:pPr>
+            <a:r>
+              <a:rPr lang="en-US" altLang="ko-KR" sz="2000"/>
+              <a:t>Double</a:t>
+            </a:r>
+            <a:r>
+              <a:rPr lang="ko-KR" altLang="en-US" sz="2000"/>
+              <a:t>은 </a:t>
+            </a:r>
+            <a:r>
+              <a:rPr lang="en-US" altLang="ko-KR" sz="2000"/>
+              <a:t>double floating point number</a:t>
+            </a:r>
+            <a:r>
+              <a:rPr lang="ko-KR" altLang="en-US" sz="2000"/>
+              <a:t>의 준말로 </a:t>
+            </a:r>
+            <a:r>
+              <a:rPr lang="en-US" altLang="ko-KR" sz="2000"/>
+              <a:t>float </a:t>
+            </a:r>
+            <a:r>
+              <a:rPr lang="ko-KR" altLang="en-US" sz="2000"/>
+              <a:t>보다 수를 저장하는 공간이 </a:t>
+            </a:r>
+            <a:r>
+              <a:rPr lang="en-US" altLang="ko-KR" sz="2000"/>
+              <a:t>2</a:t>
+            </a:r>
+            <a:r>
+              <a:rPr lang="ko-KR" altLang="en-US" sz="2000"/>
+              <a:t>배 크다</a:t>
+            </a:r>
+            <a:r>
+              <a:rPr lang="en-US" altLang="ko-KR" sz="2000"/>
+              <a:t>.</a:t>
+            </a:r>
+          </a:p>
+          <a:p>
+            <a:pPr marL="514350" indent="-514350">
+              <a:buAutoNum type="arabicPeriod"/>
+            </a:pPr>
+            <a:endParaRPr lang="en-US" altLang="ko-KR" sz="2000"/>
+          </a:p>
+          <a:p>
+            <a:pPr marL="514350" indent="-514350">
+              <a:buAutoNum type="arabicPeriod"/>
+            </a:pPr>
+            <a:r>
+              <a:rPr lang="en-US" altLang="ko-KR" sz="2000"/>
+              <a:t>float number = 0;</a:t>
+            </a:r>
+            <a:r>
+              <a:rPr lang="ko-KR" altLang="en-US" sz="2000"/>
+              <a:t>과 같은 방식으로 사용된다</a:t>
+            </a:r>
+            <a:r>
+              <a:rPr lang="en-US" altLang="ko-KR" sz="2000"/>
+              <a:t>.</a:t>
+            </a:r>
+            <a:endParaRPr lang="ko-KR" altLang="en-US" sz="2000"/>
+          </a:p>
+        </p:txBody>
+      </p:sp>
+      <p:sp>
+        <p:nvSpPr>
+          <p:cNvPr id="38" name="Rectangle 37">
+            <a:extLst>
+              <a:ext uri="{FF2B5EF4-FFF2-40B4-BE49-F238E27FC236}">
+                <a16:creationId xmlns:a16="http://schemas.microsoft.com/office/drawing/2014/main" id="{2E80C965-DB6D-4F81-9E9E-B027384D0BD6}"/>
+              </a:ext>
+              <a:ext uri="{C183D7F6-B498-43B3-948B-1728B52AA6E4}">
+                <adec:decorative xmlns:adec="http://schemas.microsoft.com/office/drawing/2017/decorative" val="1"/>
+              </a:ext>
+            </a:extLst>
+          </p:cNvPr>
+          <p:cNvSpPr>
+            <a:spLocks noGrp="1" noRot="1" noChangeAspect="1" noMove="1" noResize="1" noEditPoints="1" noAdjustHandles="1" noChangeArrowheads="1" noChangeShapeType="1" noTextEdit="1"/>
+          </p:cNvSpPr>
+          <p:nvPr>
+            <p:extLst>
+              <p:ext uri="{386F3935-93C4-4BCD-93E2-E3B085C9AB24}">
+                <p16:designElem xmlns:p16="http://schemas.microsoft.com/office/powerpoint/2015/main" val="1"/>
+              </p:ext>
+            </p:extLst>
+          </p:nvPr>
+        </p:nvSpPr>
+        <p:spPr>
+          <a:xfrm rot="2700000">
+            <a:off x="8809436" y="6033666"/>
+            <a:ext cx="645368" cy="645368"/>
+          </a:xfrm>
+          <a:prstGeom prst="rect">
+            <a:avLst/>
+          </a:prstGeom>
+          <a:solidFill>
+            <a:schemeClr val="accent4">
+              <a:alpha val="30000"/>
+            </a:schemeClr>
           </a:solidFill>
           <a:ln>
             <a:noFill/>
@@ -24879,46 +26950,17 @@
           <a:bodyPr rtlCol="0" anchor="ctr"/>
           <a:lstStyle/>
           <a:p>
-            <a:pPr marL="0" marR="0" lvl="0" indent="0" algn="ctr" defTabSz="914400" rtl="0" eaLnBrk="1" fontAlgn="auto" latinLnBrk="0" hangingPunct="1">
-              <a:lnSpc>
-                <a:spcPct val="100000"/>
-              </a:lnSpc>
-              <a:spcBef>
-                <a:spcPts val="0"/>
-              </a:spcBef>
-              <a:spcAft>
-                <a:spcPts val="0"/>
-              </a:spcAft>
-              <a:buClrTx/>
-              <a:buSzTx/>
-              <a:buFontTx/>
-              <a:buNone/>
-              <a:tabLst/>
-              <a:defRPr/>
-            </a:pPr>
-            <a:endParaRPr kumimoji="0" lang="en-US" sz="1800" b="0" i="0" u="none" strike="noStrike" kern="1200" cap="none" spc="0" normalizeH="0" baseline="0" noProof="0">
-              <a:ln>
-                <a:noFill/>
-              </a:ln>
-              <a:solidFill>
-                <a:prstClr val="white"/>
-              </a:solidFill>
-              <a:effectLst/>
-              <a:uLnTx/>
-              <a:uFillTx/>
-              <a:latin typeface="Calibri" panose="020F0502020204030204"/>
-              <a:ea typeface="+mn-ea"/>
-              <a:cs typeface="+mn-cs"/>
-            </a:endParaRPr>
+            <a:pPr algn="ctr"/>
+            <a:endParaRPr lang="en-US"/>
           </a:p>
         </p:txBody>
       </p:sp>
       <p:sp>
         <p:nvSpPr>
-          <p:cNvPr id="16" name="Oval 15">
+          <p:cNvPr id="40" name="Isosceles Triangle 39">
             <a:extLst>
               <a:ext uri="{FF2B5EF4-FFF2-40B4-BE49-F238E27FC236}">
-                <a16:creationId xmlns:a16="http://schemas.microsoft.com/office/drawing/2014/main" id="{9BBC0C84-DC2A-43AE-9576-0A44295E8B9C}"/>
+                <a16:creationId xmlns:a16="http://schemas.microsoft.com/office/drawing/2014/main" id="{D291F021-C45C-4D44-A2B8-A789E386CC42}"/>
               </a:ext>
               <a:ext uri="{C183D7F6-B498-43B3-948B-1728B52AA6E4}">
                 <adec:decorative xmlns:adec="http://schemas.microsoft.com/office/drawing/2017/decorative" val="1"/>
@@ -24938,14 +26980,18 @@
         </p:nvSpPr>
         <p:spPr>
           <a:xfrm>
-            <a:off x="10463725" y="4865965"/>
-            <a:ext cx="293695" cy="293695"/>
+            <a:off x="8603444" y="5721108"/>
+            <a:ext cx="2261965" cy="1136891"/>
           </a:xfrm>
-          <a:prstGeom prst="ellipse">
-            <a:avLst/>
+          <a:prstGeom prst="triangle">
+            <a:avLst>
+              <a:gd name="adj" fmla="val 50000"/>
+            </a:avLst>
           </a:prstGeom>
           <a:solidFill>
-            <a:schemeClr val="accent4"/>
+            <a:schemeClr val="accent4">
+              <a:alpha val="30000"/>
+            </a:schemeClr>
           </a:solidFill>
           <a:ln>
             <a:noFill/>
@@ -24971,44 +27017,15 @@
           <a:bodyPr rtlCol="0" anchor="ctr"/>
           <a:lstStyle/>
           <a:p>
-            <a:pPr marL="0" marR="0" lvl="0" indent="0" algn="ctr" defTabSz="914400" rtl="0" eaLnBrk="1" fontAlgn="auto" latinLnBrk="0" hangingPunct="1">
-              <a:lnSpc>
-                <a:spcPct val="100000"/>
-              </a:lnSpc>
-              <a:spcBef>
-                <a:spcPts val="0"/>
-              </a:spcBef>
-              <a:spcAft>
-                <a:spcPts val="0"/>
-              </a:spcAft>
-              <a:buClrTx/>
-              <a:buSzTx/>
-              <a:buFontTx/>
-              <a:buNone/>
-              <a:tabLst/>
-              <a:defRPr/>
-            </a:pPr>
-            <a:endParaRPr kumimoji="0" lang="en-US" sz="1800" b="0" i="0" u="none" strike="noStrike" kern="1200" cap="none" spc="0" normalizeH="0" baseline="0" noProof="0">
-              <a:ln>
-                <a:noFill/>
-              </a:ln>
-              <a:solidFill>
-                <a:prstClr val="white"/>
-              </a:solidFill>
-              <a:effectLst/>
-              <a:uLnTx/>
-              <a:uFillTx/>
-              <a:latin typeface="Calibri" panose="020F0502020204030204"/>
-              <a:ea typeface="+mn-ea"/>
-              <a:cs typeface="+mn-cs"/>
-            </a:endParaRPr>
+            <a:pPr algn="ctr"/>
+            <a:endParaRPr lang="en-US"/>
           </a:p>
         </p:txBody>
       </p:sp>
     </p:spTree>
     <p:extLst>
       <p:ext uri="{BB962C8B-B14F-4D97-AF65-F5344CB8AC3E}">
-        <p14:creationId xmlns:p14="http://schemas.microsoft.com/office/powerpoint/2010/main" val="1886532480"/>
+        <p14:creationId xmlns:p14="http://schemas.microsoft.com/office/powerpoint/2010/main" val="3896063948"/>
       </p:ext>
     </p:extLst>
   </p:cSld>

--- a/c# 스터디 1주 차.pptx
+++ b/c# 스터디 1주 차.pptx
@@ -3330,7 +3330,7 @@
           <a:p>
             <a:fld id="{7C90EEF3-85AA-4A0F-A388-8693DEDCA294}" type="datetimeFigureOut">
               <a:rPr lang="ko-KR" altLang="en-US" smtClean="0"/>
-              <a:t>2020-03-23</a:t>
+              <a:t>2020-03-30</a:t>
             </a:fld>
             <a:endParaRPr lang="ko-KR" altLang="en-US"/>
           </a:p>
@@ -4026,7 +4026,18 @@
           <a:bodyPr/>
           <a:lstStyle/>
           <a:p>
-            <a:endParaRPr lang="ko-KR" altLang="en-US" dirty="0"/>
+            <a:r>
+              <a:rPr lang="en-US" altLang="ko-KR" dirty="0" err="1"/>
+              <a:t>Console.Write</a:t>
+            </a:r>
+            <a:r>
+              <a:rPr lang="en-US" altLang="ko-KR" dirty="0"/>
+              <a:t>()</a:t>
+            </a:r>
+            <a:r>
+              <a:rPr lang="ko-KR" altLang="en-US" dirty="0"/>
+              <a:t>도 설명하기</a:t>
+            </a:r>
           </a:p>
         </p:txBody>
       </p:sp>
@@ -4047,6 +4058,90 @@
           <a:p>
             <a:fld id="{A1A39CFB-6B8F-4FF6-935B-A05D169DCC47}" type="slidenum">
               <a:rPr lang="ko-KR" altLang="en-US" smtClean="0"/>
+              <a:t>14</a:t>
+            </a:fld>
+            <a:endParaRPr lang="ko-KR" altLang="en-US"/>
+          </a:p>
+        </p:txBody>
+      </p:sp>
+    </p:spTree>
+    <p:extLst>
+      <p:ext uri="{BB962C8B-B14F-4D97-AF65-F5344CB8AC3E}">
+        <p14:creationId xmlns:p14="http://schemas.microsoft.com/office/powerpoint/2010/main" val="3171288537"/>
+      </p:ext>
+    </p:extLst>
+  </p:cSld>
+  <p:clrMapOvr>
+    <a:masterClrMapping/>
+  </p:clrMapOvr>
+</p:notes>
+</file>
+
+<file path=ppt/notesSlides/notesSlide6.xml><?xml version="1.0" encoding="utf-8"?>
+<p:notes xmlns:a="http://schemas.openxmlformats.org/drawingml/2006/main" xmlns:r="http://schemas.openxmlformats.org/officeDocument/2006/relationships" xmlns:p="http://schemas.openxmlformats.org/presentationml/2006/main">
+  <p:cSld>
+    <p:spTree>
+      <p:nvGrpSpPr>
+        <p:cNvPr id="1" name=""/>
+        <p:cNvGrpSpPr/>
+        <p:nvPr/>
+      </p:nvGrpSpPr>
+      <p:grpSpPr>
+        <a:xfrm>
+          <a:off x="0" y="0"/>
+          <a:ext cx="0" cy="0"/>
+          <a:chOff x="0" y="0"/>
+          <a:chExt cx="0" cy="0"/>
+        </a:xfrm>
+      </p:grpSpPr>
+      <p:sp>
+        <p:nvSpPr>
+          <p:cNvPr id="2" name="슬라이드 이미지 개체 틀 1"/>
+          <p:cNvSpPr>
+            <a:spLocks noGrp="1" noRot="1" noChangeAspect="1"/>
+          </p:cNvSpPr>
+          <p:nvPr>
+            <p:ph type="sldImg"/>
+          </p:nvPr>
+        </p:nvSpPr>
+        <p:spPr/>
+      </p:sp>
+      <p:sp>
+        <p:nvSpPr>
+          <p:cNvPr id="3" name="슬라이드 노트 개체 틀 2"/>
+          <p:cNvSpPr>
+            <a:spLocks noGrp="1"/>
+          </p:cNvSpPr>
+          <p:nvPr>
+            <p:ph type="body" idx="1"/>
+          </p:nvPr>
+        </p:nvSpPr>
+        <p:spPr/>
+        <p:txBody>
+          <a:bodyPr/>
+          <a:lstStyle/>
+          <a:p>
+            <a:endParaRPr lang="ko-KR" altLang="en-US" dirty="0"/>
+          </a:p>
+        </p:txBody>
+      </p:sp>
+      <p:sp>
+        <p:nvSpPr>
+          <p:cNvPr id="4" name="슬라이드 번호 개체 틀 3"/>
+          <p:cNvSpPr>
+            <a:spLocks noGrp="1"/>
+          </p:cNvSpPr>
+          <p:nvPr>
+            <p:ph type="sldNum" sz="quarter" idx="5"/>
+          </p:nvPr>
+        </p:nvSpPr>
+        <p:spPr/>
+        <p:txBody>
+          <a:bodyPr/>
+          <a:lstStyle/>
+          <a:p>
+            <a:fld id="{A1A39CFB-6B8F-4FF6-935B-A05D169DCC47}" type="slidenum">
+              <a:rPr lang="ko-KR" altLang="en-US" smtClean="0"/>
               <a:t>16</a:t>
             </a:fld>
             <a:endParaRPr lang="ko-KR" altLang="en-US"/>
@@ -4066,7 +4161,7 @@
 </p:notes>
 </file>
 
-<file path=ppt/notesSlides/notesSlide6.xml><?xml version="1.0" encoding="utf-8"?>
+<file path=ppt/notesSlides/notesSlide7.xml><?xml version="1.0" encoding="utf-8"?>
 <p:notes xmlns:a="http://schemas.openxmlformats.org/drawingml/2006/main" xmlns:r="http://schemas.openxmlformats.org/officeDocument/2006/relationships" xmlns:p="http://schemas.openxmlformats.org/presentationml/2006/main">
   <p:cSld>
     <p:spTree>
@@ -4333,7 +4428,7 @@
           <a:p>
             <a:fld id="{4E94162F-4773-4077-AA99-7762C3C9E76E}" type="datetimeFigureOut">
               <a:rPr lang="ko-KR" altLang="en-US" smtClean="0"/>
-              <a:t>2020-03-23</a:t>
+              <a:t>2020-03-30</a:t>
             </a:fld>
             <a:endParaRPr lang="ko-KR" altLang="en-US"/>
           </a:p>
@@ -4531,7 +4626,7 @@
           <a:p>
             <a:fld id="{4E94162F-4773-4077-AA99-7762C3C9E76E}" type="datetimeFigureOut">
               <a:rPr lang="ko-KR" altLang="en-US" smtClean="0"/>
-              <a:t>2020-03-23</a:t>
+              <a:t>2020-03-30</a:t>
             </a:fld>
             <a:endParaRPr lang="ko-KR" altLang="en-US"/>
           </a:p>
@@ -4739,7 +4834,7 @@
           <a:p>
             <a:fld id="{4E94162F-4773-4077-AA99-7762C3C9E76E}" type="datetimeFigureOut">
               <a:rPr lang="ko-KR" altLang="en-US" smtClean="0"/>
-              <a:t>2020-03-23</a:t>
+              <a:t>2020-03-30</a:t>
             </a:fld>
             <a:endParaRPr lang="ko-KR" altLang="en-US"/>
           </a:p>
@@ -4937,7 +5032,7 @@
           <a:p>
             <a:fld id="{4E94162F-4773-4077-AA99-7762C3C9E76E}" type="datetimeFigureOut">
               <a:rPr lang="ko-KR" altLang="en-US" smtClean="0"/>
-              <a:t>2020-03-23</a:t>
+              <a:t>2020-03-30</a:t>
             </a:fld>
             <a:endParaRPr lang="ko-KR" altLang="en-US"/>
           </a:p>
@@ -5212,7 +5307,7 @@
           <a:p>
             <a:fld id="{4E94162F-4773-4077-AA99-7762C3C9E76E}" type="datetimeFigureOut">
               <a:rPr lang="ko-KR" altLang="en-US" smtClean="0"/>
-              <a:t>2020-03-23</a:t>
+              <a:t>2020-03-30</a:t>
             </a:fld>
             <a:endParaRPr lang="ko-KR" altLang="en-US"/>
           </a:p>
@@ -5477,7 +5572,7 @@
           <a:p>
             <a:fld id="{4E94162F-4773-4077-AA99-7762C3C9E76E}" type="datetimeFigureOut">
               <a:rPr lang="ko-KR" altLang="en-US" smtClean="0"/>
-              <a:t>2020-03-23</a:t>
+              <a:t>2020-03-30</a:t>
             </a:fld>
             <a:endParaRPr lang="ko-KR" altLang="en-US"/>
           </a:p>
@@ -5889,7 +5984,7 @@
           <a:p>
             <a:fld id="{4E94162F-4773-4077-AA99-7762C3C9E76E}" type="datetimeFigureOut">
               <a:rPr lang="ko-KR" altLang="en-US" smtClean="0"/>
-              <a:t>2020-03-23</a:t>
+              <a:t>2020-03-30</a:t>
             </a:fld>
             <a:endParaRPr lang="ko-KR" altLang="en-US"/>
           </a:p>
@@ -6030,7 +6125,7 @@
           <a:p>
             <a:fld id="{4E94162F-4773-4077-AA99-7762C3C9E76E}" type="datetimeFigureOut">
               <a:rPr lang="ko-KR" altLang="en-US" smtClean="0"/>
-              <a:t>2020-03-23</a:t>
+              <a:t>2020-03-30</a:t>
             </a:fld>
             <a:endParaRPr lang="ko-KR" altLang="en-US"/>
           </a:p>
@@ -6143,7 +6238,7 @@
           <a:p>
             <a:fld id="{4E94162F-4773-4077-AA99-7762C3C9E76E}" type="datetimeFigureOut">
               <a:rPr lang="ko-KR" altLang="en-US" smtClean="0"/>
-              <a:t>2020-03-23</a:t>
+              <a:t>2020-03-30</a:t>
             </a:fld>
             <a:endParaRPr lang="ko-KR" altLang="en-US"/>
           </a:p>
@@ -6454,7 +6549,7 @@
           <a:p>
             <a:fld id="{4E94162F-4773-4077-AA99-7762C3C9E76E}" type="datetimeFigureOut">
               <a:rPr lang="ko-KR" altLang="en-US" smtClean="0"/>
-              <a:t>2020-03-23</a:t>
+              <a:t>2020-03-30</a:t>
             </a:fld>
             <a:endParaRPr lang="ko-KR" altLang="en-US"/>
           </a:p>
@@ -6742,7 +6837,7 @@
           <a:p>
             <a:fld id="{4E94162F-4773-4077-AA99-7762C3C9E76E}" type="datetimeFigureOut">
               <a:rPr lang="ko-KR" altLang="en-US" smtClean="0"/>
-              <a:t>2020-03-23</a:t>
+              <a:t>2020-03-30</a:t>
             </a:fld>
             <a:endParaRPr lang="ko-KR" altLang="en-US"/>
           </a:p>
@@ -6983,7 +7078,7 @@
           <a:p>
             <a:fld id="{4E94162F-4773-4077-AA99-7762C3C9E76E}" type="datetimeFigureOut">
               <a:rPr lang="ko-KR" altLang="en-US" smtClean="0"/>
-              <a:t>2020-03-23</a:t>
+              <a:t>2020-03-30</a:t>
             </a:fld>
             <a:endParaRPr lang="ko-KR" altLang="en-US"/>
           </a:p>
@@ -10574,7 +10669,7 @@
               <a:t>을 사용할 수 있는 방법들</a:t>
             </a:r>
             <a:endParaRPr lang="en-US" altLang="ko-KR" sz="2000" dirty="0">
-              <a:hlinkClick r:id="rId2"/>
+              <a:hlinkClick r:id="rId3"/>
             </a:endParaRPr>
           </a:p>
           <a:p>
@@ -10583,19 +10678,19 @@
             </a:pPr>
             <a:r>
               <a:rPr lang="en-US" altLang="ko-KR" sz="2000" dirty="0">
-                <a:hlinkClick r:id="rId2"/>
+                <a:hlinkClick r:id="rId3"/>
               </a:rPr>
               <a:t>https://docs.microsoft.com/ko</a:t>
             </a:r>
             <a:r>
               <a:rPr lang="en-US" altLang="ko-KR" sz="2000" b="1" dirty="0">
-                <a:hlinkClick r:id="rId2"/>
+                <a:hlinkClick r:id="rId3"/>
               </a:rPr>
               <a:t>-</a:t>
             </a:r>
             <a:r>
               <a:rPr lang="en-US" altLang="ko-KR" sz="2000" dirty="0">
-                <a:hlinkClick r:id="rId2"/>
+                <a:hlinkClick r:id="rId3"/>
               </a:rPr>
               <a:t>kr/dotnet/api/system.console.writeline?view=netframework-4.8</a:t>
             </a:r>
@@ -11892,8 +11987,8 @@
         </p:nvSpPr>
         <p:spPr>
           <a:xfrm>
-            <a:off x="804672" y="1823107"/>
-            <a:ext cx="6430784" cy="3431023"/>
+            <a:off x="804671" y="1823107"/>
+            <a:ext cx="7191663" cy="3431023"/>
           </a:xfrm>
         </p:spPr>
         <p:txBody>
@@ -24951,7 +25046,7 @@
         <p:spPr>
           <a:xfrm>
             <a:off x="4976031" y="963877"/>
-            <a:ext cx="6377769" cy="4930246"/>
+            <a:ext cx="7088449" cy="4930246"/>
           </a:xfrm>
         </p:spPr>
         <p:txBody>
@@ -24965,7 +25060,7 @@
             </a:pPr>
             <a:r>
               <a:rPr lang="en-US" altLang="ko-KR" sz="2400" dirty="0"/>
-              <a:t> int number;</a:t>
+              <a:t> 	   int number;</a:t>
             </a:r>
           </a:p>
           <a:p>
@@ -26499,8 +26594,8 @@
         </p:nvSpPr>
         <p:spPr>
           <a:xfrm>
-            <a:off x="643468" y="643467"/>
-            <a:ext cx="5447530" cy="5571065"/>
+            <a:off x="429208" y="643467"/>
+            <a:ext cx="5878286" cy="5571065"/>
           </a:xfrm>
         </p:spPr>
         <p:txBody>
@@ -26515,7 +26610,7 @@
             </a:r>
             <a:r>
               <a:rPr lang="en-US" altLang="ko-KR" sz="3600" dirty="0"/>
-              <a:t>– float, float</a:t>
+              <a:t>– float, double</a:t>
             </a:r>
             <a:endParaRPr lang="ko-KR" altLang="en-US" sz="3600" dirty="0"/>
           </a:p>
@@ -26738,31 +26833,31 @@
               <a:buAutoNum type="arabicPeriod"/>
             </a:pPr>
             <a:r>
-              <a:rPr lang="en-US" altLang="ko-KR" sz="2000"/>
+              <a:rPr lang="en-US" altLang="ko-KR" sz="2000" dirty="0"/>
               <a:t>Float</a:t>
             </a:r>
             <a:r>
-              <a:rPr lang="ko-KR" altLang="en-US" sz="2000"/>
+              <a:rPr lang="ko-KR" altLang="en-US" sz="2000" dirty="0"/>
               <a:t>는 </a:t>
             </a:r>
             <a:r>
-              <a:rPr lang="en-US" altLang="ko-KR" sz="2000"/>
+              <a:rPr lang="en-US" altLang="ko-KR" sz="2000" dirty="0"/>
               <a:t>Floating point number(</a:t>
             </a:r>
             <a:r>
-              <a:rPr lang="ko-KR" altLang="en-US" sz="2000"/>
+              <a:rPr lang="ko-KR" altLang="en-US" sz="2000" dirty="0"/>
               <a:t>부동소수점</a:t>
             </a:r>
             <a:r>
-              <a:rPr lang="en-US" altLang="ko-KR" sz="2000"/>
+              <a:rPr lang="en-US" altLang="ko-KR" sz="2000" dirty="0"/>
               <a:t>)</a:t>
             </a:r>
             <a:r>
-              <a:rPr lang="ko-KR" altLang="en-US" sz="2000"/>
+              <a:rPr lang="ko-KR" altLang="en-US" sz="2000" dirty="0"/>
               <a:t>의 줄임 표현이다</a:t>
             </a:r>
             <a:r>
-              <a:rPr lang="en-US" altLang="ko-KR" sz="2000"/>
+              <a:rPr lang="en-US" altLang="ko-KR" sz="2000" dirty="0"/>
               <a:t>.</a:t>
             </a:r>
           </a:p>
@@ -26770,50 +26865,50 @@
             <a:pPr marL="514350" indent="-514350">
               <a:buAutoNum type="arabicPeriod"/>
             </a:pPr>
-            <a:endParaRPr lang="en-US" altLang="ko-KR" sz="2000"/>
+            <a:endParaRPr lang="en-US" altLang="ko-KR" sz="2000" dirty="0"/>
           </a:p>
           <a:p>
             <a:pPr marL="514350" indent="-514350">
               <a:buAutoNum type="arabicPeriod"/>
             </a:pPr>
             <a:r>
-              <a:rPr lang="ko-KR" altLang="en-US" sz="2000"/>
+              <a:rPr lang="ko-KR" altLang="en-US" sz="2000" dirty="0"/>
               <a:t>저장할 수 있는 수의 범위는 </a:t>
             </a:r>
             <a:r>
-              <a:rPr lang="en-US" altLang="ko-KR" sz="2000"/>
+              <a:rPr lang="en-US" altLang="ko-KR" sz="2000" dirty="0"/>
               <a:t>-3.4 *10</a:t>
             </a:r>
             <a:r>
-              <a:rPr lang="ko-KR" altLang="en-US" sz="2000"/>
+              <a:rPr lang="ko-KR" altLang="en-US" sz="2000" dirty="0"/>
               <a:t>의 </a:t>
             </a:r>
             <a:r>
-              <a:rPr lang="en-US" altLang="ko-KR" sz="2000"/>
+              <a:rPr lang="en-US" altLang="ko-KR" sz="2000" dirty="0"/>
               <a:t>38</a:t>
             </a:r>
             <a:r>
-              <a:rPr lang="ko-KR" altLang="en-US" sz="2000"/>
+              <a:rPr lang="ko-KR" altLang="en-US" sz="2000" dirty="0"/>
               <a:t>승 에서 </a:t>
             </a:r>
             <a:r>
-              <a:rPr lang="en-US" altLang="ko-KR" sz="2000"/>
+              <a:rPr lang="en-US" altLang="ko-KR" sz="2000" dirty="0"/>
               <a:t>3.4 *10</a:t>
             </a:r>
             <a:r>
-              <a:rPr lang="ko-KR" altLang="en-US" sz="2000"/>
+              <a:rPr lang="ko-KR" altLang="en-US" sz="2000" dirty="0"/>
               <a:t>의 </a:t>
             </a:r>
             <a:r>
-              <a:rPr lang="en-US" altLang="ko-KR" sz="2000"/>
+              <a:rPr lang="en-US" altLang="ko-KR" sz="2000" dirty="0"/>
               <a:t>38</a:t>
             </a:r>
             <a:r>
-              <a:rPr lang="ko-KR" altLang="en-US" sz="2000"/>
+              <a:rPr lang="ko-KR" altLang="en-US" sz="2000" dirty="0"/>
               <a:t>승이다</a:t>
             </a:r>
             <a:r>
-              <a:rPr lang="en-US" altLang="ko-KR" sz="2000"/>
+              <a:rPr lang="en-US" altLang="ko-KR" sz="2000" dirty="0"/>
               <a:t>.</a:t>
             </a:r>
           </a:p>
@@ -26821,46 +26916,46 @@
             <a:pPr marL="514350" indent="-514350">
               <a:buAutoNum type="arabicPeriod"/>
             </a:pPr>
-            <a:endParaRPr lang="en-US" altLang="ko-KR" sz="2000"/>
+            <a:endParaRPr lang="en-US" altLang="ko-KR" sz="2000" dirty="0"/>
           </a:p>
           <a:p>
             <a:pPr marL="514350" indent="-514350">
               <a:buAutoNum type="arabicPeriod"/>
             </a:pPr>
             <a:r>
-              <a:rPr lang="en-US" altLang="ko-KR" sz="2000"/>
+              <a:rPr lang="en-US" altLang="ko-KR" sz="2000" dirty="0"/>
               <a:t>Double</a:t>
             </a:r>
             <a:r>
-              <a:rPr lang="ko-KR" altLang="en-US" sz="2000"/>
+              <a:rPr lang="ko-KR" altLang="en-US" sz="2000" dirty="0"/>
               <a:t>은 </a:t>
             </a:r>
             <a:r>
-              <a:rPr lang="en-US" altLang="ko-KR" sz="2000"/>
+              <a:rPr lang="en-US" altLang="ko-KR" sz="2000" dirty="0"/>
               <a:t>double floating point number</a:t>
             </a:r>
             <a:r>
-              <a:rPr lang="ko-KR" altLang="en-US" sz="2000"/>
+              <a:rPr lang="ko-KR" altLang="en-US" sz="2000" dirty="0"/>
               <a:t>의 준말로 </a:t>
             </a:r>
             <a:r>
-              <a:rPr lang="en-US" altLang="ko-KR" sz="2000"/>
+              <a:rPr lang="en-US" altLang="ko-KR" sz="2000" dirty="0"/>
               <a:t>float </a:t>
             </a:r>
             <a:r>
-              <a:rPr lang="ko-KR" altLang="en-US" sz="2000"/>
+              <a:rPr lang="ko-KR" altLang="en-US" sz="2000" dirty="0"/>
               <a:t>보다 수를 저장하는 공간이 </a:t>
             </a:r>
             <a:r>
-              <a:rPr lang="en-US" altLang="ko-KR" sz="2000"/>
+              <a:rPr lang="en-US" altLang="ko-KR" sz="2000" dirty="0"/>
               <a:t>2</a:t>
             </a:r>
             <a:r>
-              <a:rPr lang="ko-KR" altLang="en-US" sz="2000"/>
+              <a:rPr lang="ko-KR" altLang="en-US" sz="2000" dirty="0"/>
               <a:t>배 크다</a:t>
             </a:r>
             <a:r>
-              <a:rPr lang="en-US" altLang="ko-KR" sz="2000"/>
+              <a:rPr lang="en-US" altLang="ko-KR" sz="2000" dirty="0"/>
               <a:t>.</a:t>
             </a:r>
           </a:p>
@@ -26868,25 +26963,25 @@
             <a:pPr marL="514350" indent="-514350">
               <a:buAutoNum type="arabicPeriod"/>
             </a:pPr>
-            <a:endParaRPr lang="en-US" altLang="ko-KR" sz="2000"/>
+            <a:endParaRPr lang="en-US" altLang="ko-KR" sz="2000" dirty="0"/>
           </a:p>
           <a:p>
             <a:pPr marL="514350" indent="-514350">
               <a:buAutoNum type="arabicPeriod"/>
             </a:pPr>
             <a:r>
-              <a:rPr lang="en-US" altLang="ko-KR" sz="2000"/>
+              <a:rPr lang="en-US" altLang="ko-KR" sz="2000" dirty="0"/>
               <a:t>float number = 0;</a:t>
             </a:r>
             <a:r>
-              <a:rPr lang="ko-KR" altLang="en-US" sz="2000"/>
+              <a:rPr lang="ko-KR" altLang="en-US" sz="2000" dirty="0"/>
               <a:t>과 같은 방식으로 사용된다</a:t>
             </a:r>
             <a:r>
-              <a:rPr lang="en-US" altLang="ko-KR" sz="2000"/>
+              <a:rPr lang="en-US" altLang="ko-KR" sz="2000" dirty="0"/>
               <a:t>.</a:t>
             </a:r>
-            <a:endParaRPr lang="ko-KR" altLang="en-US" sz="2000"/>
+            <a:endParaRPr lang="ko-KR" altLang="en-US" sz="2000" dirty="0"/>
           </a:p>
         </p:txBody>
       </p:sp>

--- a/c# 스터디 1주 차.pptx
+++ b/c# 스터디 1주 차.pptx
@@ -5,7 +5,7 @@
     <p:sldMasterId id="2147483648" r:id="rId1"/>
   </p:sldMasterIdLst>
   <p:notesMasterIdLst>
-    <p:notesMasterId r:id="rId37"/>
+    <p:notesMasterId r:id="rId39"/>
   </p:notesMasterIdLst>
   <p:sldIdLst>
     <p:sldId id="256" r:id="rId2"/>
@@ -22,27 +22,29 @@
     <p:sldId id="264" r:id="rId13"/>
     <p:sldId id="266" r:id="rId14"/>
     <p:sldId id="270" r:id="rId15"/>
-    <p:sldId id="265" r:id="rId16"/>
-    <p:sldId id="268" r:id="rId17"/>
-    <p:sldId id="269" r:id="rId18"/>
-    <p:sldId id="271" r:id="rId19"/>
-    <p:sldId id="272" r:id="rId20"/>
-    <p:sldId id="273" r:id="rId21"/>
-    <p:sldId id="274" r:id="rId22"/>
-    <p:sldId id="275" r:id="rId23"/>
-    <p:sldId id="276" r:id="rId24"/>
-    <p:sldId id="277" r:id="rId25"/>
-    <p:sldId id="278" r:id="rId26"/>
-    <p:sldId id="279" r:id="rId27"/>
-    <p:sldId id="280" r:id="rId28"/>
-    <p:sldId id="281" r:id="rId29"/>
-    <p:sldId id="282" r:id="rId30"/>
-    <p:sldId id="283" r:id="rId31"/>
-    <p:sldId id="284" r:id="rId32"/>
-    <p:sldId id="285" r:id="rId33"/>
-    <p:sldId id="288" r:id="rId34"/>
-    <p:sldId id="286" r:id="rId35"/>
-    <p:sldId id="287" r:id="rId36"/>
+    <p:sldId id="292" r:id="rId16"/>
+    <p:sldId id="265" r:id="rId17"/>
+    <p:sldId id="268" r:id="rId18"/>
+    <p:sldId id="269" r:id="rId19"/>
+    <p:sldId id="271" r:id="rId20"/>
+    <p:sldId id="272" r:id="rId21"/>
+    <p:sldId id="273" r:id="rId22"/>
+    <p:sldId id="274" r:id="rId23"/>
+    <p:sldId id="275" r:id="rId24"/>
+    <p:sldId id="276" r:id="rId25"/>
+    <p:sldId id="277" r:id="rId26"/>
+    <p:sldId id="278" r:id="rId27"/>
+    <p:sldId id="279" r:id="rId28"/>
+    <p:sldId id="280" r:id="rId29"/>
+    <p:sldId id="281" r:id="rId30"/>
+    <p:sldId id="282" r:id="rId31"/>
+    <p:sldId id="283" r:id="rId32"/>
+    <p:sldId id="284" r:id="rId33"/>
+    <p:sldId id="285" r:id="rId34"/>
+    <p:sldId id="288" r:id="rId35"/>
+    <p:sldId id="291" r:id="rId36"/>
+    <p:sldId id="286" r:id="rId37"/>
+    <p:sldId id="287" r:id="rId38"/>
   </p:sldIdLst>
   <p:sldSz cx="12192000" cy="6858000"/>
   <p:notesSz cx="6858000" cy="9144000"/>
@@ -3330,7 +3332,7 @@
           <a:p>
             <a:fld id="{7C90EEF3-85AA-4A0F-A388-8693DEDCA294}" type="datetimeFigureOut">
               <a:rPr lang="ko-KR" altLang="en-US" smtClean="0"/>
-              <a:t>2020-03-30</a:t>
+              <a:t>2020-04-10</a:t>
             </a:fld>
             <a:endParaRPr lang="ko-KR" altLang="en-US"/>
           </a:p>
@@ -4142,7 +4144,7 @@
           <a:p>
             <a:fld id="{A1A39CFB-6B8F-4FF6-935B-A05D169DCC47}" type="slidenum">
               <a:rPr lang="ko-KR" altLang="en-US" smtClean="0"/>
-              <a:t>16</a:t>
+              <a:t>17</a:t>
             </a:fld>
             <a:endParaRPr lang="ko-KR" altLang="en-US"/>
           </a:p>
@@ -4262,7 +4264,7 @@
           <a:p>
             <a:fld id="{A1A39CFB-6B8F-4FF6-935B-A05D169DCC47}" type="slidenum">
               <a:rPr lang="ko-KR" altLang="en-US" smtClean="0"/>
-              <a:t>21</a:t>
+              <a:t>22</a:t>
             </a:fld>
             <a:endParaRPr lang="ko-KR" altLang="en-US"/>
           </a:p>
@@ -4428,7 +4430,7 @@
           <a:p>
             <a:fld id="{4E94162F-4773-4077-AA99-7762C3C9E76E}" type="datetimeFigureOut">
               <a:rPr lang="ko-KR" altLang="en-US" smtClean="0"/>
-              <a:t>2020-03-30</a:t>
+              <a:t>2020-04-10</a:t>
             </a:fld>
             <a:endParaRPr lang="ko-KR" altLang="en-US"/>
           </a:p>
@@ -4626,7 +4628,7 @@
           <a:p>
             <a:fld id="{4E94162F-4773-4077-AA99-7762C3C9E76E}" type="datetimeFigureOut">
               <a:rPr lang="ko-KR" altLang="en-US" smtClean="0"/>
-              <a:t>2020-03-30</a:t>
+              <a:t>2020-04-10</a:t>
             </a:fld>
             <a:endParaRPr lang="ko-KR" altLang="en-US"/>
           </a:p>
@@ -4834,7 +4836,7 @@
           <a:p>
             <a:fld id="{4E94162F-4773-4077-AA99-7762C3C9E76E}" type="datetimeFigureOut">
               <a:rPr lang="ko-KR" altLang="en-US" smtClean="0"/>
-              <a:t>2020-03-30</a:t>
+              <a:t>2020-04-10</a:t>
             </a:fld>
             <a:endParaRPr lang="ko-KR" altLang="en-US"/>
           </a:p>
@@ -5032,7 +5034,7 @@
           <a:p>
             <a:fld id="{4E94162F-4773-4077-AA99-7762C3C9E76E}" type="datetimeFigureOut">
               <a:rPr lang="ko-KR" altLang="en-US" smtClean="0"/>
-              <a:t>2020-03-30</a:t>
+              <a:t>2020-04-10</a:t>
             </a:fld>
             <a:endParaRPr lang="ko-KR" altLang="en-US"/>
           </a:p>
@@ -5307,7 +5309,7 @@
           <a:p>
             <a:fld id="{4E94162F-4773-4077-AA99-7762C3C9E76E}" type="datetimeFigureOut">
               <a:rPr lang="ko-KR" altLang="en-US" smtClean="0"/>
-              <a:t>2020-03-30</a:t>
+              <a:t>2020-04-10</a:t>
             </a:fld>
             <a:endParaRPr lang="ko-KR" altLang="en-US"/>
           </a:p>
@@ -5572,7 +5574,7 @@
           <a:p>
             <a:fld id="{4E94162F-4773-4077-AA99-7762C3C9E76E}" type="datetimeFigureOut">
               <a:rPr lang="ko-KR" altLang="en-US" smtClean="0"/>
-              <a:t>2020-03-30</a:t>
+              <a:t>2020-04-10</a:t>
             </a:fld>
             <a:endParaRPr lang="ko-KR" altLang="en-US"/>
           </a:p>
@@ -5984,7 +5986,7 @@
           <a:p>
             <a:fld id="{4E94162F-4773-4077-AA99-7762C3C9E76E}" type="datetimeFigureOut">
               <a:rPr lang="ko-KR" altLang="en-US" smtClean="0"/>
-              <a:t>2020-03-30</a:t>
+              <a:t>2020-04-10</a:t>
             </a:fld>
             <a:endParaRPr lang="ko-KR" altLang="en-US"/>
           </a:p>
@@ -6125,7 +6127,7 @@
           <a:p>
             <a:fld id="{4E94162F-4773-4077-AA99-7762C3C9E76E}" type="datetimeFigureOut">
               <a:rPr lang="ko-KR" altLang="en-US" smtClean="0"/>
-              <a:t>2020-03-30</a:t>
+              <a:t>2020-04-10</a:t>
             </a:fld>
             <a:endParaRPr lang="ko-KR" altLang="en-US"/>
           </a:p>
@@ -6238,7 +6240,7 @@
           <a:p>
             <a:fld id="{4E94162F-4773-4077-AA99-7762C3C9E76E}" type="datetimeFigureOut">
               <a:rPr lang="ko-KR" altLang="en-US" smtClean="0"/>
-              <a:t>2020-03-30</a:t>
+              <a:t>2020-04-10</a:t>
             </a:fld>
             <a:endParaRPr lang="ko-KR" altLang="en-US"/>
           </a:p>
@@ -6549,7 +6551,7 @@
           <a:p>
             <a:fld id="{4E94162F-4773-4077-AA99-7762C3C9E76E}" type="datetimeFigureOut">
               <a:rPr lang="ko-KR" altLang="en-US" smtClean="0"/>
-              <a:t>2020-03-30</a:t>
+              <a:t>2020-04-10</a:t>
             </a:fld>
             <a:endParaRPr lang="ko-KR" altLang="en-US"/>
           </a:p>
@@ -6837,7 +6839,7 @@
           <a:p>
             <a:fld id="{4E94162F-4773-4077-AA99-7762C3C9E76E}" type="datetimeFigureOut">
               <a:rPr lang="ko-KR" altLang="en-US" smtClean="0"/>
-              <a:t>2020-03-30</a:t>
+              <a:t>2020-04-10</a:t>
             </a:fld>
             <a:endParaRPr lang="ko-KR" altLang="en-US"/>
           </a:p>
@@ -7078,7 +7080,7 @@
           <a:p>
             <a:fld id="{4E94162F-4773-4077-AA99-7762C3C9E76E}" type="datetimeFigureOut">
               <a:rPr lang="ko-KR" altLang="en-US" smtClean="0"/>
-              <a:t>2020-03-30</a:t>
+              <a:t>2020-04-10</a:t>
             </a:fld>
             <a:endParaRPr lang="ko-KR" altLang="en-US"/>
           </a:p>
@@ -10870,6 +10872,546 @@
       </p:grpSpPr>
       <p:sp>
         <p:nvSpPr>
+          <p:cNvPr id="22" name="Rectangle 21">
+            <a:extLst>
+              <a:ext uri="{FF2B5EF4-FFF2-40B4-BE49-F238E27FC236}">
+                <a16:creationId xmlns:a16="http://schemas.microsoft.com/office/drawing/2014/main" id="{2B566528-1B12-4246-9431-5C2D7D081168}"/>
+              </a:ext>
+              <a:ext uri="{C183D7F6-B498-43B3-948B-1728B52AA6E4}">
+                <adec:decorative xmlns:adec="http://schemas.microsoft.com/office/drawing/2017/decorative" val="1"/>
+              </a:ext>
+            </a:extLst>
+          </p:cNvPr>
+          <p:cNvSpPr>
+            <a:spLocks noGrp="1" noRot="1" noChangeAspect="1" noMove="1" noResize="1" noEditPoints="1" noAdjustHandles="1" noChangeArrowheads="1" noChangeShapeType="1" noTextEdit="1"/>
+          </p:cNvSpPr>
+          <p:nvPr>
+            <p:extLst>
+              <p:ext uri="{386F3935-93C4-4BCD-93E2-E3B085C9AB24}">
+                <p16:designElem xmlns:p16="http://schemas.microsoft.com/office/powerpoint/2015/main" val="1"/>
+              </p:ext>
+            </p:extLst>
+          </p:nvPr>
+        </p:nvSpPr>
+        <p:spPr>
+          <a:xfrm>
+            <a:off x="0" y="0"/>
+            <a:ext cx="12192000" cy="6858000"/>
+          </a:xfrm>
+          <a:prstGeom prst="rect">
+            <a:avLst/>
+          </a:prstGeom>
+          <a:solidFill>
+            <a:schemeClr val="bg1"/>
+          </a:solidFill>
+          <a:ln>
+            <a:noFill/>
+          </a:ln>
+        </p:spPr>
+        <p:style>
+          <a:lnRef idx="2">
+            <a:schemeClr val="accent1">
+              <a:shade val="50000"/>
+            </a:schemeClr>
+          </a:lnRef>
+          <a:fillRef idx="1">
+            <a:schemeClr val="accent1"/>
+          </a:fillRef>
+          <a:effectRef idx="0">
+            <a:schemeClr val="accent1"/>
+          </a:effectRef>
+          <a:fontRef idx="minor">
+            <a:schemeClr val="lt1"/>
+          </a:fontRef>
+        </p:style>
+        <p:txBody>
+          <a:bodyPr rtlCol="0" anchor="ctr"/>
+          <a:lstStyle/>
+          <a:p>
+            <a:pPr algn="ctr"/>
+            <a:endParaRPr lang="en-US" dirty="0"/>
+          </a:p>
+        </p:txBody>
+      </p:sp>
+      <p:sp>
+        <p:nvSpPr>
+          <p:cNvPr id="2" name="제목 1">
+            <a:extLst>
+              <a:ext uri="{FF2B5EF4-FFF2-40B4-BE49-F238E27FC236}">
+                <a16:creationId xmlns:a16="http://schemas.microsoft.com/office/drawing/2014/main" id="{6D18AEAB-A546-422E-858C-18A37CA5C0A9}"/>
+              </a:ext>
+            </a:extLst>
+          </p:cNvPr>
+          <p:cNvSpPr>
+            <a:spLocks noGrp="1"/>
+          </p:cNvSpPr>
+          <p:nvPr>
+            <p:ph type="title"/>
+          </p:nvPr>
+        </p:nvSpPr>
+        <p:spPr>
+          <a:xfrm>
+            <a:off x="643467" y="321734"/>
+            <a:ext cx="10905066" cy="1135737"/>
+          </a:xfrm>
+        </p:spPr>
+        <p:txBody>
+          <a:bodyPr>
+            <a:normAutofit/>
+          </a:bodyPr>
+          <a:lstStyle/>
+          <a:p>
+            <a:r>
+              <a:rPr lang="en-US" altLang="ko-KR" sz="3600" dirty="0" err="1"/>
+              <a:t>Console.ReadLine</a:t>
+            </a:r>
+            <a:r>
+              <a:rPr lang="en-US" altLang="ko-KR" sz="3600" dirty="0"/>
+              <a:t>()</a:t>
+            </a:r>
+            <a:endParaRPr lang="ko-KR" altLang="en-US" sz="3600" dirty="0"/>
+          </a:p>
+        </p:txBody>
+      </p:sp>
+      <p:sp>
+        <p:nvSpPr>
+          <p:cNvPr id="3" name="내용 개체 틀 2">
+            <a:extLst>
+              <a:ext uri="{FF2B5EF4-FFF2-40B4-BE49-F238E27FC236}">
+                <a16:creationId xmlns:a16="http://schemas.microsoft.com/office/drawing/2014/main" id="{6F6AA795-E614-46DC-9EF7-164BDD9D75E7}"/>
+              </a:ext>
+            </a:extLst>
+          </p:cNvPr>
+          <p:cNvSpPr>
+            <a:spLocks noGrp="1"/>
+          </p:cNvSpPr>
+          <p:nvPr>
+            <p:ph idx="1"/>
+          </p:nvPr>
+        </p:nvSpPr>
+        <p:spPr>
+          <a:xfrm>
+            <a:off x="643467" y="1782981"/>
+            <a:ext cx="10905066" cy="4393982"/>
+          </a:xfrm>
+        </p:spPr>
+        <p:txBody>
+          <a:bodyPr>
+            <a:normAutofit/>
+          </a:bodyPr>
+          <a:lstStyle/>
+          <a:p>
+            <a:pPr marL="0" indent="0">
+              <a:buNone/>
+            </a:pPr>
+            <a:r>
+              <a:rPr lang="en-US" altLang="ko-KR" sz="2000" dirty="0" err="1"/>
+              <a:t>Console.ReadLine</a:t>
+            </a:r>
+            <a:r>
+              <a:rPr lang="en-US" altLang="ko-KR" sz="2000" dirty="0"/>
+              <a:t>()</a:t>
+            </a:r>
+            <a:r>
+              <a:rPr lang="ko-KR" altLang="en-US" sz="2000" dirty="0"/>
+              <a:t>을 사용하는 방법</a:t>
+            </a:r>
+            <a:endParaRPr lang="en-US" altLang="ko-KR" sz="2000" dirty="0"/>
+          </a:p>
+          <a:p>
+            <a:pPr marL="0" indent="0">
+              <a:buNone/>
+            </a:pPr>
+            <a:endParaRPr lang="en-US" altLang="ko-KR" sz="2000" dirty="0"/>
+          </a:p>
+          <a:p>
+            <a:pPr marL="0" indent="0">
+              <a:buNone/>
+            </a:pPr>
+            <a:r>
+              <a:rPr lang="en-US" altLang="ko-KR" sz="2000" dirty="0" err="1"/>
+              <a:t>Console.ReadLine</a:t>
+            </a:r>
+            <a:r>
+              <a:rPr lang="en-US" altLang="ko-KR" sz="2000" dirty="0"/>
+              <a:t>()</a:t>
+            </a:r>
+            <a:r>
+              <a:rPr lang="ko-KR" altLang="en-US" sz="2000" dirty="0"/>
+              <a:t>은 </a:t>
+            </a:r>
+            <a:r>
+              <a:rPr lang="en-US" altLang="ko-KR" sz="2000" dirty="0"/>
+              <a:t>C#</a:t>
+            </a:r>
+            <a:r>
+              <a:rPr lang="ko-KR" altLang="en-US" sz="2000" dirty="0"/>
+              <a:t>에서 입력을 받는 방법 입니다</a:t>
+            </a:r>
+            <a:endParaRPr lang="en-US" altLang="ko-KR" sz="2000" dirty="0"/>
+          </a:p>
+          <a:p>
+            <a:pPr marL="0" indent="0">
+              <a:buNone/>
+            </a:pPr>
+            <a:r>
+              <a:rPr lang="ko-KR" altLang="en-US" sz="2000" dirty="0"/>
+              <a:t>사용 방법을 알아봅시다</a:t>
+            </a:r>
+            <a:endParaRPr lang="en-US" altLang="ko-KR" sz="2000" dirty="0"/>
+          </a:p>
+          <a:p>
+            <a:pPr marL="0" indent="0">
+              <a:buNone/>
+            </a:pPr>
+            <a:endParaRPr lang="en-US" altLang="ko-KR" sz="2000" dirty="0"/>
+          </a:p>
+          <a:p>
+            <a:pPr marL="0" indent="0">
+              <a:buNone/>
+            </a:pPr>
+            <a:endParaRPr lang="en-US" altLang="ko-KR" sz="2000" dirty="0"/>
+          </a:p>
+          <a:p>
+            <a:pPr marL="0" indent="0">
+              <a:buNone/>
+            </a:pPr>
+            <a:endParaRPr lang="en-US" altLang="ko-KR" sz="2000" dirty="0"/>
+          </a:p>
+          <a:p>
+            <a:pPr marL="0" indent="0">
+              <a:buNone/>
+            </a:pPr>
+            <a:endParaRPr lang="en-US" altLang="ko-KR" sz="2000" dirty="0"/>
+          </a:p>
+          <a:p>
+            <a:pPr marL="0" indent="0">
+              <a:buNone/>
+            </a:pPr>
+            <a:endParaRPr lang="en-US" altLang="ko-KR" sz="2000" dirty="0"/>
+          </a:p>
+          <a:p>
+            <a:pPr marL="0" indent="0">
+              <a:buNone/>
+            </a:pPr>
+            <a:r>
+              <a:rPr lang="en-US" altLang="ko-KR" sz="2000" dirty="0">
+                <a:hlinkClick r:id="rId2"/>
+              </a:rPr>
+              <a:t>https://m.blog.naver.com/PostView.nhn?blogId=nabiro&amp;logNo=130033172758&amp;proxyReferer=https:%2F%2Fwww.google.com%2F</a:t>
+            </a:r>
+            <a:endParaRPr lang="ko-KR" altLang="en-US" sz="2000" dirty="0"/>
+          </a:p>
+        </p:txBody>
+      </p:sp>
+      <p:sp>
+        <p:nvSpPr>
+          <p:cNvPr id="24" name="Rectangle 23">
+            <a:extLst>
+              <a:ext uri="{FF2B5EF4-FFF2-40B4-BE49-F238E27FC236}">
+                <a16:creationId xmlns:a16="http://schemas.microsoft.com/office/drawing/2014/main" id="{2E80C965-DB6D-4F81-9E9E-B027384D0BD6}"/>
+              </a:ext>
+              <a:ext uri="{C183D7F6-B498-43B3-948B-1728B52AA6E4}">
+                <adec:decorative xmlns:adec="http://schemas.microsoft.com/office/drawing/2017/decorative" val="1"/>
+              </a:ext>
+            </a:extLst>
+          </p:cNvPr>
+          <p:cNvSpPr>
+            <a:spLocks noGrp="1" noRot="1" noChangeAspect="1" noMove="1" noResize="1" noEditPoints="1" noAdjustHandles="1" noChangeArrowheads="1" noChangeShapeType="1" noTextEdit="1"/>
+          </p:cNvSpPr>
+          <p:nvPr>
+            <p:extLst>
+              <p:ext uri="{386F3935-93C4-4BCD-93E2-E3B085C9AB24}">
+                <p16:designElem xmlns:p16="http://schemas.microsoft.com/office/powerpoint/2015/main" val="1"/>
+              </p:ext>
+            </p:extLst>
+          </p:nvPr>
+        </p:nvSpPr>
+        <p:spPr>
+          <a:xfrm rot="2700000">
+            <a:off x="11052629" y="2120024"/>
+            <a:ext cx="645368" cy="645368"/>
+          </a:xfrm>
+          <a:prstGeom prst="rect">
+            <a:avLst/>
+          </a:prstGeom>
+          <a:solidFill>
+            <a:schemeClr val="accent4">
+              <a:alpha val="30000"/>
+            </a:schemeClr>
+          </a:solidFill>
+          <a:ln>
+            <a:noFill/>
+          </a:ln>
+        </p:spPr>
+        <p:style>
+          <a:lnRef idx="2">
+            <a:schemeClr val="accent1">
+              <a:shade val="50000"/>
+            </a:schemeClr>
+          </a:lnRef>
+          <a:fillRef idx="1">
+            <a:schemeClr val="accent1"/>
+          </a:fillRef>
+          <a:effectRef idx="0">
+            <a:schemeClr val="accent1"/>
+          </a:effectRef>
+          <a:fontRef idx="minor">
+            <a:schemeClr val="lt1"/>
+          </a:fontRef>
+        </p:style>
+        <p:txBody>
+          <a:bodyPr rtlCol="0" anchor="ctr"/>
+          <a:lstStyle/>
+          <a:p>
+            <a:pPr algn="ctr"/>
+            <a:endParaRPr lang="en-US"/>
+          </a:p>
+        </p:txBody>
+      </p:sp>
+      <p:sp>
+        <p:nvSpPr>
+          <p:cNvPr id="26" name="Isosceles Triangle 25">
+            <a:extLst>
+              <a:ext uri="{FF2B5EF4-FFF2-40B4-BE49-F238E27FC236}">
+                <a16:creationId xmlns:a16="http://schemas.microsoft.com/office/drawing/2014/main" id="{A580F890-B085-4E95-96AA-55AEBEC5CE6E}"/>
+              </a:ext>
+              <a:ext uri="{C183D7F6-B498-43B3-948B-1728B52AA6E4}">
+                <adec:decorative xmlns:adec="http://schemas.microsoft.com/office/drawing/2017/decorative" val="1"/>
+              </a:ext>
+            </a:extLst>
+          </p:cNvPr>
+          <p:cNvSpPr>
+            <a:spLocks noGrp="1" noRot="1" noChangeAspect="1" noMove="1" noResize="1" noEditPoints="1" noAdjustHandles="1" noChangeArrowheads="1" noChangeShapeType="1" noTextEdit="1"/>
+          </p:cNvSpPr>
+          <p:nvPr>
+            <p:extLst>
+              <p:ext uri="{386F3935-93C4-4BCD-93E2-E3B085C9AB24}">
+                <p16:designElem xmlns:p16="http://schemas.microsoft.com/office/powerpoint/2015/main" val="1"/>
+              </p:ext>
+            </p:extLst>
+          </p:nvPr>
+        </p:nvSpPr>
+        <p:spPr>
+          <a:xfrm rot="16200000">
+            <a:off x="10289068" y="1343027"/>
+            <a:ext cx="2532832" cy="1273032"/>
+          </a:xfrm>
+          <a:prstGeom prst="triangle">
+            <a:avLst>
+              <a:gd name="adj" fmla="val 50000"/>
+            </a:avLst>
+          </a:prstGeom>
+          <a:solidFill>
+            <a:schemeClr val="accent4">
+              <a:alpha val="30000"/>
+            </a:schemeClr>
+          </a:solidFill>
+          <a:ln>
+            <a:noFill/>
+          </a:ln>
+        </p:spPr>
+        <p:style>
+          <a:lnRef idx="2">
+            <a:schemeClr val="accent1">
+              <a:shade val="50000"/>
+            </a:schemeClr>
+          </a:lnRef>
+          <a:fillRef idx="1">
+            <a:schemeClr val="accent1"/>
+          </a:fillRef>
+          <a:effectRef idx="0">
+            <a:schemeClr val="accent1"/>
+          </a:effectRef>
+          <a:fontRef idx="minor">
+            <a:schemeClr val="lt1"/>
+          </a:fontRef>
+        </p:style>
+        <p:txBody>
+          <a:bodyPr rtlCol="0" anchor="ctr"/>
+          <a:lstStyle/>
+          <a:p>
+            <a:pPr algn="ctr"/>
+            <a:endParaRPr lang="en-US"/>
+          </a:p>
+        </p:txBody>
+      </p:sp>
+      <p:sp>
+        <p:nvSpPr>
+          <p:cNvPr id="28" name="Isosceles Triangle 27">
+            <a:extLst>
+              <a:ext uri="{FF2B5EF4-FFF2-40B4-BE49-F238E27FC236}">
+                <a16:creationId xmlns:a16="http://schemas.microsoft.com/office/drawing/2014/main" id="{D3F51FEB-38FB-4F6C-9F7B-2F2AFAB65463}"/>
+              </a:ext>
+              <a:ext uri="{C183D7F6-B498-43B3-948B-1728B52AA6E4}">
+                <adec:decorative xmlns:adec="http://schemas.microsoft.com/office/drawing/2017/decorative" val="1"/>
+              </a:ext>
+            </a:extLst>
+          </p:cNvPr>
+          <p:cNvSpPr>
+            <a:spLocks noGrp="1" noRot="1" noChangeAspect="1" noMove="1" noResize="1" noEditPoints="1" noAdjustHandles="1" noChangeArrowheads="1" noChangeShapeType="1" noTextEdit="1"/>
+          </p:cNvSpPr>
+          <p:nvPr>
+            <p:extLst>
+              <p:ext uri="{386F3935-93C4-4BCD-93E2-E3B085C9AB24}">
+                <p16:designElem xmlns:p16="http://schemas.microsoft.com/office/powerpoint/2015/main" val="1"/>
+              </p:ext>
+            </p:extLst>
+          </p:nvPr>
+        </p:nvSpPr>
+        <p:spPr>
+          <a:xfrm rot="5400000">
+            <a:off x="-501760" y="5103257"/>
+            <a:ext cx="2017580" cy="1014060"/>
+          </a:xfrm>
+          <a:prstGeom prst="triangle">
+            <a:avLst>
+              <a:gd name="adj" fmla="val 50000"/>
+            </a:avLst>
+          </a:prstGeom>
+          <a:solidFill>
+            <a:schemeClr val="accent1">
+              <a:alpha val="30000"/>
+            </a:schemeClr>
+          </a:solidFill>
+          <a:ln>
+            <a:noFill/>
+          </a:ln>
+        </p:spPr>
+        <p:style>
+          <a:lnRef idx="2">
+            <a:schemeClr val="accent1">
+              <a:shade val="50000"/>
+            </a:schemeClr>
+          </a:lnRef>
+          <a:fillRef idx="1">
+            <a:schemeClr val="accent1"/>
+          </a:fillRef>
+          <a:effectRef idx="0">
+            <a:schemeClr val="accent1"/>
+          </a:effectRef>
+          <a:fontRef idx="minor">
+            <a:schemeClr val="lt1"/>
+          </a:fontRef>
+        </p:style>
+        <p:txBody>
+          <a:bodyPr wrap="square" rtlCol="0" anchor="ctr">
+            <a:noAutofit/>
+          </a:bodyPr>
+          <a:lstStyle/>
+          <a:p>
+            <a:pPr algn="ctr"/>
+            <a:endParaRPr lang="en-US"/>
+          </a:p>
+        </p:txBody>
+      </p:sp>
+      <p:sp>
+        <p:nvSpPr>
+          <p:cNvPr id="30" name="Rectangle 29">
+            <a:extLst>
+              <a:ext uri="{FF2B5EF4-FFF2-40B4-BE49-F238E27FC236}">
+                <a16:creationId xmlns:a16="http://schemas.microsoft.com/office/drawing/2014/main" id="{1E547BA6-BAE0-43BB-A7CA-60F69CE252F0}"/>
+              </a:ext>
+              <a:ext uri="{C183D7F6-B498-43B3-948B-1728B52AA6E4}">
+                <adec:decorative xmlns:adec="http://schemas.microsoft.com/office/drawing/2017/decorative" val="1"/>
+              </a:ext>
+            </a:extLst>
+          </p:cNvPr>
+          <p:cNvSpPr>
+            <a:spLocks noGrp="1" noRot="1" noChangeAspect="1" noMove="1" noResize="1" noEditPoints="1" noAdjustHandles="1" noChangeArrowheads="1" noChangeShapeType="1" noTextEdit="1"/>
+          </p:cNvSpPr>
+          <p:nvPr>
+            <p:extLst>
+              <p:ext uri="{386F3935-93C4-4BCD-93E2-E3B085C9AB24}">
+                <p16:designElem xmlns:p16="http://schemas.microsoft.com/office/powerpoint/2015/main" val="1"/>
+              </p:ext>
+            </p:extLst>
+          </p:nvPr>
+        </p:nvSpPr>
+        <p:spPr>
+          <a:xfrm rot="2700000">
+            <a:off x="427916" y="5728708"/>
+            <a:ext cx="485578" cy="485578"/>
+          </a:xfrm>
+          <a:prstGeom prst="rect">
+            <a:avLst/>
+          </a:prstGeom>
+          <a:solidFill>
+            <a:schemeClr val="accent1">
+              <a:alpha val="30000"/>
+            </a:schemeClr>
+          </a:solidFill>
+          <a:ln>
+            <a:noFill/>
+          </a:ln>
+        </p:spPr>
+        <p:style>
+          <a:lnRef idx="2">
+            <a:schemeClr val="accent1">
+              <a:shade val="50000"/>
+            </a:schemeClr>
+          </a:lnRef>
+          <a:fillRef idx="1">
+            <a:schemeClr val="accent1"/>
+          </a:fillRef>
+          <a:effectRef idx="0">
+            <a:schemeClr val="accent1"/>
+          </a:effectRef>
+          <a:fontRef idx="minor">
+            <a:schemeClr val="lt1"/>
+          </a:fontRef>
+        </p:style>
+        <p:txBody>
+          <a:bodyPr wrap="square" rtlCol="0" anchor="ctr">
+            <a:noAutofit/>
+          </a:bodyPr>
+          <a:lstStyle/>
+          <a:p>
+            <a:pPr algn="ctr"/>
+            <a:endParaRPr lang="en-US"/>
+          </a:p>
+        </p:txBody>
+      </p:sp>
+    </p:spTree>
+    <p:extLst>
+      <p:ext uri="{BB962C8B-B14F-4D97-AF65-F5344CB8AC3E}">
+        <p14:creationId xmlns:p14="http://schemas.microsoft.com/office/powerpoint/2010/main" val="3997197051"/>
+      </p:ext>
+    </p:extLst>
+  </p:cSld>
+  <p:clrMapOvr>
+    <a:masterClrMapping/>
+  </p:clrMapOvr>
+</p:sld>
+</file>
+
+<file path=ppt/slides/slide16.xml><?xml version="1.0" encoding="utf-8"?>
+<p:sld xmlns:a="http://schemas.openxmlformats.org/drawingml/2006/main" xmlns:r="http://schemas.openxmlformats.org/officeDocument/2006/relationships" xmlns:p="http://schemas.openxmlformats.org/presentationml/2006/main">
+  <p:cSld>
+    <p:bg>
+      <p:bgPr>
+        <a:solidFill>
+          <a:schemeClr val="bg1"/>
+        </a:solidFill>
+        <a:effectLst/>
+      </p:bgPr>
+    </p:bg>
+    <p:spTree>
+      <p:nvGrpSpPr>
+        <p:cNvPr id="1" name=""/>
+        <p:cNvGrpSpPr/>
+        <p:nvPr/>
+      </p:nvGrpSpPr>
+      <p:grpSpPr>
+        <a:xfrm>
+          <a:off x="0" y="0"/>
+          <a:ext cx="0" cy="0"/>
+          <a:chOff x="0" y="0"/>
+          <a:chExt cx="0" cy="0"/>
+        </a:xfrm>
+      </p:grpSpPr>
+      <p:sp>
+        <p:nvSpPr>
           <p:cNvPr id="15" name="Rectangle 14">
             <a:extLst>
               <a:ext uri="{FF2B5EF4-FFF2-40B4-BE49-F238E27FC236}">
@@ -11459,7 +12001,7 @@
 </p:sld>
 </file>
 
-<file path=ppt/slides/slide16.xml><?xml version="1.0" encoding="utf-8"?>
+<file path=ppt/slides/slide17.xml><?xml version="1.0" encoding="utf-8"?>
 <p:sld xmlns:a="http://schemas.openxmlformats.org/drawingml/2006/main" xmlns:r="http://schemas.openxmlformats.org/officeDocument/2006/relationships" xmlns:p="http://schemas.openxmlformats.org/presentationml/2006/main">
   <p:cSld>
     <p:bg>
@@ -12244,7 +12786,7 @@
 </p:sld>
 </file>
 
-<file path=ppt/slides/slide17.xml><?xml version="1.0" encoding="utf-8"?>
+<file path=ppt/slides/slide18.xml><?xml version="1.0" encoding="utf-8"?>
 <p:sld xmlns:a="http://schemas.openxmlformats.org/drawingml/2006/main" xmlns:r="http://schemas.openxmlformats.org/officeDocument/2006/relationships" xmlns:p="http://schemas.openxmlformats.org/presentationml/2006/main">
   <p:cSld>
     <p:bg>
@@ -13647,7 +14189,7 @@
 </p:sld>
 </file>
 
-<file path=ppt/slides/slide18.xml><?xml version="1.0" encoding="utf-8"?>
+<file path=ppt/slides/slide19.xml><?xml version="1.0" encoding="utf-8"?>
 <p:sld xmlns:a="http://schemas.openxmlformats.org/drawingml/2006/main" xmlns:r="http://schemas.openxmlformats.org/officeDocument/2006/relationships" xmlns:p="http://schemas.openxmlformats.org/presentationml/2006/main">
   <p:cSld>
     <p:bg>
@@ -14711,381 +15253,6 @@
 </p:sld>
 </file>
 
-<file path=ppt/slides/slide19.xml><?xml version="1.0" encoding="utf-8"?>
-<p:sld xmlns:a="http://schemas.openxmlformats.org/drawingml/2006/main" xmlns:r="http://schemas.openxmlformats.org/officeDocument/2006/relationships" xmlns:p="http://schemas.openxmlformats.org/presentationml/2006/main">
-  <p:cSld>
-    <p:bg>
-      <p:bgPr>
-        <a:solidFill>
-          <a:schemeClr val="bg1"/>
-        </a:solidFill>
-        <a:effectLst/>
-      </p:bgPr>
-    </p:bg>
-    <p:spTree>
-      <p:nvGrpSpPr>
-        <p:cNvPr id="1" name=""/>
-        <p:cNvGrpSpPr/>
-        <p:nvPr/>
-      </p:nvGrpSpPr>
-      <p:grpSpPr>
-        <a:xfrm>
-          <a:off x="0" y="0"/>
-          <a:ext cx="0" cy="0"/>
-          <a:chOff x="0" y="0"/>
-          <a:chExt cx="0" cy="0"/>
-        </a:xfrm>
-      </p:grpSpPr>
-      <p:sp useBgFill="1">
-        <p:nvSpPr>
-          <p:cNvPr id="14" name="Rectangle 7">
-            <a:extLst>
-              <a:ext uri="{FF2B5EF4-FFF2-40B4-BE49-F238E27FC236}">
-                <a16:creationId xmlns:a16="http://schemas.microsoft.com/office/drawing/2014/main" id="{CBB2B1F0-0DD6-4744-9A46-7A344FB48E40}"/>
-              </a:ext>
-              <a:ext uri="{C183D7F6-B498-43B3-948B-1728B52AA6E4}">
-                <adec:decorative xmlns:adec="http://schemas.microsoft.com/office/drawing/2017/decorative" val="1"/>
-              </a:ext>
-            </a:extLst>
-          </p:cNvPr>
-          <p:cNvSpPr>
-            <a:spLocks noGrp="1" noRot="1" noChangeAspect="1" noMove="1" noResize="1" noEditPoints="1" noAdjustHandles="1" noChangeArrowheads="1" noChangeShapeType="1" noTextEdit="1"/>
-          </p:cNvSpPr>
-          <p:nvPr>
-            <p:extLst>
-              <p:ext uri="{386F3935-93C4-4BCD-93E2-E3B085C9AB24}">
-                <p16:designElem xmlns:p16="http://schemas.microsoft.com/office/powerpoint/2015/main" val="1"/>
-              </p:ext>
-            </p:extLst>
-          </p:nvPr>
-        </p:nvSpPr>
-        <p:spPr>
-          <a:xfrm>
-            <a:off x="0" y="0"/>
-            <a:ext cx="12192000" cy="6858000"/>
-          </a:xfrm>
-          <a:prstGeom prst="rect">
-            <a:avLst/>
-          </a:prstGeom>
-          <a:ln>
-            <a:noFill/>
-          </a:ln>
-        </p:spPr>
-        <p:style>
-          <a:lnRef idx="2">
-            <a:schemeClr val="accent1">
-              <a:shade val="50000"/>
-            </a:schemeClr>
-          </a:lnRef>
-          <a:fillRef idx="1">
-            <a:schemeClr val="accent1"/>
-          </a:fillRef>
-          <a:effectRef idx="0">
-            <a:schemeClr val="accent1"/>
-          </a:effectRef>
-          <a:fontRef idx="minor">
-            <a:schemeClr val="lt1"/>
-          </a:fontRef>
-        </p:style>
-        <p:txBody>
-          <a:bodyPr rtlCol="0" anchor="ctr"/>
-          <a:lstStyle/>
-          <a:p>
-            <a:pPr algn="ctr"/>
-            <a:endParaRPr lang="en-US"/>
-          </a:p>
-        </p:txBody>
-      </p:sp>
-      <p:sp>
-        <p:nvSpPr>
-          <p:cNvPr id="2" name="제목 1">
-            <a:extLst>
-              <a:ext uri="{FF2B5EF4-FFF2-40B4-BE49-F238E27FC236}">
-                <a16:creationId xmlns:a16="http://schemas.microsoft.com/office/drawing/2014/main" id="{043D1CD3-D9D0-4B2A-84ED-BC9EE2463486}"/>
-              </a:ext>
-            </a:extLst>
-          </p:cNvPr>
-          <p:cNvSpPr>
-            <a:spLocks noGrp="1"/>
-          </p:cNvSpPr>
-          <p:nvPr>
-            <p:ph type="title"/>
-          </p:nvPr>
-        </p:nvSpPr>
-        <p:spPr>
-          <a:xfrm>
-            <a:off x="841248" y="426720"/>
-            <a:ext cx="10506456" cy="1919141"/>
-          </a:xfrm>
-        </p:spPr>
-        <p:txBody>
-          <a:bodyPr anchor="b">
-            <a:normAutofit/>
-          </a:bodyPr>
-          <a:lstStyle/>
-          <a:p>
-            <a:r>
-              <a:rPr lang="ko-KR" altLang="en-US" sz="6000"/>
-              <a:t>문자열 결합 연산자</a:t>
-            </a:r>
-          </a:p>
-        </p:txBody>
-      </p:sp>
-      <p:sp>
-        <p:nvSpPr>
-          <p:cNvPr id="15" name="Rectangle 9">
-            <a:extLst>
-              <a:ext uri="{FF2B5EF4-FFF2-40B4-BE49-F238E27FC236}">
-                <a16:creationId xmlns:a16="http://schemas.microsoft.com/office/drawing/2014/main" id="{52D502E5-F6B4-4D58-B4AE-FC466FF15EE8}"/>
-              </a:ext>
-              <a:ext uri="{C183D7F6-B498-43B3-948B-1728B52AA6E4}">
-                <adec:decorative xmlns:adec="http://schemas.microsoft.com/office/drawing/2017/decorative" val="1"/>
-              </a:ext>
-            </a:extLst>
-          </p:cNvPr>
-          <p:cNvSpPr>
-            <a:spLocks noGrp="1" noRot="1" noChangeAspect="1" noMove="1" noResize="1" noEditPoints="1" noAdjustHandles="1" noChangeArrowheads="1" noChangeShapeType="1" noTextEdit="1"/>
-          </p:cNvSpPr>
-          <p:nvPr>
-            <p:extLst>
-              <p:ext uri="{386F3935-93C4-4BCD-93E2-E3B085C9AB24}">
-                <p16:designElem xmlns:p16="http://schemas.microsoft.com/office/powerpoint/2015/main" val="1"/>
-              </p:ext>
-            </p:extLst>
-          </p:nvPr>
-        </p:nvSpPr>
-        <p:spPr>
-          <a:xfrm>
-            <a:off x="865953" y="2899927"/>
-            <a:ext cx="10451592" cy="18288"/>
-          </a:xfrm>
-          <a:prstGeom prst="rect">
-            <a:avLst/>
-          </a:prstGeom>
-          <a:solidFill>
-            <a:srgbClr val="D5D5D5"/>
-          </a:solidFill>
-          <a:ln w="3175">
-            <a:noFill/>
-          </a:ln>
-          <a:effectLst/>
-        </p:spPr>
-        <p:style>
-          <a:lnRef idx="2">
-            <a:schemeClr val="accent1">
-              <a:shade val="50000"/>
-            </a:schemeClr>
-          </a:lnRef>
-          <a:fillRef idx="1">
-            <a:schemeClr val="accent1"/>
-          </a:fillRef>
-          <a:effectRef idx="0">
-            <a:schemeClr val="accent1"/>
-          </a:effectRef>
-          <a:fontRef idx="minor">
-            <a:schemeClr val="lt1"/>
-          </a:fontRef>
-        </p:style>
-        <p:txBody>
-          <a:bodyPr rtlCol="0" anchor="ctr"/>
-          <a:lstStyle/>
-          <a:p>
-            <a:pPr algn="ctr"/>
-            <a:endParaRPr lang="en-US">
-              <a:solidFill>
-                <a:prstClr val="white"/>
-              </a:solidFill>
-              <a:latin typeface="Calibri" panose="020F0502020204030204"/>
-            </a:endParaRPr>
-          </a:p>
-        </p:txBody>
-      </p:sp>
-      <p:sp>
-        <p:nvSpPr>
-          <p:cNvPr id="16" name="Rectangle 11">
-            <a:extLst>
-              <a:ext uri="{FF2B5EF4-FFF2-40B4-BE49-F238E27FC236}">
-                <a16:creationId xmlns:a16="http://schemas.microsoft.com/office/drawing/2014/main" id="{9DECDBF4-02B6-4BB4-B65B-B8107AD6A9E8}"/>
-              </a:ext>
-              <a:ext uri="{C183D7F6-B498-43B3-948B-1728B52AA6E4}">
-                <adec:decorative xmlns:adec="http://schemas.microsoft.com/office/drawing/2017/decorative" val="1"/>
-              </a:ext>
-            </a:extLst>
-          </p:cNvPr>
-          <p:cNvSpPr>
-            <a:spLocks noGrp="1" noRot="1" noChangeAspect="1" noMove="1" noResize="1" noEditPoints="1" noAdjustHandles="1" noChangeArrowheads="1" noChangeShapeType="1" noTextEdit="1"/>
-          </p:cNvSpPr>
-          <p:nvPr>
-            <p:extLst>
-              <p:ext uri="{386F3935-93C4-4BCD-93E2-E3B085C9AB24}">
-                <p16:designElem xmlns:p16="http://schemas.microsoft.com/office/powerpoint/2015/main" val="1"/>
-              </p:ext>
-            </p:extLst>
-          </p:nvPr>
-        </p:nvSpPr>
-        <p:spPr>
-          <a:xfrm flipV="1">
-            <a:off x="841248" y="2776031"/>
-            <a:ext cx="1873457" cy="137160"/>
-          </a:xfrm>
-          <a:prstGeom prst="rect">
-            <a:avLst/>
-          </a:prstGeom>
-          <a:solidFill>
-            <a:schemeClr val="accent2"/>
-          </a:solidFill>
-          <a:ln>
-            <a:noFill/>
-          </a:ln>
-        </p:spPr>
-        <p:style>
-          <a:lnRef idx="2">
-            <a:schemeClr val="accent1">
-              <a:shade val="50000"/>
-            </a:schemeClr>
-          </a:lnRef>
-          <a:fillRef idx="1">
-            <a:schemeClr val="accent1"/>
-          </a:fillRef>
-          <a:effectRef idx="0">
-            <a:schemeClr val="accent1"/>
-          </a:effectRef>
-          <a:fontRef idx="minor">
-            <a:schemeClr val="lt1"/>
-          </a:fontRef>
-        </p:style>
-        <p:txBody>
-          <a:bodyPr rtlCol="0" anchor="ctr"/>
-          <a:lstStyle/>
-          <a:p>
-            <a:pPr algn="ctr"/>
-            <a:endParaRPr lang="en-US">
-              <a:solidFill>
-                <a:prstClr val="white"/>
-              </a:solidFill>
-              <a:latin typeface="Calibri" panose="020F0502020204030204"/>
-            </a:endParaRPr>
-          </a:p>
-        </p:txBody>
-      </p:sp>
-      <p:sp>
-        <p:nvSpPr>
-          <p:cNvPr id="3" name="내용 개체 틀 2">
-            <a:extLst>
-              <a:ext uri="{FF2B5EF4-FFF2-40B4-BE49-F238E27FC236}">
-                <a16:creationId xmlns:a16="http://schemas.microsoft.com/office/drawing/2014/main" id="{9101F963-AAFC-4072-9794-50A1CE03C186}"/>
-              </a:ext>
-            </a:extLst>
-          </p:cNvPr>
-          <p:cNvSpPr>
-            <a:spLocks noGrp="1"/>
-          </p:cNvSpPr>
-          <p:nvPr>
-            <p:ph idx="1"/>
-          </p:nvPr>
-        </p:nvSpPr>
-        <p:spPr>
-          <a:xfrm>
-            <a:off x="841248" y="3337269"/>
-            <a:ext cx="10509504" cy="2905686"/>
-          </a:xfrm>
-        </p:spPr>
-        <p:txBody>
-          <a:bodyPr>
-            <a:normAutofit/>
-          </a:bodyPr>
-          <a:lstStyle/>
-          <a:p>
-            <a:pPr marL="0" indent="0">
-              <a:buNone/>
-            </a:pPr>
-            <a:r>
-              <a:rPr lang="en-US" altLang="ko-KR" sz="2200"/>
-              <a:t>“+”</a:t>
-            </a:r>
-            <a:r>
-              <a:rPr lang="ko-KR" altLang="en-US" sz="2200"/>
-              <a:t>는 </a:t>
-            </a:r>
-            <a:r>
-              <a:rPr lang="en-US" altLang="ko-KR" sz="2200"/>
-              <a:t>c#</a:t>
-            </a:r>
-            <a:r>
-              <a:rPr lang="ko-KR" altLang="en-US" sz="2200"/>
-              <a:t>에서는 다른 역할도 할 수 있다</a:t>
-            </a:r>
-            <a:r>
-              <a:rPr lang="en-US" altLang="ko-KR" sz="2200"/>
-              <a:t>.</a:t>
-            </a:r>
-            <a:r>
-              <a:rPr lang="ko-KR" altLang="en-US" sz="2200"/>
-              <a:t> 문자열들을 더할 수 있다</a:t>
-            </a:r>
-            <a:r>
-              <a:rPr lang="en-US" altLang="ko-KR" sz="2200"/>
-              <a:t>.</a:t>
-            </a:r>
-          </a:p>
-          <a:p>
-            <a:pPr marL="0" indent="0">
-              <a:buNone/>
-            </a:pPr>
-            <a:endParaRPr lang="en-US" altLang="ko-KR" sz="2200"/>
-          </a:p>
-          <a:p>
-            <a:pPr marL="0" indent="0">
-              <a:buNone/>
-            </a:pPr>
-            <a:r>
-              <a:rPr lang="en-US" altLang="ko-KR" sz="2200"/>
-              <a:t>string result = “123” + “456”;</a:t>
-            </a:r>
-          </a:p>
-          <a:p>
-            <a:pPr marL="0" indent="0">
-              <a:buNone/>
-            </a:pPr>
-            <a:r>
-              <a:rPr lang="en-US" altLang="ko-KR" sz="2200"/>
-              <a:t>Console.WriteLine(result);</a:t>
-            </a:r>
-          </a:p>
-          <a:p>
-            <a:pPr marL="0" indent="0">
-              <a:buNone/>
-            </a:pPr>
-            <a:endParaRPr lang="en-US" altLang="ko-KR" sz="2200"/>
-          </a:p>
-          <a:p>
-            <a:pPr marL="0" indent="0">
-              <a:buNone/>
-            </a:pPr>
-            <a:r>
-              <a:rPr lang="ko-KR" altLang="en-US" sz="2200"/>
-              <a:t>출력</a:t>
-            </a:r>
-            <a:r>
-              <a:rPr lang="en-US" altLang="ko-KR" sz="2200"/>
-              <a:t>&gt;&gt;123456</a:t>
-            </a:r>
-          </a:p>
-        </p:txBody>
-      </p:sp>
-    </p:spTree>
-    <p:extLst>
-      <p:ext uri="{BB962C8B-B14F-4D97-AF65-F5344CB8AC3E}">
-        <p14:creationId xmlns:p14="http://schemas.microsoft.com/office/powerpoint/2010/main" val="2377729661"/>
-      </p:ext>
-    </p:extLst>
-  </p:cSld>
-  <p:clrMapOvr>
-    <a:masterClrMapping/>
-  </p:clrMapOvr>
-</p:sld>
-</file>
-
 <file path=ppt/slides/slide2.xml><?xml version="1.0" encoding="utf-8"?>
 <p:sld xmlns:a="http://schemas.openxmlformats.org/drawingml/2006/main" xmlns:r="http://schemas.openxmlformats.org/officeDocument/2006/relationships" xmlns:p="http://schemas.openxmlformats.org/presentationml/2006/main">
   <p:cSld>
@@ -15355,6 +15522,381 @@
 </file>
 
 <file path=ppt/slides/slide20.xml><?xml version="1.0" encoding="utf-8"?>
+<p:sld xmlns:a="http://schemas.openxmlformats.org/drawingml/2006/main" xmlns:r="http://schemas.openxmlformats.org/officeDocument/2006/relationships" xmlns:p="http://schemas.openxmlformats.org/presentationml/2006/main">
+  <p:cSld>
+    <p:bg>
+      <p:bgPr>
+        <a:solidFill>
+          <a:schemeClr val="bg1"/>
+        </a:solidFill>
+        <a:effectLst/>
+      </p:bgPr>
+    </p:bg>
+    <p:spTree>
+      <p:nvGrpSpPr>
+        <p:cNvPr id="1" name=""/>
+        <p:cNvGrpSpPr/>
+        <p:nvPr/>
+      </p:nvGrpSpPr>
+      <p:grpSpPr>
+        <a:xfrm>
+          <a:off x="0" y="0"/>
+          <a:ext cx="0" cy="0"/>
+          <a:chOff x="0" y="0"/>
+          <a:chExt cx="0" cy="0"/>
+        </a:xfrm>
+      </p:grpSpPr>
+      <p:sp useBgFill="1">
+        <p:nvSpPr>
+          <p:cNvPr id="14" name="Rectangle 7">
+            <a:extLst>
+              <a:ext uri="{FF2B5EF4-FFF2-40B4-BE49-F238E27FC236}">
+                <a16:creationId xmlns:a16="http://schemas.microsoft.com/office/drawing/2014/main" id="{CBB2B1F0-0DD6-4744-9A46-7A344FB48E40}"/>
+              </a:ext>
+              <a:ext uri="{C183D7F6-B498-43B3-948B-1728B52AA6E4}">
+                <adec:decorative xmlns:adec="http://schemas.microsoft.com/office/drawing/2017/decorative" val="1"/>
+              </a:ext>
+            </a:extLst>
+          </p:cNvPr>
+          <p:cNvSpPr>
+            <a:spLocks noGrp="1" noRot="1" noChangeAspect="1" noMove="1" noResize="1" noEditPoints="1" noAdjustHandles="1" noChangeArrowheads="1" noChangeShapeType="1" noTextEdit="1"/>
+          </p:cNvSpPr>
+          <p:nvPr>
+            <p:extLst>
+              <p:ext uri="{386F3935-93C4-4BCD-93E2-E3B085C9AB24}">
+                <p16:designElem xmlns:p16="http://schemas.microsoft.com/office/powerpoint/2015/main" val="1"/>
+              </p:ext>
+            </p:extLst>
+          </p:nvPr>
+        </p:nvSpPr>
+        <p:spPr>
+          <a:xfrm>
+            <a:off x="0" y="0"/>
+            <a:ext cx="12192000" cy="6858000"/>
+          </a:xfrm>
+          <a:prstGeom prst="rect">
+            <a:avLst/>
+          </a:prstGeom>
+          <a:ln>
+            <a:noFill/>
+          </a:ln>
+        </p:spPr>
+        <p:style>
+          <a:lnRef idx="2">
+            <a:schemeClr val="accent1">
+              <a:shade val="50000"/>
+            </a:schemeClr>
+          </a:lnRef>
+          <a:fillRef idx="1">
+            <a:schemeClr val="accent1"/>
+          </a:fillRef>
+          <a:effectRef idx="0">
+            <a:schemeClr val="accent1"/>
+          </a:effectRef>
+          <a:fontRef idx="minor">
+            <a:schemeClr val="lt1"/>
+          </a:fontRef>
+        </p:style>
+        <p:txBody>
+          <a:bodyPr rtlCol="0" anchor="ctr"/>
+          <a:lstStyle/>
+          <a:p>
+            <a:pPr algn="ctr"/>
+            <a:endParaRPr lang="en-US"/>
+          </a:p>
+        </p:txBody>
+      </p:sp>
+      <p:sp>
+        <p:nvSpPr>
+          <p:cNvPr id="2" name="제목 1">
+            <a:extLst>
+              <a:ext uri="{FF2B5EF4-FFF2-40B4-BE49-F238E27FC236}">
+                <a16:creationId xmlns:a16="http://schemas.microsoft.com/office/drawing/2014/main" id="{043D1CD3-D9D0-4B2A-84ED-BC9EE2463486}"/>
+              </a:ext>
+            </a:extLst>
+          </p:cNvPr>
+          <p:cNvSpPr>
+            <a:spLocks noGrp="1"/>
+          </p:cNvSpPr>
+          <p:nvPr>
+            <p:ph type="title"/>
+          </p:nvPr>
+        </p:nvSpPr>
+        <p:spPr>
+          <a:xfrm>
+            <a:off x="841248" y="426720"/>
+            <a:ext cx="10506456" cy="1919141"/>
+          </a:xfrm>
+        </p:spPr>
+        <p:txBody>
+          <a:bodyPr anchor="b">
+            <a:normAutofit/>
+          </a:bodyPr>
+          <a:lstStyle/>
+          <a:p>
+            <a:r>
+              <a:rPr lang="ko-KR" altLang="en-US" sz="6000"/>
+              <a:t>문자열 결합 연산자</a:t>
+            </a:r>
+          </a:p>
+        </p:txBody>
+      </p:sp>
+      <p:sp>
+        <p:nvSpPr>
+          <p:cNvPr id="15" name="Rectangle 9">
+            <a:extLst>
+              <a:ext uri="{FF2B5EF4-FFF2-40B4-BE49-F238E27FC236}">
+                <a16:creationId xmlns:a16="http://schemas.microsoft.com/office/drawing/2014/main" id="{52D502E5-F6B4-4D58-B4AE-FC466FF15EE8}"/>
+              </a:ext>
+              <a:ext uri="{C183D7F6-B498-43B3-948B-1728B52AA6E4}">
+                <adec:decorative xmlns:adec="http://schemas.microsoft.com/office/drawing/2017/decorative" val="1"/>
+              </a:ext>
+            </a:extLst>
+          </p:cNvPr>
+          <p:cNvSpPr>
+            <a:spLocks noGrp="1" noRot="1" noChangeAspect="1" noMove="1" noResize="1" noEditPoints="1" noAdjustHandles="1" noChangeArrowheads="1" noChangeShapeType="1" noTextEdit="1"/>
+          </p:cNvSpPr>
+          <p:nvPr>
+            <p:extLst>
+              <p:ext uri="{386F3935-93C4-4BCD-93E2-E3B085C9AB24}">
+                <p16:designElem xmlns:p16="http://schemas.microsoft.com/office/powerpoint/2015/main" val="1"/>
+              </p:ext>
+            </p:extLst>
+          </p:nvPr>
+        </p:nvSpPr>
+        <p:spPr>
+          <a:xfrm>
+            <a:off x="865953" y="2899927"/>
+            <a:ext cx="10451592" cy="18288"/>
+          </a:xfrm>
+          <a:prstGeom prst="rect">
+            <a:avLst/>
+          </a:prstGeom>
+          <a:solidFill>
+            <a:srgbClr val="D5D5D5"/>
+          </a:solidFill>
+          <a:ln w="3175">
+            <a:noFill/>
+          </a:ln>
+          <a:effectLst/>
+        </p:spPr>
+        <p:style>
+          <a:lnRef idx="2">
+            <a:schemeClr val="accent1">
+              <a:shade val="50000"/>
+            </a:schemeClr>
+          </a:lnRef>
+          <a:fillRef idx="1">
+            <a:schemeClr val="accent1"/>
+          </a:fillRef>
+          <a:effectRef idx="0">
+            <a:schemeClr val="accent1"/>
+          </a:effectRef>
+          <a:fontRef idx="minor">
+            <a:schemeClr val="lt1"/>
+          </a:fontRef>
+        </p:style>
+        <p:txBody>
+          <a:bodyPr rtlCol="0" anchor="ctr"/>
+          <a:lstStyle/>
+          <a:p>
+            <a:pPr algn="ctr"/>
+            <a:endParaRPr lang="en-US">
+              <a:solidFill>
+                <a:prstClr val="white"/>
+              </a:solidFill>
+              <a:latin typeface="Calibri" panose="020F0502020204030204"/>
+            </a:endParaRPr>
+          </a:p>
+        </p:txBody>
+      </p:sp>
+      <p:sp>
+        <p:nvSpPr>
+          <p:cNvPr id="16" name="Rectangle 11">
+            <a:extLst>
+              <a:ext uri="{FF2B5EF4-FFF2-40B4-BE49-F238E27FC236}">
+                <a16:creationId xmlns:a16="http://schemas.microsoft.com/office/drawing/2014/main" id="{9DECDBF4-02B6-4BB4-B65B-B8107AD6A9E8}"/>
+              </a:ext>
+              <a:ext uri="{C183D7F6-B498-43B3-948B-1728B52AA6E4}">
+                <adec:decorative xmlns:adec="http://schemas.microsoft.com/office/drawing/2017/decorative" val="1"/>
+              </a:ext>
+            </a:extLst>
+          </p:cNvPr>
+          <p:cNvSpPr>
+            <a:spLocks noGrp="1" noRot="1" noChangeAspect="1" noMove="1" noResize="1" noEditPoints="1" noAdjustHandles="1" noChangeArrowheads="1" noChangeShapeType="1" noTextEdit="1"/>
+          </p:cNvSpPr>
+          <p:nvPr>
+            <p:extLst>
+              <p:ext uri="{386F3935-93C4-4BCD-93E2-E3B085C9AB24}">
+                <p16:designElem xmlns:p16="http://schemas.microsoft.com/office/powerpoint/2015/main" val="1"/>
+              </p:ext>
+            </p:extLst>
+          </p:nvPr>
+        </p:nvSpPr>
+        <p:spPr>
+          <a:xfrm flipV="1">
+            <a:off x="841248" y="2776031"/>
+            <a:ext cx="1873457" cy="137160"/>
+          </a:xfrm>
+          <a:prstGeom prst="rect">
+            <a:avLst/>
+          </a:prstGeom>
+          <a:solidFill>
+            <a:schemeClr val="accent2"/>
+          </a:solidFill>
+          <a:ln>
+            <a:noFill/>
+          </a:ln>
+        </p:spPr>
+        <p:style>
+          <a:lnRef idx="2">
+            <a:schemeClr val="accent1">
+              <a:shade val="50000"/>
+            </a:schemeClr>
+          </a:lnRef>
+          <a:fillRef idx="1">
+            <a:schemeClr val="accent1"/>
+          </a:fillRef>
+          <a:effectRef idx="0">
+            <a:schemeClr val="accent1"/>
+          </a:effectRef>
+          <a:fontRef idx="minor">
+            <a:schemeClr val="lt1"/>
+          </a:fontRef>
+        </p:style>
+        <p:txBody>
+          <a:bodyPr rtlCol="0" anchor="ctr"/>
+          <a:lstStyle/>
+          <a:p>
+            <a:pPr algn="ctr"/>
+            <a:endParaRPr lang="en-US">
+              <a:solidFill>
+                <a:prstClr val="white"/>
+              </a:solidFill>
+              <a:latin typeface="Calibri" panose="020F0502020204030204"/>
+            </a:endParaRPr>
+          </a:p>
+        </p:txBody>
+      </p:sp>
+      <p:sp>
+        <p:nvSpPr>
+          <p:cNvPr id="3" name="내용 개체 틀 2">
+            <a:extLst>
+              <a:ext uri="{FF2B5EF4-FFF2-40B4-BE49-F238E27FC236}">
+                <a16:creationId xmlns:a16="http://schemas.microsoft.com/office/drawing/2014/main" id="{9101F963-AAFC-4072-9794-50A1CE03C186}"/>
+              </a:ext>
+            </a:extLst>
+          </p:cNvPr>
+          <p:cNvSpPr>
+            <a:spLocks noGrp="1"/>
+          </p:cNvSpPr>
+          <p:nvPr>
+            <p:ph idx="1"/>
+          </p:nvPr>
+        </p:nvSpPr>
+        <p:spPr>
+          <a:xfrm>
+            <a:off x="841248" y="3337269"/>
+            <a:ext cx="10509504" cy="2905686"/>
+          </a:xfrm>
+        </p:spPr>
+        <p:txBody>
+          <a:bodyPr>
+            <a:normAutofit/>
+          </a:bodyPr>
+          <a:lstStyle/>
+          <a:p>
+            <a:pPr marL="0" indent="0">
+              <a:buNone/>
+            </a:pPr>
+            <a:r>
+              <a:rPr lang="en-US" altLang="ko-KR" sz="2200"/>
+              <a:t>“+”</a:t>
+            </a:r>
+            <a:r>
+              <a:rPr lang="ko-KR" altLang="en-US" sz="2200"/>
+              <a:t>는 </a:t>
+            </a:r>
+            <a:r>
+              <a:rPr lang="en-US" altLang="ko-KR" sz="2200"/>
+              <a:t>c#</a:t>
+            </a:r>
+            <a:r>
+              <a:rPr lang="ko-KR" altLang="en-US" sz="2200"/>
+              <a:t>에서는 다른 역할도 할 수 있다</a:t>
+            </a:r>
+            <a:r>
+              <a:rPr lang="en-US" altLang="ko-KR" sz="2200"/>
+              <a:t>.</a:t>
+            </a:r>
+            <a:r>
+              <a:rPr lang="ko-KR" altLang="en-US" sz="2200"/>
+              <a:t> 문자열들을 더할 수 있다</a:t>
+            </a:r>
+            <a:r>
+              <a:rPr lang="en-US" altLang="ko-KR" sz="2200"/>
+              <a:t>.</a:t>
+            </a:r>
+          </a:p>
+          <a:p>
+            <a:pPr marL="0" indent="0">
+              <a:buNone/>
+            </a:pPr>
+            <a:endParaRPr lang="en-US" altLang="ko-KR" sz="2200"/>
+          </a:p>
+          <a:p>
+            <a:pPr marL="0" indent="0">
+              <a:buNone/>
+            </a:pPr>
+            <a:r>
+              <a:rPr lang="en-US" altLang="ko-KR" sz="2200"/>
+              <a:t>string result = “123” + “456”;</a:t>
+            </a:r>
+          </a:p>
+          <a:p>
+            <a:pPr marL="0" indent="0">
+              <a:buNone/>
+            </a:pPr>
+            <a:r>
+              <a:rPr lang="en-US" altLang="ko-KR" sz="2200"/>
+              <a:t>Console.WriteLine(result);</a:t>
+            </a:r>
+          </a:p>
+          <a:p>
+            <a:pPr marL="0" indent="0">
+              <a:buNone/>
+            </a:pPr>
+            <a:endParaRPr lang="en-US" altLang="ko-KR" sz="2200"/>
+          </a:p>
+          <a:p>
+            <a:pPr marL="0" indent="0">
+              <a:buNone/>
+            </a:pPr>
+            <a:r>
+              <a:rPr lang="ko-KR" altLang="en-US" sz="2200"/>
+              <a:t>출력</a:t>
+            </a:r>
+            <a:r>
+              <a:rPr lang="en-US" altLang="ko-KR" sz="2200"/>
+              <a:t>&gt;&gt;123456</a:t>
+            </a:r>
+          </a:p>
+        </p:txBody>
+      </p:sp>
+    </p:spTree>
+    <p:extLst>
+      <p:ext uri="{BB962C8B-B14F-4D97-AF65-F5344CB8AC3E}">
+        <p14:creationId xmlns:p14="http://schemas.microsoft.com/office/powerpoint/2010/main" val="2377729661"/>
+      </p:ext>
+    </p:extLst>
+  </p:cSld>
+  <p:clrMapOvr>
+    <a:masterClrMapping/>
+  </p:clrMapOvr>
+</p:sld>
+</file>
+
+<file path=ppt/slides/slide21.xml><?xml version="1.0" encoding="utf-8"?>
 <p:sld xmlns:a="http://schemas.openxmlformats.org/drawingml/2006/main" xmlns:r="http://schemas.openxmlformats.org/officeDocument/2006/relationships" xmlns:p="http://schemas.openxmlformats.org/presentationml/2006/main">
   <p:cSld>
     <p:bg>
@@ -17338,7 +17880,7 @@
 </p:sld>
 </file>
 
-<file path=ppt/slides/slide21.xml><?xml version="1.0" encoding="utf-8"?>
+<file path=ppt/slides/slide22.xml><?xml version="1.0" encoding="utf-8"?>
 <p:sld xmlns:a="http://schemas.openxmlformats.org/drawingml/2006/main" xmlns:r="http://schemas.openxmlformats.org/officeDocument/2006/relationships" xmlns:p="http://schemas.openxmlformats.org/presentationml/2006/main">
   <p:cSld>
     <p:bg>
@@ -17984,7 +18526,7 @@
 </p:sld>
 </file>
 
-<file path=ppt/slides/slide22.xml><?xml version="1.0" encoding="utf-8"?>
+<file path=ppt/slides/slide23.xml><?xml version="1.0" encoding="utf-8"?>
 <p:sld xmlns:a="http://schemas.openxmlformats.org/drawingml/2006/main" xmlns:r="http://schemas.openxmlformats.org/officeDocument/2006/relationships" xmlns:p="http://schemas.openxmlformats.org/presentationml/2006/main">
   <p:cSld>
     <p:bg>
@@ -18952,7 +19494,7 @@
 </p:sld>
 </file>
 
-<file path=ppt/slides/slide23.xml><?xml version="1.0" encoding="utf-8"?>
+<file path=ppt/slides/slide24.xml><?xml version="1.0" encoding="utf-8"?>
 <p:sld xmlns:a="http://schemas.openxmlformats.org/drawingml/2006/main" xmlns:r="http://schemas.openxmlformats.org/officeDocument/2006/relationships" xmlns:p="http://schemas.openxmlformats.org/presentationml/2006/main">
   <p:cSld>
     <p:bg>
@@ -19913,7 +20455,7 @@
 </p:sld>
 </file>
 
-<file path=ppt/slides/slide24.xml><?xml version="1.0" encoding="utf-8"?>
+<file path=ppt/slides/slide25.xml><?xml version="1.0" encoding="utf-8"?>
 <p:sld xmlns:a="http://schemas.openxmlformats.org/drawingml/2006/main" xmlns:r="http://schemas.openxmlformats.org/officeDocument/2006/relationships" xmlns:p="http://schemas.openxmlformats.org/presentationml/2006/main">
   <p:cSld>
     <p:bg>
@@ -20218,7 +20760,7 @@
 </p:sld>
 </file>
 
-<file path=ppt/slides/slide25.xml><?xml version="1.0" encoding="utf-8"?>
+<file path=ppt/slides/slide26.xml><?xml version="1.0" encoding="utf-8"?>
 <p:sld xmlns:a="http://schemas.openxmlformats.org/drawingml/2006/main" xmlns:r="http://schemas.openxmlformats.org/officeDocument/2006/relationships" xmlns:p="http://schemas.openxmlformats.org/presentationml/2006/main">
   <p:cSld>
     <p:bg>
@@ -20476,7 +21018,7 @@
 </p:sld>
 </file>
 
-<file path=ppt/slides/slide26.xml><?xml version="1.0" encoding="utf-8"?>
+<file path=ppt/slides/slide27.xml><?xml version="1.0" encoding="utf-8"?>
 <p:sld xmlns:a="http://schemas.openxmlformats.org/drawingml/2006/main" xmlns:r="http://schemas.openxmlformats.org/officeDocument/2006/relationships" xmlns:p="http://schemas.openxmlformats.org/presentationml/2006/main">
   <p:cSld>
     <p:bg>
@@ -20872,7 +21414,7 @@
 </p:sld>
 </file>
 
-<file path=ppt/slides/slide27.xml><?xml version="1.0" encoding="utf-8"?>
+<file path=ppt/slides/slide28.xml><?xml version="1.0" encoding="utf-8"?>
 <p:sld xmlns:a="http://schemas.openxmlformats.org/drawingml/2006/main" xmlns:r="http://schemas.openxmlformats.org/officeDocument/2006/relationships" xmlns:p="http://schemas.openxmlformats.org/presentationml/2006/main">
   <p:cSld>
     <p:bg>
@@ -21168,7 +21710,7 @@
 </p:sld>
 </file>
 
-<file path=ppt/slides/slide28.xml><?xml version="1.0" encoding="utf-8"?>
+<file path=ppt/slides/slide29.xml><?xml version="1.0" encoding="utf-8"?>
 <p:sld xmlns:a="http://schemas.openxmlformats.org/drawingml/2006/main" xmlns:r="http://schemas.openxmlformats.org/officeDocument/2006/relationships" xmlns:p="http://schemas.openxmlformats.org/presentationml/2006/main">
   <p:cSld>
     <p:bg>
@@ -21464,7 +22006,382 @@
 </p:sld>
 </file>
 
-<file path=ppt/slides/slide29.xml><?xml version="1.0" encoding="utf-8"?>
+<file path=ppt/slides/slide3.xml><?xml version="1.0" encoding="utf-8"?>
+<p:sld xmlns:a="http://schemas.openxmlformats.org/drawingml/2006/main" xmlns:r="http://schemas.openxmlformats.org/officeDocument/2006/relationships" xmlns:p="http://schemas.openxmlformats.org/presentationml/2006/main">
+  <p:cSld>
+    <p:bg>
+      <p:bgPr>
+        <a:solidFill>
+          <a:schemeClr val="bg1"/>
+        </a:solidFill>
+        <a:effectLst/>
+      </p:bgPr>
+    </p:bg>
+    <p:spTree>
+      <p:nvGrpSpPr>
+        <p:cNvPr id="1" name=""/>
+        <p:cNvGrpSpPr/>
+        <p:nvPr/>
+      </p:nvGrpSpPr>
+      <p:grpSpPr>
+        <a:xfrm>
+          <a:off x="0" y="0"/>
+          <a:ext cx="0" cy="0"/>
+          <a:chOff x="0" y="0"/>
+          <a:chExt cx="0" cy="0"/>
+        </a:xfrm>
+      </p:grpSpPr>
+      <p:sp>
+        <p:nvSpPr>
+          <p:cNvPr id="8" name="Rectangle 7">
+            <a:extLst>
+              <a:ext uri="{FF2B5EF4-FFF2-40B4-BE49-F238E27FC236}">
+                <a16:creationId xmlns:a16="http://schemas.microsoft.com/office/drawing/2014/main" id="{8D70B121-56F4-4848-B38B-182089D909FA}"/>
+              </a:ext>
+              <a:ext uri="{C183D7F6-B498-43B3-948B-1728B52AA6E4}">
+                <adec:decorative xmlns:adec="http://schemas.microsoft.com/office/drawing/2017/decorative" val="1"/>
+              </a:ext>
+            </a:extLst>
+          </p:cNvPr>
+          <p:cNvSpPr>
+            <a:spLocks noGrp="1" noRot="1" noChangeAspect="1" noMove="1" noResize="1" noEditPoints="1" noAdjustHandles="1" noChangeArrowheads="1" noChangeShapeType="1" noTextEdit="1"/>
+          </p:cNvSpPr>
+          <p:nvPr>
+            <p:extLst>
+              <p:ext uri="{386F3935-93C4-4BCD-93E2-E3B085C9AB24}">
+                <p16:designElem xmlns:p16="http://schemas.microsoft.com/office/powerpoint/2015/main" val="1"/>
+              </p:ext>
+            </p:extLst>
+          </p:nvPr>
+        </p:nvSpPr>
+        <p:spPr bwMode="ltGray">
+          <a:xfrm>
+            <a:off x="321564" y="320040"/>
+            <a:ext cx="11548872" cy="6217920"/>
+          </a:xfrm>
+          <a:prstGeom prst="rect">
+            <a:avLst/>
+          </a:prstGeom>
+          <a:solidFill>
+            <a:schemeClr val="tx1">
+              <a:alpha val="8000"/>
+            </a:schemeClr>
+          </a:solidFill>
+          <a:ln w="127000" cap="sq" cmpd="thinThick">
+            <a:noFill/>
+          </a:ln>
+        </p:spPr>
+        <p:style>
+          <a:lnRef idx="2">
+            <a:schemeClr val="accent1">
+              <a:shade val="50000"/>
+            </a:schemeClr>
+          </a:lnRef>
+          <a:fillRef idx="1">
+            <a:schemeClr val="accent1"/>
+          </a:fillRef>
+          <a:effectRef idx="0">
+            <a:schemeClr val="accent1"/>
+          </a:effectRef>
+          <a:fontRef idx="minor">
+            <a:schemeClr val="lt1"/>
+          </a:fontRef>
+        </p:style>
+        <p:txBody>
+          <a:bodyPr rtlCol="0" anchor="ctr"/>
+          <a:lstStyle/>
+          <a:p>
+            <a:pPr algn="ctr"/>
+            <a:endParaRPr lang="en-US"/>
+          </a:p>
+        </p:txBody>
+      </p:sp>
+      <p:sp>
+        <p:nvSpPr>
+          <p:cNvPr id="2" name="제목 1">
+            <a:extLst>
+              <a:ext uri="{FF2B5EF4-FFF2-40B4-BE49-F238E27FC236}">
+                <a16:creationId xmlns:a16="http://schemas.microsoft.com/office/drawing/2014/main" id="{9A082EED-D61B-43F5-B51A-FF9651E45018}"/>
+              </a:ext>
+            </a:extLst>
+          </p:cNvPr>
+          <p:cNvSpPr>
+            <a:spLocks noGrp="1"/>
+          </p:cNvSpPr>
+          <p:nvPr>
+            <p:ph type="title"/>
+          </p:nvPr>
+        </p:nvSpPr>
+        <p:spPr>
+          <a:xfrm>
+            <a:off x="838200" y="963877"/>
+            <a:ext cx="3494362" cy="4930246"/>
+          </a:xfrm>
+        </p:spPr>
+        <p:txBody>
+          <a:bodyPr>
+            <a:normAutofit/>
+          </a:bodyPr>
+          <a:lstStyle/>
+          <a:p>
+            <a:pPr algn="r"/>
+            <a:r>
+              <a:rPr lang="en-US" altLang="ko-KR" dirty="0">
+                <a:solidFill>
+                  <a:schemeClr val="accent1"/>
+                </a:solidFill>
+              </a:rPr>
+              <a:t>1</a:t>
+            </a:r>
+            <a:r>
+              <a:rPr lang="ko-KR" altLang="en-US" dirty="0">
+                <a:solidFill>
+                  <a:schemeClr val="accent1"/>
+                </a:solidFill>
+              </a:rPr>
+              <a:t>주 차 목차</a:t>
+            </a:r>
+          </a:p>
+        </p:txBody>
+      </p:sp>
+      <p:cxnSp>
+        <p:nvCxnSpPr>
+          <p:cNvPr id="10" name="Straight Connector 9">
+            <a:extLst>
+              <a:ext uri="{FF2B5EF4-FFF2-40B4-BE49-F238E27FC236}">
+                <a16:creationId xmlns:a16="http://schemas.microsoft.com/office/drawing/2014/main" id="{2D72A2C9-F3CA-4216-8BAD-FA4C970C3C4E}"/>
+              </a:ext>
+              <a:ext uri="{C183D7F6-B498-43B3-948B-1728B52AA6E4}">
+                <adec:decorative xmlns:adec="http://schemas.microsoft.com/office/drawing/2017/decorative" val="1"/>
+              </a:ext>
+            </a:extLst>
+          </p:cNvPr>
+          <p:cNvCxnSpPr>
+            <a:cxnSpLocks noGrp="1" noRot="1" noChangeAspect="1" noMove="1" noResize="1" noEditPoints="1" noAdjustHandles="1" noChangeArrowheads="1" noChangeShapeType="1"/>
+          </p:cNvCxnSpPr>
+          <p:nvPr>
+            <p:extLst>
+              <p:ext uri="{386F3935-93C4-4BCD-93E2-E3B085C9AB24}">
+                <p16:designElem xmlns:p16="http://schemas.microsoft.com/office/powerpoint/2015/main" val="1"/>
+              </p:ext>
+            </p:extLst>
+          </p:nvPr>
+        </p:nvCxnSpPr>
+        <p:spPr>
+          <a:xfrm>
+            <a:off x="4654296" y="2057400"/>
+            <a:ext cx="0" cy="2743200"/>
+          </a:xfrm>
+          <a:prstGeom prst="line">
+            <a:avLst/>
+          </a:prstGeom>
+          <a:ln w="19050">
+            <a:solidFill>
+              <a:schemeClr val="tx1">
+                <a:lumMod val="85000"/>
+                <a:lumOff val="15000"/>
+              </a:schemeClr>
+            </a:solidFill>
+          </a:ln>
+        </p:spPr>
+        <p:style>
+          <a:lnRef idx="1">
+            <a:schemeClr val="accent1"/>
+          </a:lnRef>
+          <a:fillRef idx="0">
+            <a:schemeClr val="accent1"/>
+          </a:fillRef>
+          <a:effectRef idx="0">
+            <a:schemeClr val="accent1"/>
+          </a:effectRef>
+          <a:fontRef idx="minor">
+            <a:schemeClr val="tx1"/>
+          </a:fontRef>
+        </p:style>
+      </p:cxnSp>
+      <p:sp>
+        <p:nvSpPr>
+          <p:cNvPr id="3" name="내용 개체 틀 2">
+            <a:extLst>
+              <a:ext uri="{FF2B5EF4-FFF2-40B4-BE49-F238E27FC236}">
+                <a16:creationId xmlns:a16="http://schemas.microsoft.com/office/drawing/2014/main" id="{D7F3D920-01F1-4945-BFBE-3AB3E04C8133}"/>
+              </a:ext>
+            </a:extLst>
+          </p:cNvPr>
+          <p:cNvSpPr>
+            <a:spLocks noGrp="1"/>
+          </p:cNvSpPr>
+          <p:nvPr>
+            <p:ph idx="1"/>
+          </p:nvPr>
+        </p:nvSpPr>
+        <p:spPr>
+          <a:xfrm>
+            <a:off x="4976031" y="963877"/>
+            <a:ext cx="6377769" cy="4930246"/>
+          </a:xfrm>
+        </p:spPr>
+        <p:txBody>
+          <a:bodyPr anchor="ctr">
+            <a:normAutofit fontScale="92500" lnSpcReduction="20000"/>
+          </a:bodyPr>
+          <a:lstStyle/>
+          <a:p>
+            <a:pPr marL="514350" indent="-514350">
+              <a:buAutoNum type="arabicPeriod"/>
+            </a:pPr>
+            <a:r>
+              <a:rPr lang="ko-KR" altLang="en-US" sz="2400" dirty="0"/>
+              <a:t>프로그래밍이란</a:t>
+            </a:r>
+            <a:r>
+              <a:rPr lang="en-US" altLang="ko-KR" sz="2400" dirty="0"/>
+              <a:t>?</a:t>
+            </a:r>
+          </a:p>
+          <a:p>
+            <a:pPr marL="514350" indent="-514350">
+              <a:buAutoNum type="arabicPeriod"/>
+            </a:pPr>
+            <a:endParaRPr lang="en-US" altLang="ko-KR" sz="2400" dirty="0"/>
+          </a:p>
+          <a:p>
+            <a:pPr marL="514350" indent="-514350">
+              <a:buAutoNum type="arabicPeriod"/>
+            </a:pPr>
+            <a:r>
+              <a:rPr lang="ko-KR" altLang="en-US" sz="2400" dirty="0"/>
+              <a:t>자료형 </a:t>
+            </a:r>
+            <a:r>
+              <a:rPr lang="en-US" altLang="ko-KR" sz="2400" dirty="0"/>
+              <a:t>– </a:t>
+            </a:r>
+            <a:r>
+              <a:rPr lang="ko-KR" altLang="en-US" sz="2400" dirty="0"/>
+              <a:t>숫자</a:t>
+            </a:r>
+            <a:r>
+              <a:rPr lang="en-US" altLang="ko-KR" sz="2400" dirty="0"/>
+              <a:t>, </a:t>
+            </a:r>
+            <a:r>
+              <a:rPr lang="ko-KR" altLang="en-US" sz="2400" dirty="0"/>
+              <a:t>문자 저장하기</a:t>
+            </a:r>
+            <a:endParaRPr lang="en-US" altLang="ko-KR" sz="2400" dirty="0"/>
+          </a:p>
+          <a:p>
+            <a:pPr marL="514350" indent="-514350">
+              <a:buAutoNum type="arabicPeriod"/>
+            </a:pPr>
+            <a:endParaRPr lang="en-US" altLang="ko-KR" sz="2400" dirty="0"/>
+          </a:p>
+          <a:p>
+            <a:pPr marL="514350" indent="-514350">
+              <a:buAutoNum type="arabicPeriod"/>
+            </a:pPr>
+            <a:r>
+              <a:rPr lang="ko-KR" altLang="en-US" sz="2400" dirty="0"/>
+              <a:t>연산자 </a:t>
+            </a:r>
+            <a:r>
+              <a:rPr lang="en-US" altLang="ko-KR" sz="2400" dirty="0"/>
+              <a:t>– </a:t>
+            </a:r>
+            <a:r>
+              <a:rPr lang="ko-KR" altLang="en-US" sz="2400" dirty="0"/>
+              <a:t>계산해보기</a:t>
+            </a:r>
+            <a:endParaRPr lang="en-US" altLang="ko-KR" sz="2400" dirty="0"/>
+          </a:p>
+          <a:p>
+            <a:pPr marL="514350" indent="-514350">
+              <a:buAutoNum type="arabicPeriod"/>
+            </a:pPr>
+            <a:endParaRPr lang="en-US" altLang="ko-KR" sz="2400" dirty="0"/>
+          </a:p>
+          <a:p>
+            <a:pPr marL="514350" indent="-514350">
+              <a:buAutoNum type="arabicPeriod"/>
+            </a:pPr>
+            <a:r>
+              <a:rPr lang="ko-KR" altLang="en-US" sz="2400" dirty="0"/>
+              <a:t>비주얼 스튜디오 뜯어보기</a:t>
+            </a:r>
+            <a:endParaRPr lang="en-US" altLang="ko-KR" sz="2400" dirty="0"/>
+          </a:p>
+          <a:p>
+            <a:pPr marL="514350" indent="-514350">
+              <a:buAutoNum type="arabicPeriod"/>
+            </a:pPr>
+            <a:endParaRPr lang="en-US" altLang="ko-KR" sz="2400" dirty="0"/>
+          </a:p>
+          <a:p>
+            <a:pPr marL="514350" indent="-514350">
+              <a:buAutoNum type="arabicPeriod"/>
+            </a:pPr>
+            <a:r>
+              <a:rPr lang="en-US" altLang="ko-KR" sz="2400" dirty="0"/>
+              <a:t>Git</a:t>
+            </a:r>
+            <a:r>
+              <a:rPr lang="ko-KR" altLang="en-US" sz="2400" dirty="0"/>
+              <a:t>과 </a:t>
+            </a:r>
+            <a:r>
+              <a:rPr lang="en-US" altLang="ko-KR" sz="2400" dirty="0"/>
+              <a:t>GitHub</a:t>
+            </a:r>
+          </a:p>
+          <a:p>
+            <a:pPr marL="514350" indent="-514350">
+              <a:buAutoNum type="arabicPeriod"/>
+            </a:pPr>
+            <a:endParaRPr lang="en-US" altLang="ko-KR" sz="2400" dirty="0"/>
+          </a:p>
+          <a:p>
+            <a:pPr marL="514350" indent="-514350">
+              <a:buAutoNum type="arabicPeriod"/>
+            </a:pPr>
+            <a:r>
+              <a:rPr lang="ko-KR" altLang="en-US" sz="2400" dirty="0"/>
+              <a:t>백준 그룹 들어오기</a:t>
+            </a:r>
+            <a:endParaRPr lang="en-US" altLang="ko-KR" sz="2400" dirty="0"/>
+          </a:p>
+          <a:p>
+            <a:pPr marL="514350" indent="-514350">
+              <a:buAutoNum type="arabicPeriod"/>
+            </a:pPr>
+            <a:endParaRPr lang="en-US" altLang="ko-KR" sz="2400" dirty="0"/>
+          </a:p>
+          <a:p>
+            <a:pPr marL="514350" indent="-514350">
+              <a:buAutoNum type="arabicPeriod"/>
+            </a:pPr>
+            <a:r>
+              <a:rPr lang="ko-KR" altLang="en-US" sz="2400" dirty="0"/>
+              <a:t>과제</a:t>
+            </a:r>
+            <a:endParaRPr lang="en-US" altLang="ko-KR" sz="2400" dirty="0"/>
+          </a:p>
+        </p:txBody>
+      </p:sp>
+    </p:spTree>
+    <p:extLst>
+      <p:ext uri="{BB962C8B-B14F-4D97-AF65-F5344CB8AC3E}">
+        <p14:creationId xmlns:p14="http://schemas.microsoft.com/office/powerpoint/2010/main" val="194340770"/>
+      </p:ext>
+    </p:extLst>
+  </p:cSld>
+  <p:clrMapOvr>
+    <a:masterClrMapping/>
+  </p:clrMapOvr>
+</p:sld>
+</file>
+
+<file path=ppt/slides/slide30.xml><?xml version="1.0" encoding="utf-8"?>
 <p:sld xmlns:a="http://schemas.openxmlformats.org/drawingml/2006/main" xmlns:r="http://schemas.openxmlformats.org/officeDocument/2006/relationships" xmlns:p="http://schemas.openxmlformats.org/presentationml/2006/main">
   <p:cSld>
     <p:bg>
@@ -21659,382 +22576,7 @@
 </p:sld>
 </file>
 
-<file path=ppt/slides/slide3.xml><?xml version="1.0" encoding="utf-8"?>
-<p:sld xmlns:a="http://schemas.openxmlformats.org/drawingml/2006/main" xmlns:r="http://schemas.openxmlformats.org/officeDocument/2006/relationships" xmlns:p="http://schemas.openxmlformats.org/presentationml/2006/main">
-  <p:cSld>
-    <p:bg>
-      <p:bgPr>
-        <a:solidFill>
-          <a:schemeClr val="bg1"/>
-        </a:solidFill>
-        <a:effectLst/>
-      </p:bgPr>
-    </p:bg>
-    <p:spTree>
-      <p:nvGrpSpPr>
-        <p:cNvPr id="1" name=""/>
-        <p:cNvGrpSpPr/>
-        <p:nvPr/>
-      </p:nvGrpSpPr>
-      <p:grpSpPr>
-        <a:xfrm>
-          <a:off x="0" y="0"/>
-          <a:ext cx="0" cy="0"/>
-          <a:chOff x="0" y="0"/>
-          <a:chExt cx="0" cy="0"/>
-        </a:xfrm>
-      </p:grpSpPr>
-      <p:sp>
-        <p:nvSpPr>
-          <p:cNvPr id="8" name="Rectangle 7">
-            <a:extLst>
-              <a:ext uri="{FF2B5EF4-FFF2-40B4-BE49-F238E27FC236}">
-                <a16:creationId xmlns:a16="http://schemas.microsoft.com/office/drawing/2014/main" id="{8D70B121-56F4-4848-B38B-182089D909FA}"/>
-              </a:ext>
-              <a:ext uri="{C183D7F6-B498-43B3-948B-1728B52AA6E4}">
-                <adec:decorative xmlns:adec="http://schemas.microsoft.com/office/drawing/2017/decorative" val="1"/>
-              </a:ext>
-            </a:extLst>
-          </p:cNvPr>
-          <p:cNvSpPr>
-            <a:spLocks noGrp="1" noRot="1" noChangeAspect="1" noMove="1" noResize="1" noEditPoints="1" noAdjustHandles="1" noChangeArrowheads="1" noChangeShapeType="1" noTextEdit="1"/>
-          </p:cNvSpPr>
-          <p:nvPr>
-            <p:extLst>
-              <p:ext uri="{386F3935-93C4-4BCD-93E2-E3B085C9AB24}">
-                <p16:designElem xmlns:p16="http://schemas.microsoft.com/office/powerpoint/2015/main" val="1"/>
-              </p:ext>
-            </p:extLst>
-          </p:nvPr>
-        </p:nvSpPr>
-        <p:spPr bwMode="ltGray">
-          <a:xfrm>
-            <a:off x="321564" y="320040"/>
-            <a:ext cx="11548872" cy="6217920"/>
-          </a:xfrm>
-          <a:prstGeom prst="rect">
-            <a:avLst/>
-          </a:prstGeom>
-          <a:solidFill>
-            <a:schemeClr val="tx1">
-              <a:alpha val="8000"/>
-            </a:schemeClr>
-          </a:solidFill>
-          <a:ln w="127000" cap="sq" cmpd="thinThick">
-            <a:noFill/>
-          </a:ln>
-        </p:spPr>
-        <p:style>
-          <a:lnRef idx="2">
-            <a:schemeClr val="accent1">
-              <a:shade val="50000"/>
-            </a:schemeClr>
-          </a:lnRef>
-          <a:fillRef idx="1">
-            <a:schemeClr val="accent1"/>
-          </a:fillRef>
-          <a:effectRef idx="0">
-            <a:schemeClr val="accent1"/>
-          </a:effectRef>
-          <a:fontRef idx="minor">
-            <a:schemeClr val="lt1"/>
-          </a:fontRef>
-        </p:style>
-        <p:txBody>
-          <a:bodyPr rtlCol="0" anchor="ctr"/>
-          <a:lstStyle/>
-          <a:p>
-            <a:pPr algn="ctr"/>
-            <a:endParaRPr lang="en-US"/>
-          </a:p>
-        </p:txBody>
-      </p:sp>
-      <p:sp>
-        <p:nvSpPr>
-          <p:cNvPr id="2" name="제목 1">
-            <a:extLst>
-              <a:ext uri="{FF2B5EF4-FFF2-40B4-BE49-F238E27FC236}">
-                <a16:creationId xmlns:a16="http://schemas.microsoft.com/office/drawing/2014/main" id="{9A082EED-D61B-43F5-B51A-FF9651E45018}"/>
-              </a:ext>
-            </a:extLst>
-          </p:cNvPr>
-          <p:cNvSpPr>
-            <a:spLocks noGrp="1"/>
-          </p:cNvSpPr>
-          <p:nvPr>
-            <p:ph type="title"/>
-          </p:nvPr>
-        </p:nvSpPr>
-        <p:spPr>
-          <a:xfrm>
-            <a:off x="838200" y="963877"/>
-            <a:ext cx="3494362" cy="4930246"/>
-          </a:xfrm>
-        </p:spPr>
-        <p:txBody>
-          <a:bodyPr>
-            <a:normAutofit/>
-          </a:bodyPr>
-          <a:lstStyle/>
-          <a:p>
-            <a:pPr algn="r"/>
-            <a:r>
-              <a:rPr lang="en-US" altLang="ko-KR" dirty="0">
-                <a:solidFill>
-                  <a:schemeClr val="accent1"/>
-                </a:solidFill>
-              </a:rPr>
-              <a:t>1</a:t>
-            </a:r>
-            <a:r>
-              <a:rPr lang="ko-KR" altLang="en-US" dirty="0">
-                <a:solidFill>
-                  <a:schemeClr val="accent1"/>
-                </a:solidFill>
-              </a:rPr>
-              <a:t>주 차 목차</a:t>
-            </a:r>
-          </a:p>
-        </p:txBody>
-      </p:sp>
-      <p:cxnSp>
-        <p:nvCxnSpPr>
-          <p:cNvPr id="10" name="Straight Connector 9">
-            <a:extLst>
-              <a:ext uri="{FF2B5EF4-FFF2-40B4-BE49-F238E27FC236}">
-                <a16:creationId xmlns:a16="http://schemas.microsoft.com/office/drawing/2014/main" id="{2D72A2C9-F3CA-4216-8BAD-FA4C970C3C4E}"/>
-              </a:ext>
-              <a:ext uri="{C183D7F6-B498-43B3-948B-1728B52AA6E4}">
-                <adec:decorative xmlns:adec="http://schemas.microsoft.com/office/drawing/2017/decorative" val="1"/>
-              </a:ext>
-            </a:extLst>
-          </p:cNvPr>
-          <p:cNvCxnSpPr>
-            <a:cxnSpLocks noGrp="1" noRot="1" noChangeAspect="1" noMove="1" noResize="1" noEditPoints="1" noAdjustHandles="1" noChangeArrowheads="1" noChangeShapeType="1"/>
-          </p:cNvCxnSpPr>
-          <p:nvPr>
-            <p:extLst>
-              <p:ext uri="{386F3935-93C4-4BCD-93E2-E3B085C9AB24}">
-                <p16:designElem xmlns:p16="http://schemas.microsoft.com/office/powerpoint/2015/main" val="1"/>
-              </p:ext>
-            </p:extLst>
-          </p:nvPr>
-        </p:nvCxnSpPr>
-        <p:spPr>
-          <a:xfrm>
-            <a:off x="4654296" y="2057400"/>
-            <a:ext cx="0" cy="2743200"/>
-          </a:xfrm>
-          <a:prstGeom prst="line">
-            <a:avLst/>
-          </a:prstGeom>
-          <a:ln w="19050">
-            <a:solidFill>
-              <a:schemeClr val="tx1">
-                <a:lumMod val="85000"/>
-                <a:lumOff val="15000"/>
-              </a:schemeClr>
-            </a:solidFill>
-          </a:ln>
-        </p:spPr>
-        <p:style>
-          <a:lnRef idx="1">
-            <a:schemeClr val="accent1"/>
-          </a:lnRef>
-          <a:fillRef idx="0">
-            <a:schemeClr val="accent1"/>
-          </a:fillRef>
-          <a:effectRef idx="0">
-            <a:schemeClr val="accent1"/>
-          </a:effectRef>
-          <a:fontRef idx="minor">
-            <a:schemeClr val="tx1"/>
-          </a:fontRef>
-        </p:style>
-      </p:cxnSp>
-      <p:sp>
-        <p:nvSpPr>
-          <p:cNvPr id="3" name="내용 개체 틀 2">
-            <a:extLst>
-              <a:ext uri="{FF2B5EF4-FFF2-40B4-BE49-F238E27FC236}">
-                <a16:creationId xmlns:a16="http://schemas.microsoft.com/office/drawing/2014/main" id="{D7F3D920-01F1-4945-BFBE-3AB3E04C8133}"/>
-              </a:ext>
-            </a:extLst>
-          </p:cNvPr>
-          <p:cNvSpPr>
-            <a:spLocks noGrp="1"/>
-          </p:cNvSpPr>
-          <p:nvPr>
-            <p:ph idx="1"/>
-          </p:nvPr>
-        </p:nvSpPr>
-        <p:spPr>
-          <a:xfrm>
-            <a:off x="4976031" y="963877"/>
-            <a:ext cx="6377769" cy="4930246"/>
-          </a:xfrm>
-        </p:spPr>
-        <p:txBody>
-          <a:bodyPr anchor="ctr">
-            <a:normAutofit fontScale="92500" lnSpcReduction="20000"/>
-          </a:bodyPr>
-          <a:lstStyle/>
-          <a:p>
-            <a:pPr marL="514350" indent="-514350">
-              <a:buAutoNum type="arabicPeriod"/>
-            </a:pPr>
-            <a:r>
-              <a:rPr lang="ko-KR" altLang="en-US" sz="2400" dirty="0"/>
-              <a:t>프로그래밍이란</a:t>
-            </a:r>
-            <a:r>
-              <a:rPr lang="en-US" altLang="ko-KR" sz="2400" dirty="0"/>
-              <a:t>?</a:t>
-            </a:r>
-          </a:p>
-          <a:p>
-            <a:pPr marL="514350" indent="-514350">
-              <a:buAutoNum type="arabicPeriod"/>
-            </a:pPr>
-            <a:endParaRPr lang="en-US" altLang="ko-KR" sz="2400" dirty="0"/>
-          </a:p>
-          <a:p>
-            <a:pPr marL="514350" indent="-514350">
-              <a:buAutoNum type="arabicPeriod"/>
-            </a:pPr>
-            <a:r>
-              <a:rPr lang="ko-KR" altLang="en-US" sz="2400" dirty="0"/>
-              <a:t>자료형 </a:t>
-            </a:r>
-            <a:r>
-              <a:rPr lang="en-US" altLang="ko-KR" sz="2400" dirty="0"/>
-              <a:t>– </a:t>
-            </a:r>
-            <a:r>
-              <a:rPr lang="ko-KR" altLang="en-US" sz="2400" dirty="0"/>
-              <a:t>숫자</a:t>
-            </a:r>
-            <a:r>
-              <a:rPr lang="en-US" altLang="ko-KR" sz="2400" dirty="0"/>
-              <a:t>, </a:t>
-            </a:r>
-            <a:r>
-              <a:rPr lang="ko-KR" altLang="en-US" sz="2400" dirty="0"/>
-              <a:t>문자 저장하기</a:t>
-            </a:r>
-            <a:endParaRPr lang="en-US" altLang="ko-KR" sz="2400" dirty="0"/>
-          </a:p>
-          <a:p>
-            <a:pPr marL="514350" indent="-514350">
-              <a:buAutoNum type="arabicPeriod"/>
-            </a:pPr>
-            <a:endParaRPr lang="en-US" altLang="ko-KR" sz="2400" dirty="0"/>
-          </a:p>
-          <a:p>
-            <a:pPr marL="514350" indent="-514350">
-              <a:buAutoNum type="arabicPeriod"/>
-            </a:pPr>
-            <a:r>
-              <a:rPr lang="ko-KR" altLang="en-US" sz="2400" dirty="0"/>
-              <a:t>연산자 </a:t>
-            </a:r>
-            <a:r>
-              <a:rPr lang="en-US" altLang="ko-KR" sz="2400" dirty="0"/>
-              <a:t>– </a:t>
-            </a:r>
-            <a:r>
-              <a:rPr lang="ko-KR" altLang="en-US" sz="2400" dirty="0"/>
-              <a:t>계산해보기</a:t>
-            </a:r>
-            <a:endParaRPr lang="en-US" altLang="ko-KR" sz="2400" dirty="0"/>
-          </a:p>
-          <a:p>
-            <a:pPr marL="514350" indent="-514350">
-              <a:buAutoNum type="arabicPeriod"/>
-            </a:pPr>
-            <a:endParaRPr lang="en-US" altLang="ko-KR" sz="2400" dirty="0"/>
-          </a:p>
-          <a:p>
-            <a:pPr marL="514350" indent="-514350">
-              <a:buAutoNum type="arabicPeriod"/>
-            </a:pPr>
-            <a:r>
-              <a:rPr lang="ko-KR" altLang="en-US" sz="2400" dirty="0"/>
-              <a:t>비주얼 스튜디오 뜯어보기</a:t>
-            </a:r>
-            <a:endParaRPr lang="en-US" altLang="ko-KR" sz="2400" dirty="0"/>
-          </a:p>
-          <a:p>
-            <a:pPr marL="514350" indent="-514350">
-              <a:buAutoNum type="arabicPeriod"/>
-            </a:pPr>
-            <a:endParaRPr lang="en-US" altLang="ko-KR" sz="2400" dirty="0"/>
-          </a:p>
-          <a:p>
-            <a:pPr marL="514350" indent="-514350">
-              <a:buAutoNum type="arabicPeriod"/>
-            </a:pPr>
-            <a:r>
-              <a:rPr lang="en-US" altLang="ko-KR" sz="2400" dirty="0"/>
-              <a:t>Git</a:t>
-            </a:r>
-            <a:r>
-              <a:rPr lang="ko-KR" altLang="en-US" sz="2400" dirty="0"/>
-              <a:t>과 </a:t>
-            </a:r>
-            <a:r>
-              <a:rPr lang="en-US" altLang="ko-KR" sz="2400" dirty="0"/>
-              <a:t>GitHub</a:t>
-            </a:r>
-          </a:p>
-          <a:p>
-            <a:pPr marL="514350" indent="-514350">
-              <a:buAutoNum type="arabicPeriod"/>
-            </a:pPr>
-            <a:endParaRPr lang="en-US" altLang="ko-KR" sz="2400" dirty="0"/>
-          </a:p>
-          <a:p>
-            <a:pPr marL="514350" indent="-514350">
-              <a:buAutoNum type="arabicPeriod"/>
-            </a:pPr>
-            <a:r>
-              <a:rPr lang="ko-KR" altLang="en-US" sz="2400" dirty="0"/>
-              <a:t>백준 그룹 들어오기</a:t>
-            </a:r>
-            <a:endParaRPr lang="en-US" altLang="ko-KR" sz="2400" dirty="0"/>
-          </a:p>
-          <a:p>
-            <a:pPr marL="514350" indent="-514350">
-              <a:buAutoNum type="arabicPeriod"/>
-            </a:pPr>
-            <a:endParaRPr lang="en-US" altLang="ko-KR" sz="2400" dirty="0"/>
-          </a:p>
-          <a:p>
-            <a:pPr marL="514350" indent="-514350">
-              <a:buAutoNum type="arabicPeriod"/>
-            </a:pPr>
-            <a:r>
-              <a:rPr lang="ko-KR" altLang="en-US" sz="2400" dirty="0"/>
-              <a:t>과제</a:t>
-            </a:r>
-            <a:endParaRPr lang="en-US" altLang="ko-KR" sz="2400" dirty="0"/>
-          </a:p>
-        </p:txBody>
-      </p:sp>
-    </p:spTree>
-    <p:extLst>
-      <p:ext uri="{BB962C8B-B14F-4D97-AF65-F5344CB8AC3E}">
-        <p14:creationId xmlns:p14="http://schemas.microsoft.com/office/powerpoint/2010/main" val="194340770"/>
-      </p:ext>
-    </p:extLst>
-  </p:cSld>
-  <p:clrMapOvr>
-    <a:masterClrMapping/>
-  </p:clrMapOvr>
-</p:sld>
-</file>
-
-<file path=ppt/slides/slide30.xml><?xml version="1.0" encoding="utf-8"?>
+<file path=ppt/slides/slide31.xml><?xml version="1.0" encoding="utf-8"?>
 <p:sld xmlns:a="http://schemas.openxmlformats.org/drawingml/2006/main" xmlns:r="http://schemas.openxmlformats.org/officeDocument/2006/relationships" xmlns:p="http://schemas.openxmlformats.org/presentationml/2006/main">
   <p:cSld>
     <p:bg>
@@ -22154,7 +22696,7 @@
 </p:sld>
 </file>
 
-<file path=ppt/slides/slide31.xml><?xml version="1.0" encoding="utf-8"?>
+<file path=ppt/slides/slide32.xml><?xml version="1.0" encoding="utf-8"?>
 <p:sld xmlns:a="http://schemas.openxmlformats.org/drawingml/2006/main" xmlns:r="http://schemas.openxmlformats.org/officeDocument/2006/relationships" xmlns:p="http://schemas.openxmlformats.org/presentationml/2006/main">
   <p:cSld>
     <p:bg>
@@ -22743,7 +23285,7 @@
 </p:sld>
 </file>
 
-<file path=ppt/slides/slide32.xml><?xml version="1.0" encoding="utf-8"?>
+<file path=ppt/slides/slide33.xml><?xml version="1.0" encoding="utf-8"?>
 <p:sld xmlns:a="http://schemas.openxmlformats.org/drawingml/2006/main" xmlns:r="http://schemas.openxmlformats.org/officeDocument/2006/relationships" xmlns:p="http://schemas.openxmlformats.org/presentationml/2006/main">
   <p:cSld>
     <p:bg>
@@ -22855,19 +23397,11 @@
             </a:r>
             <a:r>
               <a:rPr lang="ko-KR" altLang="en-US" sz="1800" dirty="0" err="1"/>
-              <a:t>슬랙</a:t>
+              <a:t>슬랙으로</a:t>
             </a:r>
             <a:r>
               <a:rPr lang="ko-KR" altLang="en-US" sz="1800" dirty="0"/>
-              <a:t> </a:t>
-            </a:r>
-            <a:r>
-              <a:rPr lang="en-US" altLang="ko-KR" sz="1800" dirty="0"/>
-              <a:t>or </a:t>
-            </a:r>
-            <a:r>
-              <a:rPr lang="ko-KR" altLang="en-US" sz="1800" dirty="0"/>
-              <a:t>문자로 보고</a:t>
+              <a:t> 알려주기</a:t>
             </a:r>
             <a:endParaRPr lang="en-US" altLang="ko-KR" sz="1800" dirty="0"/>
           </a:p>
@@ -22899,19 +23433,11 @@
             </a:r>
             <a:r>
               <a:rPr lang="ko-KR" altLang="en-US" sz="1800" dirty="0" err="1"/>
-              <a:t>슬랙</a:t>
+              <a:t>슬랙으로</a:t>
             </a:r>
             <a:r>
               <a:rPr lang="ko-KR" altLang="en-US" sz="1800" dirty="0"/>
-              <a:t> </a:t>
-            </a:r>
-            <a:r>
-              <a:rPr lang="en-US" altLang="ko-KR" sz="1800" dirty="0"/>
-              <a:t>or </a:t>
-            </a:r>
-            <a:r>
-              <a:rPr lang="ko-KR" altLang="en-US" sz="1800" dirty="0"/>
-              <a:t>문자로 소스코드 제출</a:t>
+              <a:t> 소스코드 제출</a:t>
             </a:r>
             <a:endParaRPr lang="en-US" altLang="ko-KR" sz="1800" dirty="0"/>
           </a:p>
@@ -22929,11 +23455,11 @@
             </a:r>
             <a:r>
               <a:rPr lang="ko-KR" altLang="en-US" sz="1800" dirty="0"/>
-              <a:t> 코드 전용 기능 사용</a:t>
+              <a:t> 코드 전용 기능 사용 가능</a:t>
             </a:r>
             <a:r>
               <a:rPr lang="en-US" altLang="ko-KR" sz="1800" dirty="0"/>
-              <a:t>&gt;</a:t>
+              <a:t>!&gt;</a:t>
             </a:r>
           </a:p>
           <a:p>
@@ -23364,7 +23890,7 @@
 </p:sld>
 </file>
 
-<file path=ppt/slides/slide33.xml><?xml version="1.0" encoding="utf-8"?>
+<file path=ppt/slides/slide34.xml><?xml version="1.0" encoding="utf-8"?>
 <p:sld xmlns:a="http://schemas.openxmlformats.org/drawingml/2006/main" xmlns:r="http://schemas.openxmlformats.org/officeDocument/2006/relationships" xmlns:p="http://schemas.openxmlformats.org/presentationml/2006/main">
   <p:cSld>
     <p:bg>
@@ -23810,7 +24336,351 @@
 </p:sld>
 </file>
 
-<file path=ppt/slides/slide34.xml><?xml version="1.0" encoding="utf-8"?>
+<file path=ppt/slides/slide35.xml><?xml version="1.0" encoding="utf-8"?>
+<p:sld xmlns:a="http://schemas.openxmlformats.org/drawingml/2006/main" xmlns:r="http://schemas.openxmlformats.org/officeDocument/2006/relationships" xmlns:p="http://schemas.openxmlformats.org/presentationml/2006/main">
+  <p:cSld>
+    <p:bg>
+      <p:bgPr>
+        <a:solidFill>
+          <a:schemeClr val="bg1"/>
+        </a:solidFill>
+        <a:effectLst/>
+      </p:bgPr>
+    </p:bg>
+    <p:spTree>
+      <p:nvGrpSpPr>
+        <p:cNvPr id="1" name=""/>
+        <p:cNvGrpSpPr/>
+        <p:nvPr/>
+      </p:nvGrpSpPr>
+      <p:grpSpPr>
+        <a:xfrm>
+          <a:off x="0" y="0"/>
+          <a:ext cx="0" cy="0"/>
+          <a:chOff x="0" y="0"/>
+          <a:chExt cx="0" cy="0"/>
+        </a:xfrm>
+      </p:grpSpPr>
+      <p:sp>
+        <p:nvSpPr>
+          <p:cNvPr id="8" name="Rectangle 7">
+            <a:extLst>
+              <a:ext uri="{FF2B5EF4-FFF2-40B4-BE49-F238E27FC236}">
+                <a16:creationId xmlns:a16="http://schemas.microsoft.com/office/drawing/2014/main" id="{8D70B121-56F4-4848-B38B-182089D909FA}"/>
+              </a:ext>
+              <a:ext uri="{C183D7F6-B498-43B3-948B-1728B52AA6E4}">
+                <adec:decorative xmlns:adec="http://schemas.microsoft.com/office/drawing/2017/decorative" val="1"/>
+              </a:ext>
+            </a:extLst>
+          </p:cNvPr>
+          <p:cNvSpPr>
+            <a:spLocks noGrp="1" noRot="1" noChangeAspect="1" noMove="1" noResize="1" noEditPoints="1" noAdjustHandles="1" noChangeArrowheads="1" noChangeShapeType="1" noTextEdit="1"/>
+          </p:cNvSpPr>
+          <p:nvPr>
+            <p:extLst>
+              <p:ext uri="{386F3935-93C4-4BCD-93E2-E3B085C9AB24}">
+                <p16:designElem xmlns:p16="http://schemas.microsoft.com/office/powerpoint/2015/main" val="1"/>
+              </p:ext>
+            </p:extLst>
+          </p:nvPr>
+        </p:nvSpPr>
+        <p:spPr bwMode="ltGray">
+          <a:xfrm>
+            <a:off x="321564" y="320040"/>
+            <a:ext cx="11548872" cy="6217920"/>
+          </a:xfrm>
+          <a:prstGeom prst="rect">
+            <a:avLst/>
+          </a:prstGeom>
+          <a:solidFill>
+            <a:schemeClr val="tx1">
+              <a:alpha val="8000"/>
+            </a:schemeClr>
+          </a:solidFill>
+          <a:ln w="127000" cap="sq" cmpd="thinThick">
+            <a:noFill/>
+          </a:ln>
+        </p:spPr>
+        <p:style>
+          <a:lnRef idx="2">
+            <a:schemeClr val="accent1">
+              <a:shade val="50000"/>
+            </a:schemeClr>
+          </a:lnRef>
+          <a:fillRef idx="1">
+            <a:schemeClr val="accent1"/>
+          </a:fillRef>
+          <a:effectRef idx="0">
+            <a:schemeClr val="accent1"/>
+          </a:effectRef>
+          <a:fontRef idx="minor">
+            <a:schemeClr val="lt1"/>
+          </a:fontRef>
+        </p:style>
+        <p:txBody>
+          <a:bodyPr rtlCol="0" anchor="ctr"/>
+          <a:lstStyle/>
+          <a:p>
+            <a:pPr algn="ctr"/>
+            <a:endParaRPr lang="en-US"/>
+          </a:p>
+        </p:txBody>
+      </p:sp>
+      <p:sp>
+        <p:nvSpPr>
+          <p:cNvPr id="2" name="제목 1">
+            <a:extLst>
+              <a:ext uri="{FF2B5EF4-FFF2-40B4-BE49-F238E27FC236}">
+                <a16:creationId xmlns:a16="http://schemas.microsoft.com/office/drawing/2014/main" id="{45784A37-910D-4647-9F72-0F605B347423}"/>
+              </a:ext>
+            </a:extLst>
+          </p:cNvPr>
+          <p:cNvSpPr>
+            <a:spLocks noGrp="1"/>
+          </p:cNvSpPr>
+          <p:nvPr>
+            <p:ph type="title"/>
+          </p:nvPr>
+        </p:nvSpPr>
+        <p:spPr>
+          <a:xfrm>
+            <a:off x="321564" y="963877"/>
+            <a:ext cx="4332562" cy="4930246"/>
+          </a:xfrm>
+        </p:spPr>
+        <p:txBody>
+          <a:bodyPr>
+            <a:normAutofit/>
+          </a:bodyPr>
+          <a:lstStyle/>
+          <a:p>
+            <a:pPr algn="r"/>
+            <a:r>
+              <a:rPr lang="ko-KR" altLang="en-US" dirty="0">
+                <a:solidFill>
+                  <a:schemeClr val="accent1"/>
+                </a:solidFill>
+              </a:rPr>
+              <a:t>다음 시간에는</a:t>
+            </a:r>
+            <a:r>
+              <a:rPr lang="en-US" altLang="ko-KR" dirty="0">
+                <a:solidFill>
+                  <a:schemeClr val="accent1"/>
+                </a:solidFill>
+              </a:rPr>
+              <a:t>…</a:t>
+            </a:r>
+            <a:endParaRPr lang="ko-KR" altLang="en-US" dirty="0">
+              <a:solidFill>
+                <a:schemeClr val="accent1"/>
+              </a:solidFill>
+            </a:endParaRPr>
+          </a:p>
+        </p:txBody>
+      </p:sp>
+      <p:cxnSp>
+        <p:nvCxnSpPr>
+          <p:cNvPr id="10" name="Straight Connector 9">
+            <a:extLst>
+              <a:ext uri="{FF2B5EF4-FFF2-40B4-BE49-F238E27FC236}">
+                <a16:creationId xmlns:a16="http://schemas.microsoft.com/office/drawing/2014/main" id="{2D72A2C9-F3CA-4216-8BAD-FA4C970C3C4E}"/>
+              </a:ext>
+              <a:ext uri="{C183D7F6-B498-43B3-948B-1728B52AA6E4}">
+                <adec:decorative xmlns:adec="http://schemas.microsoft.com/office/drawing/2017/decorative" val="1"/>
+              </a:ext>
+            </a:extLst>
+          </p:cNvPr>
+          <p:cNvCxnSpPr>
+            <a:cxnSpLocks noGrp="1" noRot="1" noChangeAspect="1" noMove="1" noResize="1" noEditPoints="1" noAdjustHandles="1" noChangeArrowheads="1" noChangeShapeType="1"/>
+          </p:cNvCxnSpPr>
+          <p:nvPr>
+            <p:extLst>
+              <p:ext uri="{386F3935-93C4-4BCD-93E2-E3B085C9AB24}">
+                <p16:designElem xmlns:p16="http://schemas.microsoft.com/office/powerpoint/2015/main" val="1"/>
+              </p:ext>
+            </p:extLst>
+          </p:nvPr>
+        </p:nvCxnSpPr>
+        <p:spPr>
+          <a:xfrm>
+            <a:off x="4654296" y="2057400"/>
+            <a:ext cx="0" cy="2743200"/>
+          </a:xfrm>
+          <a:prstGeom prst="line">
+            <a:avLst/>
+          </a:prstGeom>
+          <a:ln w="19050">
+            <a:solidFill>
+              <a:schemeClr val="tx1">
+                <a:lumMod val="85000"/>
+                <a:lumOff val="15000"/>
+              </a:schemeClr>
+            </a:solidFill>
+          </a:ln>
+        </p:spPr>
+        <p:style>
+          <a:lnRef idx="1">
+            <a:schemeClr val="accent1"/>
+          </a:lnRef>
+          <a:fillRef idx="0">
+            <a:schemeClr val="accent1"/>
+          </a:fillRef>
+          <a:effectRef idx="0">
+            <a:schemeClr val="accent1"/>
+          </a:effectRef>
+          <a:fontRef idx="minor">
+            <a:schemeClr val="tx1"/>
+          </a:fontRef>
+        </p:style>
+      </p:cxnSp>
+      <p:sp>
+        <p:nvSpPr>
+          <p:cNvPr id="3" name="내용 개체 틀 2">
+            <a:extLst>
+              <a:ext uri="{FF2B5EF4-FFF2-40B4-BE49-F238E27FC236}">
+                <a16:creationId xmlns:a16="http://schemas.microsoft.com/office/drawing/2014/main" id="{4943AEF7-5B53-4993-97A0-65E9DB5B8BF8}"/>
+              </a:ext>
+            </a:extLst>
+          </p:cNvPr>
+          <p:cNvSpPr>
+            <a:spLocks noGrp="1"/>
+          </p:cNvSpPr>
+          <p:nvPr>
+            <p:ph idx="1"/>
+          </p:nvPr>
+        </p:nvSpPr>
+        <p:spPr>
+          <a:xfrm>
+            <a:off x="4976031" y="963877"/>
+            <a:ext cx="6377769" cy="4930246"/>
+          </a:xfrm>
+        </p:spPr>
+        <p:txBody>
+          <a:bodyPr anchor="ctr">
+            <a:normAutofit/>
+          </a:bodyPr>
+          <a:lstStyle/>
+          <a:p>
+            <a:pPr marL="0" indent="0">
+              <a:buNone/>
+            </a:pPr>
+            <a:r>
+              <a:rPr lang="ko-KR" altLang="en-US" sz="2400" dirty="0" err="1"/>
+              <a:t>분기문</a:t>
+            </a:r>
+            <a:r>
+              <a:rPr lang="ko-KR" altLang="en-US" sz="2400" dirty="0"/>
+              <a:t> </a:t>
+            </a:r>
+            <a:r>
+              <a:rPr lang="en-US" altLang="ko-KR" sz="2400" dirty="0"/>
+              <a:t>if</a:t>
+            </a:r>
+            <a:r>
+              <a:rPr lang="ko-KR" altLang="en-US" sz="2400" dirty="0"/>
+              <a:t> 문과 </a:t>
+            </a:r>
+            <a:r>
+              <a:rPr lang="en-US" altLang="ko-KR" sz="2400" dirty="0"/>
+              <a:t>else </a:t>
+            </a:r>
+            <a:r>
+              <a:rPr lang="en-US" altLang="ko-KR" sz="2400" dirty="0" err="1"/>
+              <a:t>ifelse</a:t>
+            </a:r>
+            <a:r>
+              <a:rPr lang="en-US" altLang="ko-KR" sz="2400" dirty="0"/>
+              <a:t> </a:t>
+            </a:r>
+            <a:r>
+              <a:rPr lang="ko-KR" altLang="en-US" sz="2400" dirty="0"/>
+              <a:t>문</a:t>
+            </a:r>
+            <a:endParaRPr lang="en-US" altLang="ko-KR" sz="2400" dirty="0"/>
+          </a:p>
+          <a:p>
+            <a:pPr marL="0" indent="0">
+              <a:buNone/>
+            </a:pPr>
+            <a:r>
+              <a:rPr lang="ko-KR" altLang="en-US" sz="2400" dirty="0" err="1"/>
+              <a:t>반복문</a:t>
+            </a:r>
+            <a:r>
+              <a:rPr lang="ko-KR" altLang="en-US" sz="2400" dirty="0"/>
+              <a:t> </a:t>
+            </a:r>
+            <a:r>
+              <a:rPr lang="en-US" altLang="ko-KR" sz="2400" dirty="0"/>
+              <a:t>for, while </a:t>
+            </a:r>
+            <a:r>
+              <a:rPr lang="ko-KR" altLang="en-US" sz="2400" dirty="0"/>
+              <a:t>문</a:t>
+            </a:r>
+            <a:endParaRPr lang="en-US" altLang="ko-KR" sz="2400" dirty="0"/>
+          </a:p>
+          <a:p>
+            <a:pPr marL="0" indent="0">
+              <a:buNone/>
+            </a:pPr>
+            <a:r>
+              <a:rPr lang="ko-KR" altLang="en-US" sz="2400" dirty="0" err="1"/>
+              <a:t>점프문</a:t>
+            </a:r>
+            <a:r>
+              <a:rPr lang="ko-KR" altLang="en-US" sz="2400" dirty="0"/>
+              <a:t> </a:t>
+            </a:r>
+            <a:r>
+              <a:rPr lang="en-US" altLang="ko-KR" sz="2400" dirty="0"/>
+              <a:t>break, continue, </a:t>
+            </a:r>
+            <a:r>
+              <a:rPr lang="en-US" altLang="ko-KR" sz="2400" dirty="0" err="1"/>
+              <a:t>goto</a:t>
+            </a:r>
+            <a:r>
+              <a:rPr lang="en-US" altLang="ko-KR" sz="2400" dirty="0"/>
+              <a:t> </a:t>
+            </a:r>
+            <a:r>
+              <a:rPr lang="ko-KR" altLang="en-US" sz="2400" dirty="0"/>
+              <a:t>문</a:t>
+            </a:r>
+            <a:endParaRPr lang="en-US" altLang="ko-KR" sz="2400" dirty="0"/>
+          </a:p>
+          <a:p>
+            <a:pPr marL="0" indent="0">
+              <a:buNone/>
+            </a:pPr>
+            <a:r>
+              <a:rPr lang="en-US" altLang="ko-KR" sz="2400" dirty="0"/>
+              <a:t>switch </a:t>
+            </a:r>
+            <a:r>
+              <a:rPr lang="ko-KR" altLang="en-US" sz="2400" dirty="0"/>
+              <a:t>문</a:t>
+            </a:r>
+            <a:endParaRPr lang="en-US" altLang="ko-KR" sz="2400" dirty="0"/>
+          </a:p>
+        </p:txBody>
+      </p:sp>
+    </p:spTree>
+    <p:extLst>
+      <p:ext uri="{BB962C8B-B14F-4D97-AF65-F5344CB8AC3E}">
+        <p14:creationId xmlns:p14="http://schemas.microsoft.com/office/powerpoint/2010/main" val="2849090633"/>
+      </p:ext>
+    </p:extLst>
+  </p:cSld>
+  <p:clrMapOvr>
+    <a:masterClrMapping/>
+  </p:clrMapOvr>
+</p:sld>
+</file>
+
+<file path=ppt/slides/slide36.xml><?xml version="1.0" encoding="utf-8"?>
 <p:sld xmlns:a="http://schemas.openxmlformats.org/drawingml/2006/main" xmlns:r="http://schemas.openxmlformats.org/officeDocument/2006/relationships" xmlns:p="http://schemas.openxmlformats.org/presentationml/2006/main">
   <p:cSld>
     <p:bg>
@@ -24068,7 +24938,7 @@
 </p:sld>
 </file>
 
-<file path=ppt/slides/slide35.xml><?xml version="1.0" encoding="utf-8"?>
+<file path=ppt/slides/slide37.xml><?xml version="1.0" encoding="utf-8"?>
 <p:sld xmlns:a="http://schemas.openxmlformats.org/drawingml/2006/main" xmlns:r="http://schemas.openxmlformats.org/officeDocument/2006/relationships" xmlns:p="http://schemas.openxmlformats.org/presentationml/2006/main">
   <p:cSld>
     <p:bg>
@@ -25341,9 +26211,21 @@
           <a:lstStyle/>
           <a:p>
             <a:r>
-              <a:rPr lang="ko-KR" altLang="en-US" sz="3600"/>
+              <a:rPr lang="ko-KR" altLang="en-US" sz="3600" dirty="0"/>
               <a:t>자료형의 필요성</a:t>
             </a:r>
+            <a:br>
+              <a:rPr lang="en-US" altLang="ko-KR" sz="3600" dirty="0"/>
+            </a:br>
+            <a:r>
+              <a:rPr lang="ko-KR" altLang="en-US" sz="3600" dirty="0"/>
+              <a:t>자료형</a:t>
+            </a:r>
+            <a:r>
+              <a:rPr lang="en-US" altLang="ko-KR" sz="3600" dirty="0"/>
+              <a:t>?</a:t>
+            </a:r>
+            <a:endParaRPr lang="ko-KR" altLang="en-US" sz="3600" dirty="0"/>
           </a:p>
         </p:txBody>
       </p:sp>
@@ -25563,7 +26445,7 @@
             <a:pPr marL="0" indent="0">
               <a:buNone/>
             </a:pPr>
-            <a:endParaRPr lang="en-US" altLang="ko-KR" sz="2000">
+            <a:endParaRPr lang="en-US" altLang="ko-KR" sz="2000" dirty="0">
               <a:hlinkClick r:id="rId3"/>
             </a:endParaRPr>
           </a:p>
@@ -25571,7 +26453,7 @@
             <a:pPr marL="0" indent="0">
               <a:buNone/>
             </a:pPr>
-            <a:endParaRPr lang="en-US" altLang="ko-KR" sz="2000">
+            <a:endParaRPr lang="en-US" altLang="ko-KR" sz="2000" dirty="0">
               <a:hlinkClick r:id="rId3"/>
             </a:endParaRPr>
           </a:p>
@@ -25580,26 +26462,26 @@
               <a:buNone/>
             </a:pPr>
             <a:r>
-              <a:rPr lang="en-US" altLang="ko-KR" sz="2000"/>
+              <a:rPr lang="en-US" altLang="ko-KR" sz="2000" dirty="0"/>
               <a:t>C# </a:t>
             </a:r>
             <a:r>
-              <a:rPr lang="ko-KR" altLang="en-US" sz="2000"/>
+              <a:rPr lang="ko-KR" altLang="en-US" sz="2000" dirty="0"/>
               <a:t>기본 자료형 </a:t>
             </a:r>
             <a:r>
-              <a:rPr lang="en-US" altLang="ko-KR" sz="2000"/>
+              <a:rPr lang="en-US" altLang="ko-KR" sz="2000" dirty="0"/>
               <a:t>&lt;</a:t>
             </a:r>
             <a:r>
-              <a:rPr lang="ko-KR" altLang="en-US" sz="2000"/>
+              <a:rPr lang="ko-KR" altLang="en-US" sz="2000" dirty="0"/>
               <a:t>마이크로소프트</a:t>
             </a:r>
             <a:r>
-              <a:rPr lang="en-US" altLang="ko-KR" sz="2000"/>
+              <a:rPr lang="en-US" altLang="ko-KR" sz="2000" dirty="0"/>
               <a:t>&gt;</a:t>
             </a:r>
-            <a:endParaRPr lang="en-US" altLang="ko-KR" sz="2000">
+            <a:endParaRPr lang="en-US" altLang="ko-KR" sz="2000" dirty="0">
               <a:hlinkClick r:id="rId3"/>
             </a:endParaRPr>
           </a:p>
@@ -25608,38 +26490,38 @@
               <a:buNone/>
             </a:pPr>
             <a:r>
-              <a:rPr lang="en-US" altLang="ko-KR" sz="2000">
+              <a:rPr lang="en-US" altLang="ko-KR" sz="2000" dirty="0">
                 <a:hlinkClick r:id="rId3"/>
               </a:rPr>
               <a:t>https://docs.Microsoft.com/ko-kr/dotnet/csharp/language-reference/builtin-types/built-in-types</a:t>
             </a:r>
-            <a:endParaRPr lang="en-US" altLang="ko-KR" sz="2000"/>
+            <a:endParaRPr lang="en-US" altLang="ko-KR" sz="2000" dirty="0"/>
           </a:p>
           <a:p>
             <a:pPr marL="0" indent="0">
               <a:buNone/>
             </a:pPr>
             <a:r>
-              <a:rPr lang="en-US" altLang="ko-KR" sz="2000"/>
+              <a:rPr lang="en-US" altLang="ko-KR" sz="2000" dirty="0"/>
               <a:t>C# </a:t>
             </a:r>
             <a:r>
-              <a:rPr lang="ko-KR" altLang="en-US" sz="2000"/>
+              <a:rPr lang="ko-KR" altLang="en-US" sz="2000" dirty="0"/>
               <a:t>기본 자료형 </a:t>
             </a:r>
             <a:r>
-              <a:rPr lang="en-US" altLang="ko-KR" sz="2000"/>
+              <a:rPr lang="en-US" altLang="ko-KR" sz="2000" dirty="0"/>
               <a:t>&lt;</a:t>
             </a:r>
             <a:r>
-              <a:rPr lang="ko-KR" altLang="en-US" sz="2000"/>
+              <a:rPr lang="ko-KR" altLang="en-US" sz="2000" dirty="0"/>
               <a:t>블로그</a:t>
             </a:r>
             <a:r>
-              <a:rPr lang="en-US" altLang="ko-KR" sz="2000"/>
+              <a:rPr lang="en-US" altLang="ko-KR" sz="2000" dirty="0"/>
               <a:t>&gt;</a:t>
             </a:r>
-            <a:endParaRPr lang="en-US" altLang="ko-KR" sz="2000">
+            <a:endParaRPr lang="en-US" altLang="ko-KR" sz="2000" dirty="0">
               <a:hlinkClick r:id="rId4"/>
             </a:endParaRPr>
           </a:p>
@@ -25648,12 +26530,12 @@
               <a:buNone/>
             </a:pPr>
             <a:r>
-              <a:rPr lang="en-US" altLang="ko-KR" sz="2000">
+              <a:rPr lang="en-US" altLang="ko-KR" sz="2000" dirty="0">
                 <a:hlinkClick r:id="rId4"/>
               </a:rPr>
               <a:t>https://hackersstudy.tistory.com/8</a:t>
             </a:r>
-            <a:endParaRPr lang="ko-KR" altLang="en-US" sz="2000"/>
+            <a:endParaRPr lang="ko-KR" altLang="en-US" sz="2000" dirty="0"/>
           </a:p>
         </p:txBody>
       </p:sp>

--- a/c# 스터디 1주 차.pptx
+++ b/c# 스터디 1주 차.pptx
@@ -3332,7 +3332,7 @@
           <a:p>
             <a:fld id="{7C90EEF3-85AA-4A0F-A388-8693DEDCA294}" type="datetimeFigureOut">
               <a:rPr lang="ko-KR" altLang="en-US" smtClean="0"/>
-              <a:t>2020-04-10</a:t>
+              <a:t>2020-04-11</a:t>
             </a:fld>
             <a:endParaRPr lang="ko-KR" altLang="en-US"/>
           </a:p>
@@ -4283,6 +4283,90 @@
 </p:notes>
 </file>
 
+<file path=ppt/notesSlides/notesSlide8.xml><?xml version="1.0" encoding="utf-8"?>
+<p:notes xmlns:a="http://schemas.openxmlformats.org/drawingml/2006/main" xmlns:r="http://schemas.openxmlformats.org/officeDocument/2006/relationships" xmlns:p="http://schemas.openxmlformats.org/presentationml/2006/main">
+  <p:cSld>
+    <p:spTree>
+      <p:nvGrpSpPr>
+        <p:cNvPr id="1" name=""/>
+        <p:cNvGrpSpPr/>
+        <p:nvPr/>
+      </p:nvGrpSpPr>
+      <p:grpSpPr>
+        <a:xfrm>
+          <a:off x="0" y="0"/>
+          <a:ext cx="0" cy="0"/>
+          <a:chOff x="0" y="0"/>
+          <a:chExt cx="0" cy="0"/>
+        </a:xfrm>
+      </p:grpSpPr>
+      <p:sp>
+        <p:nvSpPr>
+          <p:cNvPr id="2" name="슬라이드 이미지 개체 틀 1"/>
+          <p:cNvSpPr>
+            <a:spLocks noGrp="1" noRot="1" noChangeAspect="1"/>
+          </p:cNvSpPr>
+          <p:nvPr>
+            <p:ph type="sldImg"/>
+          </p:nvPr>
+        </p:nvSpPr>
+        <p:spPr/>
+      </p:sp>
+      <p:sp>
+        <p:nvSpPr>
+          <p:cNvPr id="3" name="슬라이드 노트 개체 틀 2"/>
+          <p:cNvSpPr>
+            <a:spLocks noGrp="1"/>
+          </p:cNvSpPr>
+          <p:nvPr>
+            <p:ph type="body" idx="1"/>
+          </p:nvPr>
+        </p:nvSpPr>
+        <p:spPr/>
+        <p:txBody>
+          <a:bodyPr/>
+          <a:lstStyle/>
+          <a:p>
+            <a:endParaRPr lang="ko-KR" altLang="en-US" dirty="0"/>
+          </a:p>
+        </p:txBody>
+      </p:sp>
+      <p:sp>
+        <p:nvSpPr>
+          <p:cNvPr id="4" name="슬라이드 번호 개체 틀 3"/>
+          <p:cNvSpPr>
+            <a:spLocks noGrp="1"/>
+          </p:cNvSpPr>
+          <p:nvPr>
+            <p:ph type="sldNum" sz="quarter" idx="5"/>
+          </p:nvPr>
+        </p:nvSpPr>
+        <p:spPr/>
+        <p:txBody>
+          <a:bodyPr/>
+          <a:lstStyle/>
+          <a:p>
+            <a:fld id="{A1A39CFB-6B8F-4FF6-935B-A05D169DCC47}" type="slidenum">
+              <a:rPr lang="ko-KR" altLang="en-US" smtClean="0"/>
+              <a:t>23</a:t>
+            </a:fld>
+            <a:endParaRPr lang="ko-KR" altLang="en-US"/>
+          </a:p>
+        </p:txBody>
+      </p:sp>
+    </p:spTree>
+    <p:extLst>
+      <p:ext uri="{BB962C8B-B14F-4D97-AF65-F5344CB8AC3E}">
+        <p14:creationId xmlns:p14="http://schemas.microsoft.com/office/powerpoint/2010/main" val="2026478441"/>
+      </p:ext>
+    </p:extLst>
+  </p:cSld>
+  <p:clrMapOvr>
+    <a:masterClrMapping/>
+  </p:clrMapOvr>
+</p:notes>
+</file>
+
 <file path=ppt/slideLayouts/slideLayout1.xml><?xml version="1.0" encoding="utf-8"?>
 <p:sldLayout xmlns:a="http://schemas.openxmlformats.org/drawingml/2006/main" xmlns:r="http://schemas.openxmlformats.org/officeDocument/2006/relationships" xmlns:p="http://schemas.openxmlformats.org/presentationml/2006/main" type="title" preserve="1">
   <p:cSld name="제목 슬라이드">
@@ -4430,7 +4514,7 @@
           <a:p>
             <a:fld id="{4E94162F-4773-4077-AA99-7762C3C9E76E}" type="datetimeFigureOut">
               <a:rPr lang="ko-KR" altLang="en-US" smtClean="0"/>
-              <a:t>2020-04-10</a:t>
+              <a:t>2020-04-11</a:t>
             </a:fld>
             <a:endParaRPr lang="ko-KR" altLang="en-US"/>
           </a:p>
@@ -4628,7 +4712,7 @@
           <a:p>
             <a:fld id="{4E94162F-4773-4077-AA99-7762C3C9E76E}" type="datetimeFigureOut">
               <a:rPr lang="ko-KR" altLang="en-US" smtClean="0"/>
-              <a:t>2020-04-10</a:t>
+              <a:t>2020-04-11</a:t>
             </a:fld>
             <a:endParaRPr lang="ko-KR" altLang="en-US"/>
           </a:p>
@@ -4836,7 +4920,7 @@
           <a:p>
             <a:fld id="{4E94162F-4773-4077-AA99-7762C3C9E76E}" type="datetimeFigureOut">
               <a:rPr lang="ko-KR" altLang="en-US" smtClean="0"/>
-              <a:t>2020-04-10</a:t>
+              <a:t>2020-04-11</a:t>
             </a:fld>
             <a:endParaRPr lang="ko-KR" altLang="en-US"/>
           </a:p>
@@ -5034,7 +5118,7 @@
           <a:p>
             <a:fld id="{4E94162F-4773-4077-AA99-7762C3C9E76E}" type="datetimeFigureOut">
               <a:rPr lang="ko-KR" altLang="en-US" smtClean="0"/>
-              <a:t>2020-04-10</a:t>
+              <a:t>2020-04-11</a:t>
             </a:fld>
             <a:endParaRPr lang="ko-KR" altLang="en-US"/>
           </a:p>
@@ -5309,7 +5393,7 @@
           <a:p>
             <a:fld id="{4E94162F-4773-4077-AA99-7762C3C9E76E}" type="datetimeFigureOut">
               <a:rPr lang="ko-KR" altLang="en-US" smtClean="0"/>
-              <a:t>2020-04-10</a:t>
+              <a:t>2020-04-11</a:t>
             </a:fld>
             <a:endParaRPr lang="ko-KR" altLang="en-US"/>
           </a:p>
@@ -5574,7 +5658,7 @@
           <a:p>
             <a:fld id="{4E94162F-4773-4077-AA99-7762C3C9E76E}" type="datetimeFigureOut">
               <a:rPr lang="ko-KR" altLang="en-US" smtClean="0"/>
-              <a:t>2020-04-10</a:t>
+              <a:t>2020-04-11</a:t>
             </a:fld>
             <a:endParaRPr lang="ko-KR" altLang="en-US"/>
           </a:p>
@@ -5986,7 +6070,7 @@
           <a:p>
             <a:fld id="{4E94162F-4773-4077-AA99-7762C3C9E76E}" type="datetimeFigureOut">
               <a:rPr lang="ko-KR" altLang="en-US" smtClean="0"/>
-              <a:t>2020-04-10</a:t>
+              <a:t>2020-04-11</a:t>
             </a:fld>
             <a:endParaRPr lang="ko-KR" altLang="en-US"/>
           </a:p>
@@ -6127,7 +6211,7 @@
           <a:p>
             <a:fld id="{4E94162F-4773-4077-AA99-7762C3C9E76E}" type="datetimeFigureOut">
               <a:rPr lang="ko-KR" altLang="en-US" smtClean="0"/>
-              <a:t>2020-04-10</a:t>
+              <a:t>2020-04-11</a:t>
             </a:fld>
             <a:endParaRPr lang="ko-KR" altLang="en-US"/>
           </a:p>
@@ -6240,7 +6324,7 @@
           <a:p>
             <a:fld id="{4E94162F-4773-4077-AA99-7762C3C9E76E}" type="datetimeFigureOut">
               <a:rPr lang="ko-KR" altLang="en-US" smtClean="0"/>
-              <a:t>2020-04-10</a:t>
+              <a:t>2020-04-11</a:t>
             </a:fld>
             <a:endParaRPr lang="ko-KR" altLang="en-US"/>
           </a:p>
@@ -6551,7 +6635,7 @@
           <a:p>
             <a:fld id="{4E94162F-4773-4077-AA99-7762C3C9E76E}" type="datetimeFigureOut">
               <a:rPr lang="ko-KR" altLang="en-US" smtClean="0"/>
-              <a:t>2020-04-10</a:t>
+              <a:t>2020-04-11</a:t>
             </a:fld>
             <a:endParaRPr lang="ko-KR" altLang="en-US"/>
           </a:p>
@@ -6839,7 +6923,7 @@
           <a:p>
             <a:fld id="{4E94162F-4773-4077-AA99-7762C3C9E76E}" type="datetimeFigureOut">
               <a:rPr lang="ko-KR" altLang="en-US" smtClean="0"/>
-              <a:t>2020-04-10</a:t>
+              <a:t>2020-04-11</a:t>
             </a:fld>
             <a:endParaRPr lang="ko-KR" altLang="en-US"/>
           </a:p>
@@ -7080,7 +7164,7 @@
           <a:p>
             <a:fld id="{4E94162F-4773-4077-AA99-7762C3C9E76E}" type="datetimeFigureOut">
               <a:rPr lang="ko-KR" altLang="en-US" smtClean="0"/>
-              <a:t>2020-04-10</a:t>
+              <a:t>2020-04-11</a:t>
             </a:fld>
             <a:endParaRPr lang="ko-KR" altLang="en-US"/>
           </a:p>
@@ -8715,12 +8799,8 @@
               <a:buNone/>
             </a:pPr>
             <a:r>
-              <a:rPr lang="en-US" altLang="ko-KR" sz="2000"/>
-              <a:t>1</a:t>
-            </a:r>
-            <a:r>
               <a:rPr lang="en-US" altLang="ko-KR" sz="2000" dirty="0"/>
-              <a:t>. </a:t>
+              <a:t>1. </a:t>
             </a:r>
             <a:r>
               <a:rPr lang="ko-KR" altLang="en-US" sz="2000" dirty="0"/>
@@ -8762,7 +8842,7 @@
               <a:t>2. string a = “</a:t>
             </a:r>
             <a:r>
-              <a:rPr lang="en-US" altLang="ko-KR" sz="2000"/>
+              <a:rPr lang="en-US" altLang="ko-KR" sz="2000" dirty="0" err="1"/>
               <a:t>Hello_World</a:t>
             </a:r>
             <a:r>
@@ -8805,7 +8885,7 @@
               <a:t>은 대괄호로 구분 </a:t>
             </a:r>
             <a:r>
-              <a:rPr lang="ko-KR" altLang="en-US" sz="2000"/>
+              <a:rPr lang="ko-KR" altLang="en-US" sz="2000" dirty="0" err="1"/>
               <a:t>해야한다</a:t>
             </a:r>
             <a:r>
@@ -18950,14 +19030,14 @@
           <p:nvPr>
             <p:extLst>
               <p:ext uri="{D42A27DB-BD31-4B8C-83A1-F6EECF244321}">
-                <p14:modId xmlns:p14="http://schemas.microsoft.com/office/powerpoint/2010/main" val="3555949692"/>
+                <p14:modId xmlns:p14="http://schemas.microsoft.com/office/powerpoint/2010/main" val="2367347415"/>
               </p:ext>
             </p:extLst>
           </p:nvPr>
         </p:nvGraphicFramePr>
         <p:xfrm>
-          <a:off x="549058" y="2272394"/>
-          <a:ext cx="11097350" cy="3843647"/>
+          <a:off x="513184" y="2272394"/>
+          <a:ext cx="11133224" cy="3843647"/>
         </p:xfrm>
         <a:graphic>
           <a:graphicData uri="http://schemas.openxmlformats.org/drawingml/2006/table">
@@ -18966,7 +19046,7 @@
                 <a:tableStyleId>{3B4B98B0-60AC-42C2-AFA5-B58CD77FA1E5}</a:tableStyleId>
               </a:tblPr>
               <a:tblGrid>
-                <a:gridCol w="2633775">
+                <a:gridCol w="2669649">
                   <a:extLst>
                     <a:ext uri="{9D8B030D-6E8A-4147-A177-3AD203B41FA5}">
                       <a16:colId xmlns:a16="http://schemas.microsoft.com/office/drawing/2014/main" val="66060789"/>
@@ -19045,10 +19125,10 @@
                     <a:p>
                       <a:pPr latinLnBrk="1"/>
                       <a:r>
-                        <a:rPr lang="en-US" altLang="ko-KR" sz="1800"/>
+                        <a:rPr lang="en-US" altLang="ko-KR" sz="1800" dirty="0"/>
                         <a:t>=</a:t>
                       </a:r>
-                      <a:endParaRPr lang="ko-KR" altLang="en-US" sz="1800"/>
+                      <a:endParaRPr lang="ko-KR" altLang="en-US" sz="1800" dirty="0"/>
                     </a:p>
                   </a:txBody>
                   <a:tcPr marL="89805" marR="89805" marT="44902" marB="44902"/>
@@ -19095,10 +19175,10 @@
                     <a:p>
                       <a:pPr latinLnBrk="1"/>
                       <a:r>
-                        <a:rPr lang="en-US" altLang="ko-KR" sz="1800"/>
+                        <a:rPr lang="en-US" altLang="ko-KR" sz="1800" dirty="0"/>
                         <a:t>+=</a:t>
                       </a:r>
-                      <a:endParaRPr lang="ko-KR" altLang="en-US" sz="1800"/>
+                      <a:endParaRPr lang="ko-KR" altLang="en-US" sz="1800" dirty="0"/>
                     </a:p>
                   </a:txBody>
                   <a:tcPr marL="89805" marR="89805" marT="44902" marB="44902"/>
@@ -19110,7 +19190,7 @@
                     <a:p>
                       <a:pPr latinLnBrk="1"/>
                       <a:r>
-                        <a:rPr lang="ko-KR" altLang="en-US" sz="1800"/>
+                        <a:rPr lang="ko-KR" altLang="en-US" sz="1800" dirty="0"/>
                         <a:t>덧셈 할당 연산자</a:t>
                       </a:r>
                     </a:p>
@@ -19157,10 +19237,10 @@
                     <a:p>
                       <a:pPr latinLnBrk="1"/>
                       <a:r>
-                        <a:rPr lang="en-US" altLang="ko-KR" sz="1800"/>
+                        <a:rPr lang="en-US" altLang="ko-KR" sz="1800" dirty="0"/>
                         <a:t>-=</a:t>
                       </a:r>
-                      <a:endParaRPr lang="ko-KR" altLang="en-US" sz="1800"/>
+                      <a:endParaRPr lang="ko-KR" altLang="en-US" sz="1800" dirty="0"/>
                     </a:p>
                   </a:txBody>
                   <a:tcPr marL="89805" marR="89805" marT="44902" marB="44902"/>
@@ -19239,10 +19319,10 @@
                     <a:p>
                       <a:pPr latinLnBrk="1"/>
                       <a:r>
-                        <a:rPr lang="en-US" altLang="ko-KR" sz="1800"/>
+                        <a:rPr lang="en-US" altLang="ko-KR" sz="1800" dirty="0"/>
                         <a:t>*=</a:t>
                       </a:r>
-                      <a:endParaRPr lang="ko-KR" altLang="en-US" sz="1800"/>
+                      <a:endParaRPr lang="ko-KR" altLang="en-US" sz="1800" dirty="0"/>
                     </a:p>
                   </a:txBody>
                   <a:tcPr marL="89805" marR="89805" marT="44902" marB="44902"/>
@@ -19321,10 +19401,10 @@
                     <a:p>
                       <a:pPr latinLnBrk="1"/>
                       <a:r>
-                        <a:rPr lang="en-US" altLang="ko-KR" sz="1800"/>
+                        <a:rPr lang="en-US" altLang="ko-KR" sz="1800" dirty="0"/>
                         <a:t>/=</a:t>
                       </a:r>
-                      <a:endParaRPr lang="ko-KR" altLang="en-US" sz="1800"/>
+                      <a:endParaRPr lang="ko-KR" altLang="en-US" sz="1800" dirty="0"/>
                     </a:p>
                   </a:txBody>
                   <a:tcPr marL="89805" marR="89805" marT="44902" marB="44902"/>
